--- a/specifications/deliv1/SOS Deliverable 1 Presentation.pptx
+++ b/specifications/deliv1/SOS Deliverable 1 Presentation.pptx
@@ -118,6 +118,11 @@
       </a:defRPr>
     </a:lvl9pPr>
   </p:defaultTextStyle>
+  <p:extLst>
+    <p:ext uri="{EFAFB233-063F-42B5-8137-9DF3F51BA10A}">
+      <p15:sldGuideLst xmlns:p15="http://schemas.microsoft.com/office/powerpoint/2012/main"/>
+    </p:ext>
+  </p:extLst>
 </p:presentation>
 </file>
 
@@ -268,7 +273,7 @@
           <a:p>
             <a:fld id="{B673521E-B280-4C28-8ED0-E34914655C34}" type="datetimeFigureOut">
               <a:rPr lang="en-US" smtClean="0"/>
-              <a:t>9/28/2019</a:t>
+              <a:t>9/29/2019</a:t>
             </a:fld>
             <a:endParaRPr lang="en-US"/>
           </a:p>
@@ -466,7 +471,7 @@
           <a:p>
             <a:fld id="{B673521E-B280-4C28-8ED0-E34914655C34}" type="datetimeFigureOut">
               <a:rPr lang="en-US" smtClean="0"/>
-              <a:t>9/28/2019</a:t>
+              <a:t>9/29/2019</a:t>
             </a:fld>
             <a:endParaRPr lang="en-US"/>
           </a:p>
@@ -674,7 +679,7 @@
           <a:p>
             <a:fld id="{B673521E-B280-4C28-8ED0-E34914655C34}" type="datetimeFigureOut">
               <a:rPr lang="en-US" smtClean="0"/>
-              <a:t>9/28/2019</a:t>
+              <a:t>9/29/2019</a:t>
             </a:fld>
             <a:endParaRPr lang="en-US"/>
           </a:p>
@@ -872,7 +877,7 @@
           <a:p>
             <a:fld id="{B673521E-B280-4C28-8ED0-E34914655C34}" type="datetimeFigureOut">
               <a:rPr lang="en-US" smtClean="0"/>
-              <a:t>9/28/2019</a:t>
+              <a:t>9/29/2019</a:t>
             </a:fld>
             <a:endParaRPr lang="en-US"/>
           </a:p>
@@ -1147,7 +1152,7 @@
           <a:p>
             <a:fld id="{B673521E-B280-4C28-8ED0-E34914655C34}" type="datetimeFigureOut">
               <a:rPr lang="en-US" smtClean="0"/>
-              <a:t>9/28/2019</a:t>
+              <a:t>9/29/2019</a:t>
             </a:fld>
             <a:endParaRPr lang="en-US"/>
           </a:p>
@@ -1412,7 +1417,7 @@
           <a:p>
             <a:fld id="{B673521E-B280-4C28-8ED0-E34914655C34}" type="datetimeFigureOut">
               <a:rPr lang="en-US" smtClean="0"/>
-              <a:t>9/28/2019</a:t>
+              <a:t>9/29/2019</a:t>
             </a:fld>
             <a:endParaRPr lang="en-US"/>
           </a:p>
@@ -1824,7 +1829,7 @@
           <a:p>
             <a:fld id="{B673521E-B280-4C28-8ED0-E34914655C34}" type="datetimeFigureOut">
               <a:rPr lang="en-US" smtClean="0"/>
-              <a:t>9/28/2019</a:t>
+              <a:t>9/29/2019</a:t>
             </a:fld>
             <a:endParaRPr lang="en-US"/>
           </a:p>
@@ -1965,7 +1970,7 @@
           <a:p>
             <a:fld id="{B673521E-B280-4C28-8ED0-E34914655C34}" type="datetimeFigureOut">
               <a:rPr lang="en-US" smtClean="0"/>
-              <a:t>9/28/2019</a:t>
+              <a:t>9/29/2019</a:t>
             </a:fld>
             <a:endParaRPr lang="en-US"/>
           </a:p>
@@ -2078,7 +2083,7 @@
           <a:p>
             <a:fld id="{B673521E-B280-4C28-8ED0-E34914655C34}" type="datetimeFigureOut">
               <a:rPr lang="en-US" smtClean="0"/>
-              <a:t>9/28/2019</a:t>
+              <a:t>9/29/2019</a:t>
             </a:fld>
             <a:endParaRPr lang="en-US"/>
           </a:p>
@@ -2389,7 +2394,7 @@
           <a:p>
             <a:fld id="{B673521E-B280-4C28-8ED0-E34914655C34}" type="datetimeFigureOut">
               <a:rPr lang="en-US" smtClean="0"/>
-              <a:t>9/28/2019</a:t>
+              <a:t>9/29/2019</a:t>
             </a:fld>
             <a:endParaRPr lang="en-US"/>
           </a:p>
@@ -2677,7 +2682,7 @@
           <a:p>
             <a:fld id="{B673521E-B280-4C28-8ED0-E34914655C34}" type="datetimeFigureOut">
               <a:rPr lang="en-US" smtClean="0"/>
-              <a:t>9/28/2019</a:t>
+              <a:t>9/29/2019</a:t>
             </a:fld>
             <a:endParaRPr lang="en-US"/>
           </a:p>
@@ -2918,7 +2923,7 @@
           <a:p>
             <a:fld id="{B673521E-B280-4C28-8ED0-E34914655C34}" type="datetimeFigureOut">
               <a:rPr lang="en-US" smtClean="0"/>
-              <a:t>9/28/2019</a:t>
+              <a:t>9/29/2019</a:t>
             </a:fld>
             <a:endParaRPr lang="en-US"/>
           </a:p>
@@ -3511,7 +3516,7 @@
             <a:pPr algn="ctr"/>
             <a:r>
               <a:rPr lang="en-US" dirty="0"/>
-              <a:t>User Interface Design SOS##</a:t>
+              <a:t>User Interface Design SOS07</a:t>
             </a:r>
           </a:p>
         </p:txBody>
@@ -3595,7 +3600,7 @@
             <a:pPr algn="ctr"/>
             <a:r>
               <a:rPr lang="en-US" dirty="0"/>
-              <a:t>Requirement Analysis SOS##</a:t>
+              <a:t>Requirement Analysis SOS16</a:t>
             </a:r>
           </a:p>
         </p:txBody>
@@ -3679,7 +3684,7 @@
             <a:pPr algn="ctr"/>
             <a:r>
               <a:rPr lang="en-US" dirty="0"/>
-              <a:t>Requirement Analysis SOS##</a:t>
+              <a:t>Requirement Analysis SOS17</a:t>
             </a:r>
           </a:p>
         </p:txBody>
@@ -3755,7 +3760,12 @@
             <p:ph type="title"/>
           </p:nvPr>
         </p:nvSpPr>
-        <p:spPr/>
+        <p:spPr>
+          <a:xfrm>
+            <a:off x="838200" y="98341"/>
+            <a:ext cx="10515600" cy="1325563"/>
+          </a:xfrm>
+        </p:spPr>
         <p:txBody>
           <a:bodyPr/>
           <a:lstStyle/>
@@ -3763,36 +3773,43 @@
             <a:pPr algn="ctr"/>
             <a:r>
               <a:rPr lang="en-US" dirty="0"/>
-              <a:t>Sequence Diagram SOS##</a:t>
-            </a:r>
-          </a:p>
-        </p:txBody>
-      </p:sp>
-      <p:sp>
-        <p:nvSpPr>
-          <p:cNvPr id="3" name="Content Placeholder 2">
-            <a:extLst>
-              <a:ext uri="{FF2B5EF4-FFF2-40B4-BE49-F238E27FC236}">
-                <a16:creationId xmlns:a16="http://schemas.microsoft.com/office/drawing/2014/main" id="{0525875A-D756-4462-9C54-A4C7CDA80A57}"/>
-              </a:ext>
-            </a:extLst>
-          </p:cNvPr>
-          <p:cNvSpPr>
-            <a:spLocks noGrp="1"/>
-          </p:cNvSpPr>
+              <a:t>Sequence Diagram SOS07</a:t>
+            </a:r>
+          </a:p>
+        </p:txBody>
+      </p:sp>
+      <p:pic>
+        <p:nvPicPr>
+          <p:cNvPr id="4" name="Content Placeholder 3">
+            <a:extLst>
+              <a:ext uri="{FF2B5EF4-FFF2-40B4-BE49-F238E27FC236}">
+                <a16:creationId xmlns:a16="http://schemas.microsoft.com/office/drawing/2014/main" id="{50014B5A-EC84-4B91-9591-63DAE1853CD4}"/>
+              </a:ext>
+            </a:extLst>
+          </p:cNvPr>
+          <p:cNvPicPr>
+            <a:picLocks noGrp="1"/>
+          </p:cNvPicPr>
           <p:nvPr>
             <p:ph idx="1"/>
           </p:nvPr>
-        </p:nvSpPr>
-        <p:spPr/>
-        <p:txBody>
-          <a:bodyPr/>
-          <a:lstStyle/>
-          <a:p>
-            <a:endParaRPr lang="en-US"/>
-          </a:p>
-        </p:txBody>
-      </p:sp>
+        </p:nvPicPr>
+        <p:blipFill>
+          <a:blip r:embed="rId2"/>
+          <a:stretch>
+            <a:fillRect/>
+          </a:stretch>
+        </p:blipFill>
+        <p:spPr>
+          <a:xfrm>
+            <a:off x="144379" y="994612"/>
+            <a:ext cx="11879179" cy="5765048"/>
+          </a:xfrm>
+          <a:prstGeom prst="rect">
+            <a:avLst/>
+          </a:prstGeom>
+        </p:spPr>
+      </p:pic>
     </p:spTree>
     <p:extLst>
       <p:ext uri="{BB962C8B-B14F-4D97-AF65-F5344CB8AC3E}">
@@ -3847,36 +3864,43 @@
             <a:pPr algn="ctr"/>
             <a:r>
               <a:rPr lang="en-US" dirty="0"/>
-              <a:t>Object Diagram SOS##</a:t>
-            </a:r>
-          </a:p>
-        </p:txBody>
-      </p:sp>
-      <p:sp>
-        <p:nvSpPr>
-          <p:cNvPr id="3" name="Content Placeholder 2">
-            <a:extLst>
-              <a:ext uri="{FF2B5EF4-FFF2-40B4-BE49-F238E27FC236}">
-                <a16:creationId xmlns:a16="http://schemas.microsoft.com/office/drawing/2014/main" id="{8FA7A74A-4FED-4D08-8C5E-0E6EA12A0163}"/>
-              </a:ext>
-            </a:extLst>
-          </p:cNvPr>
-          <p:cNvSpPr>
-            <a:spLocks noGrp="1"/>
-          </p:cNvSpPr>
+              <a:t>Object Diagram SOS16</a:t>
+            </a:r>
+          </a:p>
+        </p:txBody>
+      </p:sp>
+      <p:pic>
+        <p:nvPicPr>
+          <p:cNvPr id="5" name="Content Placeholder 4">
+            <a:extLst>
+              <a:ext uri="{FF2B5EF4-FFF2-40B4-BE49-F238E27FC236}">
+                <a16:creationId xmlns:a16="http://schemas.microsoft.com/office/drawing/2014/main" id="{06879217-ACD5-45BC-B1A2-3F35669770CD}"/>
+              </a:ext>
+            </a:extLst>
+          </p:cNvPr>
+          <p:cNvPicPr>
+            <a:picLocks noGrp="1"/>
+          </p:cNvPicPr>
           <p:nvPr>
             <p:ph idx="1"/>
           </p:nvPr>
-        </p:nvSpPr>
-        <p:spPr/>
-        <p:txBody>
-          <a:bodyPr/>
-          <a:lstStyle/>
-          <a:p>
-            <a:endParaRPr lang="en-US"/>
-          </a:p>
-        </p:txBody>
-      </p:sp>
+        </p:nvPicPr>
+        <p:blipFill>
+          <a:blip r:embed="rId2"/>
+          <a:stretch>
+            <a:fillRect/>
+          </a:stretch>
+        </p:blipFill>
+        <p:spPr>
+          <a:xfrm>
+            <a:off x="838200" y="1475874"/>
+            <a:ext cx="10776284" cy="4892842"/>
+          </a:xfrm>
+          <a:prstGeom prst="rect">
+            <a:avLst/>
+          </a:prstGeom>
+        </p:spPr>
+      </p:pic>
     </p:spTree>
     <p:extLst>
       <p:ext uri="{BB962C8B-B14F-4D97-AF65-F5344CB8AC3E}">
@@ -3923,7 +3947,12 @@
             <p:ph type="title"/>
           </p:nvPr>
         </p:nvSpPr>
-        <p:spPr/>
+        <p:spPr>
+          <a:xfrm>
+            <a:off x="838200" y="-160421"/>
+            <a:ext cx="10515600" cy="1325563"/>
+          </a:xfrm>
+        </p:spPr>
         <p:txBody>
           <a:bodyPr/>
           <a:lstStyle/>
@@ -3936,31 +3965,38 @@
           </a:p>
         </p:txBody>
       </p:sp>
-      <p:sp>
-        <p:nvSpPr>
-          <p:cNvPr id="3" name="Content Placeholder 2">
-            <a:extLst>
-              <a:ext uri="{FF2B5EF4-FFF2-40B4-BE49-F238E27FC236}">
-                <a16:creationId xmlns:a16="http://schemas.microsoft.com/office/drawing/2014/main" id="{A415937E-8788-412F-A6B9-27D153D5C626}"/>
-              </a:ext>
-            </a:extLst>
-          </p:cNvPr>
-          <p:cNvSpPr>
-            <a:spLocks noGrp="1"/>
-          </p:cNvSpPr>
+      <p:pic>
+        <p:nvPicPr>
+          <p:cNvPr id="12" name="Content Placeholder 11">
+            <a:extLst>
+              <a:ext uri="{FF2B5EF4-FFF2-40B4-BE49-F238E27FC236}">
+                <a16:creationId xmlns:a16="http://schemas.microsoft.com/office/drawing/2014/main" id="{3DC3B947-E42F-4F9D-A2BC-B88A05A7C25A}"/>
+              </a:ext>
+            </a:extLst>
+          </p:cNvPr>
+          <p:cNvPicPr>
+            <a:picLocks noGrp="1"/>
+          </p:cNvPicPr>
           <p:nvPr>
             <p:ph idx="1"/>
           </p:nvPr>
-        </p:nvSpPr>
-        <p:spPr/>
-        <p:txBody>
-          <a:bodyPr/>
-          <a:lstStyle/>
-          <a:p>
-            <a:endParaRPr lang="en-US"/>
-          </a:p>
-        </p:txBody>
-      </p:sp>
+        </p:nvPicPr>
+        <p:blipFill>
+          <a:blip r:embed="rId2"/>
+          <a:stretch>
+            <a:fillRect/>
+          </a:stretch>
+        </p:blipFill>
+        <p:spPr>
+          <a:xfrm>
+            <a:off x="0" y="786063"/>
+            <a:ext cx="12192001" cy="6071937"/>
+          </a:xfrm>
+          <a:prstGeom prst="rect">
+            <a:avLst/>
+          </a:prstGeom>
+        </p:spPr>
+      </p:pic>
     </p:spTree>
     <p:extLst>
       <p:ext uri="{BB962C8B-B14F-4D97-AF65-F5344CB8AC3E}">
@@ -4041,7 +4077,65 @@
           <a:bodyPr/>
           <a:lstStyle/>
           <a:p>
-            <a:endParaRPr lang="en-US" dirty="0"/>
+            <a:r>
+              <a:rPr lang="en-US" dirty="0"/>
+              <a:t>Manage Different Student Organizations:</a:t>
+            </a:r>
+          </a:p>
+          <a:p>
+            <a:pPr lvl="1"/>
+            <a:r>
+              <a:rPr lang="en-US" dirty="0"/>
+              <a:t>Information on Members</a:t>
+            </a:r>
+          </a:p>
+          <a:p>
+            <a:pPr lvl="1"/>
+            <a:r>
+              <a:rPr lang="en-US" dirty="0"/>
+              <a:t>Event Creation</a:t>
+            </a:r>
+          </a:p>
+          <a:p>
+            <a:pPr lvl="1"/>
+            <a:r>
+              <a:rPr lang="en-US" dirty="0"/>
+              <a:t>Role Designation</a:t>
+            </a:r>
+          </a:p>
+          <a:p>
+            <a:r>
+              <a:rPr lang="en-US" dirty="0"/>
+              <a:t>Target audiences:</a:t>
+            </a:r>
+          </a:p>
+          <a:p>
+            <a:pPr lvl="1"/>
+            <a:r>
+              <a:rPr lang="en-US" dirty="0"/>
+              <a:t>University and College students</a:t>
+            </a:r>
+          </a:p>
+          <a:p>
+            <a:pPr lvl="1"/>
+            <a:r>
+              <a:rPr lang="en-US" dirty="0"/>
+              <a:t>Organizations</a:t>
+            </a:r>
+          </a:p>
+          <a:p>
+            <a:pPr lvl="1"/>
+            <a:r>
+              <a:rPr lang="en-US" dirty="0"/>
+              <a:t>Clubs</a:t>
+            </a:r>
+          </a:p>
+          <a:p>
+            <a:pPr lvl="1"/>
+            <a:r>
+              <a:rPr lang="en-US" dirty="0"/>
+              <a:t>Monitor/administering parties</a:t>
+            </a:r>
           </a:p>
         </p:txBody>
       </p:sp>
@@ -4061,6 +4155,14 @@
 <file path=ppt/slides/slide3.xml><?xml version="1.0" encoding="utf-8"?>
 <p:sld xmlns:a="http://schemas.openxmlformats.org/drawingml/2006/main" xmlns:r="http://schemas.openxmlformats.org/officeDocument/2006/relationships" xmlns:p="http://schemas.openxmlformats.org/presentationml/2006/main">
   <p:cSld>
+    <p:bg>
+      <p:bgPr>
+        <a:solidFill>
+          <a:schemeClr val="bg1"/>
+        </a:solidFill>
+        <a:effectLst/>
+      </p:bgPr>
+    </p:bg>
     <p:spTree>
       <p:nvGrpSpPr>
         <p:cNvPr id="1" name=""/>
@@ -4077,6 +4179,75 @@
       </p:grpSpPr>
       <p:sp>
         <p:nvSpPr>
+          <p:cNvPr id="15" name="Rectangle 12">
+            <a:extLst>
+              <a:ext uri="{FF2B5EF4-FFF2-40B4-BE49-F238E27FC236}">
+                <a16:creationId xmlns:a16="http://schemas.microsoft.com/office/drawing/2014/main" id="{E02F3C71-C981-4614-98EA-D6C494F8091E}"/>
+              </a:ext>
+              <a:ext uri="{C183D7F6-B498-43B3-948B-1728B52AA6E4}">
+                <adec:decorative xmlns:adec="http://schemas.microsoft.com/office/drawing/2017/decorative" val="1"/>
+              </a:ext>
+            </a:extLst>
+          </p:cNvPr>
+          <p:cNvSpPr>
+            <a:spLocks noGrp="1" noRot="1" noChangeAspect="1" noMove="1" noResize="1" noEditPoints="1" noAdjustHandles="1" noChangeArrowheads="1" noChangeShapeType="1" noTextEdit="1"/>
+          </p:cNvSpPr>
+          <p:nvPr>
+            <p:extLst>
+              <p:ext uri="{386F3935-93C4-4BCD-93E2-E3B085C9AB24}">
+                <p16:designElem xmlns:p16="http://schemas.microsoft.com/office/powerpoint/2015/main" val="1"/>
+              </p:ext>
+            </p:extLst>
+          </p:nvPr>
+        </p:nvSpPr>
+        <p:spPr bwMode="ltGray">
+          <a:xfrm>
+            <a:off x="336883" y="321176"/>
+            <a:ext cx="7174247" cy="5896743"/>
+          </a:xfrm>
+          <a:prstGeom prst="rect">
+            <a:avLst/>
+          </a:prstGeom>
+          <a:solidFill>
+            <a:schemeClr val="tx1">
+              <a:alpha val="15000"/>
+            </a:schemeClr>
+          </a:solidFill>
+          <a:ln w="127000" cap="sq" cmpd="thinThick">
+            <a:solidFill>
+              <a:schemeClr val="tx1">
+                <a:alpha val="10000"/>
+              </a:schemeClr>
+            </a:solidFill>
+          </a:ln>
+        </p:spPr>
+        <p:style>
+          <a:lnRef idx="2">
+            <a:schemeClr val="accent1">
+              <a:shade val="50000"/>
+            </a:schemeClr>
+          </a:lnRef>
+          <a:fillRef idx="1">
+            <a:schemeClr val="accent1"/>
+          </a:fillRef>
+          <a:effectRef idx="0">
+            <a:schemeClr val="accent1"/>
+          </a:effectRef>
+          <a:fontRef idx="minor">
+            <a:schemeClr val="lt1"/>
+          </a:fontRef>
+        </p:style>
+        <p:txBody>
+          <a:bodyPr rtlCol="0" anchor="ctr"/>
+          <a:lstStyle/>
+          <a:p>
+            <a:pPr algn="ctr"/>
+            <a:endParaRPr lang="en-US"/>
+          </a:p>
+        </p:txBody>
+      </p:sp>
+      <p:sp>
+        <p:nvSpPr>
           <p:cNvPr id="2" name="Title 1">
             <a:extLst>
               <a:ext uri="{FF2B5EF4-FFF2-40B4-BE49-F238E27FC236}">
@@ -4091,44 +4262,87 @@
             <p:ph type="title"/>
           </p:nvPr>
         </p:nvSpPr>
-        <p:spPr/>
-        <p:txBody>
-          <a:bodyPr/>
-          <a:lstStyle/>
-          <a:p>
-            <a:pPr algn="ctr"/>
-            <a:r>
-              <a:rPr lang="en-US" dirty="0"/>
+        <p:spPr>
+          <a:xfrm>
+            <a:off x="821516" y="640263"/>
+            <a:ext cx="6204984" cy="1344975"/>
+          </a:xfrm>
+        </p:spPr>
+        <p:txBody>
+          <a:bodyPr>
+            <a:normAutofit/>
+          </a:bodyPr>
+          <a:lstStyle/>
+          <a:p>
+            <a:r>
+              <a:rPr lang="en-US" sz="4000"/>
               <a:t>Project Schedule</a:t>
             </a:r>
           </a:p>
         </p:txBody>
       </p:sp>
-      <p:sp>
-        <p:nvSpPr>
-          <p:cNvPr id="3" name="Content Placeholder 2">
-            <a:extLst>
-              <a:ext uri="{FF2B5EF4-FFF2-40B4-BE49-F238E27FC236}">
-                <a16:creationId xmlns:a16="http://schemas.microsoft.com/office/drawing/2014/main" id="{BD626DDD-33CD-4D3A-A416-D8B10159B129}"/>
-              </a:ext>
-            </a:extLst>
-          </p:cNvPr>
-          <p:cNvSpPr>
-            <a:spLocks noGrp="1"/>
-          </p:cNvSpPr>
+      <p:pic>
+        <p:nvPicPr>
+          <p:cNvPr id="10" name="Picture 9">
+            <a:extLst>
+              <a:ext uri="{FF2B5EF4-FFF2-40B4-BE49-F238E27FC236}">
+                <a16:creationId xmlns:a16="http://schemas.microsoft.com/office/drawing/2014/main" id="{E0F06CA0-4488-4D4E-98C6-3ECBAD6B1AD0}"/>
+              </a:ext>
+            </a:extLst>
+          </p:cNvPr>
+          <p:cNvPicPr>
+            <a:picLocks noChangeAspect="1"/>
+          </p:cNvPicPr>
+          <p:nvPr/>
+        </p:nvPicPr>
+        <p:blipFill>
+          <a:blip r:embed="rId2"/>
+          <a:stretch>
+            <a:fillRect/>
+          </a:stretch>
+        </p:blipFill>
+        <p:spPr>
+          <a:xfrm>
+            <a:off x="7685214" y="2069120"/>
+            <a:ext cx="4383811" cy="2641263"/>
+          </a:xfrm>
+          <a:prstGeom prst="rect">
+            <a:avLst/>
+          </a:prstGeom>
+        </p:spPr>
+      </p:pic>
+      <p:pic>
+        <p:nvPicPr>
+          <p:cNvPr id="14" name="Content Placeholder 13">
+            <a:extLst>
+              <a:ext uri="{FF2B5EF4-FFF2-40B4-BE49-F238E27FC236}">
+                <a16:creationId xmlns:a16="http://schemas.microsoft.com/office/drawing/2014/main" id="{9F6B13FB-8AC5-4871-9D3A-168808988F29}"/>
+              </a:ext>
+            </a:extLst>
+          </p:cNvPr>
+          <p:cNvPicPr>
+            <a:picLocks noGrp="1" noChangeAspect="1"/>
+          </p:cNvPicPr>
           <p:nvPr>
             <p:ph idx="1"/>
           </p:nvPr>
-        </p:nvSpPr>
-        <p:spPr/>
-        <p:txBody>
-          <a:bodyPr/>
-          <a:lstStyle/>
-          <a:p>
-            <a:endParaRPr lang="en-US"/>
-          </a:p>
-        </p:txBody>
-      </p:sp>
+        </p:nvPicPr>
+        <p:blipFill>
+          <a:blip r:embed="rId3"/>
+          <a:stretch>
+            <a:fillRect/>
+          </a:stretch>
+        </p:blipFill>
+        <p:spPr>
+          <a:xfrm>
+            <a:off x="628198" y="1985238"/>
+            <a:ext cx="6398302" cy="3331140"/>
+          </a:xfrm>
+          <a:prstGeom prst="rect">
+            <a:avLst/>
+          </a:prstGeom>
+        </p:spPr>
+      </p:pic>
     </p:spTree>
     <p:extLst>
       <p:ext uri="{BB962C8B-B14F-4D97-AF65-F5344CB8AC3E}">
@@ -4145,6 +4359,14 @@
 <file path=ppt/slides/slide4.xml><?xml version="1.0" encoding="utf-8"?>
 <p:sld xmlns:a="http://schemas.openxmlformats.org/drawingml/2006/main" xmlns:r="http://schemas.openxmlformats.org/officeDocument/2006/relationships" xmlns:p="http://schemas.openxmlformats.org/presentationml/2006/main">
   <p:cSld>
+    <p:bg>
+      <p:bgPr>
+        <a:solidFill>
+          <a:schemeClr val="bg1"/>
+        </a:solidFill>
+        <a:effectLst/>
+      </p:bgPr>
+    </p:bg>
     <p:spTree>
       <p:nvGrpSpPr>
         <p:cNvPr id="1" name=""/>
@@ -4161,6 +4383,75 @@
       </p:grpSpPr>
       <p:sp>
         <p:nvSpPr>
+          <p:cNvPr id="9" name="Rectangle 8">
+            <a:extLst>
+              <a:ext uri="{FF2B5EF4-FFF2-40B4-BE49-F238E27FC236}">
+                <a16:creationId xmlns:a16="http://schemas.microsoft.com/office/drawing/2014/main" id="{AB45A142-4255-493C-8284-5D566C121B10}"/>
+              </a:ext>
+              <a:ext uri="{C183D7F6-B498-43B3-948B-1728B52AA6E4}">
+                <adec:decorative xmlns:adec="http://schemas.microsoft.com/office/drawing/2017/decorative" val="1"/>
+              </a:ext>
+            </a:extLst>
+          </p:cNvPr>
+          <p:cNvSpPr>
+            <a:spLocks noGrp="1" noRot="1" noChangeAspect="1" noMove="1" noResize="1" noEditPoints="1" noAdjustHandles="1" noChangeArrowheads="1" noChangeShapeType="1" noTextEdit="1"/>
+          </p:cNvSpPr>
+          <p:nvPr>
+            <p:extLst>
+              <p:ext uri="{386F3935-93C4-4BCD-93E2-E3B085C9AB24}">
+                <p16:designElem xmlns:p16="http://schemas.microsoft.com/office/powerpoint/2015/main" val="1"/>
+              </p:ext>
+            </p:extLst>
+          </p:nvPr>
+        </p:nvSpPr>
+        <p:spPr bwMode="ltGray">
+          <a:xfrm>
+            <a:off x="336884" y="321177"/>
+            <a:ext cx="4332307" cy="6179552"/>
+          </a:xfrm>
+          <a:prstGeom prst="rect">
+            <a:avLst/>
+          </a:prstGeom>
+          <a:solidFill>
+            <a:srgbClr val="404040">
+              <a:alpha val="89804"/>
+            </a:srgbClr>
+          </a:solidFill>
+          <a:ln w="127000" cap="sq" cmpd="thinThick">
+            <a:solidFill>
+              <a:srgbClr val="595959">
+                <a:alpha val="80000"/>
+              </a:srgbClr>
+            </a:solidFill>
+          </a:ln>
+        </p:spPr>
+        <p:style>
+          <a:lnRef idx="2">
+            <a:schemeClr val="accent1">
+              <a:shade val="50000"/>
+            </a:schemeClr>
+          </a:lnRef>
+          <a:fillRef idx="1">
+            <a:schemeClr val="accent1"/>
+          </a:fillRef>
+          <a:effectRef idx="0">
+            <a:schemeClr val="accent1"/>
+          </a:effectRef>
+          <a:fontRef idx="minor">
+            <a:schemeClr val="lt1"/>
+          </a:fontRef>
+        </p:style>
+        <p:txBody>
+          <a:bodyPr rtlCol="0" anchor="ctr"/>
+          <a:lstStyle/>
+          <a:p>
+            <a:pPr algn="ctr"/>
+            <a:endParaRPr lang="en-US"/>
+          </a:p>
+        </p:txBody>
+      </p:sp>
+      <p:sp>
+        <p:nvSpPr>
           <p:cNvPr id="2" name="Title 1">
             <a:extLst>
               <a:ext uri="{FF2B5EF4-FFF2-40B4-BE49-F238E27FC236}">
@@ -4175,44 +4466,117 @@
             <p:ph type="title"/>
           </p:nvPr>
         </p:nvSpPr>
-        <p:spPr/>
-        <p:txBody>
-          <a:bodyPr/>
+        <p:spPr>
+          <a:xfrm>
+            <a:off x="674237" y="914400"/>
+            <a:ext cx="3657600" cy="2887579"/>
+          </a:xfrm>
+        </p:spPr>
+        <p:txBody>
+          <a:bodyPr vert="horz" lIns="91440" tIns="45720" rIns="91440" bIns="45720" rtlCol="0" anchor="b">
+            <a:normAutofit/>
+          </a:bodyPr>
           <a:lstStyle/>
           <a:p>
             <a:pPr algn="ctr"/>
             <a:r>
-              <a:rPr lang="en-US" dirty="0"/>
+              <a:rPr lang="en-US" sz="4800" kern="1200">
+                <a:solidFill>
+                  <a:srgbClr val="FFFFFF"/>
+                </a:solidFill>
+                <a:latin typeface="+mj-lt"/>
+                <a:ea typeface="+mj-ea"/>
+                <a:cs typeface="+mj-cs"/>
+              </a:rPr>
               <a:t>UML Diagram</a:t>
             </a:r>
           </a:p>
         </p:txBody>
       </p:sp>
-      <p:sp>
-        <p:nvSpPr>
-          <p:cNvPr id="3" name="Content Placeholder 2">
-            <a:extLst>
-              <a:ext uri="{FF2B5EF4-FFF2-40B4-BE49-F238E27FC236}">
-                <a16:creationId xmlns:a16="http://schemas.microsoft.com/office/drawing/2014/main" id="{2F636BF0-E64C-4B73-9538-34F0A446513F}"/>
-              </a:ext>
-            </a:extLst>
-          </p:cNvPr>
-          <p:cNvSpPr>
-            <a:spLocks noGrp="1"/>
-          </p:cNvSpPr>
+      <p:cxnSp>
+        <p:nvCxnSpPr>
+          <p:cNvPr id="11" name="Straight Connector 10">
+            <a:extLst>
+              <a:ext uri="{FF2B5EF4-FFF2-40B4-BE49-F238E27FC236}">
+                <a16:creationId xmlns:a16="http://schemas.microsoft.com/office/drawing/2014/main" id="{38FB9660-F42F-4313-BBC4-47C007FE484C}"/>
+              </a:ext>
+              <a:ext uri="{C183D7F6-B498-43B3-948B-1728B52AA6E4}">
+                <adec:decorative xmlns:adec="http://schemas.microsoft.com/office/drawing/2017/decorative" val="1"/>
+              </a:ext>
+            </a:extLst>
+          </p:cNvPr>
+          <p:cNvCxnSpPr>
+            <a:cxnSpLocks noGrp="1" noRot="1" noChangeAspect="1" noMove="1" noResize="1" noEditPoints="1" noAdjustHandles="1" noChangeArrowheads="1" noChangeShapeType="1"/>
+          </p:cNvCxnSpPr>
+          <p:nvPr>
+            <p:extLst>
+              <p:ext uri="{386F3935-93C4-4BCD-93E2-E3B085C9AB24}">
+                <p16:designElem xmlns:p16="http://schemas.microsoft.com/office/powerpoint/2015/main" val="1"/>
+              </p:ext>
+            </p:extLst>
+          </p:nvPr>
+        </p:nvCxnSpPr>
+        <p:spPr>
+          <a:xfrm>
+            <a:off x="1191126" y="3910267"/>
+            <a:ext cx="2586790" cy="0"/>
+          </a:xfrm>
+          <a:prstGeom prst="line">
+            <a:avLst/>
+          </a:prstGeom>
+          <a:ln w="22225">
+            <a:solidFill>
+              <a:srgbClr val="D9D9D9"/>
+            </a:solidFill>
+          </a:ln>
+        </p:spPr>
+        <p:style>
+          <a:lnRef idx="1">
+            <a:schemeClr val="accent1"/>
+          </a:lnRef>
+          <a:fillRef idx="0">
+            <a:schemeClr val="accent1"/>
+          </a:fillRef>
+          <a:effectRef idx="0">
+            <a:schemeClr val="accent1"/>
+          </a:effectRef>
+          <a:fontRef idx="minor">
+            <a:schemeClr val="tx1"/>
+          </a:fontRef>
+        </p:style>
+      </p:cxnSp>
+      <p:pic>
+        <p:nvPicPr>
+          <p:cNvPr id="4" name="Content Placeholder 6" descr="A close up of a map&#10;&#10;Description automatically generated">
+            <a:extLst>
+              <a:ext uri="{FF2B5EF4-FFF2-40B4-BE49-F238E27FC236}">
+                <a16:creationId xmlns:a16="http://schemas.microsoft.com/office/drawing/2014/main" id="{21E0E106-ACD6-4DDE-9BE3-23DFB46ABBBE}"/>
+              </a:ext>
+            </a:extLst>
+          </p:cNvPr>
+          <p:cNvPicPr>
+            <a:picLocks noGrp="1"/>
+          </p:cNvPicPr>
           <p:nvPr>
             <p:ph idx="1"/>
           </p:nvPr>
-        </p:nvSpPr>
-        <p:spPr/>
-        <p:txBody>
-          <a:bodyPr/>
-          <a:lstStyle/>
-          <a:p>
-            <a:endParaRPr lang="en-US"/>
-          </a:p>
-        </p:txBody>
-      </p:sp>
+        </p:nvPicPr>
+        <p:blipFill>
+          <a:blip r:embed="rId2"/>
+          <a:stretch>
+            <a:fillRect/>
+          </a:stretch>
+        </p:blipFill>
+        <p:spPr>
+          <a:xfrm>
+            <a:off x="5153822" y="811554"/>
+            <a:ext cx="6553545" cy="5242834"/>
+          </a:xfrm>
+          <a:prstGeom prst="rect">
+            <a:avLst/>
+          </a:prstGeom>
+        </p:spPr>
+      </p:pic>
     </p:spTree>
     <p:extLst>
       <p:ext uri="{BB962C8B-B14F-4D97-AF65-F5344CB8AC3E}">
@@ -4267,33 +4631,99 @@
             <a:pPr algn="ctr"/>
             <a:r>
               <a:rPr lang="en-US" dirty="0"/>
+              <a:t>Use Case SOS16 Create Organization</a:t>
+            </a:r>
+          </a:p>
+        </p:txBody>
+      </p:sp>
+      <p:sp>
+        <p:nvSpPr>
+          <p:cNvPr id="3" name="Content Placeholder 2">
+            <a:extLst>
+              <a:ext uri="{FF2B5EF4-FFF2-40B4-BE49-F238E27FC236}">
+                <a16:creationId xmlns:a16="http://schemas.microsoft.com/office/drawing/2014/main" id="{E6026C05-500A-4A96-8FC3-68BA23690DBA}"/>
+              </a:ext>
+            </a:extLst>
+          </p:cNvPr>
+          <p:cNvSpPr>
+            <a:spLocks noGrp="1"/>
+          </p:cNvSpPr>
+          <p:nvPr>
+            <p:ph idx="1"/>
+          </p:nvPr>
+        </p:nvSpPr>
+        <p:spPr/>
+        <p:txBody>
+          <a:bodyPr/>
+          <a:lstStyle/>
+          <a:p>
+            <a:r>
+              <a:rPr lang="en-US" dirty="0"/>
               <a:t>Functional Requirements</a:t>
             </a:r>
           </a:p>
-        </p:txBody>
-      </p:sp>
-      <p:sp>
-        <p:nvSpPr>
-          <p:cNvPr id="3" name="Content Placeholder 2">
-            <a:extLst>
-              <a:ext uri="{FF2B5EF4-FFF2-40B4-BE49-F238E27FC236}">
-                <a16:creationId xmlns:a16="http://schemas.microsoft.com/office/drawing/2014/main" id="{E6026C05-500A-4A96-8FC3-68BA23690DBA}"/>
-              </a:ext>
-            </a:extLst>
-          </p:cNvPr>
-          <p:cNvSpPr>
-            <a:spLocks noGrp="1"/>
-          </p:cNvSpPr>
-          <p:nvPr>
-            <p:ph idx="1"/>
-          </p:nvPr>
-        </p:nvSpPr>
-        <p:spPr/>
-        <p:txBody>
-          <a:bodyPr/>
-          <a:lstStyle/>
-          <a:p>
-            <a:endParaRPr lang="en-US"/>
+          <a:p>
+            <a:pPr marL="457200" lvl="1" indent="0">
+              <a:buNone/>
+            </a:pPr>
+            <a:r>
+              <a:rPr lang="en-US" dirty="0"/>
+              <a:t>1. User must have an account in the webpage and logged in.</a:t>
+            </a:r>
+          </a:p>
+          <a:p>
+            <a:pPr marL="457200" lvl="1" indent="0">
+              <a:buNone/>
+            </a:pPr>
+            <a:r>
+              <a:rPr lang="en-US" dirty="0"/>
+              <a:t>2. User clicks on “Organization Tab.”</a:t>
+            </a:r>
+          </a:p>
+          <a:p>
+            <a:pPr marL="457200" lvl="1" indent="0">
+              <a:buNone/>
+            </a:pPr>
+            <a:r>
+              <a:rPr lang="en-US" dirty="0"/>
+              <a:t>3. The webpage switches to organization page.</a:t>
+            </a:r>
+          </a:p>
+          <a:p>
+            <a:pPr marL="457200" lvl="1" indent="0">
+              <a:buNone/>
+            </a:pPr>
+            <a:r>
+              <a:rPr lang="en-US" dirty="0"/>
+              <a:t>4. User click on “Create Organization.”</a:t>
+            </a:r>
+          </a:p>
+          <a:p>
+            <a:pPr marL="457200" lvl="1" indent="0">
+              <a:buNone/>
+            </a:pPr>
+            <a:r>
+              <a:rPr lang="en-US" dirty="0"/>
+              <a:t>5. User then fills out form asking for the organization details.</a:t>
+            </a:r>
+          </a:p>
+          <a:p>
+            <a:pPr marL="457200" lvl="1" indent="0">
+              <a:buNone/>
+            </a:pPr>
+            <a:r>
+              <a:rPr lang="en-US" dirty="0"/>
+              <a:t>6. User submits form to webpage.</a:t>
+            </a:r>
+          </a:p>
+          <a:p>
+            <a:pPr marL="457200" lvl="1" indent="0">
+              <a:buNone/>
+            </a:pPr>
+            <a:r>
+              <a:rPr lang="en-US" dirty="0"/>
+              <a:t>7. User then sees their newly created organization on the screen and is the    leader of said organization.</a:t>
+            </a:r>
           </a:p>
         </p:txBody>
       </p:sp>
@@ -4348,7 +4778,11 @@
           <a:bodyPr/>
           <a:lstStyle/>
           <a:p>
-            <a:endParaRPr lang="en-US" dirty="0"/>
+            <a:pPr algn="ctr"/>
+            <a:r>
+              <a:rPr lang="en-US" dirty="0"/>
+              <a:t>Use Case SOS16 Create Organization</a:t>
+            </a:r>
           </a:p>
         </p:txBody>
       </p:sp>
@@ -4373,7 +4807,73 @@
           <a:bodyPr/>
           <a:lstStyle/>
           <a:p>
-            <a:endParaRPr lang="en-US"/>
+            <a:r>
+              <a:rPr lang="en-US" dirty="0"/>
+              <a:t>Nonfunctional Requirements</a:t>
+            </a:r>
+          </a:p>
+          <a:p>
+            <a:pPr lvl="1"/>
+            <a:r>
+              <a:rPr lang="en-US" dirty="0"/>
+              <a:t>Usability</a:t>
+            </a:r>
+          </a:p>
+          <a:p>
+            <a:pPr lvl="2"/>
+            <a:r>
+              <a:rPr lang="en-US" sz="2200" dirty="0"/>
+              <a:t>On average the user should take 2 minutes to complete the request.</a:t>
+            </a:r>
+          </a:p>
+          <a:p>
+            <a:pPr lvl="1"/>
+            <a:r>
+              <a:rPr lang="en-US" dirty="0"/>
+              <a:t>Reliability</a:t>
+            </a:r>
+          </a:p>
+          <a:p>
+            <a:pPr lvl="2"/>
+            <a:r>
+              <a:rPr lang="en-US" sz="2200" dirty="0"/>
+              <a:t>Mean time to failure – 5% failures for every month of operation is acceptable.</a:t>
+            </a:r>
+          </a:p>
+          <a:p>
+            <a:pPr lvl="1"/>
+            <a:r>
+              <a:rPr lang="en-US" dirty="0"/>
+              <a:t>Performance</a:t>
+            </a:r>
+          </a:p>
+          <a:p>
+            <a:pPr lvl="2"/>
+            <a:r>
+              <a:rPr lang="en-US" sz="2200" dirty="0"/>
+              <a:t>Request should be sent and saved within 6 seconds.</a:t>
+            </a:r>
+          </a:p>
+          <a:p>
+            <a:pPr lvl="2"/>
+            <a:r>
+              <a:rPr lang="en-US" sz="2200" dirty="0"/>
+              <a:t>System should be able to handle 200 requests in 1 minute.</a:t>
+            </a:r>
+          </a:p>
+          <a:p>
+            <a:pPr lvl="1"/>
+            <a:r>
+              <a:rPr lang="en-US" dirty="0"/>
+              <a:t>Implementation</a:t>
+            </a:r>
+          </a:p>
+          <a:p>
+            <a:pPr lvl="2"/>
+            <a:r>
+              <a:rPr lang="en-US" sz="2200" dirty="0"/>
+              <a:t>JS &amp; React (front end), Java and MySQL (back-end).</a:t>
+            </a:r>
           </a:p>
         </p:txBody>
       </p:sp>
@@ -4428,7 +4928,11 @@
           <a:bodyPr/>
           <a:lstStyle/>
           <a:p>
-            <a:endParaRPr lang="en-US"/>
+            <a:pPr algn="ctr"/>
+            <a:r>
+              <a:rPr lang="en-US" dirty="0"/>
+              <a:t>Use Case SOS07 Edit Profile (Security)</a:t>
+            </a:r>
           </a:p>
         </p:txBody>
       </p:sp>
@@ -4453,7 +4957,95 @@
           <a:bodyPr/>
           <a:lstStyle/>
           <a:p>
-            <a:endParaRPr lang="en-US"/>
+            <a:r>
+              <a:rPr lang="en-US" dirty="0"/>
+              <a:t>Functional Requirements:</a:t>
+            </a:r>
+          </a:p>
+          <a:p>
+            <a:pPr marL="457200" lvl="1" indent="0">
+              <a:buNone/>
+            </a:pPr>
+            <a:r>
+              <a:rPr lang="en-US" dirty="0"/>
+              <a:t>1. User must have an account in the system and be logged in.</a:t>
+            </a:r>
+          </a:p>
+          <a:p>
+            <a:pPr marL="457200" lvl="1" indent="0">
+              <a:buNone/>
+            </a:pPr>
+            <a:r>
+              <a:rPr lang="en-US" dirty="0"/>
+              <a:t>2. User is in their profile page and clicks “Edit Profile.”</a:t>
+            </a:r>
+          </a:p>
+          <a:p>
+            <a:pPr marL="457200" lvl="1" indent="0">
+              <a:buNone/>
+            </a:pPr>
+            <a:r>
+              <a:rPr lang="en-US" dirty="0"/>
+              <a:t>3. User is then shown their current information in an editable form.</a:t>
+            </a:r>
+          </a:p>
+          <a:p>
+            <a:pPr marL="457200" lvl="1" indent="0">
+              <a:buNone/>
+            </a:pPr>
+            <a:r>
+              <a:rPr lang="en-US" dirty="0"/>
+              <a:t>4. User inputs the data they would like to change.</a:t>
+            </a:r>
+          </a:p>
+          <a:p>
+            <a:pPr marL="457200" lvl="1" indent="0">
+              <a:buNone/>
+            </a:pPr>
+            <a:r>
+              <a:rPr lang="en-US" dirty="0"/>
+              <a:t>5. User submits the request to change their information.</a:t>
+            </a:r>
+          </a:p>
+          <a:p>
+            <a:pPr marL="457200" lvl="1" indent="0">
+              <a:buNone/>
+            </a:pPr>
+            <a:r>
+              <a:rPr lang="en-US" dirty="0"/>
+              <a:t>6. The webpage prompts the user for their password.</a:t>
+            </a:r>
+          </a:p>
+          <a:p>
+            <a:pPr marL="457200" lvl="1" indent="0">
+              <a:buNone/>
+            </a:pPr>
+            <a:r>
+              <a:rPr lang="en-US" dirty="0"/>
+              <a:t>7. User inputs password and submits then system authenticates their request.</a:t>
+            </a:r>
+          </a:p>
+          <a:p>
+            <a:pPr marL="457200" lvl="1" indent="0">
+              <a:buNone/>
+            </a:pPr>
+            <a:r>
+              <a:rPr lang="en-US" dirty="0"/>
+              <a:t>8. System then changes in the data storage.</a:t>
+            </a:r>
+          </a:p>
+          <a:p>
+            <a:pPr marL="457200" lvl="1" indent="0">
+              <a:buNone/>
+            </a:pPr>
+            <a:r>
+              <a:rPr lang="en-US" dirty="0"/>
+              <a:t>9. User receives notification that their profile has been successfully edited.</a:t>
+            </a:r>
+          </a:p>
+          <a:p>
+            <a:pPr lvl="1"/>
+            <a:endParaRPr lang="en-US" dirty="0"/>
           </a:p>
         </p:txBody>
       </p:sp>
@@ -4508,7 +5100,11 @@
           <a:bodyPr/>
           <a:lstStyle/>
           <a:p>
-            <a:endParaRPr lang="en-US"/>
+            <a:pPr algn="ctr"/>
+            <a:r>
+              <a:rPr lang="en-US" dirty="0"/>
+              <a:t>Use Case SOS07 Edit Profile (Security)</a:t>
+            </a:r>
           </a:p>
         </p:txBody>
       </p:sp>
@@ -4530,10 +5126,88 @@
         </p:nvSpPr>
         <p:spPr/>
         <p:txBody>
-          <a:bodyPr/>
-          <a:lstStyle/>
-          <a:p>
-            <a:endParaRPr lang="en-US"/>
+          <a:bodyPr>
+            <a:normAutofit/>
+          </a:bodyPr>
+          <a:lstStyle/>
+          <a:p>
+            <a:r>
+              <a:rPr lang="en-US" dirty="0"/>
+              <a:t>Nonfunctional Requirements</a:t>
+            </a:r>
+          </a:p>
+          <a:p>
+            <a:pPr lvl="1"/>
+            <a:r>
+              <a:rPr lang="en-US" dirty="0"/>
+              <a:t>Usability</a:t>
+            </a:r>
+          </a:p>
+          <a:p>
+            <a:pPr lvl="2"/>
+            <a:r>
+              <a:rPr lang="en-US" dirty="0"/>
+              <a:t>User must be aware of their privileges and what actions those privileges permit.</a:t>
+            </a:r>
+          </a:p>
+          <a:p>
+            <a:pPr lvl="1"/>
+            <a:r>
+              <a:rPr lang="en-US" dirty="0"/>
+              <a:t>Availability</a:t>
+            </a:r>
+          </a:p>
+          <a:p>
+            <a:pPr lvl="2"/>
+            <a:r>
+              <a:rPr lang="en-US" dirty="0"/>
+              <a:t>Downtime for Login Back-up – 30 minutes in a 24-hour period.</a:t>
+            </a:r>
+          </a:p>
+          <a:p>
+            <a:pPr lvl="1"/>
+            <a:r>
+              <a:rPr lang="en-US" dirty="0"/>
+              <a:t>Performance</a:t>
+            </a:r>
+          </a:p>
+          <a:p>
+            <a:pPr lvl="2"/>
+            <a:r>
+              <a:rPr lang="en-US" dirty="0"/>
+              <a:t>The system should handle 20 privilege checks in 1 minute.</a:t>
+            </a:r>
+          </a:p>
+          <a:p>
+            <a:pPr lvl="2"/>
+            <a:r>
+              <a:rPr lang="en-US" dirty="0"/>
+              <a:t>The system should be done with the edit request within 2 seconds.</a:t>
+            </a:r>
+          </a:p>
+          <a:p>
+            <a:pPr lvl="1"/>
+            <a:r>
+              <a:rPr lang="en-US" dirty="0"/>
+              <a:t>Supportability</a:t>
+            </a:r>
+          </a:p>
+          <a:p>
+            <a:pPr lvl="2"/>
+            <a:r>
+              <a:rPr lang="en-US" dirty="0"/>
+              <a:t>Should be supported by all browsers.</a:t>
+            </a:r>
+            <a:br>
+              <a:rPr lang="en-US" dirty="0"/>
+            </a:br>
+            <a:br>
+              <a:rPr lang="en-US" dirty="0"/>
+            </a:br>
+            <a:endParaRPr lang="en-US" dirty="0"/>
+          </a:p>
+          <a:p>
+            <a:endParaRPr lang="en-US" dirty="0"/>
           </a:p>
         </p:txBody>
       </p:sp>
@@ -4591,7 +5265,7 @@
             <a:pPr algn="ctr"/>
             <a:r>
               <a:rPr lang="en-US" dirty="0"/>
-              <a:t>User Interface Design SOS##</a:t>
+              <a:t>User Interface Design SOS16</a:t>
             </a:r>
           </a:p>
         </p:txBody>

--- a/specifications/deliv1/SOS Deliverable 1 Presentation.pptx
+++ b/specifications/deliv1/SOS Deliverable 1 Presentation.pptx
@@ -3893,8 +3893,8 @@
         </p:blipFill>
         <p:spPr>
           <a:xfrm>
-            <a:off x="838200" y="1475874"/>
-            <a:ext cx="10776284" cy="4892842"/>
+            <a:off x="288758" y="1475873"/>
+            <a:ext cx="11325726" cy="5017001"/>
           </a:xfrm>
           <a:prstGeom prst="rect">
             <a:avLst/>

--- a/specifications/deliv1/SOS Deliverable 1 Presentation.pptx
+++ b/specifications/deliv1/SOS Deliverable 1 Presentation.pptx
@@ -273,7 +273,7 @@
           <a:p>
             <a:fld id="{B673521E-B280-4C28-8ED0-E34914655C34}" type="datetimeFigureOut">
               <a:rPr lang="en-US" smtClean="0"/>
-              <a:t>9/29/2019</a:t>
+              <a:t>9/30/2019</a:t>
             </a:fld>
             <a:endParaRPr lang="en-US"/>
           </a:p>
@@ -471,7 +471,7 @@
           <a:p>
             <a:fld id="{B673521E-B280-4C28-8ED0-E34914655C34}" type="datetimeFigureOut">
               <a:rPr lang="en-US" smtClean="0"/>
-              <a:t>9/29/2019</a:t>
+              <a:t>9/30/2019</a:t>
             </a:fld>
             <a:endParaRPr lang="en-US"/>
           </a:p>
@@ -679,7 +679,7 @@
           <a:p>
             <a:fld id="{B673521E-B280-4C28-8ED0-E34914655C34}" type="datetimeFigureOut">
               <a:rPr lang="en-US" smtClean="0"/>
-              <a:t>9/29/2019</a:t>
+              <a:t>9/30/2019</a:t>
             </a:fld>
             <a:endParaRPr lang="en-US"/>
           </a:p>
@@ -877,7 +877,7 @@
           <a:p>
             <a:fld id="{B673521E-B280-4C28-8ED0-E34914655C34}" type="datetimeFigureOut">
               <a:rPr lang="en-US" smtClean="0"/>
-              <a:t>9/29/2019</a:t>
+              <a:t>9/30/2019</a:t>
             </a:fld>
             <a:endParaRPr lang="en-US"/>
           </a:p>
@@ -1152,7 +1152,7 @@
           <a:p>
             <a:fld id="{B673521E-B280-4C28-8ED0-E34914655C34}" type="datetimeFigureOut">
               <a:rPr lang="en-US" smtClean="0"/>
-              <a:t>9/29/2019</a:t>
+              <a:t>9/30/2019</a:t>
             </a:fld>
             <a:endParaRPr lang="en-US"/>
           </a:p>
@@ -1417,7 +1417,7 @@
           <a:p>
             <a:fld id="{B673521E-B280-4C28-8ED0-E34914655C34}" type="datetimeFigureOut">
               <a:rPr lang="en-US" smtClean="0"/>
-              <a:t>9/29/2019</a:t>
+              <a:t>9/30/2019</a:t>
             </a:fld>
             <a:endParaRPr lang="en-US"/>
           </a:p>
@@ -1829,7 +1829,7 @@
           <a:p>
             <a:fld id="{B673521E-B280-4C28-8ED0-E34914655C34}" type="datetimeFigureOut">
               <a:rPr lang="en-US" smtClean="0"/>
-              <a:t>9/29/2019</a:t>
+              <a:t>9/30/2019</a:t>
             </a:fld>
             <a:endParaRPr lang="en-US"/>
           </a:p>
@@ -1970,7 +1970,7 @@
           <a:p>
             <a:fld id="{B673521E-B280-4C28-8ED0-E34914655C34}" type="datetimeFigureOut">
               <a:rPr lang="en-US" smtClean="0"/>
-              <a:t>9/29/2019</a:t>
+              <a:t>9/30/2019</a:t>
             </a:fld>
             <a:endParaRPr lang="en-US"/>
           </a:p>
@@ -2083,7 +2083,7 @@
           <a:p>
             <a:fld id="{B673521E-B280-4C28-8ED0-E34914655C34}" type="datetimeFigureOut">
               <a:rPr lang="en-US" smtClean="0"/>
-              <a:t>9/29/2019</a:t>
+              <a:t>9/30/2019</a:t>
             </a:fld>
             <a:endParaRPr lang="en-US"/>
           </a:p>
@@ -2394,7 +2394,7 @@
           <a:p>
             <a:fld id="{B673521E-B280-4C28-8ED0-E34914655C34}" type="datetimeFigureOut">
               <a:rPr lang="en-US" smtClean="0"/>
-              <a:t>9/29/2019</a:t>
+              <a:t>9/30/2019</a:t>
             </a:fld>
             <a:endParaRPr lang="en-US"/>
           </a:p>
@@ -2682,7 +2682,7 @@
           <a:p>
             <a:fld id="{B673521E-B280-4C28-8ED0-E34914655C34}" type="datetimeFigureOut">
               <a:rPr lang="en-US" smtClean="0"/>
-              <a:t>9/29/2019</a:t>
+              <a:t>9/30/2019</a:t>
             </a:fld>
             <a:endParaRPr lang="en-US"/>
           </a:p>
@@ -2923,7 +2923,7 @@
           <a:p>
             <a:fld id="{B673521E-B280-4C28-8ED0-E34914655C34}" type="datetimeFigureOut">
               <a:rPr lang="en-US" smtClean="0"/>
-              <a:t>9/29/2019</a:t>
+              <a:t>9/30/2019</a:t>
             </a:fld>
             <a:endParaRPr lang="en-US"/>
           </a:p>
@@ -3794,16 +3794,15 @@
             <p:ph idx="1"/>
           </p:nvPr>
         </p:nvPicPr>
-        <p:blipFill>
+        <p:blipFill rotWithShape="1">
           <a:blip r:embed="rId2"/>
-          <a:stretch>
-            <a:fillRect/>
-          </a:stretch>
+          <a:srcRect l="460" r="1057" b="1755"/>
+          <a:stretch/>
         </p:blipFill>
         <p:spPr>
           <a:xfrm>
-            <a:off x="144379" y="994612"/>
-            <a:ext cx="11879179" cy="5765048"/>
+            <a:off x="2209799" y="1095775"/>
+            <a:ext cx="7772401" cy="5663884"/>
           </a:xfrm>
           <a:prstGeom prst="rect">
             <a:avLst/>
@@ -3981,16 +3980,15 @@
             <p:ph idx="1"/>
           </p:nvPr>
         </p:nvPicPr>
-        <p:blipFill>
+        <p:blipFill rotWithShape="1">
           <a:blip r:embed="rId2"/>
-          <a:stretch>
-            <a:fillRect/>
-          </a:stretch>
+          <a:srcRect t="6243" r="2284" b="6161"/>
+          <a:stretch/>
         </p:blipFill>
         <p:spPr>
           <a:xfrm>
-            <a:off x="0" y="786063"/>
-            <a:ext cx="12192001" cy="6071937"/>
+            <a:off x="139238" y="924073"/>
+            <a:ext cx="11913524" cy="5318786"/>
           </a:xfrm>
           <a:prstGeom prst="rect">
             <a:avLst/>
@@ -4303,7 +4301,7 @@
         </p:blipFill>
         <p:spPr>
           <a:xfrm>
-            <a:off x="7685214" y="2069120"/>
+            <a:off x="7693526" y="2108368"/>
             <a:ext cx="4383811" cy="2641263"/>
           </a:xfrm>
           <a:prstGeom prst="rect">

--- a/specifications/deliv1/SOS Deliverable 1 Presentation.pptx
+++ b/specifications/deliv1/SOS Deliverable 1 Presentation.pptx
@@ -3363,7 +3363,15 @@
           <a:p>
             <a:r>
               <a:rPr lang="en-US" dirty="0"/>
-              <a:t>Student Organization Scheduler (SOS)</a:t>
+              <a:t>Student </a:t>
+            </a:r>
+            <a:r>
+              <a:rPr lang="en-US"/>
+              <a:t>Organization System </a:t>
+            </a:r>
+            <a:r>
+              <a:rPr lang="en-US" dirty="0"/>
+              <a:t>(SOS)</a:t>
             </a:r>
           </a:p>
         </p:txBody>
@@ -3626,7 +3634,71 @@
           <a:bodyPr/>
           <a:lstStyle/>
           <a:p>
-            <a:endParaRPr lang="en-US"/>
+            <a:r>
+              <a:rPr lang="en-US" dirty="0"/>
+              <a:t>Entities</a:t>
+            </a:r>
+          </a:p>
+          <a:p>
+            <a:pPr lvl="1"/>
+            <a:r>
+              <a:rPr lang="en-US" dirty="0"/>
+              <a:t>User</a:t>
+            </a:r>
+          </a:p>
+          <a:p>
+            <a:pPr lvl="1"/>
+            <a:r>
+              <a:rPr lang="en-US" dirty="0"/>
+              <a:t>Organization</a:t>
+            </a:r>
+          </a:p>
+          <a:p>
+            <a:pPr lvl="1"/>
+            <a:r>
+              <a:rPr lang="en-US" dirty="0"/>
+              <a:t>Role</a:t>
+            </a:r>
+          </a:p>
+          <a:p>
+            <a:r>
+              <a:rPr lang="en-US" dirty="0"/>
+              <a:t>Boundary</a:t>
+            </a:r>
+          </a:p>
+          <a:p>
+            <a:pPr lvl="1"/>
+            <a:r>
+              <a:rPr lang="en-US" dirty="0"/>
+              <a:t>Organization Page</a:t>
+            </a:r>
+          </a:p>
+          <a:p>
+            <a:r>
+              <a:rPr lang="en-US" dirty="0"/>
+              <a:t>Control</a:t>
+            </a:r>
+          </a:p>
+          <a:p>
+            <a:pPr lvl="1"/>
+            <a:r>
+              <a:rPr lang="en-US" dirty="0"/>
+              <a:t>SOS</a:t>
+            </a:r>
+          </a:p>
+          <a:p>
+            <a:pPr lvl="1"/>
+            <a:r>
+              <a:rPr lang="en-US" dirty="0"/>
+              <a:t>Data Storage</a:t>
+            </a:r>
+          </a:p>
+          <a:p>
+            <a:endParaRPr lang="en-US" dirty="0"/>
+          </a:p>
+          <a:p>
+            <a:pPr lvl="1"/>
+            <a:endParaRPr lang="en-US" dirty="0"/>
           </a:p>
         </p:txBody>
       </p:sp>
@@ -3710,7 +3782,57 @@
           <a:bodyPr/>
           <a:lstStyle/>
           <a:p>
-            <a:endParaRPr lang="en-US"/>
+            <a:r>
+              <a:rPr lang="en-US" dirty="0"/>
+              <a:t>Entity Objects:</a:t>
+            </a:r>
+          </a:p>
+          <a:p>
+            <a:pPr lvl="1"/>
+            <a:r>
+              <a:rPr lang="en-US" dirty="0"/>
+              <a:t>User</a:t>
+            </a:r>
+          </a:p>
+          <a:p>
+            <a:r>
+              <a:rPr lang="en-US" dirty="0"/>
+              <a:t>Boundary Objects:</a:t>
+            </a:r>
+          </a:p>
+          <a:p>
+            <a:pPr lvl="1"/>
+            <a:r>
+              <a:rPr lang="en-US" dirty="0"/>
+              <a:t>Profile Page</a:t>
+            </a:r>
+          </a:p>
+          <a:p>
+            <a:pPr lvl="1"/>
+            <a:r>
+              <a:rPr lang="en-US" dirty="0"/>
+              <a:t>Edit Profile Form</a:t>
+            </a:r>
+          </a:p>
+          <a:p>
+            <a:r>
+              <a:rPr lang="en-US" dirty="0"/>
+              <a:t>Control Objects:</a:t>
+            </a:r>
+          </a:p>
+          <a:p>
+            <a:pPr lvl="1"/>
+            <a:r>
+              <a:rPr lang="en-US" dirty="0"/>
+              <a:t>SOS</a:t>
+            </a:r>
+          </a:p>
+          <a:p>
+            <a:pPr lvl="1"/>
+            <a:r>
+              <a:rPr lang="en-US" dirty="0"/>
+              <a:t>Data Storage</a:t>
+            </a:r>
           </a:p>
         </p:txBody>
       </p:sp>
@@ -4070,70 +4192,94 @@
             <p:ph idx="1"/>
           </p:nvPr>
         </p:nvSpPr>
-        <p:spPr/>
-        <p:txBody>
-          <a:bodyPr/>
-          <a:lstStyle/>
-          <a:p>
-            <a:r>
-              <a:rPr lang="en-US" dirty="0"/>
-              <a:t>Manage Different Student Organizations:</a:t>
+        <p:spPr>
+          <a:xfrm>
+            <a:off x="838199" y="1825625"/>
+            <a:ext cx="10663989" cy="4667250"/>
+          </a:xfrm>
+        </p:spPr>
+        <p:txBody>
+          <a:bodyPr>
+            <a:normAutofit lnSpcReduction="10000"/>
+          </a:bodyPr>
+          <a:lstStyle/>
+          <a:p>
+            <a:r>
+              <a:rPr lang="en-US" dirty="0"/>
+              <a:t>Provide a single point of access for all users</a:t>
             </a:r>
           </a:p>
           <a:p>
             <a:pPr lvl="1"/>
             <a:r>
               <a:rPr lang="en-US" dirty="0"/>
-              <a:t>Information on Members</a:t>
+              <a:t>Collating all organizations a user belongs to.</a:t>
             </a:r>
           </a:p>
           <a:p>
             <a:pPr lvl="1"/>
             <a:r>
               <a:rPr lang="en-US" dirty="0"/>
-              <a:t>Event Creation</a:t>
+              <a:t>Presenting users with events that are nearby.</a:t>
             </a:r>
           </a:p>
           <a:p>
             <a:pPr lvl="1"/>
             <a:r>
               <a:rPr lang="en-US" dirty="0"/>
-              <a:t>Role Designation</a:t>
-            </a:r>
-          </a:p>
-          <a:p>
-            <a:r>
-              <a:rPr lang="en-US" dirty="0"/>
-              <a:t>Target audiences:</a:t>
+              <a:t>Connecting users with new organizations and other members.</a:t>
+            </a:r>
+          </a:p>
+          <a:p>
+            <a:r>
+              <a:rPr lang="en-US" dirty="0"/>
+              <a:t>Organizes all members of a club under a single network.</a:t>
+            </a:r>
+          </a:p>
+          <a:p>
+            <a:r>
+              <a:rPr lang="en-US" dirty="0"/>
+              <a:t>Provides tools to manage organization leader and their privileges.</a:t>
+            </a:r>
+          </a:p>
+          <a:p>
+            <a:r>
+              <a:rPr lang="en-US" dirty="0"/>
+              <a:t>Provides means to create and advertise organization-related events.</a:t>
+            </a:r>
+          </a:p>
+          <a:p>
+            <a:r>
+              <a:rPr lang="en-US" dirty="0"/>
+              <a:t>Scope:</a:t>
             </a:r>
           </a:p>
           <a:p>
             <a:pPr lvl="1"/>
             <a:r>
               <a:rPr lang="en-US" dirty="0"/>
-              <a:t>University and College students</a:t>
+              <a:t>University clubs and organizations.</a:t>
             </a:r>
           </a:p>
           <a:p>
             <a:pPr lvl="1"/>
             <a:r>
               <a:rPr lang="en-US" dirty="0"/>
-              <a:t>Organizations</a:t>
+              <a:t>University students</a:t>
             </a:r>
           </a:p>
           <a:p>
             <a:pPr lvl="1"/>
             <a:r>
               <a:rPr lang="en-US" dirty="0"/>
-              <a:t>Clubs</a:t>
-            </a:r>
-          </a:p>
-          <a:p>
-            <a:pPr lvl="1"/>
-            <a:r>
-              <a:rPr lang="en-US" dirty="0"/>
-              <a:t>Monitor/administering parties</a:t>
-            </a:r>
+              <a:t>Monitor/administering parties.</a:t>
+            </a:r>
+          </a:p>
+          <a:p>
+            <a:pPr marL="0" indent="0">
+              <a:buNone/>
+            </a:pPr>
+            <a:endParaRPr lang="en-US" dirty="0"/>
           </a:p>
         </p:txBody>
       </p:sp>
@@ -4301,8 +4447,8 @@
         </p:blipFill>
         <p:spPr>
           <a:xfrm>
-            <a:off x="7693526" y="2108368"/>
-            <a:ext cx="4383811" cy="2641263"/>
+            <a:off x="7704448" y="321177"/>
+            <a:ext cx="4383811" cy="5896742"/>
           </a:xfrm>
           <a:prstGeom prst="rect">
             <a:avLst/>

--- a/specifications/deliv1/SOS Deliverable 1 Presentation.pptx
+++ b/specifications/deliv1/SOS Deliverable 1 Presentation.pptx
@@ -3363,15 +3363,7 @@
           <a:p>
             <a:r>
               <a:rPr lang="en-US" dirty="0"/>
-              <a:t>Student </a:t>
-            </a:r>
-            <a:r>
-              <a:rPr lang="en-US"/>
-              <a:t>Organization System </a:t>
-            </a:r>
-            <a:r>
-              <a:rPr lang="en-US" dirty="0"/>
-              <a:t>(SOS)</a:t>
+              <a:t>Student Organization System (SOS)</a:t>
             </a:r>
           </a:p>
         </p:txBody>
@@ -3756,8 +3748,13 @@
             <a:pPr algn="ctr"/>
             <a:r>
               <a:rPr lang="en-US" dirty="0"/>
-              <a:t>Requirement Analysis SOS17</a:t>
-            </a:r>
+              <a:t>Requirement </a:t>
+            </a:r>
+            <a:r>
+              <a:rPr lang="en-US"/>
+              <a:t>Analysis SOS07</a:t>
+            </a:r>
+            <a:endParaRPr lang="en-US" dirty="0"/>
           </a:p>
         </p:txBody>
       </p:sp>

--- a/specifications/deliv1/SOS Deliverable 1 Presentation.pptx
+++ b/specifications/deliv1/SOS Deliverable 1 Presentation.pptx
@@ -3478,6 +3478,17 @@
 <file path=ppt/slides/slide10.xml><?xml version="1.0" encoding="utf-8"?>
 <p:sld xmlns:a="http://schemas.openxmlformats.org/drawingml/2006/main" xmlns:r="http://schemas.openxmlformats.org/officeDocument/2006/relationships" xmlns:p="http://schemas.openxmlformats.org/presentationml/2006/main">
   <p:cSld>
+    <p:bg>
+      <p:bgPr>
+        <a:solidFill>
+          <a:schemeClr val="bg1">
+            <a:tint val="95000"/>
+            <a:satMod val="170000"/>
+          </a:schemeClr>
+        </a:solidFill>
+        <a:effectLst/>
+      </p:bgPr>
+    </p:bg>
     <p:spTree>
       <p:nvGrpSpPr>
         <p:cNvPr id="1" name=""/>
@@ -3494,6 +3505,365 @@
       </p:grpSpPr>
       <p:sp>
         <p:nvSpPr>
+          <p:cNvPr id="43" name="Rectangle 34">
+            <a:extLst>
+              <a:ext uri="{FF2B5EF4-FFF2-40B4-BE49-F238E27FC236}">
+                <a16:creationId xmlns:a16="http://schemas.microsoft.com/office/drawing/2014/main" id="{5CB593EA-2F98-479F-B4C4-F366571FA64D}"/>
+              </a:ext>
+              <a:ext uri="{C183D7F6-B498-43B3-948B-1728B52AA6E4}">
+                <adec:decorative xmlns:adec="http://schemas.microsoft.com/office/drawing/2017/decorative" val="1"/>
+              </a:ext>
+            </a:extLst>
+          </p:cNvPr>
+          <p:cNvSpPr>
+            <a:spLocks noGrp="1" noRot="1" noChangeAspect="1" noMove="1" noResize="1" noEditPoints="1" noAdjustHandles="1" noChangeArrowheads="1" noChangeShapeType="1" noTextEdit="1"/>
+          </p:cNvSpPr>
+          <p:nvPr>
+            <p:extLst>
+              <p:ext uri="{386F3935-93C4-4BCD-93E2-E3B085C9AB24}">
+                <p16:designElem xmlns:p16="http://schemas.microsoft.com/office/powerpoint/2015/main" val="1"/>
+              </p:ext>
+            </p:extLst>
+          </p:nvPr>
+        </p:nvSpPr>
+        <p:spPr>
+          <a:xfrm>
+            <a:off x="0" y="0"/>
+            <a:ext cx="12192000" cy="6858000"/>
+          </a:xfrm>
+          <a:prstGeom prst="rect">
+            <a:avLst/>
+          </a:prstGeom>
+          <a:solidFill>
+            <a:schemeClr val="tx1"/>
+          </a:solidFill>
+          <a:ln>
+            <a:noFill/>
+          </a:ln>
+        </p:spPr>
+        <p:style>
+          <a:lnRef idx="2">
+            <a:schemeClr val="accent1">
+              <a:shade val="50000"/>
+            </a:schemeClr>
+          </a:lnRef>
+          <a:fillRef idx="1">
+            <a:schemeClr val="accent1"/>
+          </a:fillRef>
+          <a:effectRef idx="0">
+            <a:schemeClr val="accent1"/>
+          </a:effectRef>
+          <a:fontRef idx="minor">
+            <a:schemeClr val="lt1"/>
+          </a:fontRef>
+        </p:style>
+        <p:txBody>
+          <a:bodyPr rtlCol="0" anchor="ctr"/>
+          <a:lstStyle/>
+          <a:p>
+            <a:pPr marL="0" marR="0" lvl="0" indent="0" algn="ctr" defTabSz="914400" rtl="0" eaLnBrk="1" fontAlgn="auto" latinLnBrk="0" hangingPunct="1">
+              <a:lnSpc>
+                <a:spcPct val="100000"/>
+              </a:lnSpc>
+              <a:spcBef>
+                <a:spcPts val="0"/>
+              </a:spcBef>
+              <a:spcAft>
+                <a:spcPts val="0"/>
+              </a:spcAft>
+              <a:buClrTx/>
+              <a:buSzTx/>
+              <a:buFontTx/>
+              <a:buNone/>
+              <a:tabLst/>
+              <a:defRPr/>
+            </a:pPr>
+            <a:endParaRPr kumimoji="0" lang="en-US" sz="1800" b="0" i="0" u="none" strike="noStrike" kern="1200" cap="none" spc="0" normalizeH="0" baseline="0" noProof="0">
+              <a:ln>
+                <a:noFill/>
+              </a:ln>
+              <a:solidFill>
+                <a:prstClr val="white"/>
+              </a:solidFill>
+              <a:effectLst/>
+              <a:uLnTx/>
+              <a:uFillTx/>
+              <a:latin typeface="Calibri" panose="020F0502020204030204"/>
+              <a:ea typeface="+mn-ea"/>
+              <a:cs typeface="+mn-cs"/>
+            </a:endParaRPr>
+          </a:p>
+        </p:txBody>
+      </p:sp>
+      <p:pic>
+        <p:nvPicPr>
+          <p:cNvPr id="7" name="Picture 6" descr="A screenshot of a cell phone&#10;&#10;Description automatically generated">
+            <a:extLst>
+              <a:ext uri="{FF2B5EF4-FFF2-40B4-BE49-F238E27FC236}">
+                <a16:creationId xmlns:a16="http://schemas.microsoft.com/office/drawing/2014/main" id="{110F8BC7-248E-4CA9-9BDE-ACC1884A0B6A}"/>
+              </a:ext>
+            </a:extLst>
+          </p:cNvPr>
+          <p:cNvPicPr>
+            <a:picLocks noChangeAspect="1"/>
+          </p:cNvPicPr>
+          <p:nvPr/>
+        </p:nvPicPr>
+        <p:blipFill rotWithShape="1">
+          <a:blip r:embed="rId2">
+            <a:extLst>
+              <a:ext uri="{28A0092B-C50C-407E-A947-70E740481C1C}">
+                <a14:useLocalDpi xmlns:a14="http://schemas.microsoft.com/office/drawing/2010/main" val="0"/>
+              </a:ext>
+            </a:extLst>
+          </a:blip>
+          <a:srcRect l="17122" t="21993" r="16491" b="9922"/>
+          <a:stretch/>
+        </p:blipFill>
+        <p:spPr>
+          <a:xfrm>
+            <a:off x="443552" y="1085035"/>
+            <a:ext cx="2596212" cy="1497721"/>
+          </a:xfrm>
+          <a:prstGeom prst="rect">
+            <a:avLst/>
+          </a:prstGeom>
+        </p:spPr>
+      </p:pic>
+      <p:pic>
+        <p:nvPicPr>
+          <p:cNvPr id="9" name="Picture 8" descr="A screenshot of a cell phone&#10;&#10;Description automatically generated">
+            <a:extLst>
+              <a:ext uri="{FF2B5EF4-FFF2-40B4-BE49-F238E27FC236}">
+                <a16:creationId xmlns:a16="http://schemas.microsoft.com/office/drawing/2014/main" id="{C2925B46-6430-4482-82E5-646F8B5C6A6F}"/>
+              </a:ext>
+            </a:extLst>
+          </p:cNvPr>
+          <p:cNvPicPr>
+            <a:picLocks noChangeAspect="1"/>
+          </p:cNvPicPr>
+          <p:nvPr/>
+        </p:nvPicPr>
+        <p:blipFill rotWithShape="1">
+          <a:blip r:embed="rId3">
+            <a:extLst>
+              <a:ext uri="{28A0092B-C50C-407E-A947-70E740481C1C}">
+                <a14:useLocalDpi xmlns:a14="http://schemas.microsoft.com/office/drawing/2010/main" val="0"/>
+              </a:ext>
+            </a:extLst>
+          </a:blip>
+          <a:srcRect l="17019" t="21793" r="16936" b="8130"/>
+          <a:stretch/>
+        </p:blipFill>
+        <p:spPr>
+          <a:xfrm>
+            <a:off x="3334455" y="1054011"/>
+            <a:ext cx="2613376" cy="1559767"/>
+          </a:xfrm>
+          <a:prstGeom prst="rect">
+            <a:avLst/>
+          </a:prstGeom>
+        </p:spPr>
+      </p:pic>
+      <p:pic>
+        <p:nvPicPr>
+          <p:cNvPr id="11" name="Picture 10" descr="A screenshot of a cell phone&#10;&#10;Description automatically generated">
+            <a:extLst>
+              <a:ext uri="{FF2B5EF4-FFF2-40B4-BE49-F238E27FC236}">
+                <a16:creationId xmlns:a16="http://schemas.microsoft.com/office/drawing/2014/main" id="{2210772E-63A0-427C-8163-56BE8C7B1D00}"/>
+              </a:ext>
+            </a:extLst>
+          </p:cNvPr>
+          <p:cNvPicPr>
+            <a:picLocks noChangeAspect="1"/>
+          </p:cNvPicPr>
+          <p:nvPr/>
+        </p:nvPicPr>
+        <p:blipFill rotWithShape="1">
+          <a:blip r:embed="rId4">
+            <a:extLst>
+              <a:ext uri="{28A0092B-C50C-407E-A947-70E740481C1C}">
+                <a14:useLocalDpi xmlns:a14="http://schemas.microsoft.com/office/drawing/2010/main" val="0"/>
+              </a:ext>
+            </a:extLst>
+          </a:blip>
+          <a:srcRect l="15814" t="17333" r="16626"/>
+          <a:stretch/>
+        </p:blipFill>
+        <p:spPr>
+          <a:xfrm>
+            <a:off x="6239987" y="942854"/>
+            <a:ext cx="2589181" cy="1782081"/>
+          </a:xfrm>
+          <a:prstGeom prst="rect">
+            <a:avLst/>
+          </a:prstGeom>
+        </p:spPr>
+      </p:pic>
+      <p:pic>
+        <p:nvPicPr>
+          <p:cNvPr id="13" name="Picture 12" descr="A screenshot of a cell phone&#10;&#10;Description automatically generated">
+            <a:extLst>
+              <a:ext uri="{FF2B5EF4-FFF2-40B4-BE49-F238E27FC236}">
+                <a16:creationId xmlns:a16="http://schemas.microsoft.com/office/drawing/2014/main" id="{97D184B5-8A53-410D-BB16-03CA646AD3CD}"/>
+              </a:ext>
+            </a:extLst>
+          </p:cNvPr>
+          <p:cNvPicPr>
+            <a:picLocks noChangeAspect="1"/>
+          </p:cNvPicPr>
+          <p:nvPr/>
+        </p:nvPicPr>
+        <p:blipFill rotWithShape="1">
+          <a:blip r:embed="rId5">
+            <a:extLst>
+              <a:ext uri="{28A0092B-C50C-407E-A947-70E740481C1C}">
+                <a14:useLocalDpi xmlns:a14="http://schemas.microsoft.com/office/drawing/2010/main" val="0"/>
+              </a:ext>
+            </a:extLst>
+          </a:blip>
+          <a:srcRect l="16645" t="17294" r="15715" b="3997"/>
+          <a:stretch/>
+        </p:blipFill>
+        <p:spPr>
+          <a:xfrm>
+            <a:off x="9149702" y="991847"/>
+            <a:ext cx="2572901" cy="1684095"/>
+          </a:xfrm>
+          <a:prstGeom prst="rect">
+            <a:avLst/>
+          </a:prstGeom>
+        </p:spPr>
+      </p:pic>
+      <p:pic>
+        <p:nvPicPr>
+          <p:cNvPr id="5" name="Content Placeholder 4" descr="A screenshot of a cell phone&#10;&#10;Description automatically generated">
+            <a:extLst>
+              <a:ext uri="{FF2B5EF4-FFF2-40B4-BE49-F238E27FC236}">
+                <a16:creationId xmlns:a16="http://schemas.microsoft.com/office/drawing/2014/main" id="{87011E9C-7537-4678-8299-6C63A739F596}"/>
+              </a:ext>
+            </a:extLst>
+          </p:cNvPr>
+          <p:cNvPicPr>
+            <a:picLocks noChangeAspect="1"/>
+          </p:cNvPicPr>
+          <p:nvPr/>
+        </p:nvPicPr>
+        <p:blipFill rotWithShape="1">
+          <a:blip r:embed="rId6">
+            <a:extLst>
+              <a:ext uri="{28A0092B-C50C-407E-A947-70E740481C1C}">
+                <a14:useLocalDpi xmlns:a14="http://schemas.microsoft.com/office/drawing/2010/main" val="0"/>
+              </a:ext>
+            </a:extLst>
+          </a:blip>
+          <a:srcRect l="16896" t="19268" r="16610" b="2599"/>
+          <a:stretch/>
+        </p:blipFill>
+        <p:spPr>
+          <a:xfrm>
+            <a:off x="976134" y="3429000"/>
+            <a:ext cx="4427017" cy="2926078"/>
+          </a:xfrm>
+          <a:prstGeom prst="rect">
+            <a:avLst/>
+          </a:prstGeom>
+        </p:spPr>
+      </p:pic>
+      <p:sp>
+        <p:nvSpPr>
+          <p:cNvPr id="44" name="Rectangle 36">
+            <a:extLst>
+              <a:ext uri="{FF2B5EF4-FFF2-40B4-BE49-F238E27FC236}">
+                <a16:creationId xmlns:a16="http://schemas.microsoft.com/office/drawing/2014/main" id="{39BEB6D0-9E4E-4221-93D1-74ABECEE9EFC}"/>
+              </a:ext>
+              <a:ext uri="{C183D7F6-B498-43B3-948B-1728B52AA6E4}">
+                <adec:decorative xmlns:adec="http://schemas.microsoft.com/office/drawing/2017/decorative" val="1"/>
+              </a:ext>
+            </a:extLst>
+          </p:cNvPr>
+          <p:cNvSpPr>
+            <a:spLocks noGrp="1" noRot="1" noChangeAspect="1" noMove="1" noResize="1" noEditPoints="1" noAdjustHandles="1" noChangeArrowheads="1" noChangeShapeType="1" noTextEdit="1"/>
+          </p:cNvSpPr>
+          <p:nvPr>
+            <p:extLst>
+              <p:ext uri="{386F3935-93C4-4BCD-93E2-E3B085C9AB24}">
+                <p16:designElem xmlns:p16="http://schemas.microsoft.com/office/powerpoint/2015/main" val="1"/>
+              </p:ext>
+            </p:extLst>
+          </p:nvPr>
+        </p:nvSpPr>
+        <p:spPr>
+          <a:xfrm>
+            <a:off x="6145910" y="3474720"/>
+            <a:ext cx="6046090" cy="3383281"/>
+          </a:xfrm>
+          <a:prstGeom prst="rect">
+            <a:avLst/>
+          </a:prstGeom>
+          <a:solidFill>
+            <a:srgbClr val="404040"/>
+          </a:solidFill>
+          <a:ln>
+            <a:noFill/>
+          </a:ln>
+        </p:spPr>
+        <p:style>
+          <a:lnRef idx="2">
+            <a:schemeClr val="accent1">
+              <a:shade val="50000"/>
+            </a:schemeClr>
+          </a:lnRef>
+          <a:fillRef idx="1">
+            <a:schemeClr val="accent1"/>
+          </a:fillRef>
+          <a:effectRef idx="0">
+            <a:schemeClr val="accent1"/>
+          </a:effectRef>
+          <a:fontRef idx="minor">
+            <a:schemeClr val="lt1"/>
+          </a:fontRef>
+        </p:style>
+        <p:txBody>
+          <a:bodyPr rtlCol="0" anchor="ctr"/>
+          <a:lstStyle/>
+          <a:p>
+            <a:pPr marL="0" marR="0" lvl="0" indent="0" algn="ctr" defTabSz="914400" rtl="0" eaLnBrk="1" fontAlgn="auto" latinLnBrk="0" hangingPunct="1">
+              <a:lnSpc>
+                <a:spcPct val="100000"/>
+              </a:lnSpc>
+              <a:spcBef>
+                <a:spcPts val="0"/>
+              </a:spcBef>
+              <a:spcAft>
+                <a:spcPts val="0"/>
+              </a:spcAft>
+              <a:buClrTx/>
+              <a:buSzTx/>
+              <a:buFontTx/>
+              <a:buNone/>
+              <a:tabLst/>
+              <a:defRPr/>
+            </a:pPr>
+            <a:endParaRPr kumimoji="0" lang="en-US" sz="1800" b="0" i="0" u="none" strike="noStrike" kern="1200" cap="none" spc="0" normalizeH="0" baseline="0" noProof="0">
+              <a:ln>
+                <a:noFill/>
+              </a:ln>
+              <a:solidFill>
+                <a:prstClr val="white"/>
+              </a:solidFill>
+              <a:effectLst/>
+              <a:uLnTx/>
+              <a:uFillTx/>
+              <a:latin typeface="Calibri" panose="020F0502020204030204"/>
+              <a:ea typeface="+mn-ea"/>
+              <a:cs typeface="+mn-cs"/>
+            </a:endParaRPr>
+          </a:p>
+        </p:txBody>
+      </p:sp>
+      <p:sp>
+        <p:nvSpPr>
           <p:cNvPr id="2" name="Title 1">
             <a:extLst>
               <a:ext uri="{FF2B5EF4-FFF2-40B4-BE49-F238E27FC236}">
@@ -3508,14 +3878,27 @@
             <p:ph type="title"/>
           </p:nvPr>
         </p:nvSpPr>
-        <p:spPr/>
-        <p:txBody>
-          <a:bodyPr/>
-          <a:lstStyle/>
-          <a:p>
-            <a:pPr algn="ctr"/>
-            <a:r>
-              <a:rPr lang="en-US" dirty="0"/>
+        <p:spPr>
+          <a:xfrm>
+            <a:off x="6491653" y="3799272"/>
+            <a:ext cx="5193748" cy="637124"/>
+          </a:xfrm>
+        </p:spPr>
+        <p:txBody>
+          <a:bodyPr vert="horz" lIns="91440" tIns="45720" rIns="91440" bIns="45720" rtlCol="0">
+            <a:normAutofit/>
+          </a:bodyPr>
+          <a:lstStyle/>
+          <a:p>
+            <a:r>
+              <a:rPr lang="en-US" sz="3200" kern="1200">
+                <a:solidFill>
+                  <a:srgbClr val="FFFFFF"/>
+                </a:solidFill>
+                <a:latin typeface="+mj-lt"/>
+                <a:ea typeface="+mj-ea"/>
+                <a:cs typeface="+mj-cs"/>
+              </a:rPr>
               <a:t>User Interface Design SOS07</a:t>
             </a:r>
           </a:p>
@@ -3523,10 +3906,10 @@
       </p:sp>
       <p:sp>
         <p:nvSpPr>
-          <p:cNvPr id="3" name="Content Placeholder 2">
-            <a:extLst>
-              <a:ext uri="{FF2B5EF4-FFF2-40B4-BE49-F238E27FC236}">
-                <a16:creationId xmlns:a16="http://schemas.microsoft.com/office/drawing/2014/main" id="{BE6C1747-EAD8-4BA3-94EA-B22D07B338A2}"/>
+          <p:cNvPr id="45" name="Content Placeholder 31">
+            <a:extLst>
+              <a:ext uri="{FF2B5EF4-FFF2-40B4-BE49-F238E27FC236}">
+                <a16:creationId xmlns:a16="http://schemas.microsoft.com/office/drawing/2014/main" id="{92A5A1BB-11D2-443C-AADD-01588F736321}"/>
               </a:ext>
             </a:extLst>
           </p:cNvPr>
@@ -3537,12 +3920,23 @@
             <p:ph idx="1"/>
           </p:nvPr>
         </p:nvSpPr>
-        <p:spPr/>
-        <p:txBody>
-          <a:bodyPr/>
-          <a:lstStyle/>
-          <a:p>
-            <a:endParaRPr lang="en-US"/>
+        <p:spPr>
+          <a:xfrm>
+            <a:off x="6479648" y="4510585"/>
+            <a:ext cx="5366610" cy="1758732"/>
+          </a:xfrm>
+        </p:spPr>
+        <p:txBody>
+          <a:bodyPr>
+            <a:normAutofit/>
+          </a:bodyPr>
+          <a:lstStyle/>
+          <a:p>
+            <a:endParaRPr lang="en-US" sz="1800">
+              <a:solidFill>
+                <a:srgbClr val="FFFFFF"/>
+              </a:solidFill>
+            </a:endParaRPr>
           </a:p>
         </p:txBody>
       </p:sp>
@@ -5368,6 +5762,14 @@
 <file path=ppt/slides/slide9.xml><?xml version="1.0" encoding="utf-8"?>
 <p:sld xmlns:a="http://schemas.openxmlformats.org/drawingml/2006/main" xmlns:r="http://schemas.openxmlformats.org/officeDocument/2006/relationships" xmlns:p="http://schemas.openxmlformats.org/presentationml/2006/main">
   <p:cSld>
+    <p:bg>
+      <p:bgPr>
+        <a:solidFill>
+          <a:schemeClr val="bg1"/>
+        </a:solidFill>
+        <a:effectLst/>
+      </p:bgPr>
+    </p:bg>
     <p:spTree>
       <p:nvGrpSpPr>
         <p:cNvPr id="1" name=""/>
@@ -5382,6 +5784,123 @@
           <a:chExt cx="0" cy="0"/>
         </a:xfrm>
       </p:grpSpPr>
+      <p:cxnSp>
+        <p:nvCxnSpPr>
+          <p:cNvPr id="21" name="Straight Connector 20">
+            <a:extLst>
+              <a:ext uri="{FF2B5EF4-FFF2-40B4-BE49-F238E27FC236}">
+                <a16:creationId xmlns:a16="http://schemas.microsoft.com/office/drawing/2014/main" id="{DB146403-F3D6-484B-B2ED-97F9565D0370}"/>
+              </a:ext>
+              <a:ext uri="{C183D7F6-B498-43B3-948B-1728B52AA6E4}">
+                <adec:decorative xmlns:adec="http://schemas.microsoft.com/office/drawing/2017/decorative" val="1"/>
+              </a:ext>
+            </a:extLst>
+          </p:cNvPr>
+          <p:cNvCxnSpPr>
+            <a:cxnSpLocks noGrp="1" noRot="1" noChangeAspect="1" noMove="1" noResize="1" noEditPoints="1" noAdjustHandles="1" noChangeArrowheads="1" noChangeShapeType="1"/>
+          </p:cNvCxnSpPr>
+          <p:nvPr>
+            <p:extLst>
+              <p:ext uri="{386F3935-93C4-4BCD-93E2-E3B085C9AB24}">
+                <p16:designElem xmlns:p16="http://schemas.microsoft.com/office/powerpoint/2015/main" val="1"/>
+              </p:ext>
+            </p:extLst>
+          </p:nvPr>
+        </p:nvCxnSpPr>
+        <p:spPr>
+          <a:xfrm>
+            <a:off x="6096000" y="477749"/>
+            <a:ext cx="0" cy="3657600"/>
+          </a:xfrm>
+          <a:prstGeom prst="line">
+            <a:avLst/>
+          </a:prstGeom>
+          <a:ln w="101600" cmpd="dbl">
+            <a:solidFill>
+              <a:srgbClr val="595959"/>
+            </a:solidFill>
+          </a:ln>
+        </p:spPr>
+        <p:style>
+          <a:lnRef idx="1">
+            <a:schemeClr val="accent1"/>
+          </a:lnRef>
+          <a:fillRef idx="0">
+            <a:schemeClr val="accent1"/>
+          </a:fillRef>
+          <a:effectRef idx="0">
+            <a:schemeClr val="accent1"/>
+          </a:effectRef>
+          <a:fontRef idx="minor">
+            <a:schemeClr val="tx1"/>
+          </a:fontRef>
+        </p:style>
+      </p:cxnSp>
+      <p:sp>
+        <p:nvSpPr>
+          <p:cNvPr id="23" name="Rectangle 22">
+            <a:extLst>
+              <a:ext uri="{FF2B5EF4-FFF2-40B4-BE49-F238E27FC236}">
+                <a16:creationId xmlns:a16="http://schemas.microsoft.com/office/drawing/2014/main" id="{823AC064-BC96-4F32-8AE1-B2FD38754823}"/>
+              </a:ext>
+              <a:ext uri="{C183D7F6-B498-43B3-948B-1728B52AA6E4}">
+                <adec:decorative xmlns:adec="http://schemas.microsoft.com/office/drawing/2017/decorative" val="1"/>
+              </a:ext>
+            </a:extLst>
+          </p:cNvPr>
+          <p:cNvSpPr>
+            <a:spLocks noGrp="1" noRot="1" noChangeAspect="1" noMove="1" noResize="1" noEditPoints="1" noAdjustHandles="1" noChangeArrowheads="1" noChangeShapeType="1" noTextEdit="1"/>
+          </p:cNvSpPr>
+          <p:nvPr>
+            <p:extLst>
+              <p:ext uri="{386F3935-93C4-4BCD-93E2-E3B085C9AB24}">
+                <p16:designElem xmlns:p16="http://schemas.microsoft.com/office/powerpoint/2015/main" val="1"/>
+              </p:ext>
+            </p:extLst>
+          </p:nvPr>
+        </p:nvSpPr>
+        <p:spPr bwMode="ltGray">
+          <a:xfrm>
+            <a:off x="378068" y="4633546"/>
+            <a:ext cx="11438793" cy="1844256"/>
+          </a:xfrm>
+          <a:prstGeom prst="rect">
+            <a:avLst/>
+          </a:prstGeom>
+          <a:solidFill>
+            <a:srgbClr val="404040"/>
+          </a:solidFill>
+          <a:ln w="127000" cap="sq" cmpd="thinThick">
+            <a:solidFill>
+              <a:srgbClr val="404040"/>
+            </a:solidFill>
+          </a:ln>
+        </p:spPr>
+        <p:style>
+          <a:lnRef idx="2">
+            <a:schemeClr val="accent1">
+              <a:shade val="50000"/>
+            </a:schemeClr>
+          </a:lnRef>
+          <a:fillRef idx="1">
+            <a:schemeClr val="accent1"/>
+          </a:fillRef>
+          <a:effectRef idx="0">
+            <a:schemeClr val="accent1"/>
+          </a:effectRef>
+          <a:fontRef idx="minor">
+            <a:schemeClr val="lt1"/>
+          </a:fontRef>
+        </p:style>
+        <p:txBody>
+          <a:bodyPr rtlCol="0" anchor="ctr"/>
+          <a:lstStyle/>
+          <a:p>
+            <a:pPr algn="ctr"/>
+            <a:endParaRPr lang="en-US"/>
+          </a:p>
+        </p:txBody>
+      </p:sp>
       <p:sp>
         <p:nvSpPr>
           <p:cNvPr id="2" name="Title 1">
@@ -5398,44 +5917,154 @@
             <p:ph type="title"/>
           </p:nvPr>
         </p:nvSpPr>
-        <p:spPr/>
-        <p:txBody>
-          <a:bodyPr/>
+        <p:spPr>
+          <a:xfrm>
+            <a:off x="527538" y="4756638"/>
+            <a:ext cx="11139854" cy="930447"/>
+          </a:xfrm>
+        </p:spPr>
+        <p:txBody>
+          <a:bodyPr vert="horz" lIns="91440" tIns="45720" rIns="91440" bIns="45720" rtlCol="0" anchor="b">
+            <a:normAutofit/>
+          </a:bodyPr>
           <a:lstStyle/>
           <a:p>
             <a:pPr algn="ctr"/>
             <a:r>
-              <a:rPr lang="en-US" dirty="0"/>
+              <a:rPr lang="en-US" sz="5400">
+                <a:solidFill>
+                  <a:srgbClr val="FFFFFF"/>
+                </a:solidFill>
+              </a:rPr>
               <a:t>User Interface Design SOS16</a:t>
             </a:r>
           </a:p>
         </p:txBody>
       </p:sp>
-      <p:sp>
-        <p:nvSpPr>
-          <p:cNvPr id="3" name="Content Placeholder 2">
-            <a:extLst>
-              <a:ext uri="{FF2B5EF4-FFF2-40B4-BE49-F238E27FC236}">
-                <a16:creationId xmlns:a16="http://schemas.microsoft.com/office/drawing/2014/main" id="{3F98BB1D-2955-46DD-8BF1-2DA72317B5C4}"/>
-              </a:ext>
-            </a:extLst>
-          </p:cNvPr>
-          <p:cNvSpPr>
-            <a:spLocks noGrp="1"/>
-          </p:cNvSpPr>
+      <p:pic>
+        <p:nvPicPr>
+          <p:cNvPr id="5" name="Content Placeholder 4" descr="A screenshot of a computer&#10;&#10;Description automatically generated">
+            <a:extLst>
+              <a:ext uri="{FF2B5EF4-FFF2-40B4-BE49-F238E27FC236}">
+                <a16:creationId xmlns:a16="http://schemas.microsoft.com/office/drawing/2014/main" id="{A906F036-35FF-4D3A-A731-68820BB65DDE}"/>
+              </a:ext>
+            </a:extLst>
+          </p:cNvPr>
+          <p:cNvPicPr>
+            <a:picLocks noGrp="1" noChangeAspect="1"/>
+          </p:cNvPicPr>
           <p:nvPr>
             <p:ph idx="1"/>
           </p:nvPr>
-        </p:nvSpPr>
-        <p:spPr/>
-        <p:txBody>
-          <a:bodyPr/>
-          <a:lstStyle/>
-          <a:p>
-            <a:endParaRPr lang="en-US"/>
-          </a:p>
-        </p:txBody>
-      </p:sp>
+        </p:nvPicPr>
+        <p:blipFill rotWithShape="1">
+          <a:blip r:embed="rId2">
+            <a:extLst>
+              <a:ext uri="{28A0092B-C50C-407E-A947-70E740481C1C}">
+                <a14:useLocalDpi xmlns:a14="http://schemas.microsoft.com/office/drawing/2010/main" val="0"/>
+              </a:ext>
+            </a:extLst>
+          </a:blip>
+          <a:srcRect t="17759"/>
+          <a:stretch/>
+        </p:blipFill>
+        <p:spPr>
+          <a:xfrm>
+            <a:off x="320040" y="1044580"/>
+            <a:ext cx="5455917" cy="2523938"/>
+          </a:xfrm>
+          <a:prstGeom prst="rect">
+            <a:avLst/>
+          </a:prstGeom>
+        </p:spPr>
+      </p:pic>
+      <p:pic>
+        <p:nvPicPr>
+          <p:cNvPr id="7" name="Picture 6" descr="A screenshot of a social media post&#10;&#10;Description automatically generated">
+            <a:extLst>
+              <a:ext uri="{FF2B5EF4-FFF2-40B4-BE49-F238E27FC236}">
+                <a16:creationId xmlns:a16="http://schemas.microsoft.com/office/drawing/2014/main" id="{946776CE-C8BE-43FC-8407-ADA4DF10BB23}"/>
+              </a:ext>
+            </a:extLst>
+          </p:cNvPr>
+          <p:cNvPicPr>
+            <a:picLocks noChangeAspect="1"/>
+          </p:cNvPicPr>
+          <p:nvPr/>
+        </p:nvPicPr>
+        <p:blipFill rotWithShape="1">
+          <a:blip r:embed="rId3">
+            <a:extLst>
+              <a:ext uri="{28A0092B-C50C-407E-A947-70E740481C1C}">
+                <a14:useLocalDpi xmlns:a14="http://schemas.microsoft.com/office/drawing/2010/main" val="0"/>
+              </a:ext>
+            </a:extLst>
+          </a:blip>
+          <a:srcRect t="17759"/>
+          <a:stretch/>
+        </p:blipFill>
+        <p:spPr>
+          <a:xfrm>
+            <a:off x="6416043" y="1044580"/>
+            <a:ext cx="5455917" cy="2523938"/>
+          </a:xfrm>
+          <a:prstGeom prst="rect">
+            <a:avLst/>
+          </a:prstGeom>
+        </p:spPr>
+      </p:pic>
+      <p:cxnSp>
+        <p:nvCxnSpPr>
+          <p:cNvPr id="25" name="Straight Connector 24">
+            <a:extLst>
+              <a:ext uri="{FF2B5EF4-FFF2-40B4-BE49-F238E27FC236}">
+                <a16:creationId xmlns:a16="http://schemas.microsoft.com/office/drawing/2014/main" id="{7E7C77BC-7138-40B1-A15B-20F57A494629}"/>
+              </a:ext>
+              <a:ext uri="{C183D7F6-B498-43B3-948B-1728B52AA6E4}">
+                <adec:decorative xmlns:adec="http://schemas.microsoft.com/office/drawing/2017/decorative" val="1"/>
+              </a:ext>
+            </a:extLst>
+          </p:cNvPr>
+          <p:cNvCxnSpPr>
+            <a:cxnSpLocks noGrp="1" noRot="1" noChangeAspect="1" noMove="1" noResize="1" noEditPoints="1" noAdjustHandles="1" noChangeArrowheads="1" noChangeShapeType="1"/>
+          </p:cNvCxnSpPr>
+          <p:nvPr>
+            <p:extLst>
+              <p:ext uri="{386F3935-93C4-4BCD-93E2-E3B085C9AB24}">
+                <p16:designElem xmlns:p16="http://schemas.microsoft.com/office/powerpoint/2015/main" val="1"/>
+              </p:ext>
+            </p:extLst>
+          </p:nvPr>
+        </p:nvCxnSpPr>
+        <p:spPr>
+          <a:xfrm>
+            <a:off x="2209800" y="5738691"/>
+            <a:ext cx="7772400" cy="0"/>
+          </a:xfrm>
+          <a:prstGeom prst="line">
+            <a:avLst/>
+          </a:prstGeom>
+          <a:ln w="22225">
+            <a:solidFill>
+              <a:srgbClr val="D9D9D9"/>
+            </a:solidFill>
+          </a:ln>
+        </p:spPr>
+        <p:style>
+          <a:lnRef idx="1">
+            <a:schemeClr val="accent1"/>
+          </a:lnRef>
+          <a:fillRef idx="0">
+            <a:schemeClr val="accent1"/>
+          </a:fillRef>
+          <a:effectRef idx="0">
+            <a:schemeClr val="accent1"/>
+          </a:effectRef>
+          <a:fontRef idx="minor">
+            <a:schemeClr val="tx1"/>
+          </a:fontRef>
+        </p:style>
+      </p:cxnSp>
     </p:spTree>
     <p:extLst>
       <p:ext uri="{BB962C8B-B14F-4D97-AF65-F5344CB8AC3E}">

--- a/specifications/deliv1/SOS Deliverable 1 Presentation.pptx
+++ b/specifications/deliv1/SOS Deliverable 1 Presentation.pptx
@@ -4,6 +4,9 @@
   <p:sldMasterIdLst>
     <p:sldMasterId id="2147483648" r:id="rId1"/>
   </p:sldMasterIdLst>
+  <p:notesMasterIdLst>
+    <p:notesMasterId r:id="rId17"/>
+  </p:notesMasterIdLst>
   <p:sldIdLst>
     <p:sldId id="256" r:id="rId2"/>
     <p:sldId id="257" r:id="rId3"/>
@@ -124,6 +127,532 @@
     </p:ext>
   </p:extLst>
 </p:presentation>
+</file>
+
+<file path=ppt/notesMasters/notesMaster1.xml><?xml version="1.0" encoding="utf-8"?>
+<p:notesMaster xmlns:a="http://schemas.openxmlformats.org/drawingml/2006/main" xmlns:r="http://schemas.openxmlformats.org/officeDocument/2006/relationships" xmlns:p="http://schemas.openxmlformats.org/presentationml/2006/main">
+  <p:cSld>
+    <p:bg>
+      <p:bgRef idx="1001">
+        <a:schemeClr val="bg1"/>
+      </p:bgRef>
+    </p:bg>
+    <p:spTree>
+      <p:nvGrpSpPr>
+        <p:cNvPr id="1" name=""/>
+        <p:cNvGrpSpPr/>
+        <p:nvPr/>
+      </p:nvGrpSpPr>
+      <p:grpSpPr>
+        <a:xfrm>
+          <a:off x="0" y="0"/>
+          <a:ext cx="0" cy="0"/>
+          <a:chOff x="0" y="0"/>
+          <a:chExt cx="0" cy="0"/>
+        </a:xfrm>
+      </p:grpSpPr>
+      <p:sp>
+        <p:nvSpPr>
+          <p:cNvPr id="2" name="Header Placeholder 1"/>
+          <p:cNvSpPr>
+            <a:spLocks noGrp="1"/>
+          </p:cNvSpPr>
+          <p:nvPr>
+            <p:ph type="hdr" sz="quarter"/>
+          </p:nvPr>
+        </p:nvSpPr>
+        <p:spPr>
+          <a:xfrm>
+            <a:off x="0" y="0"/>
+            <a:ext cx="2971800" cy="458788"/>
+          </a:xfrm>
+          <a:prstGeom prst="rect">
+            <a:avLst/>
+          </a:prstGeom>
+        </p:spPr>
+        <p:txBody>
+          <a:bodyPr vert="horz" lIns="91440" tIns="45720" rIns="91440" bIns="45720" rtlCol="0"/>
+          <a:lstStyle>
+            <a:lvl1pPr algn="l">
+              <a:defRPr sz="1200"/>
+            </a:lvl1pPr>
+          </a:lstStyle>
+          <a:p>
+            <a:endParaRPr lang="en-US"/>
+          </a:p>
+        </p:txBody>
+      </p:sp>
+      <p:sp>
+        <p:nvSpPr>
+          <p:cNvPr id="3" name="Date Placeholder 2"/>
+          <p:cNvSpPr>
+            <a:spLocks noGrp="1"/>
+          </p:cNvSpPr>
+          <p:nvPr>
+            <p:ph type="dt" idx="1"/>
+          </p:nvPr>
+        </p:nvSpPr>
+        <p:spPr>
+          <a:xfrm>
+            <a:off x="3884613" y="0"/>
+            <a:ext cx="2971800" cy="458788"/>
+          </a:xfrm>
+          <a:prstGeom prst="rect">
+            <a:avLst/>
+          </a:prstGeom>
+        </p:spPr>
+        <p:txBody>
+          <a:bodyPr vert="horz" lIns="91440" tIns="45720" rIns="91440" bIns="45720" rtlCol="0"/>
+          <a:lstStyle>
+            <a:lvl1pPr algn="r">
+              <a:defRPr sz="1200"/>
+            </a:lvl1pPr>
+          </a:lstStyle>
+          <a:p>
+            <a:fld id="{25C7B18B-C095-4AA5-9AE6-44437B9B539E}" type="datetimeFigureOut">
+              <a:rPr lang="en-US" smtClean="0"/>
+              <a:t>9/30/2019</a:t>
+            </a:fld>
+            <a:endParaRPr lang="en-US"/>
+          </a:p>
+        </p:txBody>
+      </p:sp>
+      <p:sp>
+        <p:nvSpPr>
+          <p:cNvPr id="4" name="Slide Image Placeholder 3"/>
+          <p:cNvSpPr>
+            <a:spLocks noGrp="1" noRot="1" noChangeAspect="1"/>
+          </p:cNvSpPr>
+          <p:nvPr>
+            <p:ph type="sldImg" idx="2"/>
+          </p:nvPr>
+        </p:nvSpPr>
+        <p:spPr>
+          <a:xfrm>
+            <a:off x="685800" y="1143000"/>
+            <a:ext cx="5486400" cy="3086100"/>
+          </a:xfrm>
+          <a:prstGeom prst="rect">
+            <a:avLst/>
+          </a:prstGeom>
+          <a:noFill/>
+          <a:ln w="12700">
+            <a:solidFill>
+              <a:prstClr val="black"/>
+            </a:solidFill>
+          </a:ln>
+        </p:spPr>
+        <p:txBody>
+          <a:bodyPr vert="horz" lIns="91440" tIns="45720" rIns="91440" bIns="45720" rtlCol="0" anchor="ctr"/>
+          <a:lstStyle/>
+          <a:p>
+            <a:endParaRPr lang="en-US"/>
+          </a:p>
+        </p:txBody>
+      </p:sp>
+      <p:sp>
+        <p:nvSpPr>
+          <p:cNvPr id="5" name="Notes Placeholder 4"/>
+          <p:cNvSpPr>
+            <a:spLocks noGrp="1"/>
+          </p:cNvSpPr>
+          <p:nvPr>
+            <p:ph type="body" sz="quarter" idx="3"/>
+          </p:nvPr>
+        </p:nvSpPr>
+        <p:spPr>
+          <a:xfrm>
+            <a:off x="685800" y="4400550"/>
+            <a:ext cx="5486400" cy="3600450"/>
+          </a:xfrm>
+          <a:prstGeom prst="rect">
+            <a:avLst/>
+          </a:prstGeom>
+        </p:spPr>
+        <p:txBody>
+          <a:bodyPr vert="horz" lIns="91440" tIns="45720" rIns="91440" bIns="45720" rtlCol="0"/>
+          <a:lstStyle/>
+          <a:p>
+            <a:pPr lvl="0"/>
+            <a:r>
+              <a:rPr lang="en-US"/>
+              <a:t>Click to edit Master text styles</a:t>
+            </a:r>
+          </a:p>
+          <a:p>
+            <a:pPr lvl="1"/>
+            <a:r>
+              <a:rPr lang="en-US"/>
+              <a:t>Second level</a:t>
+            </a:r>
+          </a:p>
+          <a:p>
+            <a:pPr lvl="2"/>
+            <a:r>
+              <a:rPr lang="en-US"/>
+              <a:t>Third level</a:t>
+            </a:r>
+          </a:p>
+          <a:p>
+            <a:pPr lvl="3"/>
+            <a:r>
+              <a:rPr lang="en-US"/>
+              <a:t>Fourth level</a:t>
+            </a:r>
+          </a:p>
+          <a:p>
+            <a:pPr lvl="4"/>
+            <a:r>
+              <a:rPr lang="en-US"/>
+              <a:t>Fifth level</a:t>
+            </a:r>
+          </a:p>
+        </p:txBody>
+      </p:sp>
+      <p:sp>
+        <p:nvSpPr>
+          <p:cNvPr id="6" name="Footer Placeholder 5"/>
+          <p:cNvSpPr>
+            <a:spLocks noGrp="1"/>
+          </p:cNvSpPr>
+          <p:nvPr>
+            <p:ph type="ftr" sz="quarter" idx="4"/>
+          </p:nvPr>
+        </p:nvSpPr>
+        <p:spPr>
+          <a:xfrm>
+            <a:off x="0" y="8685213"/>
+            <a:ext cx="2971800" cy="458787"/>
+          </a:xfrm>
+          <a:prstGeom prst="rect">
+            <a:avLst/>
+          </a:prstGeom>
+        </p:spPr>
+        <p:txBody>
+          <a:bodyPr vert="horz" lIns="91440" tIns="45720" rIns="91440" bIns="45720" rtlCol="0" anchor="b"/>
+          <a:lstStyle>
+            <a:lvl1pPr algn="l">
+              <a:defRPr sz="1200"/>
+            </a:lvl1pPr>
+          </a:lstStyle>
+          <a:p>
+            <a:endParaRPr lang="en-US"/>
+          </a:p>
+        </p:txBody>
+      </p:sp>
+      <p:sp>
+        <p:nvSpPr>
+          <p:cNvPr id="7" name="Slide Number Placeholder 6"/>
+          <p:cNvSpPr>
+            <a:spLocks noGrp="1"/>
+          </p:cNvSpPr>
+          <p:nvPr>
+            <p:ph type="sldNum" sz="quarter" idx="5"/>
+          </p:nvPr>
+        </p:nvSpPr>
+        <p:spPr>
+          <a:xfrm>
+            <a:off x="3884613" y="8685213"/>
+            <a:ext cx="2971800" cy="458787"/>
+          </a:xfrm>
+          <a:prstGeom prst="rect">
+            <a:avLst/>
+          </a:prstGeom>
+        </p:spPr>
+        <p:txBody>
+          <a:bodyPr vert="horz" lIns="91440" tIns="45720" rIns="91440" bIns="45720" rtlCol="0" anchor="b"/>
+          <a:lstStyle>
+            <a:lvl1pPr algn="r">
+              <a:defRPr sz="1200"/>
+            </a:lvl1pPr>
+          </a:lstStyle>
+          <a:p>
+            <a:fld id="{EF0E9F11-5378-4ADA-BF65-D7EDB1D950CD}" type="slidenum">
+              <a:rPr lang="en-US" smtClean="0"/>
+              <a:t>‹#›</a:t>
+            </a:fld>
+            <a:endParaRPr lang="en-US"/>
+          </a:p>
+        </p:txBody>
+      </p:sp>
+    </p:spTree>
+    <p:extLst>
+      <p:ext uri="{BB962C8B-B14F-4D97-AF65-F5344CB8AC3E}">
+        <p14:creationId xmlns:p14="http://schemas.microsoft.com/office/powerpoint/2010/main" val="3486285091"/>
+      </p:ext>
+    </p:extLst>
+  </p:cSld>
+  <p:clrMap bg1="lt1" tx1="dk1" bg2="lt2" tx2="dk2" accent1="accent1" accent2="accent2" accent3="accent3" accent4="accent4" accent5="accent5" accent6="accent6" hlink="hlink" folHlink="folHlink"/>
+  <p:notesStyle>
+    <a:lvl1pPr marL="0" algn="l" defTabSz="914400" rtl="0" eaLnBrk="1" latinLnBrk="0" hangingPunct="1">
+      <a:defRPr sz="1200" kern="1200">
+        <a:solidFill>
+          <a:schemeClr val="tx1"/>
+        </a:solidFill>
+        <a:latin typeface="+mn-lt"/>
+        <a:ea typeface="+mn-ea"/>
+        <a:cs typeface="+mn-cs"/>
+      </a:defRPr>
+    </a:lvl1pPr>
+    <a:lvl2pPr marL="457200" algn="l" defTabSz="914400" rtl="0" eaLnBrk="1" latinLnBrk="0" hangingPunct="1">
+      <a:defRPr sz="1200" kern="1200">
+        <a:solidFill>
+          <a:schemeClr val="tx1"/>
+        </a:solidFill>
+        <a:latin typeface="+mn-lt"/>
+        <a:ea typeface="+mn-ea"/>
+        <a:cs typeface="+mn-cs"/>
+      </a:defRPr>
+    </a:lvl2pPr>
+    <a:lvl3pPr marL="914400" algn="l" defTabSz="914400" rtl="0" eaLnBrk="1" latinLnBrk="0" hangingPunct="1">
+      <a:defRPr sz="1200" kern="1200">
+        <a:solidFill>
+          <a:schemeClr val="tx1"/>
+        </a:solidFill>
+        <a:latin typeface="+mn-lt"/>
+        <a:ea typeface="+mn-ea"/>
+        <a:cs typeface="+mn-cs"/>
+      </a:defRPr>
+    </a:lvl3pPr>
+    <a:lvl4pPr marL="1371600" algn="l" defTabSz="914400" rtl="0" eaLnBrk="1" latinLnBrk="0" hangingPunct="1">
+      <a:defRPr sz="1200" kern="1200">
+        <a:solidFill>
+          <a:schemeClr val="tx1"/>
+        </a:solidFill>
+        <a:latin typeface="+mn-lt"/>
+        <a:ea typeface="+mn-ea"/>
+        <a:cs typeface="+mn-cs"/>
+      </a:defRPr>
+    </a:lvl4pPr>
+    <a:lvl5pPr marL="1828800" algn="l" defTabSz="914400" rtl="0" eaLnBrk="1" latinLnBrk="0" hangingPunct="1">
+      <a:defRPr sz="1200" kern="1200">
+        <a:solidFill>
+          <a:schemeClr val="tx1"/>
+        </a:solidFill>
+        <a:latin typeface="+mn-lt"/>
+        <a:ea typeface="+mn-ea"/>
+        <a:cs typeface="+mn-cs"/>
+      </a:defRPr>
+    </a:lvl5pPr>
+    <a:lvl6pPr marL="2286000" algn="l" defTabSz="914400" rtl="0" eaLnBrk="1" latinLnBrk="0" hangingPunct="1">
+      <a:defRPr sz="1200" kern="1200">
+        <a:solidFill>
+          <a:schemeClr val="tx1"/>
+        </a:solidFill>
+        <a:latin typeface="+mn-lt"/>
+        <a:ea typeface="+mn-ea"/>
+        <a:cs typeface="+mn-cs"/>
+      </a:defRPr>
+    </a:lvl6pPr>
+    <a:lvl7pPr marL="2743200" algn="l" defTabSz="914400" rtl="0" eaLnBrk="1" latinLnBrk="0" hangingPunct="1">
+      <a:defRPr sz="1200" kern="1200">
+        <a:solidFill>
+          <a:schemeClr val="tx1"/>
+        </a:solidFill>
+        <a:latin typeface="+mn-lt"/>
+        <a:ea typeface="+mn-ea"/>
+        <a:cs typeface="+mn-cs"/>
+      </a:defRPr>
+    </a:lvl7pPr>
+    <a:lvl8pPr marL="3200400" algn="l" defTabSz="914400" rtl="0" eaLnBrk="1" latinLnBrk="0" hangingPunct="1">
+      <a:defRPr sz="1200" kern="1200">
+        <a:solidFill>
+          <a:schemeClr val="tx1"/>
+        </a:solidFill>
+        <a:latin typeface="+mn-lt"/>
+        <a:ea typeface="+mn-ea"/>
+        <a:cs typeface="+mn-cs"/>
+      </a:defRPr>
+    </a:lvl8pPr>
+    <a:lvl9pPr marL="3657600" algn="l" defTabSz="914400" rtl="0" eaLnBrk="1" latinLnBrk="0" hangingPunct="1">
+      <a:defRPr sz="1200" kern="1200">
+        <a:solidFill>
+          <a:schemeClr val="tx1"/>
+        </a:solidFill>
+        <a:latin typeface="+mn-lt"/>
+        <a:ea typeface="+mn-ea"/>
+        <a:cs typeface="+mn-cs"/>
+      </a:defRPr>
+    </a:lvl9pPr>
+  </p:notesStyle>
+</p:notesMaster>
+</file>
+
+<file path=ppt/notesSlides/notesSlide1.xml><?xml version="1.0" encoding="utf-8"?>
+<p:notes xmlns:a="http://schemas.openxmlformats.org/drawingml/2006/main" xmlns:r="http://schemas.openxmlformats.org/officeDocument/2006/relationships" xmlns:p="http://schemas.openxmlformats.org/presentationml/2006/main">
+  <p:cSld>
+    <p:spTree>
+      <p:nvGrpSpPr>
+        <p:cNvPr id="1" name=""/>
+        <p:cNvGrpSpPr/>
+        <p:nvPr/>
+      </p:nvGrpSpPr>
+      <p:grpSpPr>
+        <a:xfrm>
+          <a:off x="0" y="0"/>
+          <a:ext cx="0" cy="0"/>
+          <a:chOff x="0" y="0"/>
+          <a:chExt cx="0" cy="0"/>
+        </a:xfrm>
+      </p:grpSpPr>
+      <p:sp>
+        <p:nvSpPr>
+          <p:cNvPr id="2" name="Slide Image Placeholder 1"/>
+          <p:cNvSpPr>
+            <a:spLocks noGrp="1" noRot="1" noChangeAspect="1"/>
+          </p:cNvSpPr>
+          <p:nvPr>
+            <p:ph type="sldImg"/>
+          </p:nvPr>
+        </p:nvSpPr>
+        <p:spPr/>
+      </p:sp>
+      <p:sp>
+        <p:nvSpPr>
+          <p:cNvPr id="3" name="Notes Placeholder 2"/>
+          <p:cNvSpPr>
+            <a:spLocks noGrp="1"/>
+          </p:cNvSpPr>
+          <p:nvPr>
+            <p:ph type="body" idx="1"/>
+          </p:nvPr>
+        </p:nvSpPr>
+        <p:spPr/>
+        <p:txBody>
+          <a:bodyPr/>
+          <a:lstStyle/>
+          <a:p>
+            <a:r>
+              <a:rPr lang="en-US" dirty="0"/>
+              <a:t>Change object diagram</a:t>
+            </a:r>
+          </a:p>
+          <a:p>
+            <a:endParaRPr lang="en-US" dirty="0"/>
+          </a:p>
+        </p:txBody>
+      </p:sp>
+      <p:sp>
+        <p:nvSpPr>
+          <p:cNvPr id="4" name="Slide Number Placeholder 3"/>
+          <p:cNvSpPr>
+            <a:spLocks noGrp="1"/>
+          </p:cNvSpPr>
+          <p:nvPr>
+            <p:ph type="sldNum" sz="quarter" idx="5"/>
+          </p:nvPr>
+        </p:nvSpPr>
+        <p:spPr/>
+        <p:txBody>
+          <a:bodyPr/>
+          <a:lstStyle/>
+          <a:p>
+            <a:fld id="{EF0E9F11-5378-4ADA-BF65-D7EDB1D950CD}" type="slidenum">
+              <a:rPr lang="en-US" smtClean="0"/>
+              <a:t>14</a:t>
+            </a:fld>
+            <a:endParaRPr lang="en-US"/>
+          </a:p>
+        </p:txBody>
+      </p:sp>
+    </p:spTree>
+    <p:extLst>
+      <p:ext uri="{BB962C8B-B14F-4D97-AF65-F5344CB8AC3E}">
+        <p14:creationId xmlns:p14="http://schemas.microsoft.com/office/powerpoint/2010/main" val="1083633083"/>
+      </p:ext>
+    </p:extLst>
+  </p:cSld>
+  <p:clrMapOvr>
+    <a:masterClrMapping/>
+  </p:clrMapOvr>
+</p:notes>
+</file>
+
+<file path=ppt/notesSlides/notesSlide2.xml><?xml version="1.0" encoding="utf-8"?>
+<p:notes xmlns:a="http://schemas.openxmlformats.org/drawingml/2006/main" xmlns:r="http://schemas.openxmlformats.org/officeDocument/2006/relationships" xmlns:p="http://schemas.openxmlformats.org/presentationml/2006/main">
+  <p:cSld>
+    <p:spTree>
+      <p:nvGrpSpPr>
+        <p:cNvPr id="1" name=""/>
+        <p:cNvGrpSpPr/>
+        <p:nvPr/>
+      </p:nvGrpSpPr>
+      <p:grpSpPr>
+        <a:xfrm>
+          <a:off x="0" y="0"/>
+          <a:ext cx="0" cy="0"/>
+          <a:chOff x="0" y="0"/>
+          <a:chExt cx="0" cy="0"/>
+        </a:xfrm>
+      </p:grpSpPr>
+      <p:sp>
+        <p:nvSpPr>
+          <p:cNvPr id="2" name="Slide Image Placeholder 1"/>
+          <p:cNvSpPr>
+            <a:spLocks noGrp="1" noRot="1" noChangeAspect="1"/>
+          </p:cNvSpPr>
+          <p:nvPr>
+            <p:ph type="sldImg"/>
+          </p:nvPr>
+        </p:nvSpPr>
+        <p:spPr/>
+      </p:sp>
+      <p:sp>
+        <p:nvSpPr>
+          <p:cNvPr id="3" name="Notes Placeholder 2"/>
+          <p:cNvSpPr>
+            <a:spLocks noGrp="1"/>
+          </p:cNvSpPr>
+          <p:nvPr>
+            <p:ph type="body" idx="1"/>
+          </p:nvPr>
+        </p:nvSpPr>
+        <p:spPr/>
+        <p:txBody>
+          <a:bodyPr/>
+          <a:lstStyle/>
+          <a:p>
+            <a:r>
+              <a:rPr lang="en-US" dirty="0"/>
+              <a:t>Change class diagram</a:t>
+            </a:r>
+          </a:p>
+        </p:txBody>
+      </p:sp>
+      <p:sp>
+        <p:nvSpPr>
+          <p:cNvPr id="4" name="Slide Number Placeholder 3"/>
+          <p:cNvSpPr>
+            <a:spLocks noGrp="1"/>
+          </p:cNvSpPr>
+          <p:nvPr>
+            <p:ph type="sldNum" sz="quarter" idx="5"/>
+          </p:nvPr>
+        </p:nvSpPr>
+        <p:spPr/>
+        <p:txBody>
+          <a:bodyPr/>
+          <a:lstStyle/>
+          <a:p>
+            <a:fld id="{EF0E9F11-5378-4ADA-BF65-D7EDB1D950CD}" type="slidenum">
+              <a:rPr lang="en-US" smtClean="0"/>
+              <a:t>15</a:t>
+            </a:fld>
+            <a:endParaRPr lang="en-US"/>
+          </a:p>
+        </p:txBody>
+      </p:sp>
+    </p:spTree>
+    <p:extLst>
+      <p:ext uri="{BB962C8B-B14F-4D97-AF65-F5344CB8AC3E}">
+        <p14:creationId xmlns:p14="http://schemas.microsoft.com/office/powerpoint/2010/main" val="485442747"/>
+      </p:ext>
+    </p:extLst>
+  </p:cSld>
+  <p:clrMapOvr>
+    <a:masterClrMapping/>
+  </p:clrMapOvr>
+</p:notes>
 </file>
 
 <file path=ppt/slideLayouts/slideLayout1.xml><?xml version="1.0" encoding="utf-8"?>
@@ -4398,7 +4927,7 @@
           </p:nvPr>
         </p:nvPicPr>
         <p:blipFill>
-          <a:blip r:embed="rId2"/>
+          <a:blip r:embed="rId3"/>
           <a:stretch>
             <a:fillRect/>
           </a:stretch>
@@ -4494,7 +5023,7 @@
           </p:nvPr>
         </p:nvPicPr>
         <p:blipFill rotWithShape="1">
-          <a:blip r:embed="rId2"/>
+          <a:blip r:embed="rId3"/>
           <a:srcRect t="6243" r="2284" b="6161"/>
           <a:stretch/>
         </p:blipFill>
@@ -6371,4 +6900,299 @@
     </a:ext>
   </a:extLst>
 </a:theme>
+</file>
+
+<file path=ppt/theme/theme2.xml><?xml version="1.0" encoding="utf-8"?>
+<a:theme xmlns:a="http://schemas.openxmlformats.org/drawingml/2006/main" name="Office Theme">
+  <a:themeElements>
+    <a:clrScheme name="Office">
+      <a:dk1>
+        <a:sysClr val="windowText" lastClr="000000"/>
+      </a:dk1>
+      <a:lt1>
+        <a:sysClr val="window" lastClr="FFFFFF"/>
+      </a:lt1>
+      <a:dk2>
+        <a:srgbClr val="44546A"/>
+      </a:dk2>
+      <a:lt2>
+        <a:srgbClr val="E7E6E6"/>
+      </a:lt2>
+      <a:accent1>
+        <a:srgbClr val="4472C4"/>
+      </a:accent1>
+      <a:accent2>
+        <a:srgbClr val="ED7D31"/>
+      </a:accent2>
+      <a:accent3>
+        <a:srgbClr val="A5A5A5"/>
+      </a:accent3>
+      <a:accent4>
+        <a:srgbClr val="FFC000"/>
+      </a:accent4>
+      <a:accent5>
+        <a:srgbClr val="5B9BD5"/>
+      </a:accent5>
+      <a:accent6>
+        <a:srgbClr val="70AD47"/>
+      </a:accent6>
+      <a:hlink>
+        <a:srgbClr val="0563C1"/>
+      </a:hlink>
+      <a:folHlink>
+        <a:srgbClr val="954F72"/>
+      </a:folHlink>
+    </a:clrScheme>
+    <a:fontScheme name="Office">
+      <a:majorFont>
+        <a:latin typeface="Calibri Light" panose="020F0302020204030204"/>
+        <a:ea typeface=""/>
+        <a:cs typeface=""/>
+        <a:font script="Jpan" typeface="游ゴシック Light"/>
+        <a:font script="Hang" typeface="맑은 고딕"/>
+        <a:font script="Hans" typeface="等线 Light"/>
+        <a:font script="Hant" typeface="新細明體"/>
+        <a:font script="Arab" typeface="Times New Roman"/>
+        <a:font script="Hebr" typeface="Times New Roman"/>
+        <a:font script="Thai" typeface="Angsana New"/>
+        <a:font script="Ethi" typeface="Nyala"/>
+        <a:font script="Beng" typeface="Vrinda"/>
+        <a:font script="Gujr" typeface="Shruti"/>
+        <a:font script="Khmr" typeface="MoolBoran"/>
+        <a:font script="Knda" typeface="Tunga"/>
+        <a:font script="Guru" typeface="Raavi"/>
+        <a:font script="Cans" typeface="Euphemia"/>
+        <a:font script="Cher" typeface="Plantagenet Cherokee"/>
+        <a:font script="Yiii" typeface="Microsoft Yi Baiti"/>
+        <a:font script="Tibt" typeface="Microsoft Himalaya"/>
+        <a:font script="Thaa" typeface="MV Boli"/>
+        <a:font script="Deva" typeface="Mangal"/>
+        <a:font script="Telu" typeface="Gautami"/>
+        <a:font script="Taml" typeface="Latha"/>
+        <a:font script="Syrc" typeface="Estrangelo Edessa"/>
+        <a:font script="Orya" typeface="Kalinga"/>
+        <a:font script="Mlym" typeface="Kartika"/>
+        <a:font script="Laoo" typeface="DokChampa"/>
+        <a:font script="Sinh" typeface="Iskoola Pota"/>
+        <a:font script="Mong" typeface="Mongolian Baiti"/>
+        <a:font script="Viet" typeface="Times New Roman"/>
+        <a:font script="Uigh" typeface="Microsoft Uighur"/>
+        <a:font script="Geor" typeface="Sylfaen"/>
+        <a:font script="Armn" typeface="Arial"/>
+        <a:font script="Bugi" typeface="Leelawadee UI"/>
+        <a:font script="Bopo" typeface="Microsoft JhengHei"/>
+        <a:font script="Java" typeface="Javanese Text"/>
+        <a:font script="Lisu" typeface="Segoe UI"/>
+        <a:font script="Mymr" typeface="Myanmar Text"/>
+        <a:font script="Nkoo" typeface="Ebrima"/>
+        <a:font script="Olck" typeface="Nirmala UI"/>
+        <a:font script="Osma" typeface="Ebrima"/>
+        <a:font script="Phag" typeface="Phagspa"/>
+        <a:font script="Syrn" typeface="Estrangelo Edessa"/>
+        <a:font script="Syrj" typeface="Estrangelo Edessa"/>
+        <a:font script="Syre" typeface="Estrangelo Edessa"/>
+        <a:font script="Sora" typeface="Nirmala UI"/>
+        <a:font script="Tale" typeface="Microsoft Tai Le"/>
+        <a:font script="Talu" typeface="Microsoft New Tai Lue"/>
+        <a:font script="Tfng" typeface="Ebrima"/>
+      </a:majorFont>
+      <a:minorFont>
+        <a:latin typeface="Calibri" panose="020F0502020204030204"/>
+        <a:ea typeface=""/>
+        <a:cs typeface=""/>
+        <a:font script="Jpan" typeface="游ゴシック"/>
+        <a:font script="Hang" typeface="맑은 고딕"/>
+        <a:font script="Hans" typeface="等线"/>
+        <a:font script="Hant" typeface="新細明體"/>
+        <a:font script="Arab" typeface="Arial"/>
+        <a:font script="Hebr" typeface="Arial"/>
+        <a:font script="Thai" typeface="Cordia New"/>
+        <a:font script="Ethi" typeface="Nyala"/>
+        <a:font script="Beng" typeface="Vrinda"/>
+        <a:font script="Gujr" typeface="Shruti"/>
+        <a:font script="Khmr" typeface="DaunPenh"/>
+        <a:font script="Knda" typeface="Tunga"/>
+        <a:font script="Guru" typeface="Raavi"/>
+        <a:font script="Cans" typeface="Euphemia"/>
+        <a:font script="Cher" typeface="Plantagenet Cherokee"/>
+        <a:font script="Yiii" typeface="Microsoft Yi Baiti"/>
+        <a:font script="Tibt" typeface="Microsoft Himalaya"/>
+        <a:font script="Thaa" typeface="MV Boli"/>
+        <a:font script="Deva" typeface="Mangal"/>
+        <a:font script="Telu" typeface="Gautami"/>
+        <a:font script="Taml" typeface="Latha"/>
+        <a:font script="Syrc" typeface="Estrangelo Edessa"/>
+        <a:font script="Orya" typeface="Kalinga"/>
+        <a:font script="Mlym" typeface="Kartika"/>
+        <a:font script="Laoo" typeface="DokChampa"/>
+        <a:font script="Sinh" typeface="Iskoola Pota"/>
+        <a:font script="Mong" typeface="Mongolian Baiti"/>
+        <a:font script="Viet" typeface="Arial"/>
+        <a:font script="Uigh" typeface="Microsoft Uighur"/>
+        <a:font script="Geor" typeface="Sylfaen"/>
+        <a:font script="Armn" typeface="Arial"/>
+        <a:font script="Bugi" typeface="Leelawadee UI"/>
+        <a:font script="Bopo" typeface="Microsoft JhengHei"/>
+        <a:font script="Java" typeface="Javanese Text"/>
+        <a:font script="Lisu" typeface="Segoe UI"/>
+        <a:font script="Mymr" typeface="Myanmar Text"/>
+        <a:font script="Nkoo" typeface="Ebrima"/>
+        <a:font script="Olck" typeface="Nirmala UI"/>
+        <a:font script="Osma" typeface="Ebrima"/>
+        <a:font script="Phag" typeface="Phagspa"/>
+        <a:font script="Syrn" typeface="Estrangelo Edessa"/>
+        <a:font script="Syrj" typeface="Estrangelo Edessa"/>
+        <a:font script="Syre" typeface="Estrangelo Edessa"/>
+        <a:font script="Sora" typeface="Nirmala UI"/>
+        <a:font script="Tale" typeface="Microsoft Tai Le"/>
+        <a:font script="Talu" typeface="Microsoft New Tai Lue"/>
+        <a:font script="Tfng" typeface="Ebrima"/>
+      </a:minorFont>
+    </a:fontScheme>
+    <a:fmtScheme name="Office">
+      <a:fillStyleLst>
+        <a:solidFill>
+          <a:schemeClr val="phClr"/>
+        </a:solidFill>
+        <a:gradFill rotWithShape="1">
+          <a:gsLst>
+            <a:gs pos="0">
+              <a:schemeClr val="phClr">
+                <a:lumMod val="110000"/>
+                <a:satMod val="105000"/>
+                <a:tint val="67000"/>
+              </a:schemeClr>
+            </a:gs>
+            <a:gs pos="50000">
+              <a:schemeClr val="phClr">
+                <a:lumMod val="105000"/>
+                <a:satMod val="103000"/>
+                <a:tint val="73000"/>
+              </a:schemeClr>
+            </a:gs>
+            <a:gs pos="100000">
+              <a:schemeClr val="phClr">
+                <a:lumMod val="105000"/>
+                <a:satMod val="109000"/>
+                <a:tint val="81000"/>
+              </a:schemeClr>
+            </a:gs>
+          </a:gsLst>
+          <a:lin ang="5400000" scaled="0"/>
+        </a:gradFill>
+        <a:gradFill rotWithShape="1">
+          <a:gsLst>
+            <a:gs pos="0">
+              <a:schemeClr val="phClr">
+                <a:satMod val="103000"/>
+                <a:lumMod val="102000"/>
+                <a:tint val="94000"/>
+              </a:schemeClr>
+            </a:gs>
+            <a:gs pos="50000">
+              <a:schemeClr val="phClr">
+                <a:satMod val="110000"/>
+                <a:lumMod val="100000"/>
+                <a:shade val="100000"/>
+              </a:schemeClr>
+            </a:gs>
+            <a:gs pos="100000">
+              <a:schemeClr val="phClr">
+                <a:lumMod val="99000"/>
+                <a:satMod val="120000"/>
+                <a:shade val="78000"/>
+              </a:schemeClr>
+            </a:gs>
+          </a:gsLst>
+          <a:lin ang="5400000" scaled="0"/>
+        </a:gradFill>
+      </a:fillStyleLst>
+      <a:lnStyleLst>
+        <a:ln w="6350" cap="flat" cmpd="sng" algn="ctr">
+          <a:solidFill>
+            <a:schemeClr val="phClr"/>
+          </a:solidFill>
+          <a:prstDash val="solid"/>
+          <a:miter lim="800000"/>
+        </a:ln>
+        <a:ln w="12700" cap="flat" cmpd="sng" algn="ctr">
+          <a:solidFill>
+            <a:schemeClr val="phClr"/>
+          </a:solidFill>
+          <a:prstDash val="solid"/>
+          <a:miter lim="800000"/>
+        </a:ln>
+        <a:ln w="19050" cap="flat" cmpd="sng" algn="ctr">
+          <a:solidFill>
+            <a:schemeClr val="phClr"/>
+          </a:solidFill>
+          <a:prstDash val="solid"/>
+          <a:miter lim="800000"/>
+        </a:ln>
+      </a:lnStyleLst>
+      <a:effectStyleLst>
+        <a:effectStyle>
+          <a:effectLst/>
+        </a:effectStyle>
+        <a:effectStyle>
+          <a:effectLst/>
+        </a:effectStyle>
+        <a:effectStyle>
+          <a:effectLst>
+            <a:outerShdw blurRad="57150" dist="19050" dir="5400000" algn="ctr" rotWithShape="0">
+              <a:srgbClr val="000000">
+                <a:alpha val="63000"/>
+              </a:srgbClr>
+            </a:outerShdw>
+          </a:effectLst>
+        </a:effectStyle>
+      </a:effectStyleLst>
+      <a:bgFillStyleLst>
+        <a:solidFill>
+          <a:schemeClr val="phClr"/>
+        </a:solidFill>
+        <a:solidFill>
+          <a:schemeClr val="phClr">
+            <a:tint val="95000"/>
+            <a:satMod val="170000"/>
+          </a:schemeClr>
+        </a:solidFill>
+        <a:gradFill rotWithShape="1">
+          <a:gsLst>
+            <a:gs pos="0">
+              <a:schemeClr val="phClr">
+                <a:tint val="93000"/>
+                <a:satMod val="150000"/>
+                <a:shade val="98000"/>
+                <a:lumMod val="102000"/>
+              </a:schemeClr>
+            </a:gs>
+            <a:gs pos="50000">
+              <a:schemeClr val="phClr">
+                <a:tint val="98000"/>
+                <a:satMod val="130000"/>
+                <a:shade val="90000"/>
+                <a:lumMod val="103000"/>
+              </a:schemeClr>
+            </a:gs>
+            <a:gs pos="100000">
+              <a:schemeClr val="phClr">
+                <a:shade val="63000"/>
+                <a:satMod val="120000"/>
+              </a:schemeClr>
+            </a:gs>
+          </a:gsLst>
+          <a:lin ang="5400000" scaled="0"/>
+        </a:gradFill>
+      </a:bgFillStyleLst>
+    </a:fmtScheme>
+  </a:themeElements>
+  <a:objectDefaults/>
+  <a:extraClrSchemeLst/>
+  <a:extLst>
+    <a:ext uri="{05A4C25C-085E-4340-85A3-A5531E510DB2}">
+      <thm15:themeFamily xmlns:thm15="http://schemas.microsoft.com/office/thememl/2012/main" name="Office Theme" id="{62F939B6-93AF-4DB8-9C6B-D6C7DFDC589F}" vid="{4A3C46E8-61CC-4603-A589-7422A47A8E4A}"/>
+    </a:ext>
+  </a:extLst>
+</a:theme>
 </file>
--- a/specifications/deliv1/SOS Deliverable 1 Presentation.pptx
+++ b/specifications/deliv1/SOS Deliverable 1 Presentation.pptx
@@ -524,6 +524,93 @@
           <a:p>
             <a:r>
               <a:rPr lang="en-US" dirty="0"/>
+              <a:t>Risk to implement is medium since it requires web-based technology.</a:t>
+            </a:r>
+          </a:p>
+        </p:txBody>
+      </p:sp>
+      <p:sp>
+        <p:nvSpPr>
+          <p:cNvPr id="4" name="Slide Number Placeholder 3"/>
+          <p:cNvSpPr>
+            <a:spLocks noGrp="1"/>
+          </p:cNvSpPr>
+          <p:nvPr>
+            <p:ph type="sldNum" sz="quarter" idx="5"/>
+          </p:nvPr>
+        </p:nvSpPr>
+        <p:spPr/>
+        <p:txBody>
+          <a:bodyPr/>
+          <a:lstStyle/>
+          <a:p>
+            <a:fld id="{EF0E9F11-5378-4ADA-BF65-D7EDB1D950CD}" type="slidenum">
+              <a:rPr lang="en-US" smtClean="0"/>
+              <a:t>6</a:t>
+            </a:fld>
+            <a:endParaRPr lang="en-US"/>
+          </a:p>
+        </p:txBody>
+      </p:sp>
+    </p:spTree>
+    <p:extLst>
+      <p:ext uri="{BB962C8B-B14F-4D97-AF65-F5344CB8AC3E}">
+        <p14:creationId xmlns:p14="http://schemas.microsoft.com/office/powerpoint/2010/main" val="675250389"/>
+      </p:ext>
+    </p:extLst>
+  </p:cSld>
+  <p:clrMapOvr>
+    <a:masterClrMapping/>
+  </p:clrMapOvr>
+</p:notes>
+</file>
+
+<file path=ppt/notesSlides/notesSlide2.xml><?xml version="1.0" encoding="utf-8"?>
+<p:notes xmlns:a="http://schemas.openxmlformats.org/drawingml/2006/main" xmlns:r="http://schemas.openxmlformats.org/officeDocument/2006/relationships" xmlns:p="http://schemas.openxmlformats.org/presentationml/2006/main">
+  <p:cSld>
+    <p:spTree>
+      <p:nvGrpSpPr>
+        <p:cNvPr id="1" name=""/>
+        <p:cNvGrpSpPr/>
+        <p:nvPr/>
+      </p:nvGrpSpPr>
+      <p:grpSpPr>
+        <a:xfrm>
+          <a:off x="0" y="0"/>
+          <a:ext cx="0" cy="0"/>
+          <a:chOff x="0" y="0"/>
+          <a:chExt cx="0" cy="0"/>
+        </a:xfrm>
+      </p:grpSpPr>
+      <p:sp>
+        <p:nvSpPr>
+          <p:cNvPr id="2" name="Slide Image Placeholder 1"/>
+          <p:cNvSpPr>
+            <a:spLocks noGrp="1" noRot="1" noChangeAspect="1"/>
+          </p:cNvSpPr>
+          <p:nvPr>
+            <p:ph type="sldImg"/>
+          </p:nvPr>
+        </p:nvSpPr>
+        <p:spPr/>
+      </p:sp>
+      <p:sp>
+        <p:nvSpPr>
+          <p:cNvPr id="3" name="Notes Placeholder 2"/>
+          <p:cNvSpPr>
+            <a:spLocks noGrp="1"/>
+          </p:cNvSpPr>
+          <p:nvPr>
+            <p:ph type="body" idx="1"/>
+          </p:nvPr>
+        </p:nvSpPr>
+        <p:spPr/>
+        <p:txBody>
+          <a:bodyPr/>
+          <a:lstStyle/>
+          <a:p>
+            <a:r>
+              <a:rPr lang="en-US" dirty="0"/>
               <a:t>Change object diagram</a:t>
             </a:r>
           </a:p>
@@ -568,7 +655,7 @@
 </p:notes>
 </file>
 
-<file path=ppt/notesSlides/notesSlide2.xml><?xml version="1.0" encoding="utf-8"?>
+<file path=ppt/notesSlides/notesSlide3.xml><?xml version="1.0" encoding="utf-8"?>
 <p:notes xmlns:a="http://schemas.openxmlformats.org/drawingml/2006/main" xmlns:r="http://schemas.openxmlformats.org/officeDocument/2006/relationships" xmlns:p="http://schemas.openxmlformats.org/presentationml/2006/main">
   <p:cSld>
     <p:spTree>
@@ -5114,52 +5201,53 @@
         </p:nvSpPr>
         <p:spPr>
           <a:xfrm>
-            <a:off x="838199" y="1825625"/>
-            <a:ext cx="10663989" cy="4667250"/>
+            <a:off x="838200" y="1719597"/>
+            <a:ext cx="10696075" cy="5032375"/>
           </a:xfrm>
         </p:spPr>
         <p:txBody>
           <a:bodyPr>
-            <a:normAutofit lnSpcReduction="10000"/>
+            <a:normAutofit/>
           </a:bodyPr>
           <a:lstStyle/>
           <a:p>
             <a:r>
               <a:rPr lang="en-US" dirty="0"/>
-              <a:t>Provide a single point of access for all users</a:t>
+              <a:t>Provide a single point of access to all users to</a:t>
             </a:r>
           </a:p>
           <a:p>
             <a:pPr lvl="1"/>
             <a:r>
               <a:rPr lang="en-US" dirty="0"/>
-              <a:t>Collating all organizations a user belongs to.</a:t>
+              <a:t>Check all the organizations they belong to.</a:t>
             </a:r>
           </a:p>
           <a:p>
             <a:pPr lvl="1"/>
             <a:r>
               <a:rPr lang="en-US" dirty="0"/>
-              <a:t>Presenting users with events that are nearby.</a:t>
+              <a:t>Find events that are hosted nearby by organizations.</a:t>
             </a:r>
           </a:p>
           <a:p>
             <a:pPr lvl="1"/>
             <a:r>
               <a:rPr lang="en-US" dirty="0"/>
-              <a:t>Connecting users with new organizations and other members.</a:t>
-            </a:r>
-          </a:p>
-          <a:p>
+              <a:t>Discover new organizations. </a:t>
+            </a:r>
+          </a:p>
+          <a:p>
+            <a:pPr lvl="1"/>
             <a:r>
               <a:rPr lang="en-US" dirty="0"/>
-              <a:t>Organizes all members of a club under a single network.</a:t>
+              <a:t>Connect with other members.</a:t>
             </a:r>
           </a:p>
           <a:p>
             <a:r>
               <a:rPr lang="en-US" dirty="0"/>
-              <a:t>Provides tools to manage organization leader and their privileges.</a:t>
+              <a:t>Provides tools to manage organization leaders and their privileges.</a:t>
             </a:r>
           </a:p>
           <a:p>
@@ -5171,35 +5259,22 @@
           <a:p>
             <a:r>
               <a:rPr lang="en-US" dirty="0"/>
-              <a:t>Scope:</a:t>
+              <a:t>Out of Scope:</a:t>
             </a:r>
           </a:p>
           <a:p>
             <a:pPr lvl="1"/>
             <a:r>
               <a:rPr lang="en-US" dirty="0"/>
-              <a:t>University clubs and organizations.</a:t>
+              <a:t>Social Media Features (comments and postings).</a:t>
             </a:r>
           </a:p>
           <a:p>
             <a:pPr lvl="1"/>
             <a:r>
               <a:rPr lang="en-US" dirty="0"/>
-              <a:t>University students</a:t>
-            </a:r>
-          </a:p>
-          <a:p>
-            <a:pPr lvl="1"/>
-            <a:r>
-              <a:rPr lang="en-US" dirty="0"/>
-              <a:t>Monitor/administering parties.</a:t>
-            </a:r>
-          </a:p>
-          <a:p>
-            <a:pPr marL="0" indent="0">
-              <a:buNone/>
-            </a:pPr>
-            <a:endParaRPr lang="en-US" dirty="0"/>
+              <a:t>Organization finance management.</a:t>
+            </a:r>
           </a:p>
         </p:txBody>
       </p:sp>
@@ -5687,15 +5762,22 @@
             <p:ph type="title"/>
           </p:nvPr>
         </p:nvSpPr>
-        <p:spPr/>
-        <p:txBody>
-          <a:bodyPr/>
+        <p:spPr>
+          <a:xfrm>
+            <a:off x="0" y="303379"/>
+            <a:ext cx="12192000" cy="1387309"/>
+          </a:xfrm>
+        </p:spPr>
+        <p:txBody>
+          <a:bodyPr>
+            <a:normAutofit/>
+          </a:bodyPr>
           <a:lstStyle/>
           <a:p>
             <a:pPr algn="ctr"/>
             <a:r>
               <a:rPr lang="en-US" dirty="0"/>
-              <a:t>Use Case SOS16 Create Organization</a:t>
+              <a:t>SOS16 Create Organization Functional Requirements:</a:t>
             </a:r>
           </a:p>
         </p:txBody>
@@ -5716,77 +5798,85 @@
             <p:ph idx="1"/>
           </p:nvPr>
         </p:nvSpPr>
-        <p:spPr/>
-        <p:txBody>
-          <a:bodyPr/>
-          <a:lstStyle/>
-          <a:p>
+        <p:spPr>
+          <a:xfrm>
+            <a:off x="0" y="1690688"/>
+            <a:ext cx="12192000" cy="4863933"/>
+          </a:xfrm>
+        </p:spPr>
+        <p:txBody>
+          <a:bodyPr>
+            <a:normAutofit/>
+          </a:bodyPr>
+          <a:lstStyle/>
+          <a:p>
+            <a:pPr marL="457200" indent="-457200">
+              <a:buFont typeface="+mj-lt"/>
+              <a:buAutoNum type="arabicPeriod"/>
+            </a:pPr>
             <a:r>
               <a:rPr lang="en-US" dirty="0"/>
-              <a:t>Functional Requirements</a:t>
-            </a:r>
-          </a:p>
-          <a:p>
-            <a:pPr marL="457200" lvl="1" indent="0">
-              <a:buNone/>
+              <a:t>User must have an account in the webpage and logged in.</a:t>
+            </a:r>
+          </a:p>
+          <a:p>
+            <a:pPr marL="457200" indent="-457200">
+              <a:buFont typeface="+mj-lt"/>
+              <a:buAutoNum type="arabicPeriod"/>
             </a:pPr>
             <a:r>
               <a:rPr lang="en-US" dirty="0"/>
-              <a:t>1. User must have an account in the webpage and logged in.</a:t>
-            </a:r>
-          </a:p>
-          <a:p>
-            <a:pPr marL="457200" lvl="1" indent="0">
-              <a:buNone/>
+              <a:t>User clicks on “Organization Tab.”</a:t>
+            </a:r>
+          </a:p>
+          <a:p>
+            <a:pPr marL="457200" indent="-457200">
+              <a:buFont typeface="+mj-lt"/>
+              <a:buAutoNum type="arabicPeriod"/>
             </a:pPr>
             <a:r>
               <a:rPr lang="en-US" dirty="0"/>
-              <a:t>2. User clicks on “Organization Tab.”</a:t>
-            </a:r>
-          </a:p>
-          <a:p>
-            <a:pPr marL="457200" lvl="1" indent="0">
-              <a:buNone/>
+              <a:t>The webpage switches to organization page.</a:t>
+            </a:r>
+          </a:p>
+          <a:p>
+            <a:pPr marL="457200" indent="-457200">
+              <a:buFont typeface="+mj-lt"/>
+              <a:buAutoNum type="arabicPeriod"/>
             </a:pPr>
             <a:r>
               <a:rPr lang="en-US" dirty="0"/>
-              <a:t>3. The webpage switches to organization page.</a:t>
-            </a:r>
-          </a:p>
-          <a:p>
-            <a:pPr marL="457200" lvl="1" indent="0">
-              <a:buNone/>
+              <a:t>User click on “Create Organization.”</a:t>
+            </a:r>
+          </a:p>
+          <a:p>
+            <a:pPr marL="457200" indent="-457200">
+              <a:buFont typeface="+mj-lt"/>
+              <a:buAutoNum type="arabicPeriod"/>
             </a:pPr>
             <a:r>
               <a:rPr lang="en-US" dirty="0"/>
-              <a:t>4. User click on “Create Organization.”</a:t>
-            </a:r>
-          </a:p>
-          <a:p>
-            <a:pPr marL="457200" lvl="1" indent="0">
-              <a:buNone/>
+              <a:t>User then fills out form asking for the organization details.</a:t>
+            </a:r>
+          </a:p>
+          <a:p>
+            <a:pPr marL="457200" indent="-457200">
+              <a:buFont typeface="+mj-lt"/>
+              <a:buAutoNum type="arabicPeriod"/>
             </a:pPr>
             <a:r>
               <a:rPr lang="en-US" dirty="0"/>
-              <a:t>5. User then fills out form asking for the organization details.</a:t>
-            </a:r>
-          </a:p>
-          <a:p>
-            <a:pPr marL="457200" lvl="1" indent="0">
-              <a:buNone/>
+              <a:t>User submits form to the organization page.</a:t>
+            </a:r>
+          </a:p>
+          <a:p>
+            <a:pPr marL="457200" indent="-457200">
+              <a:buFont typeface="+mj-lt"/>
+              <a:buAutoNum type="arabicPeriod"/>
             </a:pPr>
             <a:r>
               <a:rPr lang="en-US" dirty="0"/>
-              <a:t>6. User submits form to webpage.</a:t>
-            </a:r>
-          </a:p>
-          <a:p>
-            <a:pPr marL="457200" lvl="1" indent="0">
-              <a:buNone/>
-            </a:pPr>
-            <a:r>
-              <a:rPr lang="en-US" dirty="0"/>
-              <a:t>7. User then sees their newly created organization on the screen and is the    leader of said organization.</a:t>
+              <a:t>User becomes Club Organizer for the organization, and it appears on the page.</a:t>
             </a:r>
           </a:p>
         </p:txBody>
@@ -5837,15 +5927,22 @@
             <p:ph type="title"/>
           </p:nvPr>
         </p:nvSpPr>
-        <p:spPr/>
-        <p:txBody>
-          <a:bodyPr/>
+        <p:spPr>
+          <a:xfrm>
+            <a:off x="0" y="365125"/>
+            <a:ext cx="12191999" cy="1325563"/>
+          </a:xfrm>
+        </p:spPr>
+        <p:txBody>
+          <a:bodyPr>
+            <a:normAutofit/>
+          </a:bodyPr>
           <a:lstStyle/>
           <a:p>
             <a:pPr algn="ctr"/>
             <a:r>
-              <a:rPr lang="en-US" dirty="0"/>
-              <a:t>Use Case SOS16 Create Organization</a:t>
+              <a:rPr lang="en-US" sz="4000" dirty="0"/>
+              <a:t>SOS16 Create Organization Nonfunctional Requirements:</a:t>
             </a:r>
           </a:p>
         </p:txBody>
@@ -5866,18 +5963,18 @@
             <p:ph idx="1"/>
           </p:nvPr>
         </p:nvSpPr>
-        <p:spPr/>
-        <p:txBody>
-          <a:bodyPr/>
-          <a:lstStyle/>
-          <a:p>
-            <a:r>
-              <a:rPr lang="en-US" dirty="0"/>
-              <a:t>Nonfunctional Requirements</a:t>
-            </a:r>
-          </a:p>
-          <a:p>
-            <a:pPr lvl="1"/>
+        <p:spPr>
+          <a:xfrm>
+            <a:off x="336885" y="1825625"/>
+            <a:ext cx="11438020" cy="4351338"/>
+          </a:xfrm>
+        </p:spPr>
+        <p:txBody>
+          <a:bodyPr>
+            <a:normAutofit lnSpcReduction="10000"/>
+          </a:bodyPr>
+          <a:lstStyle/>
+          <a:p>
             <a:r>
               <a:rPr lang="en-US" dirty="0"/>
               <a:t>Usability</a:t>
@@ -5891,7 +5988,6 @@
             </a:r>
           </a:p>
           <a:p>
-            <a:pPr lvl="1"/>
             <a:r>
               <a:rPr lang="en-US" dirty="0"/>
               <a:t>Reliability</a:t>
@@ -5905,38 +6001,42 @@
             </a:r>
           </a:p>
           <a:p>
-            <a:pPr lvl="1"/>
             <a:r>
               <a:rPr lang="en-US" dirty="0"/>
-              <a:t>Performance</a:t>
+              <a:t>Performance </a:t>
             </a:r>
           </a:p>
           <a:p>
             <a:pPr lvl="2"/>
             <a:r>
               <a:rPr lang="en-US" sz="2200" dirty="0"/>
-              <a:t>Request should be sent and saved within 6 seconds.</a:t>
+              <a:t>System should be able to handle 200 requests in 1 minute and process each in 6 sec.</a:t>
+            </a:r>
+          </a:p>
+          <a:p>
+            <a:r>
+              <a:rPr lang="en-US" sz="3000" dirty="0"/>
+              <a:t>Criticality</a:t>
             </a:r>
           </a:p>
           <a:p>
             <a:pPr lvl="2"/>
             <a:r>
               <a:rPr lang="en-US" sz="2200" dirty="0"/>
-              <a:t>System should be able to handle 200 requests in 1 minute.</a:t>
-            </a:r>
-          </a:p>
-          <a:p>
-            <a:pPr lvl="1"/>
-            <a:r>
-              <a:rPr lang="en-US" dirty="0"/>
-              <a:t>Implementation</a:t>
+              <a:t>High. Allows the user to create an organization which is a main purpose of the system.</a:t>
+            </a:r>
+          </a:p>
+          <a:p>
+            <a:r>
+              <a:rPr lang="en-US" sz="3000" dirty="0"/>
+              <a:t>Frequency:</a:t>
             </a:r>
           </a:p>
           <a:p>
             <a:pPr lvl="2"/>
             <a:r>
               <a:rPr lang="en-US" sz="2200" dirty="0"/>
-              <a:t>JS &amp; React (front end), Java and MySQL (back-end).</a:t>
+              <a:t>20 organization requests are made monthly by Users.</a:t>
             </a:r>
           </a:p>
         </p:txBody>
@@ -5987,124 +6087,144 @@
             <p:ph type="title"/>
           </p:nvPr>
         </p:nvSpPr>
+        <p:spPr>
+          <a:xfrm>
+            <a:off x="737937" y="365126"/>
+            <a:ext cx="10615863" cy="1303254"/>
+          </a:xfrm>
+        </p:spPr>
+        <p:txBody>
+          <a:bodyPr/>
+          <a:lstStyle/>
+          <a:p>
+            <a:pPr algn="ctr"/>
+            <a:r>
+              <a:rPr lang="en-US" dirty="0"/>
+              <a:t>SOS07 Edit Profile Functional Requirements:</a:t>
+            </a:r>
+          </a:p>
+        </p:txBody>
+      </p:sp>
+      <p:sp>
+        <p:nvSpPr>
+          <p:cNvPr id="3" name="Content Placeholder 2">
+            <a:extLst>
+              <a:ext uri="{FF2B5EF4-FFF2-40B4-BE49-F238E27FC236}">
+                <a16:creationId xmlns:a16="http://schemas.microsoft.com/office/drawing/2014/main" id="{74A3DC12-2B2D-4A7A-9FA0-630077C511E4}"/>
+              </a:ext>
+            </a:extLst>
+          </p:cNvPr>
+          <p:cNvSpPr>
+            <a:spLocks noGrp="1"/>
+          </p:cNvSpPr>
+          <p:nvPr>
+            <p:ph idx="1"/>
+          </p:nvPr>
+        </p:nvSpPr>
         <p:spPr/>
         <p:txBody>
-          <a:bodyPr/>
-          <a:lstStyle/>
-          <a:p>
-            <a:pPr algn="ctr"/>
+          <a:bodyPr>
+            <a:normAutofit fontScale="92500" lnSpcReduction="20000"/>
+          </a:bodyPr>
+          <a:lstStyle/>
+          <a:p>
+            <a:pPr marL="457200" indent="-457200">
+              <a:buFont typeface="+mj-lt"/>
+              <a:buAutoNum type="arabicPeriod"/>
+            </a:pPr>
             <a:r>
               <a:rPr lang="en-US" dirty="0"/>
-              <a:t>Use Case SOS07 Edit Profile (Security)</a:t>
-            </a:r>
-          </a:p>
-        </p:txBody>
-      </p:sp>
-      <p:sp>
-        <p:nvSpPr>
-          <p:cNvPr id="3" name="Content Placeholder 2">
-            <a:extLst>
-              <a:ext uri="{FF2B5EF4-FFF2-40B4-BE49-F238E27FC236}">
-                <a16:creationId xmlns:a16="http://schemas.microsoft.com/office/drawing/2014/main" id="{74A3DC12-2B2D-4A7A-9FA0-630077C511E4}"/>
-              </a:ext>
-            </a:extLst>
-          </p:cNvPr>
-          <p:cNvSpPr>
-            <a:spLocks noGrp="1"/>
-          </p:cNvSpPr>
-          <p:nvPr>
-            <p:ph idx="1"/>
-          </p:nvPr>
-        </p:nvSpPr>
-        <p:spPr/>
-        <p:txBody>
-          <a:bodyPr/>
-          <a:lstStyle/>
-          <a:p>
+              <a:t>User must have an account in the system and be logged in.</a:t>
+            </a:r>
+          </a:p>
+          <a:p>
+            <a:pPr marL="457200" indent="-457200">
+              <a:buFont typeface="+mj-lt"/>
+              <a:buAutoNum type="arabicPeriod"/>
+            </a:pPr>
             <a:r>
               <a:rPr lang="en-US" dirty="0"/>
-              <a:t>Functional Requirements:</a:t>
-            </a:r>
-          </a:p>
-          <a:p>
-            <a:pPr marL="457200" lvl="1" indent="0">
-              <a:buNone/>
+              <a:t>User is in their profile page and clicks “Edit Profile.”</a:t>
+            </a:r>
+          </a:p>
+          <a:p>
+            <a:pPr marL="457200" indent="-457200">
+              <a:buFont typeface="+mj-lt"/>
+              <a:buAutoNum type="arabicPeriod"/>
             </a:pPr>
             <a:r>
               <a:rPr lang="en-US" dirty="0"/>
-              <a:t>1. User must have an account in the system and be logged in.</a:t>
-            </a:r>
-          </a:p>
-          <a:p>
-            <a:pPr marL="457200" lvl="1" indent="0">
-              <a:buNone/>
+              <a:t>User is then shown their current information in an editable form.</a:t>
+            </a:r>
+          </a:p>
+          <a:p>
+            <a:pPr marL="457200" indent="-457200">
+              <a:buFont typeface="+mj-lt"/>
+              <a:buAutoNum type="arabicPeriod"/>
             </a:pPr>
             <a:r>
               <a:rPr lang="en-US" dirty="0"/>
-              <a:t>2. User is in their profile page and clicks “Edit Profile.”</a:t>
-            </a:r>
-          </a:p>
-          <a:p>
-            <a:pPr marL="457200" lvl="1" indent="0">
-              <a:buNone/>
+              <a:t>User inputs the data they would like to change.</a:t>
+            </a:r>
+          </a:p>
+          <a:p>
+            <a:pPr marL="457200" indent="-457200">
+              <a:buFont typeface="+mj-lt"/>
+              <a:buAutoNum type="arabicPeriod"/>
             </a:pPr>
             <a:r>
               <a:rPr lang="en-US" dirty="0"/>
-              <a:t>3. User is then shown their current information in an editable form.</a:t>
-            </a:r>
-          </a:p>
-          <a:p>
-            <a:pPr marL="457200" lvl="1" indent="0">
-              <a:buNone/>
+              <a:t>User submits the request to change their information.</a:t>
+            </a:r>
+          </a:p>
+          <a:p>
+            <a:pPr marL="457200" indent="-457200">
+              <a:buFont typeface="+mj-lt"/>
+              <a:buAutoNum type="arabicPeriod"/>
             </a:pPr>
             <a:r>
               <a:rPr lang="en-US" dirty="0"/>
-              <a:t>4. User inputs the data they would like to change.</a:t>
-            </a:r>
-          </a:p>
-          <a:p>
-            <a:pPr marL="457200" lvl="1" indent="0">
-              <a:buNone/>
+              <a:t>The webpage prompts the user for their password.</a:t>
+            </a:r>
+          </a:p>
+          <a:p>
+            <a:pPr marL="457200" indent="-457200">
+              <a:buFont typeface="+mj-lt"/>
+              <a:buAutoNum type="arabicPeriod"/>
             </a:pPr>
             <a:r>
               <a:rPr lang="en-US" dirty="0"/>
-              <a:t>5. User submits the request to change their information.</a:t>
-            </a:r>
-          </a:p>
-          <a:p>
-            <a:pPr marL="457200" lvl="1" indent="0">
-              <a:buNone/>
+              <a:t>User inputs password and submits. </a:t>
+            </a:r>
+          </a:p>
+          <a:p>
+            <a:pPr marL="457200" indent="-457200">
+              <a:buFont typeface="+mj-lt"/>
+              <a:buAutoNum type="arabicPeriod"/>
             </a:pPr>
             <a:r>
               <a:rPr lang="en-US" dirty="0"/>
-              <a:t>6. The webpage prompts the user for their password.</a:t>
-            </a:r>
-          </a:p>
-          <a:p>
-            <a:pPr marL="457200" lvl="1" indent="0">
-              <a:buNone/>
+              <a:t>System authenticates their request.</a:t>
+            </a:r>
+          </a:p>
+          <a:p>
+            <a:pPr marL="457200" indent="-457200">
+              <a:buFont typeface="+mj-lt"/>
+              <a:buAutoNum type="arabicPeriod"/>
             </a:pPr>
             <a:r>
               <a:rPr lang="en-US" dirty="0"/>
-              <a:t>7. User inputs password and submits then system authenticates their request.</a:t>
-            </a:r>
-          </a:p>
-          <a:p>
-            <a:pPr marL="457200" lvl="1" indent="0">
-              <a:buNone/>
+              <a:t>System then changes user information in the data storage.</a:t>
+            </a:r>
+          </a:p>
+          <a:p>
+            <a:pPr marL="457200" indent="-457200">
+              <a:buFont typeface="+mj-lt"/>
+              <a:buAutoNum type="arabicPeriod"/>
             </a:pPr>
             <a:r>
               <a:rPr lang="en-US" dirty="0"/>
-              <a:t>8. System then changes in the data storage.</a:t>
-            </a:r>
-          </a:p>
-          <a:p>
-            <a:pPr marL="457200" lvl="1" indent="0">
-              <a:buNone/>
-            </a:pPr>
-            <a:r>
-              <a:rPr lang="en-US" dirty="0"/>
-              <a:t>9. User receives notification that their profile has been successfully edited.</a:t>
+              <a:t>User receives notification that their profile has been successfully edited.</a:t>
             </a:r>
           </a:p>
           <a:p>
@@ -6159,108 +6279,116 @@
             <p:ph type="title"/>
           </p:nvPr>
         </p:nvSpPr>
-        <p:spPr/>
-        <p:txBody>
-          <a:bodyPr/>
-          <a:lstStyle/>
-          <a:p>
-            <a:pPr algn="ctr"/>
-            <a:r>
-              <a:rPr lang="en-US" dirty="0"/>
-              <a:t>Use Case SOS07 Edit Profile (Security)</a:t>
-            </a:r>
-          </a:p>
-        </p:txBody>
-      </p:sp>
-      <p:sp>
-        <p:nvSpPr>
-          <p:cNvPr id="3" name="Content Placeholder 2">
-            <a:extLst>
-              <a:ext uri="{FF2B5EF4-FFF2-40B4-BE49-F238E27FC236}">
-                <a16:creationId xmlns:a16="http://schemas.microsoft.com/office/drawing/2014/main" id="{20BF896D-85DA-47C5-A746-DAC19397824A}"/>
-              </a:ext>
-            </a:extLst>
-          </p:cNvPr>
-          <p:cNvSpPr>
-            <a:spLocks noGrp="1"/>
-          </p:cNvSpPr>
-          <p:nvPr>
-            <p:ph idx="1"/>
-          </p:nvPr>
-        </p:nvSpPr>
-        <p:spPr/>
+        <p:spPr>
+          <a:xfrm>
+            <a:off x="0" y="365125"/>
+            <a:ext cx="12192000" cy="1325563"/>
+          </a:xfrm>
+        </p:spPr>
         <p:txBody>
           <a:bodyPr>
             <a:normAutofit/>
           </a:bodyPr>
           <a:lstStyle/>
           <a:p>
-            <a:r>
-              <a:rPr lang="en-US" dirty="0"/>
-              <a:t>Nonfunctional Requirements</a:t>
-            </a:r>
-          </a:p>
-          <a:p>
-            <a:pPr lvl="1"/>
-            <a:r>
-              <a:rPr lang="en-US" dirty="0"/>
+            <a:pPr algn="ctr"/>
+            <a:r>
+              <a:rPr lang="en-US" sz="4000" dirty="0"/>
+              <a:t>Use Case SOS07 Edit Profile Nonfunctional Requirements:</a:t>
+            </a:r>
+          </a:p>
+        </p:txBody>
+      </p:sp>
+      <p:sp>
+        <p:nvSpPr>
+          <p:cNvPr id="3" name="Content Placeholder 2">
+            <a:extLst>
+              <a:ext uri="{FF2B5EF4-FFF2-40B4-BE49-F238E27FC236}">
+                <a16:creationId xmlns:a16="http://schemas.microsoft.com/office/drawing/2014/main" id="{20BF896D-85DA-47C5-A746-DAC19397824A}"/>
+              </a:ext>
+            </a:extLst>
+          </p:cNvPr>
+          <p:cNvSpPr>
+            <a:spLocks noGrp="1"/>
+          </p:cNvSpPr>
+          <p:nvPr>
+            <p:ph idx="1"/>
+          </p:nvPr>
+        </p:nvSpPr>
+        <p:spPr>
+          <a:xfrm>
+            <a:off x="240631" y="1825624"/>
+            <a:ext cx="11758863" cy="5032376"/>
+          </a:xfrm>
+        </p:spPr>
+        <p:txBody>
+          <a:bodyPr>
+            <a:normAutofit lnSpcReduction="10000"/>
+          </a:bodyPr>
+          <a:lstStyle/>
+          <a:p>
+            <a:r>
+              <a:rPr lang="en-US" sz="2400" dirty="0"/>
               <a:t>Usability</a:t>
             </a:r>
           </a:p>
           <a:p>
             <a:pPr lvl="2"/>
             <a:r>
-              <a:rPr lang="en-US" dirty="0"/>
+              <a:rPr lang="en-US" sz="2400" dirty="0"/>
               <a:t>User must be aware of their privileges and what actions those privileges permit.</a:t>
             </a:r>
           </a:p>
           <a:p>
-            <a:pPr lvl="1"/>
-            <a:r>
-              <a:rPr lang="en-US" dirty="0"/>
-              <a:t>Availability</a:t>
+            <a:r>
+              <a:rPr lang="en-US" sz="2400" dirty="0"/>
+              <a:t>Reliability</a:t>
             </a:r>
           </a:p>
           <a:p>
             <a:pPr lvl="2"/>
             <a:r>
-              <a:rPr lang="en-US" dirty="0"/>
-              <a:t>Downtime for Login Back-up – 30 minutes in a 24-hour period.</a:t>
-            </a:r>
-          </a:p>
-          <a:p>
-            <a:pPr lvl="1"/>
-            <a:r>
-              <a:rPr lang="en-US" dirty="0"/>
+              <a:rPr lang="en-US" sz="2400" dirty="0"/>
+              <a:t>Mean Time to Failure – 1% failure yearly is acceptable.</a:t>
+            </a:r>
+          </a:p>
+          <a:p>
+            <a:r>
+              <a:rPr lang="en-US" sz="2400" dirty="0"/>
               <a:t>Performance</a:t>
             </a:r>
           </a:p>
           <a:p>
             <a:pPr lvl="2"/>
             <a:r>
-              <a:rPr lang="en-US" dirty="0"/>
-              <a:t>The system should handle 20 privilege checks in 1 minute.</a:t>
+              <a:rPr lang="en-US" sz="2400" dirty="0"/>
+              <a:t>The system should handle 20 privilege checks in 1 minute and process each ~2 seconds.</a:t>
+            </a:r>
+          </a:p>
+          <a:p>
+            <a:r>
+              <a:rPr lang="en-US" sz="2400" dirty="0"/>
+              <a:t>Criticality</a:t>
             </a:r>
           </a:p>
           <a:p>
             <a:pPr lvl="2"/>
             <a:r>
-              <a:rPr lang="en-US" dirty="0"/>
-              <a:t>The system should be done with the edit request within 2 seconds.</a:t>
-            </a:r>
-          </a:p>
-          <a:p>
-            <a:pPr lvl="1"/>
-            <a:r>
-              <a:rPr lang="en-US" dirty="0"/>
-              <a:t>Supportability</a:t>
+              <a:rPr lang="en-US" sz="2400" dirty="0"/>
+              <a:t>Low. Editing the user’s profile is a secondary feature of the system.</a:t>
+            </a:r>
+          </a:p>
+          <a:p>
+            <a:r>
+              <a:rPr lang="en-US" sz="2400" dirty="0"/>
+              <a:t>Frequency:</a:t>
             </a:r>
           </a:p>
           <a:p>
             <a:pPr lvl="2"/>
             <a:r>
-              <a:rPr lang="en-US" dirty="0"/>
-              <a:t>Should be supported by all browsers.</a:t>
+              <a:rPr lang="en-US" sz="2400" dirty="0"/>
+              <a:t>On average 20 users will edit their profile settings on a given month.</a:t>
             </a:r>
             <a:br>
               <a:rPr lang="en-US" dirty="0"/>
@@ -6271,7 +6399,7 @@
             <a:endParaRPr lang="en-US" dirty="0"/>
           </a:p>
           <a:p>
-            <a:endParaRPr lang="en-US" dirty="0"/>
+            <a:endParaRPr lang="en-US" sz="2000" dirty="0"/>
           </a:p>
         </p:txBody>
       </p:sp>

--- a/specifications/deliv1/SOS Deliverable 1 Presentation.pptx
+++ b/specifications/deliv1/SOS Deliverable 1 Presentation.pptx
@@ -2,7 +2,7 @@
 <file path=ppt/presentation.xml><?xml version="1.0" encoding="utf-8"?>
 <p:presentation xmlns:a="http://schemas.openxmlformats.org/drawingml/2006/main" xmlns:r="http://schemas.openxmlformats.org/officeDocument/2006/relationships" xmlns:p="http://schemas.openxmlformats.org/presentationml/2006/main" saveSubsetFonts="1">
   <p:sldMasterIdLst>
-    <p:sldMasterId id="2147483648" r:id="rId1"/>
+    <p:sldMasterId id="2147483660" r:id="rId1"/>
   </p:sldMasterIdLst>
   <p:notesMasterIdLst>
     <p:notesMasterId r:id="rId17"/>
@@ -30,7 +30,7 @@
     <a:defPPr>
       <a:defRPr lang="en-US"/>
     </a:defPPr>
-    <a:lvl1pPr marL="0" algn="l" defTabSz="914400" rtl="0" eaLnBrk="1" latinLnBrk="0" hangingPunct="1">
+    <a:lvl1pPr marL="0" algn="l" defTabSz="457200" rtl="0" eaLnBrk="1" latinLnBrk="0" hangingPunct="1">
       <a:defRPr sz="1800" kern="1200">
         <a:solidFill>
           <a:schemeClr val="tx1"/>
@@ -40,7 +40,7 @@
         <a:cs typeface="+mn-cs"/>
       </a:defRPr>
     </a:lvl1pPr>
-    <a:lvl2pPr marL="457200" algn="l" defTabSz="914400" rtl="0" eaLnBrk="1" latinLnBrk="0" hangingPunct="1">
+    <a:lvl2pPr marL="457200" algn="l" defTabSz="457200" rtl="0" eaLnBrk="1" latinLnBrk="0" hangingPunct="1">
       <a:defRPr sz="1800" kern="1200">
         <a:solidFill>
           <a:schemeClr val="tx1"/>
@@ -50,7 +50,7 @@
         <a:cs typeface="+mn-cs"/>
       </a:defRPr>
     </a:lvl2pPr>
-    <a:lvl3pPr marL="914400" algn="l" defTabSz="914400" rtl="0" eaLnBrk="1" latinLnBrk="0" hangingPunct="1">
+    <a:lvl3pPr marL="914400" algn="l" defTabSz="457200" rtl="0" eaLnBrk="1" latinLnBrk="0" hangingPunct="1">
       <a:defRPr sz="1800" kern="1200">
         <a:solidFill>
           <a:schemeClr val="tx1"/>
@@ -60,7 +60,7 @@
         <a:cs typeface="+mn-cs"/>
       </a:defRPr>
     </a:lvl3pPr>
-    <a:lvl4pPr marL="1371600" algn="l" defTabSz="914400" rtl="0" eaLnBrk="1" latinLnBrk="0" hangingPunct="1">
+    <a:lvl4pPr marL="1371600" algn="l" defTabSz="457200" rtl="0" eaLnBrk="1" latinLnBrk="0" hangingPunct="1">
       <a:defRPr sz="1800" kern="1200">
         <a:solidFill>
           <a:schemeClr val="tx1"/>
@@ -70,7 +70,7 @@
         <a:cs typeface="+mn-cs"/>
       </a:defRPr>
     </a:lvl4pPr>
-    <a:lvl5pPr marL="1828800" algn="l" defTabSz="914400" rtl="0" eaLnBrk="1" latinLnBrk="0" hangingPunct="1">
+    <a:lvl5pPr marL="1828800" algn="l" defTabSz="457200" rtl="0" eaLnBrk="1" latinLnBrk="0" hangingPunct="1">
       <a:defRPr sz="1800" kern="1200">
         <a:solidFill>
           <a:schemeClr val="tx1"/>
@@ -80,7 +80,7 @@
         <a:cs typeface="+mn-cs"/>
       </a:defRPr>
     </a:lvl5pPr>
-    <a:lvl6pPr marL="2286000" algn="l" defTabSz="914400" rtl="0" eaLnBrk="1" latinLnBrk="0" hangingPunct="1">
+    <a:lvl6pPr marL="2286000" algn="l" defTabSz="457200" rtl="0" eaLnBrk="1" latinLnBrk="0" hangingPunct="1">
       <a:defRPr sz="1800" kern="1200">
         <a:solidFill>
           <a:schemeClr val="tx1"/>
@@ -90,7 +90,7 @@
         <a:cs typeface="+mn-cs"/>
       </a:defRPr>
     </a:lvl6pPr>
-    <a:lvl7pPr marL="2743200" algn="l" defTabSz="914400" rtl="0" eaLnBrk="1" latinLnBrk="0" hangingPunct="1">
+    <a:lvl7pPr marL="2743200" algn="l" defTabSz="457200" rtl="0" eaLnBrk="1" latinLnBrk="0" hangingPunct="1">
       <a:defRPr sz="1800" kern="1200">
         <a:solidFill>
           <a:schemeClr val="tx1"/>
@@ -100,7 +100,7 @@
         <a:cs typeface="+mn-cs"/>
       </a:defRPr>
     </a:lvl7pPr>
-    <a:lvl8pPr marL="3200400" algn="l" defTabSz="914400" rtl="0" eaLnBrk="1" latinLnBrk="0" hangingPunct="1">
+    <a:lvl8pPr marL="3200400" algn="l" defTabSz="457200" rtl="0" eaLnBrk="1" latinLnBrk="0" hangingPunct="1">
       <a:defRPr sz="1800" kern="1200">
         <a:solidFill>
           <a:schemeClr val="tx1"/>
@@ -110,7 +110,7 @@
         <a:cs typeface="+mn-cs"/>
       </a:defRPr>
     </a:lvl8pPr>
-    <a:lvl9pPr marL="3657600" algn="l" defTabSz="914400" rtl="0" eaLnBrk="1" latinLnBrk="0" hangingPunct="1">
+    <a:lvl9pPr marL="3657600" algn="l" defTabSz="457200" rtl="0" eaLnBrk="1" latinLnBrk="0" hangingPunct="1">
       <a:defRPr sz="1800" kern="1200">
         <a:solidFill>
           <a:schemeClr val="tx1"/>
@@ -3227,7 +3227,7 @@
             <a:alphaOff val="0"/>
           </a:schemeClr>
         </a:solidFill>
-        <a:ln w="12700" cap="flat" cmpd="sng" algn="ctr">
+        <a:ln w="15875" cap="rnd" cmpd="sng" algn="ctr">
           <a:solidFill>
             <a:schemeClr val="accent1">
               <a:hueOff val="0"/>
@@ -3237,7 +3237,6 @@
             </a:schemeClr>
           </a:solidFill>
           <a:prstDash val="solid"/>
-          <a:miter lim="800000"/>
         </a:ln>
         <a:effectLst/>
       </dsp:spPr>
@@ -3254,12 +3253,12 @@
         <a:fontRef idx="minor"/>
       </dsp:style>
       <dsp:txBody>
-        <a:bodyPr spcFirstLastPara="0" vert="horz" wrap="square" lIns="72390" tIns="72390" rIns="72390" bIns="72390" numCol="1" spcCol="1270" anchor="t" anchorCtr="0">
+        <a:bodyPr spcFirstLastPara="0" vert="horz" wrap="square" lIns="80010" tIns="80010" rIns="80010" bIns="80010" numCol="1" spcCol="1270" anchor="t" anchorCtr="0">
           <a:noAutofit/>
         </a:bodyPr>
         <a:lstStyle/>
         <a:p>
-          <a:pPr marL="114300" lvl="1" indent="-114300" algn="l" defTabSz="666750">
+          <a:pPr marL="171450" lvl="1" indent="-171450" algn="l" defTabSz="711200">
             <a:lnSpc>
               <a:spcPct val="90000"/>
             </a:lnSpc>
@@ -3272,7 +3271,7 @@
             <a:buChar char="•"/>
           </a:pPr>
           <a:r>
-            <a:rPr lang="en-US" sz="1500" kern="1200" dirty="0"/>
+            <a:rPr lang="en-US" sz="1600" kern="1200" dirty="0"/>
             <a:t>Create Classes and define relationships to solidify system schematics.</a:t>
           </a:r>
         </a:p>
@@ -3306,7 +3305,7 @@
             <a:alphaOff val="0"/>
           </a:schemeClr>
         </a:solidFill>
-        <a:ln w="12700" cap="flat" cmpd="sng" algn="ctr">
+        <a:ln w="15875" cap="rnd" cmpd="sng" algn="ctr">
           <a:solidFill>
             <a:schemeClr val="accent1">
               <a:hueOff val="0"/>
@@ -3316,7 +3315,6 @@
             </a:schemeClr>
           </a:solidFill>
           <a:prstDash val="solid"/>
-          <a:miter lim="800000"/>
         </a:ln>
         <a:effectLst/>
       </dsp:spPr>
@@ -3333,12 +3331,12 @@
         <a:fontRef idx="minor"/>
       </dsp:style>
       <dsp:txBody>
-        <a:bodyPr spcFirstLastPara="0" vert="horz" wrap="square" lIns="72390" tIns="72390" rIns="72390" bIns="72390" numCol="1" spcCol="1270" anchor="t" anchorCtr="0">
+        <a:bodyPr spcFirstLastPara="0" vert="horz" wrap="square" lIns="80010" tIns="80010" rIns="80010" bIns="80010" numCol="1" spcCol="1270" anchor="t" anchorCtr="0">
           <a:noAutofit/>
         </a:bodyPr>
         <a:lstStyle/>
         <a:p>
-          <a:pPr marL="114300" lvl="1" indent="-114300" algn="l" defTabSz="666750">
+          <a:pPr marL="171450" lvl="1" indent="-171450" algn="l" defTabSz="711200">
             <a:lnSpc>
               <a:spcPct val="90000"/>
             </a:lnSpc>
@@ -3351,7 +3349,7 @@
             <a:buChar char="•"/>
           </a:pPr>
           <a:r>
-            <a:rPr lang="en-US" sz="1500" kern="1200" dirty="0"/>
+            <a:rPr lang="en-US" sz="1600" kern="1200" dirty="0"/>
             <a:t>Create functions to realize the functional requirements of SOS16</a:t>
           </a:r>
         </a:p>
@@ -3385,7 +3383,7 @@
             <a:alphaOff val="0"/>
           </a:schemeClr>
         </a:solidFill>
-        <a:ln w="12700" cap="flat" cmpd="sng" algn="ctr">
+        <a:ln w="15875" cap="rnd" cmpd="sng" algn="ctr">
           <a:solidFill>
             <a:schemeClr val="accent1">
               <a:hueOff val="0"/>
@@ -3395,7 +3393,6 @@
             </a:schemeClr>
           </a:solidFill>
           <a:prstDash val="solid"/>
-          <a:miter lim="800000"/>
         </a:ln>
         <a:effectLst/>
       </dsp:spPr>
@@ -3412,12 +3409,12 @@
         <a:fontRef idx="minor"/>
       </dsp:style>
       <dsp:txBody>
-        <a:bodyPr spcFirstLastPara="0" vert="horz" wrap="square" lIns="72390" tIns="72390" rIns="72390" bIns="72390" numCol="1" spcCol="1270" anchor="t" anchorCtr="0">
+        <a:bodyPr spcFirstLastPara="0" vert="horz" wrap="square" lIns="80010" tIns="80010" rIns="80010" bIns="80010" numCol="1" spcCol="1270" anchor="t" anchorCtr="0">
           <a:noAutofit/>
         </a:bodyPr>
         <a:lstStyle/>
         <a:p>
-          <a:pPr marL="114300" lvl="1" indent="-114300" algn="l" defTabSz="666750">
+          <a:pPr marL="171450" lvl="1" indent="-171450" algn="l" defTabSz="711200">
             <a:lnSpc>
               <a:spcPct val="90000"/>
             </a:lnSpc>
@@ -3430,7 +3427,7 @@
             <a:buChar char="•"/>
           </a:pPr>
           <a:r>
-            <a:rPr lang="en-US" sz="1500" kern="1200" dirty="0"/>
+            <a:rPr lang="en-US" sz="1600" kern="1200" dirty="0"/>
             <a:t>Create Scenarios to represent instances of SOS.</a:t>
           </a:r>
         </a:p>
@@ -3464,7 +3461,7 @@
             <a:alphaOff val="0"/>
           </a:schemeClr>
         </a:solidFill>
-        <a:ln w="12700" cap="flat" cmpd="sng" algn="ctr">
+        <a:ln w="15875" cap="rnd" cmpd="sng" algn="ctr">
           <a:solidFill>
             <a:schemeClr val="accent1">
               <a:hueOff val="0"/>
@@ -3474,7 +3471,6 @@
             </a:schemeClr>
           </a:solidFill>
           <a:prstDash val="solid"/>
-          <a:miter lim="800000"/>
         </a:ln>
         <a:effectLst/>
       </dsp:spPr>
@@ -3491,12 +3487,12 @@
         <a:fontRef idx="minor"/>
       </dsp:style>
       <dsp:txBody>
-        <a:bodyPr spcFirstLastPara="0" vert="horz" wrap="square" lIns="72390" tIns="72390" rIns="72390" bIns="72390" numCol="1" spcCol="1270" anchor="t" anchorCtr="0">
+        <a:bodyPr spcFirstLastPara="0" vert="horz" wrap="square" lIns="80010" tIns="80010" rIns="80010" bIns="80010" numCol="1" spcCol="1270" anchor="t" anchorCtr="0">
           <a:noAutofit/>
         </a:bodyPr>
         <a:lstStyle/>
         <a:p>
-          <a:pPr marL="114300" lvl="1" indent="-114300" algn="l" defTabSz="666750">
+          <a:pPr marL="171450" lvl="1" indent="-171450" algn="l" defTabSz="711200">
             <a:lnSpc>
               <a:spcPct val="90000"/>
             </a:lnSpc>
@@ -3509,7 +3505,7 @@
             <a:buChar char="•"/>
           </a:pPr>
           <a:r>
-            <a:rPr lang="en-US" sz="1500" kern="1200" dirty="0"/>
+            <a:rPr lang="en-US" sz="1600" kern="1200" dirty="0"/>
             <a:t>Identify Analysis Objects.</a:t>
           </a:r>
         </a:p>
@@ -3540,7 +3536,7 @@
             <a:alphaOff val="0"/>
           </a:schemeClr>
         </a:solidFill>
-        <a:ln w="12700" cap="flat" cmpd="sng" algn="ctr">
+        <a:ln w="15875" cap="rnd" cmpd="sng" algn="ctr">
           <a:solidFill>
             <a:schemeClr val="lt1">
               <a:hueOff val="0"/>
@@ -3550,7 +3546,6 @@
             </a:schemeClr>
           </a:solidFill>
           <a:prstDash val="solid"/>
-          <a:miter lim="800000"/>
         </a:ln>
         <a:effectLst/>
       </dsp:spPr>
@@ -3618,7 +3613,7 @@
             <a:alphaOff val="0"/>
           </a:schemeClr>
         </a:solidFill>
-        <a:ln w="12700" cap="flat" cmpd="sng" algn="ctr">
+        <a:ln w="15875" cap="rnd" cmpd="sng" algn="ctr">
           <a:solidFill>
             <a:schemeClr val="lt1">
               <a:hueOff val="0"/>
@@ -3628,7 +3623,6 @@
             </a:schemeClr>
           </a:solidFill>
           <a:prstDash val="solid"/>
-          <a:miter lim="800000"/>
         </a:ln>
         <a:effectLst/>
       </dsp:spPr>
@@ -3696,7 +3690,7 @@
             <a:alphaOff val="0"/>
           </a:schemeClr>
         </a:solidFill>
-        <a:ln w="12700" cap="flat" cmpd="sng" algn="ctr">
+        <a:ln w="15875" cap="rnd" cmpd="sng" algn="ctr">
           <a:solidFill>
             <a:schemeClr val="lt1">
               <a:hueOff val="0"/>
@@ -3706,7 +3700,6 @@
             </a:schemeClr>
           </a:solidFill>
           <a:prstDash val="solid"/>
-          <a:miter lim="800000"/>
         </a:ln>
         <a:effectLst/>
       </dsp:spPr>
@@ -3774,7 +3767,7 @@
             <a:alphaOff val="0"/>
           </a:schemeClr>
         </a:solidFill>
-        <a:ln w="12700" cap="flat" cmpd="sng" algn="ctr">
+        <a:ln w="15875" cap="rnd" cmpd="sng" algn="ctr">
           <a:solidFill>
             <a:schemeClr val="lt1">
               <a:hueOff val="0"/>
@@ -3784,7 +3777,6 @@
             </a:schemeClr>
           </a:solidFill>
           <a:prstDash val="solid"/>
-          <a:miter lim="800000"/>
         </a:ln>
         <a:effectLst/>
       </dsp:spPr>
@@ -3853,7 +3845,7 @@
             <a:alphaOff val="0"/>
           </a:schemeClr>
         </a:solidFill>
-        <a:ln w="12700" cap="flat" cmpd="sng" algn="ctr">
+        <a:ln w="15875" cap="rnd" cmpd="sng" algn="ctr">
           <a:solidFill>
             <a:schemeClr val="lt1">
               <a:hueOff val="0"/>
@@ -3863,7 +3855,6 @@
             </a:schemeClr>
           </a:solidFill>
           <a:prstDash val="solid"/>
-          <a:miter lim="800000"/>
         </a:ln>
         <a:effectLst/>
       </dsp:spPr>
@@ -3902,7 +3893,7 @@
             <a:alphaOff val="0"/>
           </a:schemeClr>
         </a:solidFill>
-        <a:ln w="12700" cap="flat" cmpd="sng" algn="ctr">
+        <a:ln w="15875" cap="rnd" cmpd="sng" algn="ctr">
           <a:solidFill>
             <a:schemeClr val="lt1">
               <a:hueOff val="0"/>
@@ -3912,7 +3903,6 @@
             </a:schemeClr>
           </a:solidFill>
           <a:prstDash val="solid"/>
-          <a:miter lim="800000"/>
         </a:ln>
         <a:effectLst/>
       </dsp:spPr>
@@ -3962,7 +3952,7 @@
             <a:alphaOff val="0"/>
           </a:schemeClr>
         </a:solidFill>
-        <a:ln w="12700" cap="flat" cmpd="sng" algn="ctr">
+        <a:ln w="15875" cap="rnd" cmpd="sng" algn="ctr">
           <a:solidFill>
             <a:schemeClr val="lt1">
               <a:hueOff val="0"/>
@@ -3972,7 +3962,6 @@
             </a:schemeClr>
           </a:solidFill>
           <a:prstDash val="solid"/>
-          <a:miter lim="800000"/>
         </a:ln>
         <a:effectLst/>
       </dsp:spPr>
@@ -3991,12 +3980,12 @@
         </a:fontRef>
       </dsp:style>
       <dsp:txBody>
-        <a:bodyPr spcFirstLastPara="0" vert="horz" wrap="square" lIns="24130" tIns="24130" rIns="24130" bIns="24130" numCol="1" spcCol="1270" anchor="ctr" anchorCtr="0">
+        <a:bodyPr spcFirstLastPara="0" vert="horz" wrap="square" lIns="21590" tIns="21590" rIns="21590" bIns="21590" numCol="1" spcCol="1270" anchor="ctr" anchorCtr="0">
           <a:noAutofit/>
         </a:bodyPr>
         <a:lstStyle/>
         <a:p>
-          <a:pPr marL="0" lvl="0" indent="0" algn="ctr" defTabSz="844550">
+          <a:pPr marL="0" lvl="0" indent="0" algn="ctr" defTabSz="755650">
             <a:lnSpc>
               <a:spcPct val="90000"/>
             </a:lnSpc>
@@ -4009,7 +3998,7 @@
             <a:buNone/>
           </a:pPr>
           <a:r>
-            <a:rPr lang="en-US" sz="1900" kern="1200" dirty="0"/>
+            <a:rPr lang="en-US" sz="1700" kern="1200" dirty="0"/>
             <a:t>Sequence Diagram</a:t>
           </a:r>
         </a:p>
@@ -4040,7 +4029,7 @@
             <a:alphaOff val="0"/>
           </a:schemeClr>
         </a:solidFill>
-        <a:ln w="12700" cap="flat" cmpd="sng" algn="ctr">
+        <a:ln w="15875" cap="rnd" cmpd="sng" algn="ctr">
           <a:solidFill>
             <a:schemeClr val="lt1">
               <a:hueOff val="0"/>
@@ -4050,7 +4039,6 @@
             </a:schemeClr>
           </a:solidFill>
           <a:prstDash val="solid"/>
-          <a:miter lim="800000"/>
         </a:ln>
         <a:effectLst/>
       </dsp:spPr>
@@ -4069,12 +4057,12 @@
         </a:fontRef>
       </dsp:style>
       <dsp:txBody>
-        <a:bodyPr spcFirstLastPara="0" vert="horz" wrap="square" lIns="24130" tIns="24130" rIns="24130" bIns="24130" numCol="1" spcCol="1270" anchor="ctr" anchorCtr="0">
+        <a:bodyPr spcFirstLastPara="0" vert="horz" wrap="square" lIns="21590" tIns="21590" rIns="21590" bIns="21590" numCol="1" spcCol="1270" anchor="ctr" anchorCtr="0">
           <a:noAutofit/>
         </a:bodyPr>
         <a:lstStyle/>
         <a:p>
-          <a:pPr marL="0" lvl="0" indent="0" algn="ctr" defTabSz="844550">
+          <a:pPr marL="0" lvl="0" indent="0" algn="ctr" defTabSz="755650">
             <a:lnSpc>
               <a:spcPct val="90000"/>
             </a:lnSpc>
@@ -4087,7 +4075,7 @@
             <a:buNone/>
           </a:pPr>
           <a:r>
-            <a:rPr lang="en-US" sz="1900" kern="1200" dirty="0"/>
+            <a:rPr lang="en-US" sz="1700" kern="1200" dirty="0"/>
             <a:t>Class Diagram</a:t>
           </a:r>
         </a:p>
@@ -4118,7 +4106,7 @@
             <a:alphaOff val="0"/>
           </a:schemeClr>
         </a:solidFill>
-        <a:ln w="12700" cap="flat" cmpd="sng" algn="ctr">
+        <a:ln w="15875" cap="rnd" cmpd="sng" algn="ctr">
           <a:solidFill>
             <a:schemeClr val="lt1">
               <a:hueOff val="0"/>
@@ -4128,7 +4116,6 @@
             </a:schemeClr>
           </a:solidFill>
           <a:prstDash val="solid"/>
-          <a:miter lim="800000"/>
         </a:ln>
         <a:effectLst/>
       </dsp:spPr>
@@ -4147,12 +4134,12 @@
         </a:fontRef>
       </dsp:style>
       <dsp:txBody>
-        <a:bodyPr spcFirstLastPara="0" vert="horz" wrap="square" lIns="24130" tIns="24130" rIns="24130" bIns="24130" numCol="1" spcCol="1270" anchor="ctr" anchorCtr="0">
+        <a:bodyPr spcFirstLastPara="0" vert="horz" wrap="square" lIns="21590" tIns="21590" rIns="21590" bIns="21590" numCol="1" spcCol="1270" anchor="ctr" anchorCtr="0">
           <a:noAutofit/>
         </a:bodyPr>
         <a:lstStyle/>
         <a:p>
-          <a:pPr marL="0" lvl="0" indent="0" algn="ctr" defTabSz="844550">
+          <a:pPr marL="0" lvl="0" indent="0" algn="ctr" defTabSz="755650">
             <a:lnSpc>
               <a:spcPct val="90000"/>
             </a:lnSpc>
@@ -4165,7 +4152,7 @@
             <a:buNone/>
           </a:pPr>
           <a:r>
-            <a:rPr lang="en-US" sz="1900" kern="1200" dirty="0"/>
+            <a:rPr lang="en-US" sz="1700" kern="1200" dirty="0"/>
             <a:t>Object Diagram</a:t>
           </a:r>
         </a:p>
@@ -4352,7 +4339,7 @@
             <a:alphaOff val="0"/>
           </a:schemeClr>
         </a:solidFill>
-        <a:ln w="12700" cap="flat" cmpd="sng" algn="ctr">
+        <a:ln w="15875" cap="rnd" cmpd="sng" algn="ctr">
           <a:solidFill>
             <a:schemeClr val="lt1">
               <a:hueOff val="0"/>
@@ -4362,7 +4349,6 @@
             </a:schemeClr>
           </a:solidFill>
           <a:prstDash val="solid"/>
-          <a:miter lim="800000"/>
         </a:ln>
         <a:effectLst/>
       </dsp:spPr>
@@ -4381,12 +4367,12 @@
         </a:fontRef>
       </dsp:style>
       <dsp:txBody>
-        <a:bodyPr spcFirstLastPara="0" vert="horz" wrap="square" lIns="68580" tIns="68580" rIns="68580" bIns="68580" numCol="1" spcCol="1270" anchor="ctr" anchorCtr="0">
+        <a:bodyPr spcFirstLastPara="0" vert="horz" wrap="square" lIns="60960" tIns="60960" rIns="60960" bIns="60960" numCol="1" spcCol="1270" anchor="ctr" anchorCtr="0">
           <a:noAutofit/>
         </a:bodyPr>
         <a:lstStyle/>
         <a:p>
-          <a:pPr marL="0" lvl="0" indent="0" algn="ctr" defTabSz="2400300">
+          <a:pPr marL="0" lvl="0" indent="0" algn="ctr" defTabSz="2133600">
             <a:lnSpc>
               <a:spcPct val="90000"/>
             </a:lnSpc>
@@ -4399,7 +4385,7 @@
             <a:buNone/>
           </a:pPr>
           <a:r>
-            <a:rPr lang="en-US" sz="5400" kern="1200" dirty="0"/>
+            <a:rPr lang="en-US" sz="4800" kern="1200" dirty="0"/>
             <a:t>SOS07</a:t>
           </a:r>
         </a:p>
@@ -9950,13 +9936,7 @@
       </p:grpSpPr>
       <p:sp>
         <p:nvSpPr>
-          <p:cNvPr id="2" name="Title 1">
-            <a:extLst>
-              <a:ext uri="{FF2B5EF4-FFF2-40B4-BE49-F238E27FC236}">
-                <a16:creationId xmlns:a16="http://schemas.microsoft.com/office/drawing/2014/main" id="{BA5235B7-6BFD-4B86-B5F8-77E517208C13}"/>
-              </a:ext>
-            </a:extLst>
-          </p:cNvPr>
+          <p:cNvPr id="2" name="Title 1"/>
           <p:cNvSpPr>
             <a:spLocks noGrp="1"/>
           </p:cNvSpPr>
@@ -9966,15 +9946,17 @@
         </p:nvSpPr>
         <p:spPr>
           <a:xfrm>
-            <a:off x="1524000" y="1122363"/>
-            <a:ext cx="9144000" cy="2387600"/>
+            <a:off x="1370693" y="1769540"/>
+            <a:ext cx="9440034" cy="1828801"/>
           </a:xfrm>
         </p:spPr>
         <p:txBody>
-          <a:bodyPr anchor="b"/>
+          <a:bodyPr anchor="b">
+            <a:normAutofit/>
+          </a:bodyPr>
           <a:lstStyle>
             <a:lvl1pPr algn="ctr">
-              <a:defRPr sz="6000"/>
+              <a:defRPr sz="5400"/>
             </a:lvl1pPr>
           </a:lstStyle>
           <a:p>
@@ -9982,18 +9964,13 @@
               <a:rPr lang="en-US"/>
               <a:t>Click to edit Master title style</a:t>
             </a:r>
+            <a:endParaRPr lang="en-US" dirty="0"/>
           </a:p>
         </p:txBody>
       </p:sp>
       <p:sp>
         <p:nvSpPr>
-          <p:cNvPr id="3" name="Subtitle 2">
-            <a:extLst>
-              <a:ext uri="{FF2B5EF4-FFF2-40B4-BE49-F238E27FC236}">
-                <a16:creationId xmlns:a16="http://schemas.microsoft.com/office/drawing/2014/main" id="{99A74393-6080-4EDA-80D8-AADD2899887D}"/>
-              </a:ext>
-            </a:extLst>
-          </p:cNvPr>
+          <p:cNvPr id="3" name="Subtitle 2"/>
           <p:cNvSpPr>
             <a:spLocks noGrp="1"/>
           </p:cNvSpPr>
@@ -10003,48 +9980,100 @@
         </p:nvSpPr>
         <p:spPr>
           <a:xfrm>
-            <a:off x="1524000" y="3602038"/>
-            <a:ext cx="9144000" cy="1655762"/>
+            <a:off x="1370693" y="3598339"/>
+            <a:ext cx="9440034" cy="1049867"/>
           </a:xfrm>
         </p:spPr>
         <p:txBody>
-          <a:bodyPr/>
+          <a:bodyPr anchor="t"/>
           <a:lstStyle>
             <a:lvl1pPr marL="0" indent="0" algn="ctr">
               <a:buNone/>
-              <a:defRPr sz="2400"/>
+              <a:defRPr>
+                <a:solidFill>
+                  <a:schemeClr val="tx1"/>
+                </a:solidFill>
+              </a:defRPr>
             </a:lvl1pPr>
             <a:lvl2pPr marL="457200" indent="0" algn="ctr">
               <a:buNone/>
-              <a:defRPr sz="2000"/>
+              <a:defRPr>
+                <a:solidFill>
+                  <a:schemeClr val="tx1">
+                    <a:tint val="75000"/>
+                  </a:schemeClr>
+                </a:solidFill>
+              </a:defRPr>
             </a:lvl2pPr>
             <a:lvl3pPr marL="914400" indent="0" algn="ctr">
               <a:buNone/>
-              <a:defRPr sz="1800"/>
+              <a:defRPr>
+                <a:solidFill>
+                  <a:schemeClr val="tx1">
+                    <a:tint val="75000"/>
+                  </a:schemeClr>
+                </a:solidFill>
+              </a:defRPr>
             </a:lvl3pPr>
             <a:lvl4pPr marL="1371600" indent="0" algn="ctr">
               <a:buNone/>
-              <a:defRPr sz="1600"/>
+              <a:defRPr>
+                <a:solidFill>
+                  <a:schemeClr val="tx1">
+                    <a:tint val="75000"/>
+                  </a:schemeClr>
+                </a:solidFill>
+              </a:defRPr>
             </a:lvl4pPr>
             <a:lvl5pPr marL="1828800" indent="0" algn="ctr">
               <a:buNone/>
-              <a:defRPr sz="1600"/>
+              <a:defRPr>
+                <a:solidFill>
+                  <a:schemeClr val="tx1">
+                    <a:tint val="75000"/>
+                  </a:schemeClr>
+                </a:solidFill>
+              </a:defRPr>
             </a:lvl5pPr>
             <a:lvl6pPr marL="2286000" indent="0" algn="ctr">
               <a:buNone/>
-              <a:defRPr sz="1600"/>
+              <a:defRPr>
+                <a:solidFill>
+                  <a:schemeClr val="tx1">
+                    <a:tint val="75000"/>
+                  </a:schemeClr>
+                </a:solidFill>
+              </a:defRPr>
             </a:lvl6pPr>
             <a:lvl7pPr marL="2743200" indent="0" algn="ctr">
               <a:buNone/>
-              <a:defRPr sz="1600"/>
+              <a:defRPr>
+                <a:solidFill>
+                  <a:schemeClr val="tx1">
+                    <a:tint val="75000"/>
+                  </a:schemeClr>
+                </a:solidFill>
+              </a:defRPr>
             </a:lvl7pPr>
             <a:lvl8pPr marL="3200400" indent="0" algn="ctr">
               <a:buNone/>
-              <a:defRPr sz="1600"/>
+              <a:defRPr>
+                <a:solidFill>
+                  <a:schemeClr val="tx1">
+                    <a:tint val="75000"/>
+                  </a:schemeClr>
+                </a:solidFill>
+              </a:defRPr>
             </a:lvl8pPr>
             <a:lvl9pPr marL="3657600" indent="0" algn="ctr">
               <a:buNone/>
-              <a:defRPr sz="1600"/>
+              <a:defRPr>
+                <a:solidFill>
+                  <a:schemeClr val="tx1">
+                    <a:tint val="75000"/>
+                  </a:schemeClr>
+                </a:solidFill>
+              </a:defRPr>
             </a:lvl9pPr>
           </a:lstStyle>
           <a:p>
@@ -10052,18 +10081,13 @@
               <a:rPr lang="en-US"/>
               <a:t>Click to edit Master subtitle style</a:t>
             </a:r>
+            <a:endParaRPr lang="en-US" dirty="0"/>
           </a:p>
         </p:txBody>
       </p:sp>
       <p:sp>
         <p:nvSpPr>
-          <p:cNvPr id="4" name="Date Placeholder 3">
-            <a:extLst>
-              <a:ext uri="{FF2B5EF4-FFF2-40B4-BE49-F238E27FC236}">
-                <a16:creationId xmlns:a16="http://schemas.microsoft.com/office/drawing/2014/main" id="{5FD7F25A-AB63-4DD7-ADC6-2946D5C86E31}"/>
-              </a:ext>
-            </a:extLst>
-          </p:cNvPr>
+          <p:cNvPr id="4" name="Date Placeholder 3"/>
           <p:cNvSpPr>
             <a:spLocks noGrp="1"/>
           </p:cNvSpPr>
@@ -10086,13 +10110,7 @@
       </p:sp>
       <p:sp>
         <p:nvSpPr>
-          <p:cNvPr id="5" name="Footer Placeholder 4">
-            <a:extLst>
-              <a:ext uri="{FF2B5EF4-FFF2-40B4-BE49-F238E27FC236}">
-                <a16:creationId xmlns:a16="http://schemas.microsoft.com/office/drawing/2014/main" id="{F9E93CEA-114F-4644-8FD8-B7D6F19C0EF0}"/>
-              </a:ext>
-            </a:extLst>
-          </p:cNvPr>
+          <p:cNvPr id="5" name="Footer Placeholder 4"/>
           <p:cNvSpPr>
             <a:spLocks noGrp="1"/>
           </p:cNvSpPr>
@@ -10111,13 +10129,7 @@
       </p:sp>
       <p:sp>
         <p:nvSpPr>
-          <p:cNvPr id="6" name="Slide Number Placeholder 5">
-            <a:extLst>
-              <a:ext uri="{FF2B5EF4-FFF2-40B4-BE49-F238E27FC236}">
-                <a16:creationId xmlns:a16="http://schemas.microsoft.com/office/drawing/2014/main" id="{03ABF8ED-AEF1-48EA-96D5-E0968907A407}"/>
-              </a:ext>
-            </a:extLst>
-          </p:cNvPr>
+          <p:cNvPr id="6" name="Slide Number Placeholder 5"/>
           <p:cNvSpPr>
             <a:spLocks noGrp="1"/>
           </p:cNvSpPr>
@@ -10141,7 +10153,7 @@
     </p:spTree>
     <p:extLst>
       <p:ext uri="{BB962C8B-B14F-4D97-AF65-F5344CB8AC3E}">
-        <p14:creationId xmlns:p14="http://schemas.microsoft.com/office/powerpoint/2010/main" val="3950257925"/>
+        <p14:creationId xmlns:p14="http://schemas.microsoft.com/office/powerpoint/2010/main" val="446864544"/>
       </p:ext>
     </p:extLst>
   </p:cSld>
@@ -10152,6 +10164,2582 @@
 </file>
 
 <file path=ppt/slideLayouts/slideLayout10.xml><?xml version="1.0" encoding="utf-8"?>
+<p:sldLayout xmlns:a="http://schemas.openxmlformats.org/drawingml/2006/main" xmlns:r="http://schemas.openxmlformats.org/officeDocument/2006/relationships" xmlns:p="http://schemas.openxmlformats.org/presentationml/2006/main" preserve="1">
+  <p:cSld name="Panoramic Picture with Caption">
+    <p:spTree>
+      <p:nvGrpSpPr>
+        <p:cNvPr id="1" name=""/>
+        <p:cNvGrpSpPr/>
+        <p:nvPr/>
+      </p:nvGrpSpPr>
+      <p:grpSpPr>
+        <a:xfrm>
+          <a:off x="0" y="0"/>
+          <a:ext cx="0" cy="0"/>
+          <a:chOff x="0" y="0"/>
+          <a:chExt cx="0" cy="0"/>
+        </a:xfrm>
+      </p:grpSpPr>
+      <p:pic>
+        <p:nvPicPr>
+          <p:cNvPr id="16" name="Picture 15" descr="Slate-V2-HD-panoPhotoInset.png"/>
+          <p:cNvPicPr>
+            <a:picLocks noChangeAspect="1"/>
+          </p:cNvPicPr>
+          <p:nvPr/>
+        </p:nvPicPr>
+        <p:blipFill>
+          <a:blip r:embed="rId2">
+            <a:extLst>
+              <a:ext uri="{28A0092B-C50C-407E-A947-70E740481C1C}">
+                <a14:useLocalDpi xmlns:a14="http://schemas.microsoft.com/office/drawing/2010/main" val="0"/>
+              </a:ext>
+            </a:extLst>
+          </a:blip>
+          <a:stretch>
+            <a:fillRect/>
+          </a:stretch>
+        </p:blipFill>
+        <p:spPr>
+          <a:xfrm>
+            <a:off x="1013883" y="547807"/>
+            <a:ext cx="10141799" cy="3816806"/>
+          </a:xfrm>
+          <a:prstGeom prst="rect">
+            <a:avLst/>
+          </a:prstGeom>
+        </p:spPr>
+      </p:pic>
+      <p:sp>
+        <p:nvSpPr>
+          <p:cNvPr id="2" name="Title 1"/>
+          <p:cNvSpPr>
+            <a:spLocks noGrp="1"/>
+          </p:cNvSpPr>
+          <p:nvPr>
+            <p:ph type="title"/>
+          </p:nvPr>
+        </p:nvSpPr>
+        <p:spPr>
+          <a:xfrm>
+            <a:off x="913806" y="4565255"/>
+            <a:ext cx="10355326" cy="543472"/>
+          </a:xfrm>
+        </p:spPr>
+        <p:txBody>
+          <a:bodyPr anchor="b">
+            <a:normAutofit/>
+          </a:bodyPr>
+          <a:lstStyle>
+            <a:lvl1pPr algn="ctr">
+              <a:defRPr sz="2800"/>
+            </a:lvl1pPr>
+          </a:lstStyle>
+          <a:p>
+            <a:r>
+              <a:rPr lang="en-US"/>
+              <a:t>Click to edit Master title style</a:t>
+            </a:r>
+            <a:endParaRPr lang="en-US" dirty="0"/>
+          </a:p>
+        </p:txBody>
+      </p:sp>
+      <p:sp>
+        <p:nvSpPr>
+          <p:cNvPr id="3" name="Picture Placeholder 2"/>
+          <p:cNvSpPr>
+            <a:spLocks noGrp="1" noChangeAspect="1"/>
+          </p:cNvSpPr>
+          <p:nvPr>
+            <p:ph type="pic" idx="1"/>
+          </p:nvPr>
+        </p:nvSpPr>
+        <p:spPr>
+          <a:xfrm>
+            <a:off x="1169349" y="695009"/>
+            <a:ext cx="9845346" cy="3525671"/>
+          </a:xfrm>
+          <a:effectLst>
+            <a:outerShdw blurRad="38100" dist="25400" dir="4440000">
+              <a:srgbClr val="000000">
+                <a:alpha val="36000"/>
+              </a:srgbClr>
+            </a:outerShdw>
+          </a:effectLst>
+        </p:spPr>
+        <p:txBody>
+          <a:bodyPr anchor="t">
+            <a:normAutofit/>
+          </a:bodyPr>
+          <a:lstStyle>
+            <a:lvl1pPr marL="0" indent="0" algn="ctr">
+              <a:buNone/>
+              <a:defRPr sz="2000"/>
+            </a:lvl1pPr>
+            <a:lvl2pPr marL="457200" indent="0">
+              <a:buNone/>
+              <a:defRPr sz="2000"/>
+            </a:lvl2pPr>
+            <a:lvl3pPr marL="914400" indent="0">
+              <a:buNone/>
+              <a:defRPr sz="2000"/>
+            </a:lvl3pPr>
+            <a:lvl4pPr marL="1371600" indent="0">
+              <a:buNone/>
+              <a:defRPr sz="2000"/>
+            </a:lvl4pPr>
+            <a:lvl5pPr marL="1828800" indent="0">
+              <a:buNone/>
+              <a:defRPr sz="2000"/>
+            </a:lvl5pPr>
+            <a:lvl6pPr marL="2286000" indent="0">
+              <a:buNone/>
+              <a:defRPr sz="2000"/>
+            </a:lvl6pPr>
+            <a:lvl7pPr marL="2743200" indent="0">
+              <a:buNone/>
+              <a:defRPr sz="2000"/>
+            </a:lvl7pPr>
+            <a:lvl8pPr marL="3200400" indent="0">
+              <a:buNone/>
+              <a:defRPr sz="2000"/>
+            </a:lvl8pPr>
+            <a:lvl9pPr marL="3657600" indent="0">
+              <a:buNone/>
+              <a:defRPr sz="2000"/>
+            </a:lvl9pPr>
+          </a:lstStyle>
+          <a:p>
+            <a:r>
+              <a:rPr lang="en-US"/>
+              <a:t>Click icon to add picture</a:t>
+            </a:r>
+            <a:endParaRPr lang="en-US" dirty="0"/>
+          </a:p>
+        </p:txBody>
+      </p:sp>
+      <p:sp>
+        <p:nvSpPr>
+          <p:cNvPr id="4" name="Text Placeholder 3"/>
+          <p:cNvSpPr>
+            <a:spLocks noGrp="1"/>
+          </p:cNvSpPr>
+          <p:nvPr>
+            <p:ph type="body" sz="half" idx="2"/>
+          </p:nvPr>
+        </p:nvSpPr>
+        <p:spPr>
+          <a:xfrm>
+            <a:off x="913795" y="5108728"/>
+            <a:ext cx="10353762" cy="682472"/>
+          </a:xfrm>
+        </p:spPr>
+        <p:txBody>
+          <a:bodyPr anchor="t"/>
+          <a:lstStyle>
+            <a:lvl1pPr marL="0" indent="0" algn="ctr">
+              <a:buNone/>
+              <a:defRPr sz="1600"/>
+            </a:lvl1pPr>
+            <a:lvl2pPr marL="457200" indent="0">
+              <a:buNone/>
+              <a:defRPr sz="1400"/>
+            </a:lvl2pPr>
+            <a:lvl3pPr marL="914400" indent="0">
+              <a:buNone/>
+              <a:defRPr sz="1200"/>
+            </a:lvl3pPr>
+            <a:lvl4pPr marL="1371600" indent="0">
+              <a:buNone/>
+              <a:defRPr sz="1000"/>
+            </a:lvl4pPr>
+            <a:lvl5pPr marL="1828800" indent="0">
+              <a:buNone/>
+              <a:defRPr sz="1000"/>
+            </a:lvl5pPr>
+            <a:lvl6pPr marL="2286000" indent="0">
+              <a:buNone/>
+              <a:defRPr sz="1000"/>
+            </a:lvl6pPr>
+            <a:lvl7pPr marL="2743200" indent="0">
+              <a:buNone/>
+              <a:defRPr sz="1000"/>
+            </a:lvl7pPr>
+            <a:lvl8pPr marL="3200400" indent="0">
+              <a:buNone/>
+              <a:defRPr sz="1000"/>
+            </a:lvl8pPr>
+            <a:lvl9pPr marL="3657600" indent="0">
+              <a:buNone/>
+              <a:defRPr sz="1000"/>
+            </a:lvl9pPr>
+          </a:lstStyle>
+          <a:p>
+            <a:pPr lvl="0"/>
+            <a:r>
+              <a:rPr lang="en-US"/>
+              <a:t>Click to edit Master text styles</a:t>
+            </a:r>
+          </a:p>
+        </p:txBody>
+      </p:sp>
+      <p:sp>
+        <p:nvSpPr>
+          <p:cNvPr id="5" name="Date Placeholder 4"/>
+          <p:cNvSpPr>
+            <a:spLocks noGrp="1"/>
+          </p:cNvSpPr>
+          <p:nvPr>
+            <p:ph type="dt" sz="half" idx="10"/>
+          </p:nvPr>
+        </p:nvSpPr>
+        <p:spPr/>
+        <p:txBody>
+          <a:bodyPr/>
+          <a:lstStyle/>
+          <a:p>
+            <a:fld id="{B673521E-B280-4C28-8ED0-E34914655C34}" type="datetimeFigureOut">
+              <a:rPr lang="en-US" smtClean="0"/>
+              <a:t>10/1/2019</a:t>
+            </a:fld>
+            <a:endParaRPr lang="en-US"/>
+          </a:p>
+        </p:txBody>
+      </p:sp>
+      <p:sp>
+        <p:nvSpPr>
+          <p:cNvPr id="6" name="Footer Placeholder 5"/>
+          <p:cNvSpPr>
+            <a:spLocks noGrp="1"/>
+          </p:cNvSpPr>
+          <p:nvPr>
+            <p:ph type="ftr" sz="quarter" idx="11"/>
+          </p:nvPr>
+        </p:nvSpPr>
+        <p:spPr/>
+        <p:txBody>
+          <a:bodyPr/>
+          <a:lstStyle/>
+          <a:p>
+            <a:endParaRPr lang="en-US"/>
+          </a:p>
+        </p:txBody>
+      </p:sp>
+      <p:sp>
+        <p:nvSpPr>
+          <p:cNvPr id="7" name="Slide Number Placeholder 6"/>
+          <p:cNvSpPr>
+            <a:spLocks noGrp="1"/>
+          </p:cNvSpPr>
+          <p:nvPr>
+            <p:ph type="sldNum" sz="quarter" idx="12"/>
+          </p:nvPr>
+        </p:nvSpPr>
+        <p:spPr/>
+        <p:txBody>
+          <a:bodyPr/>
+          <a:lstStyle/>
+          <a:p>
+            <a:fld id="{5FB0F42B-CAA9-4D4F-86CF-07230423CC99}" type="slidenum">
+              <a:rPr lang="en-US" smtClean="0"/>
+              <a:t>‹#›</a:t>
+            </a:fld>
+            <a:endParaRPr lang="en-US"/>
+          </a:p>
+        </p:txBody>
+      </p:sp>
+    </p:spTree>
+    <p:extLst>
+      <p:ext uri="{BB962C8B-B14F-4D97-AF65-F5344CB8AC3E}">
+        <p14:creationId xmlns:p14="http://schemas.microsoft.com/office/powerpoint/2010/main" val="2780071487"/>
+      </p:ext>
+    </p:extLst>
+  </p:cSld>
+  <p:clrMapOvr>
+    <a:masterClrMapping/>
+  </p:clrMapOvr>
+</p:sldLayout>
+</file>
+
+<file path=ppt/slideLayouts/slideLayout11.xml><?xml version="1.0" encoding="utf-8"?>
+<p:sldLayout xmlns:a="http://schemas.openxmlformats.org/drawingml/2006/main" xmlns:r="http://schemas.openxmlformats.org/officeDocument/2006/relationships" xmlns:p="http://schemas.openxmlformats.org/presentationml/2006/main" preserve="1">
+  <p:cSld name="Title and Caption">
+    <p:spTree>
+      <p:nvGrpSpPr>
+        <p:cNvPr id="1" name=""/>
+        <p:cNvGrpSpPr/>
+        <p:nvPr/>
+      </p:nvGrpSpPr>
+      <p:grpSpPr>
+        <a:xfrm>
+          <a:off x="0" y="0"/>
+          <a:ext cx="0" cy="0"/>
+          <a:chOff x="0" y="0"/>
+          <a:chExt cx="0" cy="0"/>
+        </a:xfrm>
+      </p:grpSpPr>
+      <p:sp>
+        <p:nvSpPr>
+          <p:cNvPr id="2" name="Title 1"/>
+          <p:cNvSpPr>
+            <a:spLocks noGrp="1"/>
+          </p:cNvSpPr>
+          <p:nvPr>
+            <p:ph type="title"/>
+          </p:nvPr>
+        </p:nvSpPr>
+        <p:spPr>
+          <a:xfrm>
+            <a:off x="913795" y="608437"/>
+            <a:ext cx="10353762" cy="3534344"/>
+          </a:xfrm>
+        </p:spPr>
+        <p:txBody>
+          <a:bodyPr anchor="ctr"/>
+          <a:lstStyle>
+            <a:lvl1pPr>
+              <a:defRPr sz="3200"/>
+            </a:lvl1pPr>
+          </a:lstStyle>
+          <a:p>
+            <a:r>
+              <a:rPr lang="en-US"/>
+              <a:t>Click to edit Master title style</a:t>
+            </a:r>
+            <a:endParaRPr lang="en-US" dirty="0"/>
+          </a:p>
+        </p:txBody>
+      </p:sp>
+      <p:sp>
+        <p:nvSpPr>
+          <p:cNvPr id="4" name="Text Placeholder 3"/>
+          <p:cNvSpPr>
+            <a:spLocks noGrp="1"/>
+          </p:cNvSpPr>
+          <p:nvPr>
+            <p:ph type="body" sz="half" idx="2"/>
+          </p:nvPr>
+        </p:nvSpPr>
+        <p:spPr>
+          <a:xfrm>
+            <a:off x="913794" y="4295180"/>
+            <a:ext cx="10353763" cy="1501826"/>
+          </a:xfrm>
+        </p:spPr>
+        <p:txBody>
+          <a:bodyPr anchor="ctr"/>
+          <a:lstStyle>
+            <a:lvl1pPr marL="0" indent="0" algn="ctr">
+              <a:buNone/>
+              <a:defRPr sz="1600"/>
+            </a:lvl1pPr>
+            <a:lvl2pPr marL="457200" indent="0">
+              <a:buNone/>
+              <a:defRPr sz="1400"/>
+            </a:lvl2pPr>
+            <a:lvl3pPr marL="914400" indent="0">
+              <a:buNone/>
+              <a:defRPr sz="1200"/>
+            </a:lvl3pPr>
+            <a:lvl4pPr marL="1371600" indent="0">
+              <a:buNone/>
+              <a:defRPr sz="1000"/>
+            </a:lvl4pPr>
+            <a:lvl5pPr marL="1828800" indent="0">
+              <a:buNone/>
+              <a:defRPr sz="1000"/>
+            </a:lvl5pPr>
+            <a:lvl6pPr marL="2286000" indent="0">
+              <a:buNone/>
+              <a:defRPr sz="1000"/>
+            </a:lvl6pPr>
+            <a:lvl7pPr marL="2743200" indent="0">
+              <a:buNone/>
+              <a:defRPr sz="1000"/>
+            </a:lvl7pPr>
+            <a:lvl8pPr marL="3200400" indent="0">
+              <a:buNone/>
+              <a:defRPr sz="1000"/>
+            </a:lvl8pPr>
+            <a:lvl9pPr marL="3657600" indent="0">
+              <a:buNone/>
+              <a:defRPr sz="1000"/>
+            </a:lvl9pPr>
+          </a:lstStyle>
+          <a:p>
+            <a:pPr lvl="0"/>
+            <a:r>
+              <a:rPr lang="en-US"/>
+              <a:t>Click to edit Master text styles</a:t>
+            </a:r>
+          </a:p>
+        </p:txBody>
+      </p:sp>
+      <p:sp>
+        <p:nvSpPr>
+          <p:cNvPr id="5" name="Date Placeholder 4"/>
+          <p:cNvSpPr>
+            <a:spLocks noGrp="1"/>
+          </p:cNvSpPr>
+          <p:nvPr>
+            <p:ph type="dt" sz="half" idx="10"/>
+          </p:nvPr>
+        </p:nvSpPr>
+        <p:spPr/>
+        <p:txBody>
+          <a:bodyPr/>
+          <a:lstStyle/>
+          <a:p>
+            <a:fld id="{B673521E-B280-4C28-8ED0-E34914655C34}" type="datetimeFigureOut">
+              <a:rPr lang="en-US" smtClean="0"/>
+              <a:t>10/1/2019</a:t>
+            </a:fld>
+            <a:endParaRPr lang="en-US"/>
+          </a:p>
+        </p:txBody>
+      </p:sp>
+      <p:sp>
+        <p:nvSpPr>
+          <p:cNvPr id="6" name="Footer Placeholder 5"/>
+          <p:cNvSpPr>
+            <a:spLocks noGrp="1"/>
+          </p:cNvSpPr>
+          <p:nvPr>
+            <p:ph type="ftr" sz="quarter" idx="11"/>
+          </p:nvPr>
+        </p:nvSpPr>
+        <p:spPr/>
+        <p:txBody>
+          <a:bodyPr/>
+          <a:lstStyle/>
+          <a:p>
+            <a:endParaRPr lang="en-US"/>
+          </a:p>
+        </p:txBody>
+      </p:sp>
+      <p:sp>
+        <p:nvSpPr>
+          <p:cNvPr id="7" name="Slide Number Placeholder 6"/>
+          <p:cNvSpPr>
+            <a:spLocks noGrp="1"/>
+          </p:cNvSpPr>
+          <p:nvPr>
+            <p:ph type="sldNum" sz="quarter" idx="12"/>
+          </p:nvPr>
+        </p:nvSpPr>
+        <p:spPr/>
+        <p:txBody>
+          <a:bodyPr/>
+          <a:lstStyle/>
+          <a:p>
+            <a:fld id="{5FB0F42B-CAA9-4D4F-86CF-07230423CC99}" type="slidenum">
+              <a:rPr lang="en-US" smtClean="0"/>
+              <a:t>‹#›</a:t>
+            </a:fld>
+            <a:endParaRPr lang="en-US"/>
+          </a:p>
+        </p:txBody>
+      </p:sp>
+    </p:spTree>
+    <p:extLst>
+      <p:ext uri="{BB962C8B-B14F-4D97-AF65-F5344CB8AC3E}">
+        <p14:creationId xmlns:p14="http://schemas.microsoft.com/office/powerpoint/2010/main" val="315732144"/>
+      </p:ext>
+    </p:extLst>
+  </p:cSld>
+  <p:clrMapOvr>
+    <a:masterClrMapping/>
+  </p:clrMapOvr>
+</p:sldLayout>
+</file>
+
+<file path=ppt/slideLayouts/slideLayout12.xml><?xml version="1.0" encoding="utf-8"?>
+<p:sldLayout xmlns:a="http://schemas.openxmlformats.org/drawingml/2006/main" xmlns:r="http://schemas.openxmlformats.org/officeDocument/2006/relationships" xmlns:p="http://schemas.openxmlformats.org/presentationml/2006/main" preserve="1">
+  <p:cSld name="Quote with Caption">
+    <p:spTree>
+      <p:nvGrpSpPr>
+        <p:cNvPr id="1" name=""/>
+        <p:cNvGrpSpPr/>
+        <p:nvPr/>
+      </p:nvGrpSpPr>
+      <p:grpSpPr>
+        <a:xfrm>
+          <a:off x="0" y="0"/>
+          <a:ext cx="0" cy="0"/>
+          <a:chOff x="0" y="0"/>
+          <a:chExt cx="0" cy="0"/>
+        </a:xfrm>
+      </p:grpSpPr>
+      <p:sp>
+        <p:nvSpPr>
+          <p:cNvPr id="2" name="Title 1"/>
+          <p:cNvSpPr>
+            <a:spLocks noGrp="1"/>
+          </p:cNvSpPr>
+          <p:nvPr>
+            <p:ph type="title"/>
+          </p:nvPr>
+        </p:nvSpPr>
+        <p:spPr>
+          <a:xfrm>
+            <a:off x="1446212" y="609600"/>
+            <a:ext cx="9302752" cy="2992904"/>
+          </a:xfrm>
+        </p:spPr>
+        <p:txBody>
+          <a:bodyPr anchor="ctr"/>
+          <a:lstStyle>
+            <a:lvl1pPr>
+              <a:defRPr sz="3200"/>
+            </a:lvl1pPr>
+          </a:lstStyle>
+          <a:p>
+            <a:r>
+              <a:rPr lang="en-US"/>
+              <a:t>Click to edit Master title style</a:t>
+            </a:r>
+            <a:endParaRPr lang="en-US" dirty="0"/>
+          </a:p>
+        </p:txBody>
+      </p:sp>
+      <p:sp>
+        <p:nvSpPr>
+          <p:cNvPr id="12" name="Text Placeholder 3"/>
+          <p:cNvSpPr>
+            <a:spLocks noGrp="1"/>
+          </p:cNvSpPr>
+          <p:nvPr>
+            <p:ph type="body" sz="half" idx="13"/>
+          </p:nvPr>
+        </p:nvSpPr>
+        <p:spPr>
+          <a:xfrm>
+            <a:off x="1720644" y="3610032"/>
+            <a:ext cx="8752299" cy="532749"/>
+          </a:xfrm>
+        </p:spPr>
+        <p:txBody>
+          <a:bodyPr anchor="t">
+            <a:normAutofit/>
+          </a:bodyPr>
+          <a:lstStyle>
+            <a:lvl1pPr marL="0" indent="0" algn="r">
+              <a:buNone/>
+              <a:defRPr sz="1400"/>
+            </a:lvl1pPr>
+            <a:lvl2pPr marL="457200" indent="0">
+              <a:buNone/>
+              <a:defRPr sz="1400"/>
+            </a:lvl2pPr>
+            <a:lvl3pPr marL="914400" indent="0">
+              <a:buNone/>
+              <a:defRPr sz="1200"/>
+            </a:lvl3pPr>
+            <a:lvl4pPr marL="1371600" indent="0">
+              <a:buNone/>
+              <a:defRPr sz="1000"/>
+            </a:lvl4pPr>
+            <a:lvl5pPr marL="1828800" indent="0">
+              <a:buNone/>
+              <a:defRPr sz="1000"/>
+            </a:lvl5pPr>
+            <a:lvl6pPr marL="2286000" indent="0">
+              <a:buNone/>
+              <a:defRPr sz="1000"/>
+            </a:lvl6pPr>
+            <a:lvl7pPr marL="2743200" indent="0">
+              <a:buNone/>
+              <a:defRPr sz="1000"/>
+            </a:lvl7pPr>
+            <a:lvl8pPr marL="3200400" indent="0">
+              <a:buNone/>
+              <a:defRPr sz="1000"/>
+            </a:lvl8pPr>
+            <a:lvl9pPr marL="3657600" indent="0">
+              <a:buNone/>
+              <a:defRPr sz="1000"/>
+            </a:lvl9pPr>
+          </a:lstStyle>
+          <a:p>
+            <a:pPr lvl="0"/>
+            <a:r>
+              <a:rPr lang="en-US"/>
+              <a:t>Click to edit Master text styles</a:t>
+            </a:r>
+          </a:p>
+        </p:txBody>
+      </p:sp>
+      <p:sp>
+        <p:nvSpPr>
+          <p:cNvPr id="4" name="Text Placeholder 3"/>
+          <p:cNvSpPr>
+            <a:spLocks noGrp="1"/>
+          </p:cNvSpPr>
+          <p:nvPr>
+            <p:ph type="body" sz="half" idx="2"/>
+          </p:nvPr>
+        </p:nvSpPr>
+        <p:spPr>
+          <a:xfrm>
+            <a:off x="913794" y="4304353"/>
+            <a:ext cx="10353763" cy="1489496"/>
+          </a:xfrm>
+        </p:spPr>
+        <p:txBody>
+          <a:bodyPr anchor="ctr">
+            <a:normAutofit/>
+          </a:bodyPr>
+          <a:lstStyle>
+            <a:lvl1pPr marL="0" indent="0" algn="ctr">
+              <a:buNone/>
+              <a:defRPr sz="1600"/>
+            </a:lvl1pPr>
+            <a:lvl2pPr marL="457200" indent="0">
+              <a:buNone/>
+              <a:defRPr sz="1400"/>
+            </a:lvl2pPr>
+            <a:lvl3pPr marL="914400" indent="0">
+              <a:buNone/>
+              <a:defRPr sz="1200"/>
+            </a:lvl3pPr>
+            <a:lvl4pPr marL="1371600" indent="0">
+              <a:buNone/>
+              <a:defRPr sz="1000"/>
+            </a:lvl4pPr>
+            <a:lvl5pPr marL="1828800" indent="0">
+              <a:buNone/>
+              <a:defRPr sz="1000"/>
+            </a:lvl5pPr>
+            <a:lvl6pPr marL="2286000" indent="0">
+              <a:buNone/>
+              <a:defRPr sz="1000"/>
+            </a:lvl6pPr>
+            <a:lvl7pPr marL="2743200" indent="0">
+              <a:buNone/>
+              <a:defRPr sz="1000"/>
+            </a:lvl7pPr>
+            <a:lvl8pPr marL="3200400" indent="0">
+              <a:buNone/>
+              <a:defRPr sz="1000"/>
+            </a:lvl8pPr>
+            <a:lvl9pPr marL="3657600" indent="0">
+              <a:buNone/>
+              <a:defRPr sz="1000"/>
+            </a:lvl9pPr>
+          </a:lstStyle>
+          <a:p>
+            <a:pPr lvl="0"/>
+            <a:r>
+              <a:rPr lang="en-US"/>
+              <a:t>Click to edit Master text styles</a:t>
+            </a:r>
+          </a:p>
+        </p:txBody>
+      </p:sp>
+      <p:sp>
+        <p:nvSpPr>
+          <p:cNvPr id="5" name="Date Placeholder 4"/>
+          <p:cNvSpPr>
+            <a:spLocks noGrp="1"/>
+          </p:cNvSpPr>
+          <p:nvPr>
+            <p:ph type="dt" sz="half" idx="10"/>
+          </p:nvPr>
+        </p:nvSpPr>
+        <p:spPr/>
+        <p:txBody>
+          <a:bodyPr/>
+          <a:lstStyle/>
+          <a:p>
+            <a:fld id="{B673521E-B280-4C28-8ED0-E34914655C34}" type="datetimeFigureOut">
+              <a:rPr lang="en-US" smtClean="0"/>
+              <a:t>10/1/2019</a:t>
+            </a:fld>
+            <a:endParaRPr lang="en-US"/>
+          </a:p>
+        </p:txBody>
+      </p:sp>
+      <p:sp>
+        <p:nvSpPr>
+          <p:cNvPr id="6" name="Footer Placeholder 5"/>
+          <p:cNvSpPr>
+            <a:spLocks noGrp="1"/>
+          </p:cNvSpPr>
+          <p:nvPr>
+            <p:ph type="ftr" sz="quarter" idx="11"/>
+          </p:nvPr>
+        </p:nvSpPr>
+        <p:spPr/>
+        <p:txBody>
+          <a:bodyPr/>
+          <a:lstStyle/>
+          <a:p>
+            <a:endParaRPr lang="en-US"/>
+          </a:p>
+        </p:txBody>
+      </p:sp>
+      <p:sp>
+        <p:nvSpPr>
+          <p:cNvPr id="7" name="Slide Number Placeholder 6"/>
+          <p:cNvSpPr>
+            <a:spLocks noGrp="1"/>
+          </p:cNvSpPr>
+          <p:nvPr>
+            <p:ph type="sldNum" sz="quarter" idx="12"/>
+          </p:nvPr>
+        </p:nvSpPr>
+        <p:spPr/>
+        <p:txBody>
+          <a:bodyPr/>
+          <a:lstStyle/>
+          <a:p>
+            <a:fld id="{5FB0F42B-CAA9-4D4F-86CF-07230423CC99}" type="slidenum">
+              <a:rPr lang="en-US" smtClean="0"/>
+              <a:t>‹#›</a:t>
+            </a:fld>
+            <a:endParaRPr lang="en-US"/>
+          </a:p>
+        </p:txBody>
+      </p:sp>
+      <p:sp>
+        <p:nvSpPr>
+          <p:cNvPr id="11" name="TextBox 10"/>
+          <p:cNvSpPr txBox="1"/>
+          <p:nvPr/>
+        </p:nvSpPr>
+        <p:spPr>
+          <a:xfrm>
+            <a:off x="990600" y="884796"/>
+            <a:ext cx="609600" cy="584776"/>
+          </a:xfrm>
+          <a:prstGeom prst="rect">
+            <a:avLst/>
+          </a:prstGeom>
+        </p:spPr>
+        <p:txBody>
+          <a:bodyPr vert="horz" lIns="91440" tIns="45720" rIns="91440" bIns="45720" rtlCol="0" anchor="ctr">
+            <a:noAutofit/>
+          </a:bodyPr>
+          <a:lstStyle>
+            <a:lvl1pPr>
+              <a:spcBef>
+                <a:spcPct val="0"/>
+              </a:spcBef>
+              <a:buNone/>
+              <a:defRPr sz="3200" b="0" cap="all">
+                <a:ln w="3175" cmpd="sng">
+                  <a:noFill/>
+                </a:ln>
+                <a:effectLst>
+                  <a:glow rad="38100">
+                    <a:schemeClr val="bg1">
+                      <a:lumMod val="65000"/>
+                      <a:lumOff val="35000"/>
+                      <a:alpha val="40000"/>
+                    </a:schemeClr>
+                  </a:glow>
+                  <a:outerShdw blurRad="28575" dist="38100" dir="14040000" algn="tl" rotWithShape="0">
+                    <a:srgbClr val="000000">
+                      <a:alpha val="25000"/>
+                    </a:srgbClr>
+                  </a:outerShdw>
+                </a:effectLst>
+              </a:defRPr>
+            </a:lvl1pPr>
+            <a:lvl2pPr>
+              <a:defRPr>
+                <a:solidFill>
+                  <a:schemeClr val="tx2"/>
+                </a:solidFill>
+              </a:defRPr>
+            </a:lvl2pPr>
+            <a:lvl3pPr>
+              <a:defRPr>
+                <a:solidFill>
+                  <a:schemeClr val="tx2"/>
+                </a:solidFill>
+              </a:defRPr>
+            </a:lvl3pPr>
+            <a:lvl4pPr>
+              <a:defRPr>
+                <a:solidFill>
+                  <a:schemeClr val="tx2"/>
+                </a:solidFill>
+              </a:defRPr>
+            </a:lvl4pPr>
+            <a:lvl5pPr>
+              <a:defRPr>
+                <a:solidFill>
+                  <a:schemeClr val="tx2"/>
+                </a:solidFill>
+              </a:defRPr>
+            </a:lvl5pPr>
+            <a:lvl6pPr>
+              <a:defRPr>
+                <a:solidFill>
+                  <a:schemeClr val="tx2"/>
+                </a:solidFill>
+              </a:defRPr>
+            </a:lvl6pPr>
+            <a:lvl7pPr>
+              <a:defRPr>
+                <a:solidFill>
+                  <a:schemeClr val="tx2"/>
+                </a:solidFill>
+              </a:defRPr>
+            </a:lvl7pPr>
+            <a:lvl8pPr>
+              <a:defRPr>
+                <a:solidFill>
+                  <a:schemeClr val="tx2"/>
+                </a:solidFill>
+              </a:defRPr>
+            </a:lvl8pPr>
+            <a:lvl9pPr>
+              <a:defRPr>
+                <a:solidFill>
+                  <a:schemeClr val="tx2"/>
+                </a:solidFill>
+              </a:defRPr>
+            </a:lvl9pPr>
+          </a:lstStyle>
+          <a:p>
+            <a:pPr lvl="0"/>
+            <a:r>
+              <a:rPr lang="en-US" sz="8000" dirty="0">
+                <a:solidFill>
+                  <a:schemeClr val="tx1"/>
+                </a:solidFill>
+                <a:effectLst/>
+              </a:rPr>
+              <a:t>“</a:t>
+            </a:r>
+          </a:p>
+        </p:txBody>
+      </p:sp>
+      <p:sp>
+        <p:nvSpPr>
+          <p:cNvPr id="13" name="TextBox 12"/>
+          <p:cNvSpPr txBox="1"/>
+          <p:nvPr/>
+        </p:nvSpPr>
+        <p:spPr>
+          <a:xfrm>
+            <a:off x="10504716" y="2928258"/>
+            <a:ext cx="609600" cy="584776"/>
+          </a:xfrm>
+          <a:prstGeom prst="rect">
+            <a:avLst/>
+          </a:prstGeom>
+        </p:spPr>
+        <p:txBody>
+          <a:bodyPr vert="horz" lIns="91440" tIns="45720" rIns="91440" bIns="45720" rtlCol="0" anchor="ctr">
+            <a:noAutofit/>
+          </a:bodyPr>
+          <a:lstStyle>
+            <a:lvl1pPr>
+              <a:spcBef>
+                <a:spcPct val="0"/>
+              </a:spcBef>
+              <a:buNone/>
+              <a:defRPr sz="3200" b="0" cap="all">
+                <a:ln w="3175" cmpd="sng">
+                  <a:noFill/>
+                </a:ln>
+                <a:effectLst>
+                  <a:glow rad="38100">
+                    <a:schemeClr val="bg1">
+                      <a:lumMod val="65000"/>
+                      <a:lumOff val="35000"/>
+                      <a:alpha val="40000"/>
+                    </a:schemeClr>
+                  </a:glow>
+                  <a:outerShdw blurRad="28575" dist="38100" dir="14040000" algn="tl" rotWithShape="0">
+                    <a:srgbClr val="000000">
+                      <a:alpha val="25000"/>
+                    </a:srgbClr>
+                  </a:outerShdw>
+                </a:effectLst>
+              </a:defRPr>
+            </a:lvl1pPr>
+            <a:lvl2pPr>
+              <a:defRPr>
+                <a:solidFill>
+                  <a:schemeClr val="tx2"/>
+                </a:solidFill>
+              </a:defRPr>
+            </a:lvl2pPr>
+            <a:lvl3pPr>
+              <a:defRPr>
+                <a:solidFill>
+                  <a:schemeClr val="tx2"/>
+                </a:solidFill>
+              </a:defRPr>
+            </a:lvl3pPr>
+            <a:lvl4pPr>
+              <a:defRPr>
+                <a:solidFill>
+                  <a:schemeClr val="tx2"/>
+                </a:solidFill>
+              </a:defRPr>
+            </a:lvl4pPr>
+            <a:lvl5pPr>
+              <a:defRPr>
+                <a:solidFill>
+                  <a:schemeClr val="tx2"/>
+                </a:solidFill>
+              </a:defRPr>
+            </a:lvl5pPr>
+            <a:lvl6pPr>
+              <a:defRPr>
+                <a:solidFill>
+                  <a:schemeClr val="tx2"/>
+                </a:solidFill>
+              </a:defRPr>
+            </a:lvl6pPr>
+            <a:lvl7pPr>
+              <a:defRPr>
+                <a:solidFill>
+                  <a:schemeClr val="tx2"/>
+                </a:solidFill>
+              </a:defRPr>
+            </a:lvl7pPr>
+            <a:lvl8pPr>
+              <a:defRPr>
+                <a:solidFill>
+                  <a:schemeClr val="tx2"/>
+                </a:solidFill>
+              </a:defRPr>
+            </a:lvl8pPr>
+            <a:lvl9pPr>
+              <a:defRPr>
+                <a:solidFill>
+                  <a:schemeClr val="tx2"/>
+                </a:solidFill>
+              </a:defRPr>
+            </a:lvl9pPr>
+          </a:lstStyle>
+          <a:p>
+            <a:pPr lvl="0" algn="r"/>
+            <a:r>
+              <a:rPr lang="en-US" sz="8000" dirty="0">
+                <a:solidFill>
+                  <a:schemeClr val="tx1"/>
+                </a:solidFill>
+                <a:effectLst/>
+              </a:rPr>
+              <a:t>”</a:t>
+            </a:r>
+          </a:p>
+        </p:txBody>
+      </p:sp>
+    </p:spTree>
+    <p:extLst>
+      <p:ext uri="{BB962C8B-B14F-4D97-AF65-F5344CB8AC3E}">
+        <p14:creationId xmlns:p14="http://schemas.microsoft.com/office/powerpoint/2010/main" val="1149147851"/>
+      </p:ext>
+    </p:extLst>
+  </p:cSld>
+  <p:clrMapOvr>
+    <a:masterClrMapping/>
+  </p:clrMapOvr>
+</p:sldLayout>
+</file>
+
+<file path=ppt/slideLayouts/slideLayout13.xml><?xml version="1.0" encoding="utf-8"?>
+<p:sldLayout xmlns:a="http://schemas.openxmlformats.org/drawingml/2006/main" xmlns:r="http://schemas.openxmlformats.org/officeDocument/2006/relationships" xmlns:p="http://schemas.openxmlformats.org/presentationml/2006/main" preserve="1">
+  <p:cSld name="Name Card">
+    <p:spTree>
+      <p:nvGrpSpPr>
+        <p:cNvPr id="1" name=""/>
+        <p:cNvGrpSpPr/>
+        <p:nvPr/>
+      </p:nvGrpSpPr>
+      <p:grpSpPr>
+        <a:xfrm>
+          <a:off x="0" y="0"/>
+          <a:ext cx="0" cy="0"/>
+          <a:chOff x="0" y="0"/>
+          <a:chExt cx="0" cy="0"/>
+        </a:xfrm>
+      </p:grpSpPr>
+      <p:sp>
+        <p:nvSpPr>
+          <p:cNvPr id="2" name="Title 1"/>
+          <p:cNvSpPr>
+            <a:spLocks noGrp="1"/>
+          </p:cNvSpPr>
+          <p:nvPr>
+            <p:ph type="title"/>
+          </p:nvPr>
+        </p:nvSpPr>
+        <p:spPr>
+          <a:xfrm>
+            <a:off x="913794" y="2126942"/>
+            <a:ext cx="10353763" cy="2511835"/>
+          </a:xfrm>
+        </p:spPr>
+        <p:txBody>
+          <a:bodyPr anchor="b"/>
+          <a:lstStyle>
+            <a:lvl1pPr>
+              <a:defRPr sz="3200"/>
+            </a:lvl1pPr>
+          </a:lstStyle>
+          <a:p>
+            <a:r>
+              <a:rPr lang="en-US"/>
+              <a:t>Click to edit Master title style</a:t>
+            </a:r>
+            <a:endParaRPr lang="en-US" dirty="0"/>
+          </a:p>
+        </p:txBody>
+      </p:sp>
+      <p:sp>
+        <p:nvSpPr>
+          <p:cNvPr id="4" name="Text Placeholder 3"/>
+          <p:cNvSpPr>
+            <a:spLocks noGrp="1"/>
+          </p:cNvSpPr>
+          <p:nvPr>
+            <p:ph type="body" sz="half" idx="2"/>
+          </p:nvPr>
+        </p:nvSpPr>
+        <p:spPr>
+          <a:xfrm>
+            <a:off x="913784" y="4650556"/>
+            <a:ext cx="10352199" cy="1140644"/>
+          </a:xfrm>
+        </p:spPr>
+        <p:txBody>
+          <a:bodyPr anchor="t"/>
+          <a:lstStyle>
+            <a:lvl1pPr marL="0" indent="0" algn="ctr">
+              <a:buNone/>
+              <a:defRPr sz="1600"/>
+            </a:lvl1pPr>
+            <a:lvl2pPr marL="457200" indent="0">
+              <a:buNone/>
+              <a:defRPr sz="1400"/>
+            </a:lvl2pPr>
+            <a:lvl3pPr marL="914400" indent="0">
+              <a:buNone/>
+              <a:defRPr sz="1200"/>
+            </a:lvl3pPr>
+            <a:lvl4pPr marL="1371600" indent="0">
+              <a:buNone/>
+              <a:defRPr sz="1000"/>
+            </a:lvl4pPr>
+            <a:lvl5pPr marL="1828800" indent="0">
+              <a:buNone/>
+              <a:defRPr sz="1000"/>
+            </a:lvl5pPr>
+            <a:lvl6pPr marL="2286000" indent="0">
+              <a:buNone/>
+              <a:defRPr sz="1000"/>
+            </a:lvl6pPr>
+            <a:lvl7pPr marL="2743200" indent="0">
+              <a:buNone/>
+              <a:defRPr sz="1000"/>
+            </a:lvl7pPr>
+            <a:lvl8pPr marL="3200400" indent="0">
+              <a:buNone/>
+              <a:defRPr sz="1000"/>
+            </a:lvl8pPr>
+            <a:lvl9pPr marL="3657600" indent="0">
+              <a:buNone/>
+              <a:defRPr sz="1000"/>
+            </a:lvl9pPr>
+          </a:lstStyle>
+          <a:p>
+            <a:pPr lvl="0"/>
+            <a:r>
+              <a:rPr lang="en-US"/>
+              <a:t>Click to edit Master text styles</a:t>
+            </a:r>
+          </a:p>
+        </p:txBody>
+      </p:sp>
+      <p:sp>
+        <p:nvSpPr>
+          <p:cNvPr id="5" name="Date Placeholder 4"/>
+          <p:cNvSpPr>
+            <a:spLocks noGrp="1"/>
+          </p:cNvSpPr>
+          <p:nvPr>
+            <p:ph type="dt" sz="half" idx="10"/>
+          </p:nvPr>
+        </p:nvSpPr>
+        <p:spPr/>
+        <p:txBody>
+          <a:bodyPr/>
+          <a:lstStyle/>
+          <a:p>
+            <a:fld id="{B673521E-B280-4C28-8ED0-E34914655C34}" type="datetimeFigureOut">
+              <a:rPr lang="en-US" smtClean="0"/>
+              <a:t>10/1/2019</a:t>
+            </a:fld>
+            <a:endParaRPr lang="en-US"/>
+          </a:p>
+        </p:txBody>
+      </p:sp>
+      <p:sp>
+        <p:nvSpPr>
+          <p:cNvPr id="6" name="Footer Placeholder 5"/>
+          <p:cNvSpPr>
+            <a:spLocks noGrp="1"/>
+          </p:cNvSpPr>
+          <p:nvPr>
+            <p:ph type="ftr" sz="quarter" idx="11"/>
+          </p:nvPr>
+        </p:nvSpPr>
+        <p:spPr/>
+        <p:txBody>
+          <a:bodyPr/>
+          <a:lstStyle/>
+          <a:p>
+            <a:endParaRPr lang="en-US"/>
+          </a:p>
+        </p:txBody>
+      </p:sp>
+      <p:sp>
+        <p:nvSpPr>
+          <p:cNvPr id="7" name="Slide Number Placeholder 6"/>
+          <p:cNvSpPr>
+            <a:spLocks noGrp="1"/>
+          </p:cNvSpPr>
+          <p:nvPr>
+            <p:ph type="sldNum" sz="quarter" idx="12"/>
+          </p:nvPr>
+        </p:nvSpPr>
+        <p:spPr/>
+        <p:txBody>
+          <a:bodyPr/>
+          <a:lstStyle/>
+          <a:p>
+            <a:fld id="{5FB0F42B-CAA9-4D4F-86CF-07230423CC99}" type="slidenum">
+              <a:rPr lang="en-US" smtClean="0"/>
+              <a:t>‹#›</a:t>
+            </a:fld>
+            <a:endParaRPr lang="en-US"/>
+          </a:p>
+        </p:txBody>
+      </p:sp>
+    </p:spTree>
+    <p:extLst>
+      <p:ext uri="{BB962C8B-B14F-4D97-AF65-F5344CB8AC3E}">
+        <p14:creationId xmlns:p14="http://schemas.microsoft.com/office/powerpoint/2010/main" val="306591885"/>
+      </p:ext>
+    </p:extLst>
+  </p:cSld>
+  <p:clrMapOvr>
+    <a:masterClrMapping/>
+  </p:clrMapOvr>
+</p:sldLayout>
+</file>
+
+<file path=ppt/slideLayouts/slideLayout14.xml><?xml version="1.0" encoding="utf-8"?>
+<p:sldLayout xmlns:a="http://schemas.openxmlformats.org/drawingml/2006/main" xmlns:r="http://schemas.openxmlformats.org/officeDocument/2006/relationships" xmlns:p="http://schemas.openxmlformats.org/presentationml/2006/main" preserve="1">
+  <p:cSld name="3 Column">
+    <p:spTree>
+      <p:nvGrpSpPr>
+        <p:cNvPr id="1" name=""/>
+        <p:cNvGrpSpPr/>
+        <p:nvPr/>
+      </p:nvGrpSpPr>
+      <p:grpSpPr>
+        <a:xfrm>
+          <a:off x="0" y="0"/>
+          <a:ext cx="0" cy="0"/>
+          <a:chOff x="0" y="0"/>
+          <a:chExt cx="0" cy="0"/>
+        </a:xfrm>
+      </p:grpSpPr>
+      <p:sp>
+        <p:nvSpPr>
+          <p:cNvPr id="15" name="Title 1"/>
+          <p:cNvSpPr>
+            <a:spLocks noGrp="1"/>
+          </p:cNvSpPr>
+          <p:nvPr>
+            <p:ph type="title"/>
+          </p:nvPr>
+        </p:nvSpPr>
+        <p:spPr>
+          <a:xfrm>
+            <a:off x="913795" y="609600"/>
+            <a:ext cx="10353762" cy="970450"/>
+          </a:xfrm>
+        </p:spPr>
+        <p:txBody>
+          <a:bodyPr/>
+          <a:lstStyle/>
+          <a:p>
+            <a:r>
+              <a:rPr lang="en-US"/>
+              <a:t>Click to edit Master title style</a:t>
+            </a:r>
+            <a:endParaRPr lang="en-US" dirty="0"/>
+          </a:p>
+        </p:txBody>
+      </p:sp>
+      <p:sp>
+        <p:nvSpPr>
+          <p:cNvPr id="7" name="Text Placeholder 2"/>
+          <p:cNvSpPr>
+            <a:spLocks noGrp="1"/>
+          </p:cNvSpPr>
+          <p:nvPr>
+            <p:ph type="body" idx="1"/>
+          </p:nvPr>
+        </p:nvSpPr>
+        <p:spPr>
+          <a:xfrm>
+            <a:off x="913795" y="1885950"/>
+            <a:ext cx="3300984" cy="576262"/>
+          </a:xfrm>
+        </p:spPr>
+        <p:txBody>
+          <a:bodyPr anchor="b">
+            <a:noAutofit/>
+          </a:bodyPr>
+          <a:lstStyle>
+            <a:lvl1pPr marL="0" indent="0" algn="ctr">
+              <a:buNone/>
+              <a:defRPr sz="2400" b="0">
+                <a:solidFill>
+                  <a:schemeClr val="tx1"/>
+                </a:solidFill>
+              </a:defRPr>
+            </a:lvl1pPr>
+            <a:lvl2pPr marL="457200" indent="0">
+              <a:buNone/>
+              <a:defRPr sz="2000" b="1"/>
+            </a:lvl2pPr>
+            <a:lvl3pPr marL="914400" indent="0">
+              <a:buNone/>
+              <a:defRPr sz="1800" b="1"/>
+            </a:lvl3pPr>
+            <a:lvl4pPr marL="1371600" indent="0">
+              <a:buNone/>
+              <a:defRPr sz="1600" b="1"/>
+            </a:lvl4pPr>
+            <a:lvl5pPr marL="1828800" indent="0">
+              <a:buNone/>
+              <a:defRPr sz="1600" b="1"/>
+            </a:lvl5pPr>
+            <a:lvl6pPr marL="2286000" indent="0">
+              <a:buNone/>
+              <a:defRPr sz="1600" b="1"/>
+            </a:lvl6pPr>
+            <a:lvl7pPr marL="2743200" indent="0">
+              <a:buNone/>
+              <a:defRPr sz="1600" b="1"/>
+            </a:lvl7pPr>
+            <a:lvl8pPr marL="3200400" indent="0">
+              <a:buNone/>
+              <a:defRPr sz="1600" b="1"/>
+            </a:lvl8pPr>
+            <a:lvl9pPr marL="3657600" indent="0">
+              <a:buNone/>
+              <a:defRPr sz="1600" b="1"/>
+            </a:lvl9pPr>
+          </a:lstStyle>
+          <a:p>
+            <a:pPr lvl="0"/>
+            <a:r>
+              <a:rPr lang="en-US"/>
+              <a:t>Click to edit Master text styles</a:t>
+            </a:r>
+          </a:p>
+        </p:txBody>
+      </p:sp>
+      <p:sp>
+        <p:nvSpPr>
+          <p:cNvPr id="8" name="Text Placeholder 3"/>
+          <p:cNvSpPr>
+            <a:spLocks noGrp="1"/>
+          </p:cNvSpPr>
+          <p:nvPr>
+            <p:ph type="body" sz="half" idx="15"/>
+          </p:nvPr>
+        </p:nvSpPr>
+        <p:spPr>
+          <a:xfrm>
+            <a:off x="913795" y="2571750"/>
+            <a:ext cx="3300984" cy="3219450"/>
+          </a:xfrm>
+        </p:spPr>
+        <p:txBody>
+          <a:bodyPr anchor="t">
+            <a:normAutofit/>
+          </a:bodyPr>
+          <a:lstStyle>
+            <a:lvl1pPr marL="0" indent="0" algn="ctr">
+              <a:buNone/>
+              <a:defRPr sz="1400"/>
+            </a:lvl1pPr>
+            <a:lvl2pPr marL="457200" indent="0">
+              <a:buNone/>
+              <a:defRPr sz="1200"/>
+            </a:lvl2pPr>
+            <a:lvl3pPr marL="914400" indent="0">
+              <a:buNone/>
+              <a:defRPr sz="1000"/>
+            </a:lvl3pPr>
+            <a:lvl4pPr marL="1371600" indent="0">
+              <a:buNone/>
+              <a:defRPr sz="900"/>
+            </a:lvl4pPr>
+            <a:lvl5pPr marL="1828800" indent="0">
+              <a:buNone/>
+              <a:defRPr sz="900"/>
+            </a:lvl5pPr>
+            <a:lvl6pPr marL="2286000" indent="0">
+              <a:buNone/>
+              <a:defRPr sz="900"/>
+            </a:lvl6pPr>
+            <a:lvl7pPr marL="2743200" indent="0">
+              <a:buNone/>
+              <a:defRPr sz="900"/>
+            </a:lvl7pPr>
+            <a:lvl8pPr marL="3200400" indent="0">
+              <a:buNone/>
+              <a:defRPr sz="900"/>
+            </a:lvl8pPr>
+            <a:lvl9pPr marL="3657600" indent="0">
+              <a:buNone/>
+              <a:defRPr sz="900"/>
+            </a:lvl9pPr>
+          </a:lstStyle>
+          <a:p>
+            <a:pPr lvl="0"/>
+            <a:r>
+              <a:rPr lang="en-US"/>
+              <a:t>Click to edit Master text styles</a:t>
+            </a:r>
+          </a:p>
+        </p:txBody>
+      </p:sp>
+      <p:sp>
+        <p:nvSpPr>
+          <p:cNvPr id="9" name="Text Placeholder 4"/>
+          <p:cNvSpPr>
+            <a:spLocks noGrp="1"/>
+          </p:cNvSpPr>
+          <p:nvPr>
+            <p:ph type="body" sz="quarter" idx="3"/>
+          </p:nvPr>
+        </p:nvSpPr>
+        <p:spPr>
+          <a:xfrm>
+            <a:off x="4446711" y="1885950"/>
+            <a:ext cx="3300984" cy="576262"/>
+          </a:xfrm>
+        </p:spPr>
+        <p:txBody>
+          <a:bodyPr anchor="b">
+            <a:noAutofit/>
+          </a:bodyPr>
+          <a:lstStyle>
+            <a:lvl1pPr marL="0" indent="0" algn="ctr">
+              <a:buNone/>
+              <a:defRPr sz="2400" b="0">
+                <a:solidFill>
+                  <a:schemeClr val="tx1"/>
+                </a:solidFill>
+              </a:defRPr>
+            </a:lvl1pPr>
+            <a:lvl2pPr marL="457200" indent="0">
+              <a:buNone/>
+              <a:defRPr sz="2000" b="1"/>
+            </a:lvl2pPr>
+            <a:lvl3pPr marL="914400" indent="0">
+              <a:buNone/>
+              <a:defRPr sz="1800" b="1"/>
+            </a:lvl3pPr>
+            <a:lvl4pPr marL="1371600" indent="0">
+              <a:buNone/>
+              <a:defRPr sz="1600" b="1"/>
+            </a:lvl4pPr>
+            <a:lvl5pPr marL="1828800" indent="0">
+              <a:buNone/>
+              <a:defRPr sz="1600" b="1"/>
+            </a:lvl5pPr>
+            <a:lvl6pPr marL="2286000" indent="0">
+              <a:buNone/>
+              <a:defRPr sz="1600" b="1"/>
+            </a:lvl6pPr>
+            <a:lvl7pPr marL="2743200" indent="0">
+              <a:buNone/>
+              <a:defRPr sz="1600" b="1"/>
+            </a:lvl7pPr>
+            <a:lvl8pPr marL="3200400" indent="0">
+              <a:buNone/>
+              <a:defRPr sz="1600" b="1"/>
+            </a:lvl8pPr>
+            <a:lvl9pPr marL="3657600" indent="0">
+              <a:buNone/>
+              <a:defRPr sz="1600" b="1"/>
+            </a:lvl9pPr>
+          </a:lstStyle>
+          <a:p>
+            <a:pPr lvl="0"/>
+            <a:r>
+              <a:rPr lang="en-US"/>
+              <a:t>Click to edit Master text styles</a:t>
+            </a:r>
+          </a:p>
+        </p:txBody>
+      </p:sp>
+      <p:sp>
+        <p:nvSpPr>
+          <p:cNvPr id="10" name="Text Placeholder 3"/>
+          <p:cNvSpPr>
+            <a:spLocks noGrp="1"/>
+          </p:cNvSpPr>
+          <p:nvPr>
+            <p:ph type="body" sz="half" idx="16"/>
+          </p:nvPr>
+        </p:nvSpPr>
+        <p:spPr>
+          <a:xfrm>
+            <a:off x="4441435" y="2571750"/>
+            <a:ext cx="3300984" cy="3219450"/>
+          </a:xfrm>
+        </p:spPr>
+        <p:txBody>
+          <a:bodyPr anchor="t">
+            <a:normAutofit/>
+          </a:bodyPr>
+          <a:lstStyle>
+            <a:lvl1pPr marL="0" indent="0" algn="ctr">
+              <a:buNone/>
+              <a:defRPr sz="1400"/>
+            </a:lvl1pPr>
+            <a:lvl2pPr marL="457200" indent="0">
+              <a:buNone/>
+              <a:defRPr sz="1200"/>
+            </a:lvl2pPr>
+            <a:lvl3pPr marL="914400" indent="0">
+              <a:buNone/>
+              <a:defRPr sz="1000"/>
+            </a:lvl3pPr>
+            <a:lvl4pPr marL="1371600" indent="0">
+              <a:buNone/>
+              <a:defRPr sz="900"/>
+            </a:lvl4pPr>
+            <a:lvl5pPr marL="1828800" indent="0">
+              <a:buNone/>
+              <a:defRPr sz="900"/>
+            </a:lvl5pPr>
+            <a:lvl6pPr marL="2286000" indent="0">
+              <a:buNone/>
+              <a:defRPr sz="900"/>
+            </a:lvl6pPr>
+            <a:lvl7pPr marL="2743200" indent="0">
+              <a:buNone/>
+              <a:defRPr sz="900"/>
+            </a:lvl7pPr>
+            <a:lvl8pPr marL="3200400" indent="0">
+              <a:buNone/>
+              <a:defRPr sz="900"/>
+            </a:lvl8pPr>
+            <a:lvl9pPr marL="3657600" indent="0">
+              <a:buNone/>
+              <a:defRPr sz="900"/>
+            </a:lvl9pPr>
+          </a:lstStyle>
+          <a:p>
+            <a:pPr lvl="0"/>
+            <a:r>
+              <a:rPr lang="en-US"/>
+              <a:t>Click to edit Master text styles</a:t>
+            </a:r>
+          </a:p>
+        </p:txBody>
+      </p:sp>
+      <p:sp>
+        <p:nvSpPr>
+          <p:cNvPr id="11" name="Text Placeholder 4"/>
+          <p:cNvSpPr>
+            <a:spLocks noGrp="1"/>
+          </p:cNvSpPr>
+          <p:nvPr>
+            <p:ph type="body" sz="quarter" idx="13"/>
+          </p:nvPr>
+        </p:nvSpPr>
+        <p:spPr>
+          <a:xfrm>
+            <a:off x="7966572" y="1885950"/>
+            <a:ext cx="3300984" cy="576262"/>
+          </a:xfrm>
+        </p:spPr>
+        <p:txBody>
+          <a:bodyPr anchor="b">
+            <a:noAutofit/>
+          </a:bodyPr>
+          <a:lstStyle>
+            <a:lvl1pPr marL="0" indent="0" algn="ctr">
+              <a:buNone/>
+              <a:defRPr sz="2400" b="0">
+                <a:solidFill>
+                  <a:schemeClr val="tx1"/>
+                </a:solidFill>
+              </a:defRPr>
+            </a:lvl1pPr>
+            <a:lvl2pPr marL="457200" indent="0">
+              <a:buNone/>
+              <a:defRPr sz="2000" b="1"/>
+            </a:lvl2pPr>
+            <a:lvl3pPr marL="914400" indent="0">
+              <a:buNone/>
+              <a:defRPr sz="1800" b="1"/>
+            </a:lvl3pPr>
+            <a:lvl4pPr marL="1371600" indent="0">
+              <a:buNone/>
+              <a:defRPr sz="1600" b="1"/>
+            </a:lvl4pPr>
+            <a:lvl5pPr marL="1828800" indent="0">
+              <a:buNone/>
+              <a:defRPr sz="1600" b="1"/>
+            </a:lvl5pPr>
+            <a:lvl6pPr marL="2286000" indent="0">
+              <a:buNone/>
+              <a:defRPr sz="1600" b="1"/>
+            </a:lvl6pPr>
+            <a:lvl7pPr marL="2743200" indent="0">
+              <a:buNone/>
+              <a:defRPr sz="1600" b="1"/>
+            </a:lvl7pPr>
+            <a:lvl8pPr marL="3200400" indent="0">
+              <a:buNone/>
+              <a:defRPr sz="1600" b="1"/>
+            </a:lvl8pPr>
+            <a:lvl9pPr marL="3657600" indent="0">
+              <a:buNone/>
+              <a:defRPr sz="1600" b="1"/>
+            </a:lvl9pPr>
+          </a:lstStyle>
+          <a:p>
+            <a:pPr lvl="0"/>
+            <a:r>
+              <a:rPr lang="en-US"/>
+              <a:t>Click to edit Master text styles</a:t>
+            </a:r>
+          </a:p>
+        </p:txBody>
+      </p:sp>
+      <p:sp>
+        <p:nvSpPr>
+          <p:cNvPr id="12" name="Text Placeholder 3"/>
+          <p:cNvSpPr>
+            <a:spLocks noGrp="1"/>
+          </p:cNvSpPr>
+          <p:nvPr>
+            <p:ph type="body" sz="half" idx="17"/>
+          </p:nvPr>
+        </p:nvSpPr>
+        <p:spPr>
+          <a:xfrm>
+            <a:off x="7966572" y="2571750"/>
+            <a:ext cx="3300984" cy="3219450"/>
+          </a:xfrm>
+        </p:spPr>
+        <p:txBody>
+          <a:bodyPr anchor="t">
+            <a:normAutofit/>
+          </a:bodyPr>
+          <a:lstStyle>
+            <a:lvl1pPr marL="0" indent="0" algn="ctr">
+              <a:buNone/>
+              <a:defRPr sz="1400"/>
+            </a:lvl1pPr>
+            <a:lvl2pPr marL="457200" indent="0">
+              <a:buNone/>
+              <a:defRPr sz="1200"/>
+            </a:lvl2pPr>
+            <a:lvl3pPr marL="914400" indent="0">
+              <a:buNone/>
+              <a:defRPr sz="1000"/>
+            </a:lvl3pPr>
+            <a:lvl4pPr marL="1371600" indent="0">
+              <a:buNone/>
+              <a:defRPr sz="900"/>
+            </a:lvl4pPr>
+            <a:lvl5pPr marL="1828800" indent="0">
+              <a:buNone/>
+              <a:defRPr sz="900"/>
+            </a:lvl5pPr>
+            <a:lvl6pPr marL="2286000" indent="0">
+              <a:buNone/>
+              <a:defRPr sz="900"/>
+            </a:lvl6pPr>
+            <a:lvl7pPr marL="2743200" indent="0">
+              <a:buNone/>
+              <a:defRPr sz="900"/>
+            </a:lvl7pPr>
+            <a:lvl8pPr marL="3200400" indent="0">
+              <a:buNone/>
+              <a:defRPr sz="900"/>
+            </a:lvl8pPr>
+            <a:lvl9pPr marL="3657600" indent="0">
+              <a:buNone/>
+              <a:defRPr sz="900"/>
+            </a:lvl9pPr>
+          </a:lstStyle>
+          <a:p>
+            <a:pPr lvl="0"/>
+            <a:r>
+              <a:rPr lang="en-US"/>
+              <a:t>Click to edit Master text styles</a:t>
+            </a:r>
+          </a:p>
+        </p:txBody>
+      </p:sp>
+      <p:sp>
+        <p:nvSpPr>
+          <p:cNvPr id="3" name="Date Placeholder 2"/>
+          <p:cNvSpPr>
+            <a:spLocks noGrp="1"/>
+          </p:cNvSpPr>
+          <p:nvPr>
+            <p:ph type="dt" sz="half" idx="10"/>
+          </p:nvPr>
+        </p:nvSpPr>
+        <p:spPr/>
+        <p:txBody>
+          <a:bodyPr/>
+          <a:lstStyle/>
+          <a:p>
+            <a:fld id="{B673521E-B280-4C28-8ED0-E34914655C34}" type="datetimeFigureOut">
+              <a:rPr lang="en-US" smtClean="0"/>
+              <a:t>10/1/2019</a:t>
+            </a:fld>
+            <a:endParaRPr lang="en-US"/>
+          </a:p>
+        </p:txBody>
+      </p:sp>
+      <p:sp>
+        <p:nvSpPr>
+          <p:cNvPr id="4" name="Footer Placeholder 3"/>
+          <p:cNvSpPr>
+            <a:spLocks noGrp="1"/>
+          </p:cNvSpPr>
+          <p:nvPr>
+            <p:ph type="ftr" sz="quarter" idx="11"/>
+          </p:nvPr>
+        </p:nvSpPr>
+        <p:spPr/>
+        <p:txBody>
+          <a:bodyPr/>
+          <a:lstStyle/>
+          <a:p>
+            <a:endParaRPr lang="en-US"/>
+          </a:p>
+        </p:txBody>
+      </p:sp>
+      <p:sp>
+        <p:nvSpPr>
+          <p:cNvPr id="5" name="Slide Number Placeholder 4"/>
+          <p:cNvSpPr>
+            <a:spLocks noGrp="1"/>
+          </p:cNvSpPr>
+          <p:nvPr>
+            <p:ph type="sldNum" sz="quarter" idx="12"/>
+          </p:nvPr>
+        </p:nvSpPr>
+        <p:spPr/>
+        <p:txBody>
+          <a:bodyPr/>
+          <a:lstStyle/>
+          <a:p>
+            <a:fld id="{5FB0F42B-CAA9-4D4F-86CF-07230423CC99}" type="slidenum">
+              <a:rPr lang="en-US" smtClean="0"/>
+              <a:t>‹#›</a:t>
+            </a:fld>
+            <a:endParaRPr lang="en-US"/>
+          </a:p>
+        </p:txBody>
+      </p:sp>
+    </p:spTree>
+    <p:extLst>
+      <p:ext uri="{BB962C8B-B14F-4D97-AF65-F5344CB8AC3E}">
+        <p14:creationId xmlns:p14="http://schemas.microsoft.com/office/powerpoint/2010/main" val="1544562034"/>
+      </p:ext>
+    </p:extLst>
+  </p:cSld>
+  <p:clrMapOvr>
+    <a:masterClrMapping/>
+  </p:clrMapOvr>
+</p:sldLayout>
+</file>
+
+<file path=ppt/slideLayouts/slideLayout15.xml><?xml version="1.0" encoding="utf-8"?>
+<p:sldLayout xmlns:a="http://schemas.openxmlformats.org/drawingml/2006/main" xmlns:r="http://schemas.openxmlformats.org/officeDocument/2006/relationships" xmlns:p="http://schemas.openxmlformats.org/presentationml/2006/main" preserve="1">
+  <p:cSld name="3 Picture Column">
+    <p:spTree>
+      <p:nvGrpSpPr>
+        <p:cNvPr id="1" name=""/>
+        <p:cNvGrpSpPr/>
+        <p:nvPr/>
+      </p:nvGrpSpPr>
+      <p:grpSpPr>
+        <a:xfrm>
+          <a:off x="0" y="0"/>
+          <a:ext cx="0" cy="0"/>
+          <a:chOff x="0" y="0"/>
+          <a:chExt cx="0" cy="0"/>
+        </a:xfrm>
+      </p:grpSpPr>
+      <p:pic>
+        <p:nvPicPr>
+          <p:cNvPr id="2" name="Picture 1" descr="Slate-V2-HD-3colPhotoInset.png"/>
+          <p:cNvPicPr>
+            <a:picLocks noChangeAspect="1"/>
+          </p:cNvPicPr>
+          <p:nvPr/>
+        </p:nvPicPr>
+        <p:blipFill>
+          <a:blip r:embed="rId2">
+            <a:extLst>
+              <a:ext uri="{28A0092B-C50C-407E-A947-70E740481C1C}">
+                <a14:useLocalDpi xmlns:a14="http://schemas.microsoft.com/office/drawing/2010/main" val="0"/>
+              </a:ext>
+            </a:extLst>
+          </a:blip>
+          <a:stretch>
+            <a:fillRect/>
+          </a:stretch>
+        </p:blipFill>
+        <p:spPr>
+          <a:xfrm>
+            <a:off x="897962" y="1818214"/>
+            <a:ext cx="3339972" cy="1847851"/>
+          </a:xfrm>
+          <a:prstGeom prst="rect">
+            <a:avLst/>
+          </a:prstGeom>
+        </p:spPr>
+      </p:pic>
+      <p:pic>
+        <p:nvPicPr>
+          <p:cNvPr id="36" name="Picture 35" descr="Slate-V2-HD-3colPhotoInset.png"/>
+          <p:cNvPicPr>
+            <a:picLocks noChangeAspect="1"/>
+          </p:cNvPicPr>
+          <p:nvPr/>
+        </p:nvPicPr>
+        <p:blipFill>
+          <a:blip r:embed="rId2">
+            <a:extLst>
+              <a:ext uri="{28A0092B-C50C-407E-A947-70E740481C1C}">
+                <a14:useLocalDpi xmlns:a14="http://schemas.microsoft.com/office/drawing/2010/main" val="0"/>
+              </a:ext>
+            </a:extLst>
+          </a:blip>
+          <a:stretch>
+            <a:fillRect/>
+          </a:stretch>
+        </p:blipFill>
+        <p:spPr>
+          <a:xfrm>
+            <a:off x="4403800" y="1818214"/>
+            <a:ext cx="3339972" cy="1847851"/>
+          </a:xfrm>
+          <a:prstGeom prst="rect">
+            <a:avLst/>
+          </a:prstGeom>
+        </p:spPr>
+      </p:pic>
+      <p:pic>
+        <p:nvPicPr>
+          <p:cNvPr id="37" name="Picture 36" descr="Slate-V2-HD-3colPhotoInset.png"/>
+          <p:cNvPicPr>
+            <a:picLocks noChangeAspect="1"/>
+          </p:cNvPicPr>
+          <p:nvPr/>
+        </p:nvPicPr>
+        <p:blipFill>
+          <a:blip r:embed="rId2">
+            <a:extLst>
+              <a:ext uri="{28A0092B-C50C-407E-A947-70E740481C1C}">
+                <a14:useLocalDpi xmlns:a14="http://schemas.microsoft.com/office/drawing/2010/main" val="0"/>
+              </a:ext>
+            </a:extLst>
+          </a:blip>
+          <a:stretch>
+            <a:fillRect/>
+          </a:stretch>
+        </p:blipFill>
+        <p:spPr>
+          <a:xfrm>
+            <a:off x="7936051" y="1818214"/>
+            <a:ext cx="3339972" cy="1847851"/>
+          </a:xfrm>
+          <a:prstGeom prst="rect">
+            <a:avLst/>
+          </a:prstGeom>
+        </p:spPr>
+      </p:pic>
+      <p:sp>
+        <p:nvSpPr>
+          <p:cNvPr id="30" name="Title 1"/>
+          <p:cNvSpPr>
+            <a:spLocks noGrp="1"/>
+          </p:cNvSpPr>
+          <p:nvPr>
+            <p:ph type="title"/>
+          </p:nvPr>
+        </p:nvSpPr>
+        <p:spPr>
+          <a:xfrm>
+            <a:off x="913794" y="609600"/>
+            <a:ext cx="10353763" cy="970450"/>
+          </a:xfrm>
+        </p:spPr>
+        <p:txBody>
+          <a:bodyPr/>
+          <a:lstStyle/>
+          <a:p>
+            <a:r>
+              <a:rPr lang="en-US"/>
+              <a:t>Click to edit Master title style</a:t>
+            </a:r>
+            <a:endParaRPr lang="en-US" dirty="0"/>
+          </a:p>
+        </p:txBody>
+      </p:sp>
+      <p:sp>
+        <p:nvSpPr>
+          <p:cNvPr id="19" name="Text Placeholder 2"/>
+          <p:cNvSpPr>
+            <a:spLocks noGrp="1"/>
+          </p:cNvSpPr>
+          <p:nvPr>
+            <p:ph type="body" idx="1"/>
+          </p:nvPr>
+        </p:nvSpPr>
+        <p:spPr>
+          <a:xfrm>
+            <a:off x="913795" y="3904106"/>
+            <a:ext cx="3300984" cy="576262"/>
+          </a:xfrm>
+        </p:spPr>
+        <p:txBody>
+          <a:bodyPr anchor="b">
+            <a:noAutofit/>
+          </a:bodyPr>
+          <a:lstStyle>
+            <a:lvl1pPr marL="0" indent="0" algn="ctr">
+              <a:buNone/>
+              <a:defRPr sz="2000" b="0">
+                <a:solidFill>
+                  <a:schemeClr val="tx1"/>
+                </a:solidFill>
+              </a:defRPr>
+            </a:lvl1pPr>
+            <a:lvl2pPr marL="457200" indent="0">
+              <a:buNone/>
+              <a:defRPr sz="2000" b="1"/>
+            </a:lvl2pPr>
+            <a:lvl3pPr marL="914400" indent="0">
+              <a:buNone/>
+              <a:defRPr sz="1800" b="1"/>
+            </a:lvl3pPr>
+            <a:lvl4pPr marL="1371600" indent="0">
+              <a:buNone/>
+              <a:defRPr sz="1600" b="1"/>
+            </a:lvl4pPr>
+            <a:lvl5pPr marL="1828800" indent="0">
+              <a:buNone/>
+              <a:defRPr sz="1600" b="1"/>
+            </a:lvl5pPr>
+            <a:lvl6pPr marL="2286000" indent="0">
+              <a:buNone/>
+              <a:defRPr sz="1600" b="1"/>
+            </a:lvl6pPr>
+            <a:lvl7pPr marL="2743200" indent="0">
+              <a:buNone/>
+              <a:defRPr sz="1600" b="1"/>
+            </a:lvl7pPr>
+            <a:lvl8pPr marL="3200400" indent="0">
+              <a:buNone/>
+              <a:defRPr sz="1600" b="1"/>
+            </a:lvl8pPr>
+            <a:lvl9pPr marL="3657600" indent="0">
+              <a:buNone/>
+              <a:defRPr sz="1600" b="1"/>
+            </a:lvl9pPr>
+          </a:lstStyle>
+          <a:p>
+            <a:pPr lvl="0"/>
+            <a:r>
+              <a:rPr lang="en-US"/>
+              <a:t>Click to edit Master text styles</a:t>
+            </a:r>
+          </a:p>
+        </p:txBody>
+      </p:sp>
+      <p:sp>
+        <p:nvSpPr>
+          <p:cNvPr id="20" name="Picture Placeholder 2"/>
+          <p:cNvSpPr>
+            <a:spLocks noGrp="1" noChangeAspect="1"/>
+          </p:cNvSpPr>
+          <p:nvPr>
+            <p:ph type="pic" idx="15"/>
+          </p:nvPr>
+        </p:nvSpPr>
+        <p:spPr>
+          <a:xfrm>
+            <a:off x="1018102" y="1938918"/>
+            <a:ext cx="3092368" cy="1602954"/>
+          </a:xfrm>
+          <a:prstGeom prst="roundRect">
+            <a:avLst>
+              <a:gd name="adj" fmla="val 1858"/>
+            </a:avLst>
+          </a:prstGeom>
+          <a:effectLst>
+            <a:outerShdw blurRad="38100" dist="25400" dir="4440000">
+              <a:srgbClr val="000000">
+                <a:alpha val="36000"/>
+              </a:srgbClr>
+            </a:outerShdw>
+          </a:effectLst>
+        </p:spPr>
+        <p:txBody>
+          <a:bodyPr anchor="t">
+            <a:normAutofit/>
+          </a:bodyPr>
+          <a:lstStyle>
+            <a:lvl1pPr marL="0" indent="0" algn="ctr">
+              <a:buNone/>
+              <a:defRPr sz="1600"/>
+            </a:lvl1pPr>
+            <a:lvl2pPr marL="457200" indent="0">
+              <a:buNone/>
+              <a:defRPr sz="1600"/>
+            </a:lvl2pPr>
+            <a:lvl3pPr marL="914400" indent="0">
+              <a:buNone/>
+              <a:defRPr sz="1600"/>
+            </a:lvl3pPr>
+            <a:lvl4pPr marL="1371600" indent="0">
+              <a:buNone/>
+              <a:defRPr sz="1600"/>
+            </a:lvl4pPr>
+            <a:lvl5pPr marL="1828800" indent="0">
+              <a:buNone/>
+              <a:defRPr sz="1600"/>
+            </a:lvl5pPr>
+            <a:lvl6pPr marL="2286000" indent="0">
+              <a:buNone/>
+              <a:defRPr sz="1600"/>
+            </a:lvl6pPr>
+            <a:lvl7pPr marL="2743200" indent="0">
+              <a:buNone/>
+              <a:defRPr sz="1600"/>
+            </a:lvl7pPr>
+            <a:lvl8pPr marL="3200400" indent="0">
+              <a:buNone/>
+              <a:defRPr sz="1600"/>
+            </a:lvl8pPr>
+            <a:lvl9pPr marL="3657600" indent="0">
+              <a:buNone/>
+              <a:defRPr sz="1600"/>
+            </a:lvl9pPr>
+          </a:lstStyle>
+          <a:p>
+            <a:r>
+              <a:rPr lang="en-US"/>
+              <a:t>Click icon to add picture</a:t>
+            </a:r>
+            <a:endParaRPr lang="en-US" dirty="0"/>
+          </a:p>
+        </p:txBody>
+      </p:sp>
+      <p:sp>
+        <p:nvSpPr>
+          <p:cNvPr id="21" name="Text Placeholder 3"/>
+          <p:cNvSpPr>
+            <a:spLocks noGrp="1"/>
+          </p:cNvSpPr>
+          <p:nvPr>
+            <p:ph type="body" sz="half" idx="18"/>
+          </p:nvPr>
+        </p:nvSpPr>
+        <p:spPr>
+          <a:xfrm>
+            <a:off x="913795" y="4480368"/>
+            <a:ext cx="3300984" cy="1310833"/>
+          </a:xfrm>
+        </p:spPr>
+        <p:txBody>
+          <a:bodyPr anchor="t">
+            <a:normAutofit/>
+          </a:bodyPr>
+          <a:lstStyle>
+            <a:lvl1pPr marL="0" indent="0" algn="ctr">
+              <a:buNone/>
+              <a:defRPr sz="1400"/>
+            </a:lvl1pPr>
+            <a:lvl2pPr marL="457200" indent="0">
+              <a:buNone/>
+              <a:defRPr sz="1200"/>
+            </a:lvl2pPr>
+            <a:lvl3pPr marL="914400" indent="0">
+              <a:buNone/>
+              <a:defRPr sz="1000"/>
+            </a:lvl3pPr>
+            <a:lvl4pPr marL="1371600" indent="0">
+              <a:buNone/>
+              <a:defRPr sz="900"/>
+            </a:lvl4pPr>
+            <a:lvl5pPr marL="1828800" indent="0">
+              <a:buNone/>
+              <a:defRPr sz="900"/>
+            </a:lvl5pPr>
+            <a:lvl6pPr marL="2286000" indent="0">
+              <a:buNone/>
+              <a:defRPr sz="900"/>
+            </a:lvl6pPr>
+            <a:lvl7pPr marL="2743200" indent="0">
+              <a:buNone/>
+              <a:defRPr sz="900"/>
+            </a:lvl7pPr>
+            <a:lvl8pPr marL="3200400" indent="0">
+              <a:buNone/>
+              <a:defRPr sz="900"/>
+            </a:lvl8pPr>
+            <a:lvl9pPr marL="3657600" indent="0">
+              <a:buNone/>
+              <a:defRPr sz="900"/>
+            </a:lvl9pPr>
+          </a:lstStyle>
+          <a:p>
+            <a:pPr lvl="0"/>
+            <a:r>
+              <a:rPr lang="en-US"/>
+              <a:t>Click to edit Master text styles</a:t>
+            </a:r>
+          </a:p>
+        </p:txBody>
+      </p:sp>
+      <p:sp>
+        <p:nvSpPr>
+          <p:cNvPr id="22" name="Text Placeholder 4"/>
+          <p:cNvSpPr>
+            <a:spLocks noGrp="1"/>
+          </p:cNvSpPr>
+          <p:nvPr>
+            <p:ph type="body" sz="quarter" idx="3"/>
+          </p:nvPr>
+        </p:nvSpPr>
+        <p:spPr>
+          <a:xfrm>
+            <a:off x="4442788" y="3904106"/>
+            <a:ext cx="3300984" cy="576262"/>
+          </a:xfrm>
+        </p:spPr>
+        <p:txBody>
+          <a:bodyPr anchor="b">
+            <a:noAutofit/>
+          </a:bodyPr>
+          <a:lstStyle>
+            <a:lvl1pPr marL="0" indent="0" algn="ctr">
+              <a:buNone/>
+              <a:defRPr sz="2000" b="0">
+                <a:solidFill>
+                  <a:schemeClr val="tx1"/>
+                </a:solidFill>
+              </a:defRPr>
+            </a:lvl1pPr>
+            <a:lvl2pPr marL="457200" indent="0">
+              <a:buNone/>
+              <a:defRPr sz="2000" b="1"/>
+            </a:lvl2pPr>
+            <a:lvl3pPr marL="914400" indent="0">
+              <a:buNone/>
+              <a:defRPr sz="1800" b="1"/>
+            </a:lvl3pPr>
+            <a:lvl4pPr marL="1371600" indent="0">
+              <a:buNone/>
+              <a:defRPr sz="1600" b="1"/>
+            </a:lvl4pPr>
+            <a:lvl5pPr marL="1828800" indent="0">
+              <a:buNone/>
+              <a:defRPr sz="1600" b="1"/>
+            </a:lvl5pPr>
+            <a:lvl6pPr marL="2286000" indent="0">
+              <a:buNone/>
+              <a:defRPr sz="1600" b="1"/>
+            </a:lvl6pPr>
+            <a:lvl7pPr marL="2743200" indent="0">
+              <a:buNone/>
+              <a:defRPr sz="1600" b="1"/>
+            </a:lvl7pPr>
+            <a:lvl8pPr marL="3200400" indent="0">
+              <a:buNone/>
+              <a:defRPr sz="1600" b="1"/>
+            </a:lvl8pPr>
+            <a:lvl9pPr marL="3657600" indent="0">
+              <a:buNone/>
+              <a:defRPr sz="1600" b="1"/>
+            </a:lvl9pPr>
+          </a:lstStyle>
+          <a:p>
+            <a:pPr lvl="0"/>
+            <a:r>
+              <a:rPr lang="en-US"/>
+              <a:t>Click to edit Master text styles</a:t>
+            </a:r>
+          </a:p>
+        </p:txBody>
+      </p:sp>
+      <p:sp>
+        <p:nvSpPr>
+          <p:cNvPr id="23" name="Picture Placeholder 2"/>
+          <p:cNvSpPr>
+            <a:spLocks noGrp="1" noChangeAspect="1"/>
+          </p:cNvSpPr>
+          <p:nvPr>
+            <p:ph type="pic" idx="21"/>
+          </p:nvPr>
+        </p:nvSpPr>
+        <p:spPr>
+          <a:xfrm>
+            <a:off x="4545743" y="1939094"/>
+            <a:ext cx="3092368" cy="1608164"/>
+          </a:xfrm>
+          <a:prstGeom prst="roundRect">
+            <a:avLst>
+              <a:gd name="adj" fmla="val 1858"/>
+            </a:avLst>
+          </a:prstGeom>
+          <a:effectLst>
+            <a:outerShdw blurRad="38100" dist="25400" dir="4440000">
+              <a:srgbClr val="000000">
+                <a:alpha val="36000"/>
+              </a:srgbClr>
+            </a:outerShdw>
+          </a:effectLst>
+        </p:spPr>
+        <p:txBody>
+          <a:bodyPr anchor="t">
+            <a:normAutofit/>
+          </a:bodyPr>
+          <a:lstStyle>
+            <a:lvl1pPr marL="0" indent="0" algn="ctr">
+              <a:buNone/>
+              <a:defRPr sz="1600"/>
+            </a:lvl1pPr>
+            <a:lvl2pPr marL="457200" indent="0">
+              <a:buNone/>
+              <a:defRPr sz="1600"/>
+            </a:lvl2pPr>
+            <a:lvl3pPr marL="914400" indent="0">
+              <a:buNone/>
+              <a:defRPr sz="1600"/>
+            </a:lvl3pPr>
+            <a:lvl4pPr marL="1371600" indent="0">
+              <a:buNone/>
+              <a:defRPr sz="1600"/>
+            </a:lvl4pPr>
+            <a:lvl5pPr marL="1828800" indent="0">
+              <a:buNone/>
+              <a:defRPr sz="1600"/>
+            </a:lvl5pPr>
+            <a:lvl6pPr marL="2286000" indent="0">
+              <a:buNone/>
+              <a:defRPr sz="1600"/>
+            </a:lvl6pPr>
+            <a:lvl7pPr marL="2743200" indent="0">
+              <a:buNone/>
+              <a:defRPr sz="1600"/>
+            </a:lvl7pPr>
+            <a:lvl8pPr marL="3200400" indent="0">
+              <a:buNone/>
+              <a:defRPr sz="1600"/>
+            </a:lvl8pPr>
+            <a:lvl9pPr marL="3657600" indent="0">
+              <a:buNone/>
+              <a:defRPr sz="1600"/>
+            </a:lvl9pPr>
+          </a:lstStyle>
+          <a:p>
+            <a:r>
+              <a:rPr lang="en-US"/>
+              <a:t>Click icon to add picture</a:t>
+            </a:r>
+            <a:endParaRPr lang="en-US" dirty="0"/>
+          </a:p>
+        </p:txBody>
+      </p:sp>
+      <p:sp>
+        <p:nvSpPr>
+          <p:cNvPr id="24" name="Text Placeholder 3"/>
+          <p:cNvSpPr>
+            <a:spLocks noGrp="1"/>
+          </p:cNvSpPr>
+          <p:nvPr>
+            <p:ph type="body" sz="half" idx="19"/>
+          </p:nvPr>
+        </p:nvSpPr>
+        <p:spPr>
+          <a:xfrm>
+            <a:off x="4441435" y="4480367"/>
+            <a:ext cx="3300984" cy="1310833"/>
+          </a:xfrm>
+        </p:spPr>
+        <p:txBody>
+          <a:bodyPr anchor="t">
+            <a:normAutofit/>
+          </a:bodyPr>
+          <a:lstStyle>
+            <a:lvl1pPr marL="0" indent="0" algn="ctr">
+              <a:buNone/>
+              <a:defRPr sz="1400"/>
+            </a:lvl1pPr>
+            <a:lvl2pPr marL="457200" indent="0">
+              <a:buNone/>
+              <a:defRPr sz="1200"/>
+            </a:lvl2pPr>
+            <a:lvl3pPr marL="914400" indent="0">
+              <a:buNone/>
+              <a:defRPr sz="1000"/>
+            </a:lvl3pPr>
+            <a:lvl4pPr marL="1371600" indent="0">
+              <a:buNone/>
+              <a:defRPr sz="900"/>
+            </a:lvl4pPr>
+            <a:lvl5pPr marL="1828800" indent="0">
+              <a:buNone/>
+              <a:defRPr sz="900"/>
+            </a:lvl5pPr>
+            <a:lvl6pPr marL="2286000" indent="0">
+              <a:buNone/>
+              <a:defRPr sz="900"/>
+            </a:lvl6pPr>
+            <a:lvl7pPr marL="2743200" indent="0">
+              <a:buNone/>
+              <a:defRPr sz="900"/>
+            </a:lvl7pPr>
+            <a:lvl8pPr marL="3200400" indent="0">
+              <a:buNone/>
+              <a:defRPr sz="900"/>
+            </a:lvl8pPr>
+            <a:lvl9pPr marL="3657600" indent="0">
+              <a:buNone/>
+              <a:defRPr sz="900"/>
+            </a:lvl9pPr>
+          </a:lstStyle>
+          <a:p>
+            <a:pPr lvl="0"/>
+            <a:r>
+              <a:rPr lang="en-US"/>
+              <a:t>Click to edit Master text styles</a:t>
+            </a:r>
+          </a:p>
+        </p:txBody>
+      </p:sp>
+      <p:sp>
+        <p:nvSpPr>
+          <p:cNvPr id="25" name="Text Placeholder 4"/>
+          <p:cNvSpPr>
+            <a:spLocks noGrp="1"/>
+          </p:cNvSpPr>
+          <p:nvPr>
+            <p:ph type="body" sz="quarter" idx="13"/>
+          </p:nvPr>
+        </p:nvSpPr>
+        <p:spPr>
+          <a:xfrm>
+            <a:off x="7966697" y="3904106"/>
+            <a:ext cx="3300984" cy="576262"/>
+          </a:xfrm>
+        </p:spPr>
+        <p:txBody>
+          <a:bodyPr anchor="b">
+            <a:noAutofit/>
+          </a:bodyPr>
+          <a:lstStyle>
+            <a:lvl1pPr marL="0" indent="0" algn="ctr">
+              <a:buNone/>
+              <a:defRPr sz="2000" b="0">
+                <a:solidFill>
+                  <a:schemeClr val="tx1"/>
+                </a:solidFill>
+              </a:defRPr>
+            </a:lvl1pPr>
+            <a:lvl2pPr marL="457200" indent="0">
+              <a:buNone/>
+              <a:defRPr sz="2000" b="1"/>
+            </a:lvl2pPr>
+            <a:lvl3pPr marL="914400" indent="0">
+              <a:buNone/>
+              <a:defRPr sz="1800" b="1"/>
+            </a:lvl3pPr>
+            <a:lvl4pPr marL="1371600" indent="0">
+              <a:buNone/>
+              <a:defRPr sz="1600" b="1"/>
+            </a:lvl4pPr>
+            <a:lvl5pPr marL="1828800" indent="0">
+              <a:buNone/>
+              <a:defRPr sz="1600" b="1"/>
+            </a:lvl5pPr>
+            <a:lvl6pPr marL="2286000" indent="0">
+              <a:buNone/>
+              <a:defRPr sz="1600" b="1"/>
+            </a:lvl6pPr>
+            <a:lvl7pPr marL="2743200" indent="0">
+              <a:buNone/>
+              <a:defRPr sz="1600" b="1"/>
+            </a:lvl7pPr>
+            <a:lvl8pPr marL="3200400" indent="0">
+              <a:buNone/>
+              <a:defRPr sz="1600" b="1"/>
+            </a:lvl8pPr>
+            <a:lvl9pPr marL="3657600" indent="0">
+              <a:buNone/>
+              <a:defRPr sz="1600" b="1"/>
+            </a:lvl9pPr>
+          </a:lstStyle>
+          <a:p>
+            <a:pPr lvl="0"/>
+            <a:r>
+              <a:rPr lang="en-US"/>
+              <a:t>Click to edit Master text styles</a:t>
+            </a:r>
+          </a:p>
+        </p:txBody>
+      </p:sp>
+      <p:sp>
+        <p:nvSpPr>
+          <p:cNvPr id="26" name="Picture Placeholder 2"/>
+          <p:cNvSpPr>
+            <a:spLocks noGrp="1" noChangeAspect="1"/>
+          </p:cNvSpPr>
+          <p:nvPr>
+            <p:ph type="pic" idx="22"/>
+          </p:nvPr>
+        </p:nvSpPr>
+        <p:spPr>
+          <a:xfrm>
+            <a:off x="8075698" y="1934432"/>
+            <a:ext cx="3092368" cy="1607294"/>
+          </a:xfrm>
+          <a:prstGeom prst="roundRect">
+            <a:avLst>
+              <a:gd name="adj" fmla="val 1858"/>
+            </a:avLst>
+          </a:prstGeom>
+          <a:effectLst>
+            <a:outerShdw blurRad="38100" dist="25400" dir="4440000">
+              <a:srgbClr val="000000">
+                <a:alpha val="36000"/>
+              </a:srgbClr>
+            </a:outerShdw>
+          </a:effectLst>
+        </p:spPr>
+        <p:txBody>
+          <a:bodyPr anchor="t">
+            <a:normAutofit/>
+          </a:bodyPr>
+          <a:lstStyle>
+            <a:lvl1pPr marL="0" indent="0" algn="ctr">
+              <a:buNone/>
+              <a:defRPr sz="1600"/>
+            </a:lvl1pPr>
+            <a:lvl2pPr marL="457200" indent="0">
+              <a:buNone/>
+              <a:defRPr sz="1600"/>
+            </a:lvl2pPr>
+            <a:lvl3pPr marL="914400" indent="0">
+              <a:buNone/>
+              <a:defRPr sz="1600"/>
+            </a:lvl3pPr>
+            <a:lvl4pPr marL="1371600" indent="0">
+              <a:buNone/>
+              <a:defRPr sz="1600"/>
+            </a:lvl4pPr>
+            <a:lvl5pPr marL="1828800" indent="0">
+              <a:buNone/>
+              <a:defRPr sz="1600"/>
+            </a:lvl5pPr>
+            <a:lvl6pPr marL="2286000" indent="0">
+              <a:buNone/>
+              <a:defRPr sz="1600"/>
+            </a:lvl6pPr>
+            <a:lvl7pPr marL="2743200" indent="0">
+              <a:buNone/>
+              <a:defRPr sz="1600"/>
+            </a:lvl7pPr>
+            <a:lvl8pPr marL="3200400" indent="0">
+              <a:buNone/>
+              <a:defRPr sz="1600"/>
+            </a:lvl8pPr>
+            <a:lvl9pPr marL="3657600" indent="0">
+              <a:buNone/>
+              <a:defRPr sz="1600"/>
+            </a:lvl9pPr>
+          </a:lstStyle>
+          <a:p>
+            <a:r>
+              <a:rPr lang="en-US"/>
+              <a:t>Click icon to add picture</a:t>
+            </a:r>
+            <a:endParaRPr lang="en-US" dirty="0"/>
+          </a:p>
+        </p:txBody>
+      </p:sp>
+      <p:sp>
+        <p:nvSpPr>
+          <p:cNvPr id="27" name="Text Placeholder 3"/>
+          <p:cNvSpPr>
+            <a:spLocks noGrp="1"/>
+          </p:cNvSpPr>
+          <p:nvPr>
+            <p:ph type="body" sz="half" idx="20"/>
+          </p:nvPr>
+        </p:nvSpPr>
+        <p:spPr>
+          <a:xfrm>
+            <a:off x="7966572" y="4480365"/>
+            <a:ext cx="3300984" cy="1310835"/>
+          </a:xfrm>
+        </p:spPr>
+        <p:txBody>
+          <a:bodyPr anchor="t">
+            <a:normAutofit/>
+          </a:bodyPr>
+          <a:lstStyle>
+            <a:lvl1pPr marL="0" indent="0" algn="ctr">
+              <a:buNone/>
+              <a:defRPr sz="1400"/>
+            </a:lvl1pPr>
+            <a:lvl2pPr marL="457200" indent="0">
+              <a:buNone/>
+              <a:defRPr sz="1200"/>
+            </a:lvl2pPr>
+            <a:lvl3pPr marL="914400" indent="0">
+              <a:buNone/>
+              <a:defRPr sz="1000"/>
+            </a:lvl3pPr>
+            <a:lvl4pPr marL="1371600" indent="0">
+              <a:buNone/>
+              <a:defRPr sz="900"/>
+            </a:lvl4pPr>
+            <a:lvl5pPr marL="1828800" indent="0">
+              <a:buNone/>
+              <a:defRPr sz="900"/>
+            </a:lvl5pPr>
+            <a:lvl6pPr marL="2286000" indent="0">
+              <a:buNone/>
+              <a:defRPr sz="900"/>
+            </a:lvl6pPr>
+            <a:lvl7pPr marL="2743200" indent="0">
+              <a:buNone/>
+              <a:defRPr sz="900"/>
+            </a:lvl7pPr>
+            <a:lvl8pPr marL="3200400" indent="0">
+              <a:buNone/>
+              <a:defRPr sz="900"/>
+            </a:lvl8pPr>
+            <a:lvl9pPr marL="3657600" indent="0">
+              <a:buNone/>
+              <a:defRPr sz="900"/>
+            </a:lvl9pPr>
+          </a:lstStyle>
+          <a:p>
+            <a:pPr lvl="0"/>
+            <a:r>
+              <a:rPr lang="en-US"/>
+              <a:t>Click to edit Master text styles</a:t>
+            </a:r>
+          </a:p>
+        </p:txBody>
+      </p:sp>
+      <p:sp>
+        <p:nvSpPr>
+          <p:cNvPr id="3" name="Date Placeholder 2"/>
+          <p:cNvSpPr>
+            <a:spLocks noGrp="1"/>
+          </p:cNvSpPr>
+          <p:nvPr>
+            <p:ph type="dt" sz="half" idx="10"/>
+          </p:nvPr>
+        </p:nvSpPr>
+        <p:spPr/>
+        <p:txBody>
+          <a:bodyPr/>
+          <a:lstStyle/>
+          <a:p>
+            <a:fld id="{B673521E-B280-4C28-8ED0-E34914655C34}" type="datetimeFigureOut">
+              <a:rPr lang="en-US" smtClean="0"/>
+              <a:t>10/1/2019</a:t>
+            </a:fld>
+            <a:endParaRPr lang="en-US"/>
+          </a:p>
+        </p:txBody>
+      </p:sp>
+      <p:sp>
+        <p:nvSpPr>
+          <p:cNvPr id="4" name="Footer Placeholder 3"/>
+          <p:cNvSpPr>
+            <a:spLocks noGrp="1"/>
+          </p:cNvSpPr>
+          <p:nvPr>
+            <p:ph type="ftr" sz="quarter" idx="11"/>
+          </p:nvPr>
+        </p:nvSpPr>
+        <p:spPr/>
+        <p:txBody>
+          <a:bodyPr/>
+          <a:lstStyle/>
+          <a:p>
+            <a:endParaRPr lang="en-US"/>
+          </a:p>
+        </p:txBody>
+      </p:sp>
+      <p:sp>
+        <p:nvSpPr>
+          <p:cNvPr id="5" name="Slide Number Placeholder 4"/>
+          <p:cNvSpPr>
+            <a:spLocks noGrp="1"/>
+          </p:cNvSpPr>
+          <p:nvPr>
+            <p:ph type="sldNum" sz="quarter" idx="12"/>
+          </p:nvPr>
+        </p:nvSpPr>
+        <p:spPr/>
+        <p:txBody>
+          <a:bodyPr/>
+          <a:lstStyle/>
+          <a:p>
+            <a:fld id="{5FB0F42B-CAA9-4D4F-86CF-07230423CC99}" type="slidenum">
+              <a:rPr lang="en-US" smtClean="0"/>
+              <a:t>‹#›</a:t>
+            </a:fld>
+            <a:endParaRPr lang="en-US"/>
+          </a:p>
+        </p:txBody>
+      </p:sp>
+    </p:spTree>
+    <p:extLst>
+      <p:ext uri="{BB962C8B-B14F-4D97-AF65-F5344CB8AC3E}">
+        <p14:creationId xmlns:p14="http://schemas.microsoft.com/office/powerpoint/2010/main" val="3281039982"/>
+      </p:ext>
+    </p:extLst>
+  </p:cSld>
+  <p:clrMapOvr>
+    <a:masterClrMapping/>
+  </p:clrMapOvr>
+</p:sldLayout>
+</file>
+
+<file path=ppt/slideLayouts/slideLayout16.xml><?xml version="1.0" encoding="utf-8"?>
 <p:sldLayout xmlns:a="http://schemas.openxmlformats.org/drawingml/2006/main" xmlns:r="http://schemas.openxmlformats.org/officeDocument/2006/relationships" xmlns:p="http://schemas.openxmlformats.org/presentationml/2006/main" type="vertTx" preserve="1">
   <p:cSld name="Title and Vertical Text">
     <p:spTree>
@@ -10170,13 +12758,7 @@
       </p:grpSpPr>
       <p:sp>
         <p:nvSpPr>
-          <p:cNvPr id="2" name="Title 1">
-            <a:extLst>
-              <a:ext uri="{FF2B5EF4-FFF2-40B4-BE49-F238E27FC236}">
-                <a16:creationId xmlns:a16="http://schemas.microsoft.com/office/drawing/2014/main" id="{591A8887-C4A2-4243-BA37-EB4800C6095B}"/>
-              </a:ext>
-            </a:extLst>
-          </p:cNvPr>
+          <p:cNvPr id="2" name="Title 1"/>
           <p:cNvSpPr>
             <a:spLocks noGrp="1"/>
           </p:cNvSpPr>
@@ -10193,18 +12775,13 @@
               <a:rPr lang="en-US"/>
               <a:t>Click to edit Master title style</a:t>
             </a:r>
+            <a:endParaRPr lang="en-US" dirty="0"/>
           </a:p>
         </p:txBody>
       </p:sp>
       <p:sp>
         <p:nvSpPr>
-          <p:cNvPr id="3" name="Vertical Text Placeholder 2">
-            <a:extLst>
-              <a:ext uri="{FF2B5EF4-FFF2-40B4-BE49-F238E27FC236}">
-                <a16:creationId xmlns:a16="http://schemas.microsoft.com/office/drawing/2014/main" id="{71890A2D-2E12-4115-88C2-6317E357C2FD}"/>
-              </a:ext>
-            </a:extLst>
-          </p:cNvPr>
+          <p:cNvPr id="3" name="Vertical Text Placeholder 2"/>
           <p:cNvSpPr>
             <a:spLocks noGrp="1"/>
           </p:cNvSpPr>
@@ -10214,7 +12791,7 @@
         </p:nvSpPr>
         <p:spPr/>
         <p:txBody>
-          <a:bodyPr vert="eaVert"/>
+          <a:bodyPr vert="eaVert" anchor="t"/>
           <a:lstStyle/>
           <a:p>
             <a:pPr lvl="0"/>
@@ -10250,18 +12827,13 @@
               <a:rPr lang="en-US"/>
               <a:t>Fifth level</a:t>
             </a:r>
+            <a:endParaRPr lang="en-US" dirty="0"/>
           </a:p>
         </p:txBody>
       </p:sp>
       <p:sp>
         <p:nvSpPr>
-          <p:cNvPr id="4" name="Date Placeholder 3">
-            <a:extLst>
-              <a:ext uri="{FF2B5EF4-FFF2-40B4-BE49-F238E27FC236}">
-                <a16:creationId xmlns:a16="http://schemas.microsoft.com/office/drawing/2014/main" id="{58BFA5AB-C0C1-4265-96A8-CF525CFC2058}"/>
-              </a:ext>
-            </a:extLst>
-          </p:cNvPr>
+          <p:cNvPr id="4" name="Date Placeholder 3"/>
           <p:cNvSpPr>
             <a:spLocks noGrp="1"/>
           </p:cNvSpPr>
@@ -10284,13 +12856,7 @@
       </p:sp>
       <p:sp>
         <p:nvSpPr>
-          <p:cNvPr id="5" name="Footer Placeholder 4">
-            <a:extLst>
-              <a:ext uri="{FF2B5EF4-FFF2-40B4-BE49-F238E27FC236}">
-                <a16:creationId xmlns:a16="http://schemas.microsoft.com/office/drawing/2014/main" id="{63B5332E-7A21-418C-8370-A061740A6A01}"/>
-              </a:ext>
-            </a:extLst>
-          </p:cNvPr>
+          <p:cNvPr id="5" name="Footer Placeholder 4"/>
           <p:cNvSpPr>
             <a:spLocks noGrp="1"/>
           </p:cNvSpPr>
@@ -10309,13 +12875,7 @@
       </p:sp>
       <p:sp>
         <p:nvSpPr>
-          <p:cNvPr id="6" name="Slide Number Placeholder 5">
-            <a:extLst>
-              <a:ext uri="{FF2B5EF4-FFF2-40B4-BE49-F238E27FC236}">
-                <a16:creationId xmlns:a16="http://schemas.microsoft.com/office/drawing/2014/main" id="{6648579F-6A55-4B15-AFB4-6C4D39C6BA1C}"/>
-              </a:ext>
-            </a:extLst>
-          </p:cNvPr>
+          <p:cNvPr id="6" name="Slide Number Placeholder 5"/>
           <p:cNvSpPr>
             <a:spLocks noGrp="1"/>
           </p:cNvSpPr>
@@ -10339,7 +12899,7 @@
     </p:spTree>
     <p:extLst>
       <p:ext uri="{BB962C8B-B14F-4D97-AF65-F5344CB8AC3E}">
-        <p14:creationId xmlns:p14="http://schemas.microsoft.com/office/powerpoint/2010/main" val="4191098896"/>
+        <p14:creationId xmlns:p14="http://schemas.microsoft.com/office/powerpoint/2010/main" val="1268292099"/>
       </p:ext>
     </p:extLst>
   </p:cSld>
@@ -10349,7 +12909,7 @@
 </p:sldLayout>
 </file>
 
-<file path=ppt/slideLayouts/slideLayout11.xml><?xml version="1.0" encoding="utf-8"?>
+<file path=ppt/slideLayouts/slideLayout17.xml><?xml version="1.0" encoding="utf-8"?>
 <p:sldLayout xmlns:a="http://schemas.openxmlformats.org/drawingml/2006/main" xmlns:r="http://schemas.openxmlformats.org/officeDocument/2006/relationships" xmlns:p="http://schemas.openxmlformats.org/presentationml/2006/main" type="vertTitleAndTx" preserve="1">
   <p:cSld name="Vertical Title and Text">
     <p:spTree>
@@ -10368,13 +12928,7 @@
       </p:grpSpPr>
       <p:sp>
         <p:nvSpPr>
-          <p:cNvPr id="2" name="Vertical Title 1">
-            <a:extLst>
-              <a:ext uri="{FF2B5EF4-FFF2-40B4-BE49-F238E27FC236}">
-                <a16:creationId xmlns:a16="http://schemas.microsoft.com/office/drawing/2014/main" id="{41355EF9-A7E6-4FDA-AEBE-EAE54598F8CE}"/>
-              </a:ext>
-            </a:extLst>
-          </p:cNvPr>
+          <p:cNvPr id="2" name="Vertical Title 1"/>
           <p:cNvSpPr>
             <a:spLocks noGrp="1"/>
           </p:cNvSpPr>
@@ -10384,30 +12938,29 @@
         </p:nvSpPr>
         <p:spPr>
           <a:xfrm>
-            <a:off x="8724900" y="365125"/>
-            <a:ext cx="2628900" cy="5811838"/>
+            <a:off x="8983068" y="609599"/>
+            <a:ext cx="2284487" cy="5181601"/>
           </a:xfrm>
         </p:spPr>
         <p:txBody>
           <a:bodyPr vert="eaVert"/>
-          <a:lstStyle/>
+          <a:lstStyle>
+            <a:lvl1pPr algn="l">
+              <a:defRPr/>
+            </a:lvl1pPr>
+          </a:lstStyle>
           <a:p>
             <a:r>
               <a:rPr lang="en-US"/>
               <a:t>Click to edit Master title style</a:t>
             </a:r>
+            <a:endParaRPr lang="en-US" dirty="0"/>
           </a:p>
         </p:txBody>
       </p:sp>
       <p:sp>
         <p:nvSpPr>
-          <p:cNvPr id="3" name="Vertical Text Placeholder 2">
-            <a:extLst>
-              <a:ext uri="{FF2B5EF4-FFF2-40B4-BE49-F238E27FC236}">
-                <a16:creationId xmlns:a16="http://schemas.microsoft.com/office/drawing/2014/main" id="{D510AFF6-9220-4A08-A8A7-EEFDEBF10B27}"/>
-              </a:ext>
-            </a:extLst>
-          </p:cNvPr>
+          <p:cNvPr id="3" name="Vertical Text Placeholder 2"/>
           <p:cNvSpPr>
             <a:spLocks noGrp="1"/>
           </p:cNvSpPr>
@@ -10417,12 +12970,12 @@
         </p:nvSpPr>
         <p:spPr>
           <a:xfrm>
-            <a:off x="838200" y="365125"/>
-            <a:ext cx="7734300" cy="5811838"/>
+            <a:off x="913796" y="609599"/>
+            <a:ext cx="7916872" cy="5181601"/>
           </a:xfrm>
         </p:spPr>
         <p:txBody>
-          <a:bodyPr vert="eaVert"/>
+          <a:bodyPr vert="eaVert" anchor="t"/>
           <a:lstStyle/>
           <a:p>
             <a:pPr lvl="0"/>
@@ -10458,18 +13011,13 @@
               <a:rPr lang="en-US"/>
               <a:t>Fifth level</a:t>
             </a:r>
+            <a:endParaRPr lang="en-US" dirty="0"/>
           </a:p>
         </p:txBody>
       </p:sp>
       <p:sp>
         <p:nvSpPr>
-          <p:cNvPr id="4" name="Date Placeholder 3">
-            <a:extLst>
-              <a:ext uri="{FF2B5EF4-FFF2-40B4-BE49-F238E27FC236}">
-                <a16:creationId xmlns:a16="http://schemas.microsoft.com/office/drawing/2014/main" id="{20FA2B50-0D29-40B1-AA38-108BE007D3E9}"/>
-              </a:ext>
-            </a:extLst>
-          </p:cNvPr>
+          <p:cNvPr id="4" name="Date Placeholder 3"/>
           <p:cNvSpPr>
             <a:spLocks noGrp="1"/>
           </p:cNvSpPr>
@@ -10492,13 +13040,7 @@
       </p:sp>
       <p:sp>
         <p:nvSpPr>
-          <p:cNvPr id="5" name="Footer Placeholder 4">
-            <a:extLst>
-              <a:ext uri="{FF2B5EF4-FFF2-40B4-BE49-F238E27FC236}">
-                <a16:creationId xmlns:a16="http://schemas.microsoft.com/office/drawing/2014/main" id="{F33A7B82-72EF-4E68-8384-6209ABC97BFD}"/>
-              </a:ext>
-            </a:extLst>
-          </p:cNvPr>
+          <p:cNvPr id="5" name="Footer Placeholder 4"/>
           <p:cNvSpPr>
             <a:spLocks noGrp="1"/>
           </p:cNvSpPr>
@@ -10517,13 +13059,7 @@
       </p:sp>
       <p:sp>
         <p:nvSpPr>
-          <p:cNvPr id="6" name="Slide Number Placeholder 5">
-            <a:extLst>
-              <a:ext uri="{FF2B5EF4-FFF2-40B4-BE49-F238E27FC236}">
-                <a16:creationId xmlns:a16="http://schemas.microsoft.com/office/drawing/2014/main" id="{FC676C97-8504-4B50-B1D0-6DBE49841599}"/>
-              </a:ext>
-            </a:extLst>
-          </p:cNvPr>
+          <p:cNvPr id="6" name="Slide Number Placeholder 5"/>
           <p:cNvSpPr>
             <a:spLocks noGrp="1"/>
           </p:cNvSpPr>
@@ -10547,7 +13083,7 @@
     </p:spTree>
     <p:extLst>
       <p:ext uri="{BB962C8B-B14F-4D97-AF65-F5344CB8AC3E}">
-        <p14:creationId xmlns:p14="http://schemas.microsoft.com/office/powerpoint/2010/main" val="758188566"/>
+        <p14:creationId xmlns:p14="http://schemas.microsoft.com/office/powerpoint/2010/main" val="328175339"/>
       </p:ext>
     </p:extLst>
   </p:cSld>
@@ -10576,13 +13112,7 @@
       </p:grpSpPr>
       <p:sp>
         <p:nvSpPr>
-          <p:cNvPr id="2" name="Title 1">
-            <a:extLst>
-              <a:ext uri="{FF2B5EF4-FFF2-40B4-BE49-F238E27FC236}">
-                <a16:creationId xmlns:a16="http://schemas.microsoft.com/office/drawing/2014/main" id="{02F05A0E-A933-4C82-80C3-0375D2746F5A}"/>
-              </a:ext>
-            </a:extLst>
-          </p:cNvPr>
+          <p:cNvPr id="2" name="Title 1"/>
           <p:cNvSpPr>
             <a:spLocks noGrp="1"/>
           </p:cNvSpPr>
@@ -10599,18 +13129,13 @@
               <a:rPr lang="en-US"/>
               <a:t>Click to edit Master title style</a:t>
             </a:r>
+            <a:endParaRPr lang="en-US" dirty="0"/>
           </a:p>
         </p:txBody>
       </p:sp>
       <p:sp>
         <p:nvSpPr>
-          <p:cNvPr id="3" name="Content Placeholder 2">
-            <a:extLst>
-              <a:ext uri="{FF2B5EF4-FFF2-40B4-BE49-F238E27FC236}">
-                <a16:creationId xmlns:a16="http://schemas.microsoft.com/office/drawing/2014/main" id="{9764FAB1-F9A8-441A-8711-E1590AD29CA4}"/>
-              </a:ext>
-            </a:extLst>
-          </p:cNvPr>
+          <p:cNvPr id="3" name="Content Placeholder 2"/>
           <p:cNvSpPr>
             <a:spLocks noGrp="1"/>
           </p:cNvSpPr>
@@ -10656,18 +13181,13 @@
               <a:rPr lang="en-US"/>
               <a:t>Fifth level</a:t>
             </a:r>
+            <a:endParaRPr lang="en-US" dirty="0"/>
           </a:p>
         </p:txBody>
       </p:sp>
       <p:sp>
         <p:nvSpPr>
-          <p:cNvPr id="4" name="Date Placeholder 3">
-            <a:extLst>
-              <a:ext uri="{FF2B5EF4-FFF2-40B4-BE49-F238E27FC236}">
-                <a16:creationId xmlns:a16="http://schemas.microsoft.com/office/drawing/2014/main" id="{1AE7F968-9358-45DE-82C9-543BF02B9519}"/>
-              </a:ext>
-            </a:extLst>
-          </p:cNvPr>
+          <p:cNvPr id="4" name="Date Placeholder 3"/>
           <p:cNvSpPr>
             <a:spLocks noGrp="1"/>
           </p:cNvSpPr>
@@ -10690,13 +13210,7 @@
       </p:sp>
       <p:sp>
         <p:nvSpPr>
-          <p:cNvPr id="5" name="Footer Placeholder 4">
-            <a:extLst>
-              <a:ext uri="{FF2B5EF4-FFF2-40B4-BE49-F238E27FC236}">
-                <a16:creationId xmlns:a16="http://schemas.microsoft.com/office/drawing/2014/main" id="{E9621291-F93D-4806-B60D-A03399DF001D}"/>
-              </a:ext>
-            </a:extLst>
-          </p:cNvPr>
+          <p:cNvPr id="5" name="Footer Placeholder 4"/>
           <p:cNvSpPr>
             <a:spLocks noGrp="1"/>
           </p:cNvSpPr>
@@ -10715,13 +13229,7 @@
       </p:sp>
       <p:sp>
         <p:nvSpPr>
-          <p:cNvPr id="6" name="Slide Number Placeholder 5">
-            <a:extLst>
-              <a:ext uri="{FF2B5EF4-FFF2-40B4-BE49-F238E27FC236}">
-                <a16:creationId xmlns:a16="http://schemas.microsoft.com/office/drawing/2014/main" id="{7F57A78F-2143-450D-9F1A-5A6836BDF8B1}"/>
-              </a:ext>
-            </a:extLst>
-          </p:cNvPr>
+          <p:cNvPr id="6" name="Slide Number Placeholder 5"/>
           <p:cNvSpPr>
             <a:spLocks noGrp="1"/>
           </p:cNvSpPr>
@@ -10745,7 +13253,7 @@
     </p:spTree>
     <p:extLst>
       <p:ext uri="{BB962C8B-B14F-4D97-AF65-F5344CB8AC3E}">
-        <p14:creationId xmlns:p14="http://schemas.microsoft.com/office/powerpoint/2010/main" val="2939740409"/>
+        <p14:creationId xmlns:p14="http://schemas.microsoft.com/office/powerpoint/2010/main" val="1448312641"/>
       </p:ext>
     </p:extLst>
   </p:cSld>
@@ -10774,13 +13282,7 @@
       </p:grpSpPr>
       <p:sp>
         <p:nvSpPr>
-          <p:cNvPr id="2" name="Title 1">
-            <a:extLst>
-              <a:ext uri="{FF2B5EF4-FFF2-40B4-BE49-F238E27FC236}">
-                <a16:creationId xmlns:a16="http://schemas.microsoft.com/office/drawing/2014/main" id="{157C3C25-B95E-4C98-88E6-AFCB168B3EAB}"/>
-              </a:ext>
-            </a:extLst>
-          </p:cNvPr>
+          <p:cNvPr id="2" name="Title 1"/>
           <p:cNvSpPr>
             <a:spLocks noGrp="1"/>
           </p:cNvSpPr>
@@ -10790,15 +13292,15 @@
         </p:nvSpPr>
         <p:spPr>
           <a:xfrm>
-            <a:off x="831850" y="1709738"/>
-            <a:ext cx="10515600" cy="2852737"/>
+            <a:off x="1295401" y="1761067"/>
+            <a:ext cx="9590550" cy="1828813"/>
           </a:xfrm>
         </p:spPr>
         <p:txBody>
           <a:bodyPr anchor="b"/>
           <a:lstStyle>
-            <a:lvl1pPr>
-              <a:defRPr sz="6000"/>
+            <a:lvl1pPr algn="ctr">
+              <a:defRPr sz="4000" b="0" cap="none"/>
             </a:lvl1pPr>
           </a:lstStyle>
           <a:p>
@@ -10806,18 +13308,13 @@
               <a:rPr lang="en-US"/>
               <a:t>Click to edit Master title style</a:t>
             </a:r>
+            <a:endParaRPr lang="en-US" dirty="0"/>
           </a:p>
         </p:txBody>
       </p:sp>
       <p:sp>
         <p:nvSpPr>
-          <p:cNvPr id="3" name="Text Placeholder 2">
-            <a:extLst>
-              <a:ext uri="{FF2B5EF4-FFF2-40B4-BE49-F238E27FC236}">
-                <a16:creationId xmlns:a16="http://schemas.microsoft.com/office/drawing/2014/main" id="{1A9B6CAA-16EC-45C0-B3F1-BADC9A6505A8}"/>
-              </a:ext>
-            </a:extLst>
-          </p:cNvPr>
+          <p:cNvPr id="3" name="Text Placeholder 2"/>
           <p:cNvSpPr>
             <a:spLocks noGrp="1"/>
           </p:cNvSpPr>
@@ -10827,26 +13324,24 @@
         </p:nvSpPr>
         <p:spPr>
           <a:xfrm>
-            <a:off x="831850" y="4589463"/>
-            <a:ext cx="10515600" cy="1500187"/>
+            <a:off x="1295401" y="3589879"/>
+            <a:ext cx="9590550" cy="1507054"/>
           </a:xfrm>
         </p:spPr>
         <p:txBody>
-          <a:bodyPr/>
+          <a:bodyPr anchor="t"/>
           <a:lstStyle>
-            <a:lvl1pPr marL="0" indent="0">
-              <a:buNone/>
-              <a:defRPr sz="2400">
+            <a:lvl1pPr marL="0" indent="0" algn="ctr">
+              <a:buNone/>
+              <a:defRPr sz="2000">
                 <a:solidFill>
-                  <a:schemeClr val="tx1">
-                    <a:tint val="75000"/>
-                  </a:schemeClr>
+                  <a:schemeClr val="tx1"/>
                 </a:solidFill>
               </a:defRPr>
             </a:lvl1pPr>
             <a:lvl2pPr marL="457200" indent="0">
               <a:buNone/>
-              <a:defRPr sz="2000">
+              <a:defRPr sz="1800">
                 <a:solidFill>
                   <a:schemeClr val="tx1">
                     <a:tint val="75000"/>
@@ -10856,7 +13351,7 @@
             </a:lvl2pPr>
             <a:lvl3pPr marL="914400" indent="0">
               <a:buNone/>
-              <a:defRPr sz="1800">
+              <a:defRPr sz="1600">
                 <a:solidFill>
                   <a:schemeClr val="tx1">
                     <a:tint val="75000"/>
@@ -10866,7 +13361,7 @@
             </a:lvl3pPr>
             <a:lvl4pPr marL="1371600" indent="0">
               <a:buNone/>
-              <a:defRPr sz="1600">
+              <a:defRPr sz="1400">
                 <a:solidFill>
                   <a:schemeClr val="tx1">
                     <a:tint val="75000"/>
@@ -10876,7 +13371,7 @@
             </a:lvl4pPr>
             <a:lvl5pPr marL="1828800" indent="0">
               <a:buNone/>
-              <a:defRPr sz="1600">
+              <a:defRPr sz="1400">
                 <a:solidFill>
                   <a:schemeClr val="tx1">
                     <a:tint val="75000"/>
@@ -10886,7 +13381,7 @@
             </a:lvl5pPr>
             <a:lvl6pPr marL="2286000" indent="0">
               <a:buNone/>
-              <a:defRPr sz="1600">
+              <a:defRPr sz="1400">
                 <a:solidFill>
                   <a:schemeClr val="tx1">
                     <a:tint val="75000"/>
@@ -10896,7 +13391,7 @@
             </a:lvl6pPr>
             <a:lvl7pPr marL="2743200" indent="0">
               <a:buNone/>
-              <a:defRPr sz="1600">
+              <a:defRPr sz="1400">
                 <a:solidFill>
                   <a:schemeClr val="tx1">
                     <a:tint val="75000"/>
@@ -10906,7 +13401,7 @@
             </a:lvl7pPr>
             <a:lvl8pPr marL="3200400" indent="0">
               <a:buNone/>
-              <a:defRPr sz="1600">
+              <a:defRPr sz="1400">
                 <a:solidFill>
                   <a:schemeClr val="tx1">
                     <a:tint val="75000"/>
@@ -10916,7 +13411,7 @@
             </a:lvl8pPr>
             <a:lvl9pPr marL="3657600" indent="0">
               <a:buNone/>
-              <a:defRPr sz="1600">
+              <a:defRPr sz="1400">
                 <a:solidFill>
                   <a:schemeClr val="tx1">
                     <a:tint val="75000"/>
@@ -10936,13 +13431,7 @@
       </p:sp>
       <p:sp>
         <p:nvSpPr>
-          <p:cNvPr id="4" name="Date Placeholder 3">
-            <a:extLst>
-              <a:ext uri="{FF2B5EF4-FFF2-40B4-BE49-F238E27FC236}">
-                <a16:creationId xmlns:a16="http://schemas.microsoft.com/office/drawing/2014/main" id="{B439E55C-FABB-4ADC-847B-FE7C67720995}"/>
-              </a:ext>
-            </a:extLst>
-          </p:cNvPr>
+          <p:cNvPr id="4" name="Date Placeholder 3"/>
           <p:cNvSpPr>
             <a:spLocks noGrp="1"/>
           </p:cNvSpPr>
@@ -10965,13 +13454,7 @@
       </p:sp>
       <p:sp>
         <p:nvSpPr>
-          <p:cNvPr id="5" name="Footer Placeholder 4">
-            <a:extLst>
-              <a:ext uri="{FF2B5EF4-FFF2-40B4-BE49-F238E27FC236}">
-                <a16:creationId xmlns:a16="http://schemas.microsoft.com/office/drawing/2014/main" id="{ED4FF510-710F-4FBD-B121-237EC8218C19}"/>
-              </a:ext>
-            </a:extLst>
-          </p:cNvPr>
+          <p:cNvPr id="5" name="Footer Placeholder 4"/>
           <p:cNvSpPr>
             <a:spLocks noGrp="1"/>
           </p:cNvSpPr>
@@ -10990,13 +13473,7 @@
       </p:sp>
       <p:sp>
         <p:nvSpPr>
-          <p:cNvPr id="6" name="Slide Number Placeholder 5">
-            <a:extLst>
-              <a:ext uri="{FF2B5EF4-FFF2-40B4-BE49-F238E27FC236}">
-                <a16:creationId xmlns:a16="http://schemas.microsoft.com/office/drawing/2014/main" id="{A699DC46-B9F3-49AC-8BA6-6A2690FF205F}"/>
-              </a:ext>
-            </a:extLst>
-          </p:cNvPr>
+          <p:cNvPr id="6" name="Slide Number Placeholder 5"/>
           <p:cNvSpPr>
             <a:spLocks noGrp="1"/>
           </p:cNvSpPr>
@@ -11020,7 +13497,7 @@
     </p:spTree>
     <p:extLst>
       <p:ext uri="{BB962C8B-B14F-4D97-AF65-F5344CB8AC3E}">
-        <p14:creationId xmlns:p14="http://schemas.microsoft.com/office/powerpoint/2010/main" val="3449478277"/>
+        <p14:creationId xmlns:p14="http://schemas.microsoft.com/office/powerpoint/2010/main" val="4127668038"/>
       </p:ext>
     </p:extLst>
   </p:cSld>
@@ -11049,13 +13526,7 @@
       </p:grpSpPr>
       <p:sp>
         <p:nvSpPr>
-          <p:cNvPr id="2" name="Title 1">
-            <a:extLst>
-              <a:ext uri="{FF2B5EF4-FFF2-40B4-BE49-F238E27FC236}">
-                <a16:creationId xmlns:a16="http://schemas.microsoft.com/office/drawing/2014/main" id="{4238D379-D566-4809-983F-B97F9A8DBBFB}"/>
-              </a:ext>
-            </a:extLst>
-          </p:cNvPr>
+          <p:cNvPr id="2" name="Title 1"/>
           <p:cNvSpPr>
             <a:spLocks noGrp="1"/>
           </p:cNvSpPr>
@@ -11072,18 +13543,13 @@
               <a:rPr lang="en-US"/>
               <a:t>Click to edit Master title style</a:t>
             </a:r>
+            <a:endParaRPr lang="en-US" dirty="0"/>
           </a:p>
         </p:txBody>
       </p:sp>
       <p:sp>
         <p:nvSpPr>
-          <p:cNvPr id="3" name="Content Placeholder 2">
-            <a:extLst>
-              <a:ext uri="{FF2B5EF4-FFF2-40B4-BE49-F238E27FC236}">
-                <a16:creationId xmlns:a16="http://schemas.microsoft.com/office/drawing/2014/main" id="{E7EDD221-2183-4CA4-95B2-4C32E35D7FA7}"/>
-              </a:ext>
-            </a:extLst>
-          </p:cNvPr>
+          <p:cNvPr id="3" name="Content Placeholder 2"/>
           <p:cNvSpPr>
             <a:spLocks noGrp="1"/>
           </p:cNvSpPr>
@@ -11093,12 +13559,14 @@
         </p:nvSpPr>
         <p:spPr>
           <a:xfrm>
-            <a:off x="838200" y="1825625"/>
-            <a:ext cx="5181600" cy="4351338"/>
+            <a:off x="913795" y="1732449"/>
+            <a:ext cx="5060497" cy="4058750"/>
           </a:xfrm>
         </p:spPr>
         <p:txBody>
-          <a:bodyPr/>
+          <a:bodyPr anchor="t">
+            <a:normAutofit/>
+          </a:bodyPr>
           <a:lstStyle/>
           <a:p>
             <a:pPr lvl="0"/>
@@ -11134,18 +13602,13 @@
               <a:rPr lang="en-US"/>
               <a:t>Fifth level</a:t>
             </a:r>
+            <a:endParaRPr lang="en-US" dirty="0"/>
           </a:p>
         </p:txBody>
       </p:sp>
       <p:sp>
         <p:nvSpPr>
-          <p:cNvPr id="4" name="Content Placeholder 3">
-            <a:extLst>
-              <a:ext uri="{FF2B5EF4-FFF2-40B4-BE49-F238E27FC236}">
-                <a16:creationId xmlns:a16="http://schemas.microsoft.com/office/drawing/2014/main" id="{9A8FD23F-962C-4509-94AA-6A91014B6A7A}"/>
-              </a:ext>
-            </a:extLst>
-          </p:cNvPr>
+          <p:cNvPr id="4" name="Content Placeholder 3"/>
           <p:cNvSpPr>
             <a:spLocks noGrp="1"/>
           </p:cNvSpPr>
@@ -11155,12 +13618,14 @@
         </p:nvSpPr>
         <p:spPr>
           <a:xfrm>
-            <a:off x="6172200" y="1825625"/>
-            <a:ext cx="5181600" cy="4351338"/>
+            <a:off x="6202892" y="1732449"/>
+            <a:ext cx="5064665" cy="4058751"/>
           </a:xfrm>
         </p:spPr>
         <p:txBody>
-          <a:bodyPr/>
+          <a:bodyPr anchor="t">
+            <a:normAutofit/>
+          </a:bodyPr>
           <a:lstStyle/>
           <a:p>
             <a:pPr lvl="0"/>
@@ -11196,18 +13661,13 @@
               <a:rPr lang="en-US"/>
               <a:t>Fifth level</a:t>
             </a:r>
+            <a:endParaRPr lang="en-US" dirty="0"/>
           </a:p>
         </p:txBody>
       </p:sp>
       <p:sp>
         <p:nvSpPr>
-          <p:cNvPr id="5" name="Date Placeholder 4">
-            <a:extLst>
-              <a:ext uri="{FF2B5EF4-FFF2-40B4-BE49-F238E27FC236}">
-                <a16:creationId xmlns:a16="http://schemas.microsoft.com/office/drawing/2014/main" id="{023AEA26-F6C8-437A-B14D-1868CD430A8D}"/>
-              </a:ext>
-            </a:extLst>
-          </p:cNvPr>
+          <p:cNvPr id="5" name="Date Placeholder 4"/>
           <p:cNvSpPr>
             <a:spLocks noGrp="1"/>
           </p:cNvSpPr>
@@ -11230,13 +13690,7 @@
       </p:sp>
       <p:sp>
         <p:nvSpPr>
-          <p:cNvPr id="6" name="Footer Placeholder 5">
-            <a:extLst>
-              <a:ext uri="{FF2B5EF4-FFF2-40B4-BE49-F238E27FC236}">
-                <a16:creationId xmlns:a16="http://schemas.microsoft.com/office/drawing/2014/main" id="{D6B8B63F-2B5B-482C-ADC9-C4C1F3920CF6}"/>
-              </a:ext>
-            </a:extLst>
-          </p:cNvPr>
+          <p:cNvPr id="6" name="Footer Placeholder 5"/>
           <p:cNvSpPr>
             <a:spLocks noGrp="1"/>
           </p:cNvSpPr>
@@ -11255,13 +13709,7 @@
       </p:sp>
       <p:sp>
         <p:nvSpPr>
-          <p:cNvPr id="7" name="Slide Number Placeholder 6">
-            <a:extLst>
-              <a:ext uri="{FF2B5EF4-FFF2-40B4-BE49-F238E27FC236}">
-                <a16:creationId xmlns:a16="http://schemas.microsoft.com/office/drawing/2014/main" id="{F324BB60-5C29-41F4-BA2E-0BA4EC50340A}"/>
-              </a:ext>
-            </a:extLst>
-          </p:cNvPr>
+          <p:cNvPr id="7" name="Slide Number Placeholder 6"/>
           <p:cNvSpPr>
             <a:spLocks noGrp="1"/>
           </p:cNvSpPr>
@@ -11285,7 +13733,7 @@
     </p:spTree>
     <p:extLst>
       <p:ext uri="{BB962C8B-B14F-4D97-AF65-F5344CB8AC3E}">
-        <p14:creationId xmlns:p14="http://schemas.microsoft.com/office/powerpoint/2010/main" val="676639685"/>
+        <p14:creationId xmlns:p14="http://schemas.microsoft.com/office/powerpoint/2010/main" val="3560824464"/>
       </p:ext>
     </p:extLst>
   </p:cSld>
@@ -11312,15 +13760,69 @@
           <a:chExt cx="0" cy="0"/>
         </a:xfrm>
       </p:grpSpPr>
+      <p:pic>
+        <p:nvPicPr>
+          <p:cNvPr id="20" name="Picture 19" descr="Slate-V2-HD-compPhotoInset.png"/>
+          <p:cNvPicPr>
+            <a:picLocks noChangeAspect="1"/>
+          </p:cNvPicPr>
+          <p:nvPr/>
+        </p:nvPicPr>
+        <p:blipFill>
+          <a:blip r:embed="rId2">
+            <a:extLst>
+              <a:ext uri="{28A0092B-C50C-407E-A947-70E740481C1C}">
+                <a14:useLocalDpi xmlns:a14="http://schemas.microsoft.com/office/drawing/2010/main" val="0"/>
+              </a:ext>
+            </a:extLst>
+          </a:blip>
+          <a:stretch>
+            <a:fillRect/>
+          </a:stretch>
+        </p:blipFill>
+        <p:spPr>
+          <a:xfrm>
+            <a:off x="913795" y="1734506"/>
+            <a:ext cx="5089072" cy="4148769"/>
+          </a:xfrm>
+          <a:prstGeom prst="rect">
+            <a:avLst/>
+          </a:prstGeom>
+        </p:spPr>
+      </p:pic>
+      <p:pic>
+        <p:nvPicPr>
+          <p:cNvPr id="21" name="Picture 20" descr="Slate-V2-HD-compPhotoInset.png"/>
+          <p:cNvPicPr>
+            <a:picLocks noChangeAspect="1"/>
+          </p:cNvPicPr>
+          <p:nvPr/>
+        </p:nvPicPr>
+        <p:blipFill>
+          <a:blip r:embed="rId2">
+            <a:extLst>
+              <a:ext uri="{28A0092B-C50C-407E-A947-70E740481C1C}">
+                <a14:useLocalDpi xmlns:a14="http://schemas.microsoft.com/office/drawing/2010/main" val="0"/>
+              </a:ext>
+            </a:extLst>
+          </a:blip>
+          <a:stretch>
+            <a:fillRect/>
+          </a:stretch>
+        </p:blipFill>
+        <p:spPr>
+          <a:xfrm>
+            <a:off x="6178485" y="1734506"/>
+            <a:ext cx="5089072" cy="4148769"/>
+          </a:xfrm>
+          <a:prstGeom prst="rect">
+            <a:avLst/>
+          </a:prstGeom>
+        </p:spPr>
+      </p:pic>
       <p:sp>
         <p:nvSpPr>
-          <p:cNvPr id="2" name="Title 1">
-            <a:extLst>
-              <a:ext uri="{FF2B5EF4-FFF2-40B4-BE49-F238E27FC236}">
-                <a16:creationId xmlns:a16="http://schemas.microsoft.com/office/drawing/2014/main" id="{B6C5B2C0-E8B2-416A-BF1B-19654826E1C0}"/>
-              </a:ext>
-            </a:extLst>
-          </p:cNvPr>
+          <p:cNvPr id="2" name="Title 1"/>
           <p:cNvSpPr>
             <a:spLocks noGrp="1"/>
           </p:cNvSpPr>
@@ -11328,32 +13830,26 @@
             <p:ph type="title"/>
           </p:nvPr>
         </p:nvSpPr>
-        <p:spPr>
-          <a:xfrm>
-            <a:off x="839788" y="365125"/>
-            <a:ext cx="10515600" cy="1325563"/>
-          </a:xfrm>
-        </p:spPr>
+        <p:spPr/>
         <p:txBody>
           <a:bodyPr/>
-          <a:lstStyle/>
+          <a:lstStyle>
+            <a:lvl1pPr>
+              <a:defRPr/>
+            </a:lvl1pPr>
+          </a:lstStyle>
           <a:p>
             <a:r>
               <a:rPr lang="en-US"/>
               <a:t>Click to edit Master title style</a:t>
             </a:r>
+            <a:endParaRPr lang="en-US" dirty="0"/>
           </a:p>
         </p:txBody>
       </p:sp>
       <p:sp>
         <p:nvSpPr>
-          <p:cNvPr id="3" name="Text Placeholder 2">
-            <a:extLst>
-              <a:ext uri="{FF2B5EF4-FFF2-40B4-BE49-F238E27FC236}">
-                <a16:creationId xmlns:a16="http://schemas.microsoft.com/office/drawing/2014/main" id="{292CE8FF-04AC-492D-9EBE-40512ACF43B5}"/>
-              </a:ext>
-            </a:extLst>
-          </p:cNvPr>
+          <p:cNvPr id="3" name="Text Placeholder 2"/>
           <p:cNvSpPr>
             <a:spLocks noGrp="1"/>
           </p:cNvSpPr>
@@ -11363,16 +13859,18 @@
         </p:nvSpPr>
         <p:spPr>
           <a:xfrm>
-            <a:off x="839788" y="1681163"/>
-            <a:ext cx="5157787" cy="823912"/>
+            <a:off x="1005872" y="1835254"/>
+            <a:ext cx="4876344" cy="544884"/>
           </a:xfrm>
         </p:spPr>
         <p:txBody>
-          <a:bodyPr anchor="b"/>
+          <a:bodyPr anchor="b">
+            <a:noAutofit/>
+          </a:bodyPr>
           <a:lstStyle>
-            <a:lvl1pPr marL="0" indent="0">
-              <a:buNone/>
-              <a:defRPr sz="2400" b="1"/>
+            <a:lvl1pPr marL="0" indent="0" algn="ctr">
+              <a:buNone/>
+              <a:defRPr sz="2400" b="0"/>
             </a:lvl1pPr>
             <a:lvl2pPr marL="457200" indent="0">
               <a:buNone/>
@@ -11418,13 +13916,7 @@
       </p:sp>
       <p:sp>
         <p:nvSpPr>
-          <p:cNvPr id="4" name="Content Placeholder 3">
-            <a:extLst>
-              <a:ext uri="{FF2B5EF4-FFF2-40B4-BE49-F238E27FC236}">
-                <a16:creationId xmlns:a16="http://schemas.microsoft.com/office/drawing/2014/main" id="{275B3580-E08B-4CA3-AABD-F9B29B36C7DD}"/>
-              </a:ext>
-            </a:extLst>
-          </p:cNvPr>
+          <p:cNvPr id="4" name="Content Placeholder 3"/>
           <p:cNvSpPr>
             <a:spLocks noGrp="1"/>
           </p:cNvSpPr>
@@ -11434,13 +13926,31 @@
         </p:nvSpPr>
         <p:spPr>
           <a:xfrm>
-            <a:off x="839788" y="2505075"/>
-            <a:ext cx="5157787" cy="3684588"/>
+            <a:off x="1005872" y="2380137"/>
+            <a:ext cx="4876344" cy="3411063"/>
           </a:xfrm>
         </p:spPr>
         <p:txBody>
-          <a:bodyPr/>
-          <a:lstStyle/>
+          <a:bodyPr anchor="t">
+            <a:normAutofit/>
+          </a:bodyPr>
+          <a:lstStyle>
+            <a:lvl1pPr>
+              <a:defRPr sz="1800"/>
+            </a:lvl1pPr>
+            <a:lvl2pPr>
+              <a:defRPr sz="1600"/>
+            </a:lvl2pPr>
+            <a:lvl3pPr>
+              <a:defRPr sz="1400"/>
+            </a:lvl3pPr>
+            <a:lvl4pPr>
+              <a:defRPr sz="1200"/>
+            </a:lvl4pPr>
+            <a:lvl5pPr>
+              <a:defRPr sz="1200"/>
+            </a:lvl5pPr>
+          </a:lstStyle>
           <a:p>
             <a:pPr lvl="0"/>
             <a:r>
@@ -11475,18 +13985,13 @@
               <a:rPr lang="en-US"/>
               <a:t>Fifth level</a:t>
             </a:r>
+            <a:endParaRPr lang="en-US" dirty="0"/>
           </a:p>
         </p:txBody>
       </p:sp>
       <p:sp>
         <p:nvSpPr>
-          <p:cNvPr id="5" name="Text Placeholder 4">
-            <a:extLst>
-              <a:ext uri="{FF2B5EF4-FFF2-40B4-BE49-F238E27FC236}">
-                <a16:creationId xmlns:a16="http://schemas.microsoft.com/office/drawing/2014/main" id="{36C75B0D-9642-41BA-A8F0-64A5173A9A03}"/>
-              </a:ext>
-            </a:extLst>
-          </p:cNvPr>
+          <p:cNvPr id="5" name="Text Placeholder 4"/>
           <p:cNvSpPr>
             <a:spLocks noGrp="1"/>
           </p:cNvSpPr>
@@ -11496,16 +14001,18 @@
         </p:nvSpPr>
         <p:spPr>
           <a:xfrm>
-            <a:off x="6172200" y="1681163"/>
-            <a:ext cx="5183188" cy="823912"/>
+            <a:off x="6294967" y="1835254"/>
+            <a:ext cx="4895330" cy="544883"/>
           </a:xfrm>
         </p:spPr>
         <p:txBody>
-          <a:bodyPr anchor="b"/>
+          <a:bodyPr anchor="b">
+            <a:noAutofit/>
+          </a:bodyPr>
           <a:lstStyle>
-            <a:lvl1pPr marL="0" indent="0">
-              <a:buNone/>
-              <a:defRPr sz="2400" b="1"/>
+            <a:lvl1pPr marL="0" indent="0" algn="ctr">
+              <a:buNone/>
+              <a:defRPr sz="2400" b="0"/>
             </a:lvl1pPr>
             <a:lvl2pPr marL="457200" indent="0">
               <a:buNone/>
@@ -11551,13 +14058,7 @@
       </p:sp>
       <p:sp>
         <p:nvSpPr>
-          <p:cNvPr id="6" name="Content Placeholder 5">
-            <a:extLst>
-              <a:ext uri="{FF2B5EF4-FFF2-40B4-BE49-F238E27FC236}">
-                <a16:creationId xmlns:a16="http://schemas.microsoft.com/office/drawing/2014/main" id="{86EF910D-EF65-40B8-9D7F-3B2CD044BD2F}"/>
-              </a:ext>
-            </a:extLst>
-          </p:cNvPr>
+          <p:cNvPr id="6" name="Content Placeholder 5"/>
           <p:cNvSpPr>
             <a:spLocks noGrp="1"/>
           </p:cNvSpPr>
@@ -11567,13 +14068,31 @@
         </p:nvSpPr>
         <p:spPr>
           <a:xfrm>
-            <a:off x="6172200" y="2505075"/>
-            <a:ext cx="5183188" cy="3684588"/>
+            <a:off x="6294967" y="2380137"/>
+            <a:ext cx="4895330" cy="3411063"/>
           </a:xfrm>
         </p:spPr>
         <p:txBody>
-          <a:bodyPr/>
-          <a:lstStyle/>
+          <a:bodyPr anchor="t">
+            <a:normAutofit/>
+          </a:bodyPr>
+          <a:lstStyle>
+            <a:lvl1pPr>
+              <a:defRPr sz="1800"/>
+            </a:lvl1pPr>
+            <a:lvl2pPr>
+              <a:defRPr sz="1600"/>
+            </a:lvl2pPr>
+            <a:lvl3pPr>
+              <a:defRPr sz="1400"/>
+            </a:lvl3pPr>
+            <a:lvl4pPr>
+              <a:defRPr sz="1200"/>
+            </a:lvl4pPr>
+            <a:lvl5pPr>
+              <a:defRPr sz="1200"/>
+            </a:lvl5pPr>
+          </a:lstStyle>
           <a:p>
             <a:pPr lvl="0"/>
             <a:r>
@@ -11608,18 +14127,13 @@
               <a:rPr lang="en-US"/>
               <a:t>Fifth level</a:t>
             </a:r>
+            <a:endParaRPr lang="en-US" dirty="0"/>
           </a:p>
         </p:txBody>
       </p:sp>
       <p:sp>
         <p:nvSpPr>
-          <p:cNvPr id="7" name="Date Placeholder 6">
-            <a:extLst>
-              <a:ext uri="{FF2B5EF4-FFF2-40B4-BE49-F238E27FC236}">
-                <a16:creationId xmlns:a16="http://schemas.microsoft.com/office/drawing/2014/main" id="{4B7709DA-0323-48FE-A475-8653D09A248B}"/>
-              </a:ext>
-            </a:extLst>
-          </p:cNvPr>
+          <p:cNvPr id="7" name="Date Placeholder 6"/>
           <p:cNvSpPr>
             <a:spLocks noGrp="1"/>
           </p:cNvSpPr>
@@ -11642,13 +14156,7 @@
       </p:sp>
       <p:sp>
         <p:nvSpPr>
-          <p:cNvPr id="8" name="Footer Placeholder 7">
-            <a:extLst>
-              <a:ext uri="{FF2B5EF4-FFF2-40B4-BE49-F238E27FC236}">
-                <a16:creationId xmlns:a16="http://schemas.microsoft.com/office/drawing/2014/main" id="{C95A2FC1-9761-44DE-BA34-3BD2DA797CD0}"/>
-              </a:ext>
-            </a:extLst>
-          </p:cNvPr>
+          <p:cNvPr id="8" name="Footer Placeholder 7"/>
           <p:cNvSpPr>
             <a:spLocks noGrp="1"/>
           </p:cNvSpPr>
@@ -11667,13 +14175,7 @@
       </p:sp>
       <p:sp>
         <p:nvSpPr>
-          <p:cNvPr id="9" name="Slide Number Placeholder 8">
-            <a:extLst>
-              <a:ext uri="{FF2B5EF4-FFF2-40B4-BE49-F238E27FC236}">
-                <a16:creationId xmlns:a16="http://schemas.microsoft.com/office/drawing/2014/main" id="{B5B38619-5D9A-4DE7-8C6B-34DE681B5658}"/>
-              </a:ext>
-            </a:extLst>
-          </p:cNvPr>
+          <p:cNvPr id="9" name="Slide Number Placeholder 8"/>
           <p:cNvSpPr>
             <a:spLocks noGrp="1"/>
           </p:cNvSpPr>
@@ -11697,7 +14199,7 @@
     </p:spTree>
     <p:extLst>
       <p:ext uri="{BB962C8B-B14F-4D97-AF65-F5344CB8AC3E}">
-        <p14:creationId xmlns:p14="http://schemas.microsoft.com/office/powerpoint/2010/main" val="4088052413"/>
+        <p14:creationId xmlns:p14="http://schemas.microsoft.com/office/powerpoint/2010/main" val="3033144884"/>
       </p:ext>
     </p:extLst>
   </p:cSld>
@@ -11726,13 +14228,7 @@
       </p:grpSpPr>
       <p:sp>
         <p:nvSpPr>
-          <p:cNvPr id="2" name="Title 1">
-            <a:extLst>
-              <a:ext uri="{FF2B5EF4-FFF2-40B4-BE49-F238E27FC236}">
-                <a16:creationId xmlns:a16="http://schemas.microsoft.com/office/drawing/2014/main" id="{0B6E3E65-C022-47DC-879D-F0FF614AF47D}"/>
-              </a:ext>
-            </a:extLst>
-          </p:cNvPr>
+          <p:cNvPr id="2" name="Title 1"/>
           <p:cNvSpPr>
             <a:spLocks noGrp="1"/>
           </p:cNvSpPr>
@@ -11749,18 +14245,13 @@
               <a:rPr lang="en-US"/>
               <a:t>Click to edit Master title style</a:t>
             </a:r>
+            <a:endParaRPr lang="en-US" dirty="0"/>
           </a:p>
         </p:txBody>
       </p:sp>
       <p:sp>
         <p:nvSpPr>
-          <p:cNvPr id="3" name="Date Placeholder 2">
-            <a:extLst>
-              <a:ext uri="{FF2B5EF4-FFF2-40B4-BE49-F238E27FC236}">
-                <a16:creationId xmlns:a16="http://schemas.microsoft.com/office/drawing/2014/main" id="{811E673E-AF54-499C-8918-A0C7CA7BE43A}"/>
-              </a:ext>
-            </a:extLst>
-          </p:cNvPr>
+          <p:cNvPr id="3" name="Date Placeholder 2"/>
           <p:cNvSpPr>
             <a:spLocks noGrp="1"/>
           </p:cNvSpPr>
@@ -11783,13 +14274,7 @@
       </p:sp>
       <p:sp>
         <p:nvSpPr>
-          <p:cNvPr id="4" name="Footer Placeholder 3">
-            <a:extLst>
-              <a:ext uri="{FF2B5EF4-FFF2-40B4-BE49-F238E27FC236}">
-                <a16:creationId xmlns:a16="http://schemas.microsoft.com/office/drawing/2014/main" id="{5F6E1C3B-7982-4F63-A5FE-9447245B13F7}"/>
-              </a:ext>
-            </a:extLst>
-          </p:cNvPr>
+          <p:cNvPr id="4" name="Footer Placeholder 3"/>
           <p:cNvSpPr>
             <a:spLocks noGrp="1"/>
           </p:cNvSpPr>
@@ -11808,13 +14293,7 @@
       </p:sp>
       <p:sp>
         <p:nvSpPr>
-          <p:cNvPr id="5" name="Slide Number Placeholder 4">
-            <a:extLst>
-              <a:ext uri="{FF2B5EF4-FFF2-40B4-BE49-F238E27FC236}">
-                <a16:creationId xmlns:a16="http://schemas.microsoft.com/office/drawing/2014/main" id="{1F6D5E07-63F4-4A85-AB68-DEE6BF64A262}"/>
-              </a:ext>
-            </a:extLst>
-          </p:cNvPr>
+          <p:cNvPr id="5" name="Slide Number Placeholder 4"/>
           <p:cNvSpPr>
             <a:spLocks noGrp="1"/>
           </p:cNvSpPr>
@@ -11838,7 +14317,7 @@
     </p:spTree>
     <p:extLst>
       <p:ext uri="{BB962C8B-B14F-4D97-AF65-F5344CB8AC3E}">
-        <p14:creationId xmlns:p14="http://schemas.microsoft.com/office/powerpoint/2010/main" val="2765752148"/>
+        <p14:creationId xmlns:p14="http://schemas.microsoft.com/office/powerpoint/2010/main" val="1770651339"/>
       </p:ext>
     </p:extLst>
   </p:cSld>
@@ -11867,13 +14346,7 @@
       </p:grpSpPr>
       <p:sp>
         <p:nvSpPr>
-          <p:cNvPr id="2" name="Date Placeholder 1">
-            <a:extLst>
-              <a:ext uri="{FF2B5EF4-FFF2-40B4-BE49-F238E27FC236}">
-                <a16:creationId xmlns:a16="http://schemas.microsoft.com/office/drawing/2014/main" id="{A76FC548-550F-4E36-A9B5-146CE1901EBF}"/>
-              </a:ext>
-            </a:extLst>
-          </p:cNvPr>
+          <p:cNvPr id="2" name="Date Placeholder 1"/>
           <p:cNvSpPr>
             <a:spLocks noGrp="1"/>
           </p:cNvSpPr>
@@ -11896,13 +14369,7 @@
       </p:sp>
       <p:sp>
         <p:nvSpPr>
-          <p:cNvPr id="3" name="Footer Placeholder 2">
-            <a:extLst>
-              <a:ext uri="{FF2B5EF4-FFF2-40B4-BE49-F238E27FC236}">
-                <a16:creationId xmlns:a16="http://schemas.microsoft.com/office/drawing/2014/main" id="{7905334F-07AB-492F-8D8F-8FCFAA9870CD}"/>
-              </a:ext>
-            </a:extLst>
-          </p:cNvPr>
+          <p:cNvPr id="3" name="Footer Placeholder 2"/>
           <p:cNvSpPr>
             <a:spLocks noGrp="1"/>
           </p:cNvSpPr>
@@ -11921,13 +14388,7 @@
       </p:sp>
       <p:sp>
         <p:nvSpPr>
-          <p:cNvPr id="4" name="Slide Number Placeholder 3">
-            <a:extLst>
-              <a:ext uri="{FF2B5EF4-FFF2-40B4-BE49-F238E27FC236}">
-                <a16:creationId xmlns:a16="http://schemas.microsoft.com/office/drawing/2014/main" id="{2F177660-B73E-49D4-A2FB-F45A6BE0C764}"/>
-              </a:ext>
-            </a:extLst>
-          </p:cNvPr>
+          <p:cNvPr id="4" name="Slide Number Placeholder 3"/>
           <p:cNvSpPr>
             <a:spLocks noGrp="1"/>
           </p:cNvSpPr>
@@ -11951,7 +14412,7 @@
     </p:spTree>
     <p:extLst>
       <p:ext uri="{BB962C8B-B14F-4D97-AF65-F5344CB8AC3E}">
-        <p14:creationId xmlns:p14="http://schemas.microsoft.com/office/powerpoint/2010/main" val="1343231703"/>
+        <p14:creationId xmlns:p14="http://schemas.microsoft.com/office/powerpoint/2010/main" val="2292068589"/>
       </p:ext>
     </p:extLst>
   </p:cSld>
@@ -11980,13 +14441,7 @@
       </p:grpSpPr>
       <p:sp>
         <p:nvSpPr>
-          <p:cNvPr id="2" name="Title 1">
-            <a:extLst>
-              <a:ext uri="{FF2B5EF4-FFF2-40B4-BE49-F238E27FC236}">
-                <a16:creationId xmlns:a16="http://schemas.microsoft.com/office/drawing/2014/main" id="{79707DD0-FFE7-47EB-A458-3F3AFC23E624}"/>
-              </a:ext>
-            </a:extLst>
-          </p:cNvPr>
+          <p:cNvPr id="2" name="Title 1"/>
           <p:cNvSpPr>
             <a:spLocks noGrp="1"/>
           </p:cNvSpPr>
@@ -11996,15 +14451,17 @@
         </p:nvSpPr>
         <p:spPr>
           <a:xfrm>
-            <a:off x="839788" y="457200"/>
-            <a:ext cx="3932237" cy="1600200"/>
+            <a:off x="913795" y="609600"/>
+            <a:ext cx="3706889" cy="1821918"/>
           </a:xfrm>
         </p:spPr>
         <p:txBody>
-          <a:bodyPr anchor="b"/>
+          <a:bodyPr anchor="b">
+            <a:normAutofit/>
+          </a:bodyPr>
           <a:lstStyle>
-            <a:lvl1pPr>
-              <a:defRPr sz="3200"/>
+            <a:lvl1pPr algn="ctr">
+              <a:defRPr sz="2400" b="0"/>
             </a:lvl1pPr>
           </a:lstStyle>
           <a:p>
@@ -12012,18 +14469,13 @@
               <a:rPr lang="en-US"/>
               <a:t>Click to edit Master title style</a:t>
             </a:r>
+            <a:endParaRPr lang="en-US" dirty="0"/>
           </a:p>
         </p:txBody>
       </p:sp>
       <p:sp>
         <p:nvSpPr>
-          <p:cNvPr id="3" name="Content Placeholder 2">
-            <a:extLst>
-              <a:ext uri="{FF2B5EF4-FFF2-40B4-BE49-F238E27FC236}">
-                <a16:creationId xmlns:a16="http://schemas.microsoft.com/office/drawing/2014/main" id="{378727F9-9D19-4E8E-AC3D-34525850FBBD}"/>
-              </a:ext>
-            </a:extLst>
-          </p:cNvPr>
+          <p:cNvPr id="3" name="Content Placeholder 2"/>
           <p:cNvSpPr>
             <a:spLocks noGrp="1"/>
           </p:cNvSpPr>
@@ -12033,41 +14485,15 @@
         </p:nvSpPr>
         <p:spPr>
           <a:xfrm>
-            <a:off x="5183188" y="987425"/>
-            <a:ext cx="6172200" cy="4873625"/>
+            <a:off x="4855633" y="609600"/>
+            <a:ext cx="6411924" cy="5181600"/>
           </a:xfrm>
         </p:spPr>
         <p:txBody>
-          <a:bodyPr/>
-          <a:lstStyle>
-            <a:lvl1pPr>
-              <a:defRPr sz="3200"/>
-            </a:lvl1pPr>
-            <a:lvl2pPr>
-              <a:defRPr sz="2800"/>
-            </a:lvl2pPr>
-            <a:lvl3pPr>
-              <a:defRPr sz="2400"/>
-            </a:lvl3pPr>
-            <a:lvl4pPr>
-              <a:defRPr sz="2000"/>
-            </a:lvl4pPr>
-            <a:lvl5pPr>
-              <a:defRPr sz="2000"/>
-            </a:lvl5pPr>
-            <a:lvl6pPr>
-              <a:defRPr sz="2000"/>
-            </a:lvl6pPr>
-            <a:lvl7pPr>
-              <a:defRPr sz="2000"/>
-            </a:lvl7pPr>
-            <a:lvl8pPr>
-              <a:defRPr sz="2000"/>
-            </a:lvl8pPr>
-            <a:lvl9pPr>
-              <a:defRPr sz="2000"/>
-            </a:lvl9pPr>
-          </a:lstStyle>
+          <a:bodyPr>
+            <a:normAutofit/>
+          </a:bodyPr>
+          <a:lstStyle/>
           <a:p>
             <a:pPr lvl="0"/>
             <a:r>
@@ -12102,18 +14528,13 @@
               <a:rPr lang="en-US"/>
               <a:t>Fifth level</a:t>
             </a:r>
+            <a:endParaRPr lang="en-US" dirty="0"/>
           </a:p>
         </p:txBody>
       </p:sp>
       <p:sp>
         <p:nvSpPr>
-          <p:cNvPr id="4" name="Text Placeholder 3">
-            <a:extLst>
-              <a:ext uri="{FF2B5EF4-FFF2-40B4-BE49-F238E27FC236}">
-                <a16:creationId xmlns:a16="http://schemas.microsoft.com/office/drawing/2014/main" id="{0353A148-2F5C-4051-B5FA-3F781A91FCDA}"/>
-              </a:ext>
-            </a:extLst>
-          </p:cNvPr>
+          <p:cNvPr id="4" name="Text Placeholder 3"/>
           <p:cNvSpPr>
             <a:spLocks noGrp="1"/>
           </p:cNvSpPr>
@@ -12123,48 +14544,50 @@
         </p:nvSpPr>
         <p:spPr>
           <a:xfrm>
-            <a:off x="839788" y="2057400"/>
-            <a:ext cx="3932237" cy="3811588"/>
+            <a:off x="913795" y="2431518"/>
+            <a:ext cx="3706889" cy="3359681"/>
           </a:xfrm>
         </p:spPr>
         <p:txBody>
-          <a:bodyPr/>
+          <a:bodyPr anchor="t">
+            <a:normAutofit/>
+          </a:bodyPr>
           <a:lstStyle>
-            <a:lvl1pPr marL="0" indent="0">
+            <a:lvl1pPr marL="0" indent="0" algn="ctr">
               <a:buNone/>
               <a:defRPr sz="1600"/>
             </a:lvl1pPr>
             <a:lvl2pPr marL="457200" indent="0">
               <a:buNone/>
-              <a:defRPr sz="1400"/>
+              <a:defRPr sz="1200"/>
             </a:lvl2pPr>
             <a:lvl3pPr marL="914400" indent="0">
               <a:buNone/>
-              <a:defRPr sz="1200"/>
+              <a:defRPr sz="1000"/>
             </a:lvl3pPr>
             <a:lvl4pPr marL="1371600" indent="0">
               <a:buNone/>
-              <a:defRPr sz="1000"/>
+              <a:defRPr sz="900"/>
             </a:lvl4pPr>
             <a:lvl5pPr marL="1828800" indent="0">
               <a:buNone/>
-              <a:defRPr sz="1000"/>
+              <a:defRPr sz="900"/>
             </a:lvl5pPr>
             <a:lvl6pPr marL="2286000" indent="0">
               <a:buNone/>
-              <a:defRPr sz="1000"/>
+              <a:defRPr sz="900"/>
             </a:lvl6pPr>
             <a:lvl7pPr marL="2743200" indent="0">
               <a:buNone/>
-              <a:defRPr sz="1000"/>
+              <a:defRPr sz="900"/>
             </a:lvl7pPr>
             <a:lvl8pPr marL="3200400" indent="0">
               <a:buNone/>
-              <a:defRPr sz="1000"/>
+              <a:defRPr sz="900"/>
             </a:lvl8pPr>
             <a:lvl9pPr marL="3657600" indent="0">
               <a:buNone/>
-              <a:defRPr sz="1000"/>
+              <a:defRPr sz="900"/>
             </a:lvl9pPr>
           </a:lstStyle>
           <a:p>
@@ -12178,13 +14601,7 @@
       </p:sp>
       <p:sp>
         <p:nvSpPr>
-          <p:cNvPr id="5" name="Date Placeholder 4">
-            <a:extLst>
-              <a:ext uri="{FF2B5EF4-FFF2-40B4-BE49-F238E27FC236}">
-                <a16:creationId xmlns:a16="http://schemas.microsoft.com/office/drawing/2014/main" id="{271A3ACE-D34A-49EB-8FA5-EAE95411EF11}"/>
-              </a:ext>
-            </a:extLst>
-          </p:cNvPr>
+          <p:cNvPr id="5" name="Date Placeholder 4"/>
           <p:cNvSpPr>
             <a:spLocks noGrp="1"/>
           </p:cNvSpPr>
@@ -12207,13 +14624,7 @@
       </p:sp>
       <p:sp>
         <p:nvSpPr>
-          <p:cNvPr id="6" name="Footer Placeholder 5">
-            <a:extLst>
-              <a:ext uri="{FF2B5EF4-FFF2-40B4-BE49-F238E27FC236}">
-                <a16:creationId xmlns:a16="http://schemas.microsoft.com/office/drawing/2014/main" id="{9A157E8A-B9FA-4C33-A0E6-110DF54C635B}"/>
-              </a:ext>
-            </a:extLst>
-          </p:cNvPr>
+          <p:cNvPr id="6" name="Footer Placeholder 5"/>
           <p:cNvSpPr>
             <a:spLocks noGrp="1"/>
           </p:cNvSpPr>
@@ -12232,13 +14643,7 @@
       </p:sp>
       <p:sp>
         <p:nvSpPr>
-          <p:cNvPr id="7" name="Slide Number Placeholder 6">
-            <a:extLst>
-              <a:ext uri="{FF2B5EF4-FFF2-40B4-BE49-F238E27FC236}">
-                <a16:creationId xmlns:a16="http://schemas.microsoft.com/office/drawing/2014/main" id="{007C694C-1BC9-4212-B1CC-6B090098DDE0}"/>
-              </a:ext>
-            </a:extLst>
-          </p:cNvPr>
+          <p:cNvPr id="7" name="Slide Number Placeholder 6"/>
           <p:cNvSpPr>
             <a:spLocks noGrp="1"/>
           </p:cNvSpPr>
@@ -12262,7 +14667,7 @@
     </p:spTree>
     <p:extLst>
       <p:ext uri="{BB962C8B-B14F-4D97-AF65-F5344CB8AC3E}">
-        <p14:creationId xmlns:p14="http://schemas.microsoft.com/office/powerpoint/2010/main" val="818203771"/>
+        <p14:creationId xmlns:p14="http://schemas.microsoft.com/office/powerpoint/2010/main" val="1031949565"/>
       </p:ext>
     </p:extLst>
   </p:cSld>
@@ -12289,15 +14694,39 @@
           <a:chExt cx="0" cy="0"/>
         </a:xfrm>
       </p:grpSpPr>
+      <p:pic>
+        <p:nvPicPr>
+          <p:cNvPr id="22" name="Picture 21" descr="Slate-V2-HD-vertPhotoInset.png"/>
+          <p:cNvPicPr>
+            <a:picLocks noChangeAspect="1"/>
+          </p:cNvPicPr>
+          <p:nvPr/>
+        </p:nvPicPr>
+        <p:blipFill>
+          <a:blip r:embed="rId2">
+            <a:extLst>
+              <a:ext uri="{28A0092B-C50C-407E-A947-70E740481C1C}">
+                <a14:useLocalDpi xmlns:a14="http://schemas.microsoft.com/office/drawing/2010/main" val="0"/>
+              </a:ext>
+            </a:extLst>
+          </a:blip>
+          <a:stretch>
+            <a:fillRect/>
+          </a:stretch>
+        </p:blipFill>
+        <p:spPr>
+          <a:xfrm>
+            <a:off x="7293665" y="609600"/>
+            <a:ext cx="3584166" cy="5204832"/>
+          </a:xfrm>
+          <a:prstGeom prst="rect">
+            <a:avLst/>
+          </a:prstGeom>
+        </p:spPr>
+      </p:pic>
       <p:sp>
         <p:nvSpPr>
-          <p:cNvPr id="2" name="Title 1">
-            <a:extLst>
-              <a:ext uri="{FF2B5EF4-FFF2-40B4-BE49-F238E27FC236}">
-                <a16:creationId xmlns:a16="http://schemas.microsoft.com/office/drawing/2014/main" id="{504BE7FA-45E9-4889-A908-3854250CD6E1}"/>
-              </a:ext>
-            </a:extLst>
-          </p:cNvPr>
+          <p:cNvPr id="2" name="Title 1"/>
           <p:cNvSpPr>
             <a:spLocks noGrp="1"/>
           </p:cNvSpPr>
@@ -12307,15 +14736,17 @@
         </p:nvSpPr>
         <p:spPr>
           <a:xfrm>
-            <a:off x="839788" y="457200"/>
-            <a:ext cx="3932237" cy="1600200"/>
+            <a:off x="913795" y="609923"/>
+            <a:ext cx="5934949" cy="1829338"/>
           </a:xfrm>
         </p:spPr>
         <p:txBody>
-          <a:bodyPr anchor="b"/>
+          <a:bodyPr anchor="b">
+            <a:noAutofit/>
+          </a:bodyPr>
           <a:lstStyle>
-            <a:lvl1pPr>
-              <a:defRPr sz="3200"/>
+            <a:lvl1pPr algn="ctr">
+              <a:defRPr sz="3200" b="0"/>
             </a:lvl1pPr>
           </a:lstStyle>
           <a:p>
@@ -12323,20 +14754,15 @@
               <a:rPr lang="en-US"/>
               <a:t>Click to edit Master title style</a:t>
             </a:r>
+            <a:endParaRPr lang="en-US" dirty="0"/>
           </a:p>
         </p:txBody>
       </p:sp>
       <p:sp>
         <p:nvSpPr>
-          <p:cNvPr id="3" name="Picture Placeholder 2">
-            <a:extLst>
-              <a:ext uri="{FF2B5EF4-FFF2-40B4-BE49-F238E27FC236}">
-                <a16:creationId xmlns:a16="http://schemas.microsoft.com/office/drawing/2014/main" id="{F40EC2C2-CFA1-4B69-A3DD-10D558C93DCA}"/>
-              </a:ext>
-            </a:extLst>
-          </p:cNvPr>
+          <p:cNvPr id="3" name="Picture Placeholder 2"/>
           <p:cNvSpPr>
-            <a:spLocks noGrp="1"/>
+            <a:spLocks noGrp="1" noChangeAspect="1"/>
           </p:cNvSpPr>
           <p:nvPr>
             <p:ph type="pic" idx="1"/>
@@ -12344,64 +14770,71 @@
         </p:nvSpPr>
         <p:spPr>
           <a:xfrm>
-            <a:off x="5183188" y="987425"/>
-            <a:ext cx="6172200" cy="4873625"/>
+            <a:off x="7442551" y="763702"/>
+            <a:ext cx="3275751" cy="4912822"/>
           </a:xfrm>
+          <a:effectLst>
+            <a:outerShdw blurRad="38100" dist="25400" dir="4440000">
+              <a:srgbClr val="000000">
+                <a:alpha val="36000"/>
+              </a:srgbClr>
+            </a:outerShdw>
+          </a:effectLst>
         </p:spPr>
         <p:txBody>
-          <a:bodyPr/>
+          <a:bodyPr anchor="t">
+            <a:normAutofit/>
+          </a:bodyPr>
           <a:lstStyle>
-            <a:lvl1pPr marL="0" indent="0">
-              <a:buNone/>
-              <a:defRPr sz="3200"/>
+            <a:lvl1pPr marL="0" indent="0" algn="ctr">
+              <a:buNone/>
+              <a:defRPr sz="1600"/>
             </a:lvl1pPr>
             <a:lvl2pPr marL="457200" indent="0">
               <a:buNone/>
-              <a:defRPr sz="2800"/>
+              <a:defRPr sz="1600"/>
             </a:lvl2pPr>
             <a:lvl3pPr marL="914400" indent="0">
               <a:buNone/>
-              <a:defRPr sz="2400"/>
+              <a:defRPr sz="1600"/>
             </a:lvl3pPr>
             <a:lvl4pPr marL="1371600" indent="0">
               <a:buNone/>
-              <a:defRPr sz="2000"/>
+              <a:defRPr sz="1600"/>
             </a:lvl4pPr>
             <a:lvl5pPr marL="1828800" indent="0">
               <a:buNone/>
-              <a:defRPr sz="2000"/>
+              <a:defRPr sz="1600"/>
             </a:lvl5pPr>
             <a:lvl6pPr marL="2286000" indent="0">
               <a:buNone/>
-              <a:defRPr sz="2000"/>
+              <a:defRPr sz="1600"/>
             </a:lvl6pPr>
             <a:lvl7pPr marL="2743200" indent="0">
               <a:buNone/>
-              <a:defRPr sz="2000"/>
+              <a:defRPr sz="1600"/>
             </a:lvl7pPr>
             <a:lvl8pPr marL="3200400" indent="0">
               <a:buNone/>
-              <a:defRPr sz="2000"/>
+              <a:defRPr sz="1600"/>
             </a:lvl8pPr>
             <a:lvl9pPr marL="3657600" indent="0">
               <a:buNone/>
-              <a:defRPr sz="2000"/>
+              <a:defRPr sz="1600"/>
             </a:lvl9pPr>
           </a:lstStyle>
           <a:p>
-            <a:endParaRPr lang="en-US"/>
+            <a:r>
+              <a:rPr lang="en-US"/>
+              <a:t>Click icon to add picture</a:t>
+            </a:r>
+            <a:endParaRPr lang="en-US" dirty="0"/>
           </a:p>
         </p:txBody>
       </p:sp>
       <p:sp>
         <p:nvSpPr>
-          <p:cNvPr id="4" name="Text Placeholder 3">
-            <a:extLst>
-              <a:ext uri="{FF2B5EF4-FFF2-40B4-BE49-F238E27FC236}">
-                <a16:creationId xmlns:a16="http://schemas.microsoft.com/office/drawing/2014/main" id="{54D80CD7-6A22-4DF3-87D0-D05E8756186F}"/>
-              </a:ext>
-            </a:extLst>
-          </p:cNvPr>
+          <p:cNvPr id="4" name="Text Placeholder 3"/>
           <p:cNvSpPr>
             <a:spLocks noGrp="1"/>
           </p:cNvSpPr>
@@ -12411,48 +14844,50 @@
         </p:nvSpPr>
         <p:spPr>
           <a:xfrm>
-            <a:off x="839788" y="2057400"/>
-            <a:ext cx="3932237" cy="3811588"/>
+            <a:off x="913795" y="2439261"/>
+            <a:ext cx="5934949" cy="3376134"/>
           </a:xfrm>
         </p:spPr>
         <p:txBody>
-          <a:bodyPr/>
+          <a:bodyPr anchor="t">
+            <a:normAutofit/>
+          </a:bodyPr>
           <a:lstStyle>
-            <a:lvl1pPr marL="0" indent="0">
+            <a:lvl1pPr marL="0" indent="0" algn="ctr">
               <a:buNone/>
               <a:defRPr sz="1600"/>
             </a:lvl1pPr>
             <a:lvl2pPr marL="457200" indent="0">
               <a:buNone/>
-              <a:defRPr sz="1400"/>
+              <a:defRPr sz="1200"/>
             </a:lvl2pPr>
             <a:lvl3pPr marL="914400" indent="0">
               <a:buNone/>
-              <a:defRPr sz="1200"/>
+              <a:defRPr sz="1000"/>
             </a:lvl3pPr>
             <a:lvl4pPr marL="1371600" indent="0">
               <a:buNone/>
-              <a:defRPr sz="1000"/>
+              <a:defRPr sz="900"/>
             </a:lvl4pPr>
             <a:lvl5pPr marL="1828800" indent="0">
               <a:buNone/>
-              <a:defRPr sz="1000"/>
+              <a:defRPr sz="900"/>
             </a:lvl5pPr>
             <a:lvl6pPr marL="2286000" indent="0">
               <a:buNone/>
-              <a:defRPr sz="1000"/>
+              <a:defRPr sz="900"/>
             </a:lvl6pPr>
             <a:lvl7pPr marL="2743200" indent="0">
               <a:buNone/>
-              <a:defRPr sz="1000"/>
+              <a:defRPr sz="900"/>
             </a:lvl7pPr>
             <a:lvl8pPr marL="3200400" indent="0">
               <a:buNone/>
-              <a:defRPr sz="1000"/>
+              <a:defRPr sz="900"/>
             </a:lvl8pPr>
             <a:lvl9pPr marL="3657600" indent="0">
               <a:buNone/>
-              <a:defRPr sz="1000"/>
+              <a:defRPr sz="900"/>
             </a:lvl9pPr>
           </a:lstStyle>
           <a:p>
@@ -12466,13 +14901,7 @@
       </p:sp>
       <p:sp>
         <p:nvSpPr>
-          <p:cNvPr id="5" name="Date Placeholder 4">
-            <a:extLst>
-              <a:ext uri="{FF2B5EF4-FFF2-40B4-BE49-F238E27FC236}">
-                <a16:creationId xmlns:a16="http://schemas.microsoft.com/office/drawing/2014/main" id="{E59A0870-39B5-4B62-9498-12D1872ED9A7}"/>
-              </a:ext>
-            </a:extLst>
-          </p:cNvPr>
+          <p:cNvPr id="5" name="Date Placeholder 4"/>
           <p:cNvSpPr>
             <a:spLocks noGrp="1"/>
           </p:cNvSpPr>
@@ -12495,13 +14924,7 @@
       </p:sp>
       <p:sp>
         <p:nvSpPr>
-          <p:cNvPr id="6" name="Footer Placeholder 5">
-            <a:extLst>
-              <a:ext uri="{FF2B5EF4-FFF2-40B4-BE49-F238E27FC236}">
-                <a16:creationId xmlns:a16="http://schemas.microsoft.com/office/drawing/2014/main" id="{C890A5F2-DC12-4D83-8B44-627C4001B57B}"/>
-              </a:ext>
-            </a:extLst>
-          </p:cNvPr>
+          <p:cNvPr id="6" name="Footer Placeholder 5"/>
           <p:cNvSpPr>
             <a:spLocks noGrp="1"/>
           </p:cNvSpPr>
@@ -12520,13 +14943,7 @@
       </p:sp>
       <p:sp>
         <p:nvSpPr>
-          <p:cNvPr id="7" name="Slide Number Placeholder 6">
-            <a:extLst>
-              <a:ext uri="{FF2B5EF4-FFF2-40B4-BE49-F238E27FC236}">
-                <a16:creationId xmlns:a16="http://schemas.microsoft.com/office/drawing/2014/main" id="{52429F2F-5819-4C1D-B971-EC6CC117A5AC}"/>
-              </a:ext>
-            </a:extLst>
-          </p:cNvPr>
+          <p:cNvPr id="7" name="Slide Number Placeholder 6"/>
           <p:cNvSpPr>
             <a:spLocks noGrp="1"/>
           </p:cNvSpPr>
@@ -12550,7 +14967,7 @@
     </p:spTree>
     <p:extLst>
       <p:ext uri="{BB962C8B-B14F-4D97-AF65-F5344CB8AC3E}">
-        <p14:creationId xmlns:p14="http://schemas.microsoft.com/office/powerpoint/2010/main" val="1332066787"/>
+        <p14:creationId xmlns:p14="http://schemas.microsoft.com/office/powerpoint/2010/main" val="4248010126"/>
       </p:ext>
     </p:extLst>
   </p:cSld>
@@ -12564,8 +14981,8 @@
 <p:sldMaster xmlns:a="http://schemas.openxmlformats.org/drawingml/2006/main" xmlns:r="http://schemas.openxmlformats.org/officeDocument/2006/relationships" xmlns:p="http://schemas.openxmlformats.org/presentationml/2006/main">
   <p:cSld>
     <p:bg>
-      <p:bgRef idx="1001">
-        <a:schemeClr val="bg1"/>
+      <p:bgRef idx="1003">
+        <a:schemeClr val="bg2"/>
       </p:bgRef>
     </p:bg>
     <p:spTree>
@@ -12584,13 +15001,7 @@
       </p:grpSpPr>
       <p:sp>
         <p:nvSpPr>
-          <p:cNvPr id="2" name="Title Placeholder 1">
-            <a:extLst>
-              <a:ext uri="{FF2B5EF4-FFF2-40B4-BE49-F238E27FC236}">
-                <a16:creationId xmlns:a16="http://schemas.microsoft.com/office/drawing/2014/main" id="{088D28EE-A09A-4885-A110-621C3065009D}"/>
-              </a:ext>
-            </a:extLst>
-          </p:cNvPr>
+          <p:cNvPr id="2" name="Title Placeholder 1"/>
           <p:cNvSpPr>
             <a:spLocks noGrp="1"/>
           </p:cNvSpPr>
@@ -12600,12 +15011,19 @@
         </p:nvSpPr>
         <p:spPr>
           <a:xfrm>
-            <a:off x="838200" y="365125"/>
-            <a:ext cx="10515600" cy="1325563"/>
+            <a:off x="913795" y="609600"/>
+            <a:ext cx="10353762" cy="970450"/>
           </a:xfrm>
           <a:prstGeom prst="rect">
             <a:avLst/>
           </a:prstGeom>
+          <a:effectLst>
+            <a:outerShdw blurRad="25400" dir="17880000">
+              <a:srgbClr val="000000">
+                <a:alpha val="46000"/>
+              </a:srgbClr>
+            </a:outerShdw>
+          </a:effectLst>
         </p:spPr>
         <p:txBody>
           <a:bodyPr vert="horz" lIns="91440" tIns="45720" rIns="91440" bIns="45720" rtlCol="0" anchor="ctr">
@@ -12617,18 +15035,13 @@
               <a:rPr lang="en-US"/>
               <a:t>Click to edit Master title style</a:t>
             </a:r>
+            <a:endParaRPr lang="en-US" dirty="0"/>
           </a:p>
         </p:txBody>
       </p:sp>
       <p:sp>
         <p:nvSpPr>
-          <p:cNvPr id="3" name="Text Placeholder 2">
-            <a:extLst>
-              <a:ext uri="{FF2B5EF4-FFF2-40B4-BE49-F238E27FC236}">
-                <a16:creationId xmlns:a16="http://schemas.microsoft.com/office/drawing/2014/main" id="{1448C6A4-5D32-4951-8AB6-05C803626F9C}"/>
-              </a:ext>
-            </a:extLst>
-          </p:cNvPr>
+          <p:cNvPr id="3" name="Text Placeholder 2"/>
           <p:cNvSpPr>
             <a:spLocks noGrp="1"/>
           </p:cNvSpPr>
@@ -12638,15 +15051,22 @@
         </p:nvSpPr>
         <p:spPr>
           <a:xfrm>
-            <a:off x="838200" y="1825625"/>
-            <a:ext cx="10515600" cy="4351338"/>
+            <a:off x="913795" y="1732449"/>
+            <a:ext cx="10353762" cy="4058751"/>
           </a:xfrm>
           <a:prstGeom prst="rect">
             <a:avLst/>
           </a:prstGeom>
+          <a:effectLst>
+            <a:outerShdw blurRad="25400" dir="17880000">
+              <a:srgbClr val="000000">
+                <a:alpha val="46000"/>
+              </a:srgbClr>
+            </a:outerShdw>
+          </a:effectLst>
         </p:spPr>
         <p:txBody>
-          <a:bodyPr vert="horz" lIns="91440" tIns="45720" rIns="91440" bIns="45720" rtlCol="0">
+          <a:bodyPr vert="horz" lIns="91440" tIns="45720" rIns="91440" bIns="45720" rtlCol="0" anchor="t">
             <a:normAutofit/>
           </a:bodyPr>
           <a:lstStyle/>
@@ -12684,18 +15104,13 @@
               <a:rPr lang="en-US"/>
               <a:t>Fifth level</a:t>
             </a:r>
+            <a:endParaRPr lang="en-US" dirty="0"/>
           </a:p>
         </p:txBody>
       </p:sp>
       <p:sp>
         <p:nvSpPr>
-          <p:cNvPr id="4" name="Date Placeholder 3">
-            <a:extLst>
-              <a:ext uri="{FF2B5EF4-FFF2-40B4-BE49-F238E27FC236}">
-                <a16:creationId xmlns:a16="http://schemas.microsoft.com/office/drawing/2014/main" id="{327E26E4-6FA9-42E2-86EE-24A2FDE739CC}"/>
-              </a:ext>
-            </a:extLst>
-          </p:cNvPr>
+          <p:cNvPr id="4" name="Date Placeholder 3"/>
           <p:cNvSpPr>
             <a:spLocks noGrp="1"/>
           </p:cNvSpPr>
@@ -12705,97 +15120,7 @@
         </p:nvSpPr>
         <p:spPr>
           <a:xfrm>
-            <a:off x="838200" y="6356350"/>
-            <a:ext cx="2743200" cy="365125"/>
-          </a:xfrm>
-          <a:prstGeom prst="rect">
-            <a:avLst/>
-          </a:prstGeom>
-        </p:spPr>
-        <p:txBody>
-          <a:bodyPr vert="horz" lIns="91440" tIns="45720" rIns="91440" bIns="45720" rtlCol="0" anchor="ctr"/>
-          <a:lstStyle>
-            <a:lvl1pPr algn="l">
-              <a:defRPr sz="1200">
-                <a:solidFill>
-                  <a:schemeClr val="tx1">
-                    <a:tint val="75000"/>
-                  </a:schemeClr>
-                </a:solidFill>
-              </a:defRPr>
-            </a:lvl1pPr>
-          </a:lstStyle>
-          <a:p>
-            <a:fld id="{B673521E-B280-4C28-8ED0-E34914655C34}" type="datetimeFigureOut">
-              <a:rPr lang="en-US" smtClean="0"/>
-              <a:t>10/1/2019</a:t>
-            </a:fld>
-            <a:endParaRPr lang="en-US"/>
-          </a:p>
-        </p:txBody>
-      </p:sp>
-      <p:sp>
-        <p:nvSpPr>
-          <p:cNvPr id="5" name="Footer Placeholder 4">
-            <a:extLst>
-              <a:ext uri="{FF2B5EF4-FFF2-40B4-BE49-F238E27FC236}">
-                <a16:creationId xmlns:a16="http://schemas.microsoft.com/office/drawing/2014/main" id="{DE279472-44DC-47D2-A369-55A33AFE54C2}"/>
-              </a:ext>
-            </a:extLst>
-          </p:cNvPr>
-          <p:cNvSpPr>
-            <a:spLocks noGrp="1"/>
-          </p:cNvSpPr>
-          <p:nvPr>
-            <p:ph type="ftr" sz="quarter" idx="3"/>
-          </p:nvPr>
-        </p:nvSpPr>
-        <p:spPr>
-          <a:xfrm>
-            <a:off x="4038600" y="6356350"/>
-            <a:ext cx="4114800" cy="365125"/>
-          </a:xfrm>
-          <a:prstGeom prst="rect">
-            <a:avLst/>
-          </a:prstGeom>
-        </p:spPr>
-        <p:txBody>
-          <a:bodyPr vert="horz" lIns="91440" tIns="45720" rIns="91440" bIns="45720" rtlCol="0" anchor="ctr"/>
-          <a:lstStyle>
-            <a:lvl1pPr algn="ctr">
-              <a:defRPr sz="1200">
-                <a:solidFill>
-                  <a:schemeClr val="tx1">
-                    <a:tint val="75000"/>
-                  </a:schemeClr>
-                </a:solidFill>
-              </a:defRPr>
-            </a:lvl1pPr>
-          </a:lstStyle>
-          <a:p>
-            <a:endParaRPr lang="en-US"/>
-          </a:p>
-        </p:txBody>
-      </p:sp>
-      <p:sp>
-        <p:nvSpPr>
-          <p:cNvPr id="6" name="Slide Number Placeholder 5">
-            <a:extLst>
-              <a:ext uri="{FF2B5EF4-FFF2-40B4-BE49-F238E27FC236}">
-                <a16:creationId xmlns:a16="http://schemas.microsoft.com/office/drawing/2014/main" id="{F6C5DE4B-8A3B-425C-B8A6-0995FE65E963}"/>
-              </a:ext>
-            </a:extLst>
-          </p:cNvPr>
-          <p:cNvSpPr>
-            <a:spLocks noGrp="1"/>
-          </p:cNvSpPr>
-          <p:nvPr>
-            <p:ph type="sldNum" sz="quarter" idx="4"/>
-          </p:nvPr>
-        </p:nvSpPr>
-        <p:spPr>
-          <a:xfrm>
-            <a:off x="8610600" y="6356350"/>
+            <a:off x="7678736" y="5883275"/>
             <a:ext cx="2743200" cy="365125"/>
           </a:xfrm>
           <a:prstGeom prst="rect">
@@ -12806,12 +15131,111 @@
           <a:bodyPr vert="horz" lIns="91440" tIns="45720" rIns="91440" bIns="45720" rtlCol="0" anchor="ctr"/>
           <a:lstStyle>
             <a:lvl1pPr algn="r">
-              <a:defRPr sz="1200">
+              <a:defRPr sz="1000">
                 <a:solidFill>
                   <a:schemeClr val="tx1">
-                    <a:tint val="75000"/>
+                    <a:lumMod val="95000"/>
                   </a:schemeClr>
                 </a:solidFill>
+                <a:effectLst>
+                  <a:outerShdw blurRad="50800" dist="38100" dir="2700000" algn="tl" rotWithShape="0">
+                    <a:schemeClr val="bg1">
+                      <a:alpha val="43000"/>
+                    </a:schemeClr>
+                  </a:outerShdw>
+                </a:effectLst>
+              </a:defRPr>
+            </a:lvl1pPr>
+          </a:lstStyle>
+          <a:p>
+            <a:fld id="{B673521E-B280-4C28-8ED0-E34914655C34}" type="datetimeFigureOut">
+              <a:rPr lang="en-US" smtClean="0"/>
+              <a:t>10/1/2019</a:t>
+            </a:fld>
+            <a:endParaRPr lang="en-US"/>
+          </a:p>
+        </p:txBody>
+      </p:sp>
+      <p:sp>
+        <p:nvSpPr>
+          <p:cNvPr id="5" name="Footer Placeholder 4"/>
+          <p:cNvSpPr>
+            <a:spLocks noGrp="1"/>
+          </p:cNvSpPr>
+          <p:nvPr>
+            <p:ph type="ftr" sz="quarter" idx="3"/>
+          </p:nvPr>
+        </p:nvSpPr>
+        <p:spPr>
+          <a:xfrm>
+            <a:off x="913795" y="5883275"/>
+            <a:ext cx="6672865" cy="365125"/>
+          </a:xfrm>
+          <a:prstGeom prst="rect">
+            <a:avLst/>
+          </a:prstGeom>
+        </p:spPr>
+        <p:txBody>
+          <a:bodyPr vert="horz" lIns="91440" tIns="45720" rIns="91440" bIns="45720" rtlCol="0" anchor="ctr"/>
+          <a:lstStyle>
+            <a:lvl1pPr algn="l">
+              <a:defRPr sz="1000">
+                <a:solidFill>
+                  <a:schemeClr val="tx1">
+                    <a:lumMod val="95000"/>
+                  </a:schemeClr>
+                </a:solidFill>
+                <a:effectLst>
+                  <a:outerShdw blurRad="50800" dist="38100" dir="2700000" algn="tl" rotWithShape="0">
+                    <a:schemeClr val="bg1">
+                      <a:alpha val="43000"/>
+                    </a:schemeClr>
+                  </a:outerShdw>
+                </a:effectLst>
+              </a:defRPr>
+            </a:lvl1pPr>
+          </a:lstStyle>
+          <a:p>
+            <a:endParaRPr lang="en-US"/>
+          </a:p>
+        </p:txBody>
+      </p:sp>
+      <p:sp>
+        <p:nvSpPr>
+          <p:cNvPr id="6" name="Slide Number Placeholder 5"/>
+          <p:cNvSpPr>
+            <a:spLocks noGrp="1"/>
+          </p:cNvSpPr>
+          <p:nvPr>
+            <p:ph type="sldNum" sz="quarter" idx="4"/>
+          </p:nvPr>
+        </p:nvSpPr>
+        <p:spPr>
+          <a:xfrm>
+            <a:off x="10514011" y="5883275"/>
+            <a:ext cx="753545" cy="365125"/>
+          </a:xfrm>
+          <a:prstGeom prst="rect">
+            <a:avLst/>
+          </a:prstGeom>
+        </p:spPr>
+        <p:txBody>
+          <a:bodyPr vert="horz" lIns="91440" tIns="45720" rIns="91440" bIns="45720" rtlCol="0" anchor="ctr"/>
+          <a:lstStyle>
+            <a:lvl1pPr algn="r">
+              <a:defRPr sz="1000">
+                <a:solidFill>
+                  <a:schemeClr val="tx1">
+                    <a:lumMod val="95000"/>
+                  </a:schemeClr>
+                </a:solidFill>
+                <a:effectLst>
+                  <a:outerShdw blurRad="50800" dist="38100" dir="2700000" algn="tl" rotWithShape="0">
+                    <a:schemeClr val="bg1">
+                      <a:alpha val="43000"/>
+                    </a:schemeClr>
+                  </a:outerShdw>
+                </a:effectLst>
               </a:defRPr>
             </a:lvl1pPr>
           </a:lstStyle>
@@ -12827,202 +15251,457 @@
     </p:spTree>
     <p:extLst>
       <p:ext uri="{BB962C8B-B14F-4D97-AF65-F5344CB8AC3E}">
-        <p14:creationId xmlns:p14="http://schemas.microsoft.com/office/powerpoint/2010/main" val="2624882148"/>
+        <p14:creationId xmlns:p14="http://schemas.microsoft.com/office/powerpoint/2010/main" val="1388119633"/>
       </p:ext>
     </p:extLst>
   </p:cSld>
-  <p:clrMap bg1="lt1" tx1="dk1" bg2="lt2" tx2="dk2" accent1="accent1" accent2="accent2" accent3="accent3" accent4="accent4" accent5="accent5" accent6="accent6" hlink="hlink" folHlink="folHlink"/>
+  <p:clrMap bg1="dk1" tx1="lt1" bg2="dk2" tx2="lt2" accent1="accent1" accent2="accent2" accent3="accent3" accent4="accent4" accent5="accent5" accent6="accent6" hlink="hlink" folHlink="folHlink"/>
   <p:sldLayoutIdLst>
-    <p:sldLayoutId id="2147483649" r:id="rId1"/>
-    <p:sldLayoutId id="2147483650" r:id="rId2"/>
-    <p:sldLayoutId id="2147483651" r:id="rId3"/>
-    <p:sldLayoutId id="2147483652" r:id="rId4"/>
-    <p:sldLayoutId id="2147483653" r:id="rId5"/>
-    <p:sldLayoutId id="2147483654" r:id="rId6"/>
-    <p:sldLayoutId id="2147483655" r:id="rId7"/>
-    <p:sldLayoutId id="2147483656" r:id="rId8"/>
-    <p:sldLayoutId id="2147483657" r:id="rId9"/>
-    <p:sldLayoutId id="2147483658" r:id="rId10"/>
-    <p:sldLayoutId id="2147483659" r:id="rId11"/>
+    <p:sldLayoutId id="2147483661" r:id="rId1"/>
+    <p:sldLayoutId id="2147483662" r:id="rId2"/>
+    <p:sldLayoutId id="2147483663" r:id="rId3"/>
+    <p:sldLayoutId id="2147483664" r:id="rId4"/>
+    <p:sldLayoutId id="2147483665" r:id="rId5"/>
+    <p:sldLayoutId id="2147483666" r:id="rId6"/>
+    <p:sldLayoutId id="2147483667" r:id="rId7"/>
+    <p:sldLayoutId id="2147483668" r:id="rId8"/>
+    <p:sldLayoutId id="2147483669" r:id="rId9"/>
+    <p:sldLayoutId id="2147483670" r:id="rId10"/>
+    <p:sldLayoutId id="2147483671" r:id="rId11"/>
+    <p:sldLayoutId id="2147483672" r:id="rId12"/>
+    <p:sldLayoutId id="2147483673" r:id="rId13"/>
+    <p:sldLayoutId id="2147483674" r:id="rId14"/>
+    <p:sldLayoutId id="2147483675" r:id="rId15"/>
+    <p:sldLayoutId id="2147483676" r:id="rId16"/>
+    <p:sldLayoutId id="2147483677" r:id="rId17"/>
   </p:sldLayoutIdLst>
   <p:txStyles>
     <p:titleStyle>
-      <a:lvl1pPr algn="l" defTabSz="914400" rtl="0" eaLnBrk="1" latinLnBrk="0" hangingPunct="1">
-        <a:lnSpc>
-          <a:spcPct val="90000"/>
-        </a:lnSpc>
+      <a:lvl1pPr algn="ctr" defTabSz="457200" rtl="0" eaLnBrk="1" latinLnBrk="0" hangingPunct="1">
         <a:spcBef>
           <a:spcPct val="0"/>
         </a:spcBef>
         <a:buNone/>
-        <a:defRPr sz="4400" kern="1200">
+        <a:defRPr sz="4000" kern="1200">
+          <a:ln>
+            <a:solidFill>
+              <a:schemeClr val="bg1">
+                <a:lumMod val="75000"/>
+                <a:lumOff val="25000"/>
+                <a:alpha val="10000"/>
+              </a:schemeClr>
+            </a:solidFill>
+          </a:ln>
           <a:solidFill>
-            <a:schemeClr val="tx1"/>
+            <a:schemeClr val="tx2"/>
           </a:solidFill>
+          <a:effectLst>
+            <a:outerShdw blurRad="9525" dist="25400" dir="14640000" algn="tl" rotWithShape="0">
+              <a:schemeClr val="bg1">
+                <a:alpha val="30000"/>
+              </a:schemeClr>
+            </a:outerShdw>
+          </a:effectLst>
           <a:latin typeface="+mj-lt"/>
           <a:ea typeface="+mj-ea"/>
-          <a:cs typeface="+mj-cs"/>
+          <a:cs typeface="Trebuchet MS"/>
         </a:defRPr>
       </a:lvl1pPr>
+      <a:lvl2pPr eaLnBrk="1" hangingPunct="1">
+        <a:defRPr>
+          <a:solidFill>
+            <a:schemeClr val="tx2"/>
+          </a:solidFill>
+        </a:defRPr>
+      </a:lvl2pPr>
+      <a:lvl3pPr eaLnBrk="1" hangingPunct="1">
+        <a:defRPr>
+          <a:solidFill>
+            <a:schemeClr val="tx2"/>
+          </a:solidFill>
+        </a:defRPr>
+      </a:lvl3pPr>
+      <a:lvl4pPr eaLnBrk="1" hangingPunct="1">
+        <a:defRPr>
+          <a:solidFill>
+            <a:schemeClr val="tx2"/>
+          </a:solidFill>
+        </a:defRPr>
+      </a:lvl4pPr>
+      <a:lvl5pPr eaLnBrk="1" hangingPunct="1">
+        <a:defRPr>
+          <a:solidFill>
+            <a:schemeClr val="tx2"/>
+          </a:solidFill>
+        </a:defRPr>
+      </a:lvl5pPr>
+      <a:lvl6pPr eaLnBrk="1" hangingPunct="1">
+        <a:defRPr>
+          <a:solidFill>
+            <a:schemeClr val="tx2"/>
+          </a:solidFill>
+        </a:defRPr>
+      </a:lvl6pPr>
+      <a:lvl7pPr eaLnBrk="1" hangingPunct="1">
+        <a:defRPr>
+          <a:solidFill>
+            <a:schemeClr val="tx2"/>
+          </a:solidFill>
+        </a:defRPr>
+      </a:lvl7pPr>
+      <a:lvl8pPr eaLnBrk="1" hangingPunct="1">
+        <a:defRPr>
+          <a:solidFill>
+            <a:schemeClr val="tx2"/>
+          </a:solidFill>
+        </a:defRPr>
+      </a:lvl8pPr>
+      <a:lvl9pPr eaLnBrk="1" hangingPunct="1">
+        <a:defRPr>
+          <a:solidFill>
+            <a:schemeClr val="tx2"/>
+          </a:solidFill>
+        </a:defRPr>
+      </a:lvl9pPr>
     </p:titleStyle>
     <p:bodyStyle>
-      <a:lvl1pPr marL="228600" indent="-228600" algn="l" defTabSz="914400" rtl="0" eaLnBrk="1" latinLnBrk="0" hangingPunct="1">
-        <a:lnSpc>
-          <a:spcPct val="90000"/>
-        </a:lnSpc>
+      <a:lvl1pPr marL="342900" indent="-306000" algn="l" defTabSz="457200" rtl="0" eaLnBrk="1" latinLnBrk="0" hangingPunct="1">
         <a:spcBef>
-          <a:spcPts val="1000"/>
+          <a:spcPct val="20000"/>
         </a:spcBef>
-        <a:buFont typeface="Arial" panose="020B0604020202020204" pitchFamily="34" charset="0"/>
-        <a:buChar char="•"/>
-        <a:defRPr sz="2800" kern="1200">
+        <a:spcAft>
+          <a:spcPts val="600"/>
+        </a:spcAft>
+        <a:buClr>
+          <a:schemeClr val="tx2"/>
+        </a:buClr>
+        <a:buSzPct val="70000"/>
+        <a:buFont typeface="Wingdings 2" charset="2"/>
+        <a:buChar char=""/>
+        <a:defRPr sz="2000" kern="1200">
+          <a:ln>
+            <a:solidFill>
+              <a:schemeClr val="bg1">
+                <a:lumMod val="75000"/>
+                <a:lumOff val="25000"/>
+                <a:alpha val="10000"/>
+              </a:schemeClr>
+            </a:solidFill>
+          </a:ln>
           <a:solidFill>
-            <a:schemeClr val="tx1"/>
+            <a:schemeClr val="tx2"/>
           </a:solidFill>
+          <a:effectLst>
+            <a:outerShdw blurRad="9525" dist="25400" dir="14640000" algn="tl" rotWithShape="0">
+              <a:schemeClr val="bg1">
+                <a:alpha val="30000"/>
+              </a:schemeClr>
+            </a:outerShdw>
+          </a:effectLst>
           <a:latin typeface="+mn-lt"/>
           <a:ea typeface="+mn-ea"/>
           <a:cs typeface="+mn-cs"/>
         </a:defRPr>
       </a:lvl1pPr>
-      <a:lvl2pPr marL="685800" indent="-228600" algn="l" defTabSz="914400" rtl="0" eaLnBrk="1" latinLnBrk="0" hangingPunct="1">
-        <a:lnSpc>
-          <a:spcPct val="90000"/>
-        </a:lnSpc>
+      <a:lvl2pPr marL="720000" indent="-270000" algn="l" defTabSz="457200" rtl="0" eaLnBrk="1" latinLnBrk="0" hangingPunct="1">
         <a:spcBef>
-          <a:spcPts val="500"/>
+          <a:spcPct val="20000"/>
         </a:spcBef>
-        <a:buFont typeface="Arial" panose="020B0604020202020204" pitchFamily="34" charset="0"/>
-        <a:buChar char="•"/>
-        <a:defRPr sz="2400" kern="1200">
+        <a:spcAft>
+          <a:spcPts val="600"/>
+        </a:spcAft>
+        <a:buClr>
+          <a:schemeClr val="tx2"/>
+        </a:buClr>
+        <a:buSzPct val="70000"/>
+        <a:buFont typeface="Wingdings 2" charset="2"/>
+        <a:buChar char=""/>
+        <a:defRPr sz="1800" kern="1200">
+          <a:ln>
+            <a:solidFill>
+              <a:schemeClr val="bg1">
+                <a:lumMod val="75000"/>
+                <a:lumOff val="25000"/>
+                <a:alpha val="10000"/>
+              </a:schemeClr>
+            </a:solidFill>
+          </a:ln>
           <a:solidFill>
-            <a:schemeClr val="tx1"/>
+            <a:schemeClr val="tx2"/>
           </a:solidFill>
+          <a:effectLst>
+            <a:outerShdw blurRad="9525" dist="25400" dir="14640000" algn="tl" rotWithShape="0">
+              <a:schemeClr val="bg1">
+                <a:alpha val="30000"/>
+              </a:schemeClr>
+            </a:outerShdw>
+          </a:effectLst>
           <a:latin typeface="+mn-lt"/>
           <a:ea typeface="+mn-ea"/>
           <a:cs typeface="+mn-cs"/>
         </a:defRPr>
       </a:lvl2pPr>
-      <a:lvl3pPr marL="1143000" indent="-228600" algn="l" defTabSz="914400" rtl="0" eaLnBrk="1" latinLnBrk="0" hangingPunct="1">
-        <a:lnSpc>
-          <a:spcPct val="90000"/>
-        </a:lnSpc>
+      <a:lvl3pPr marL="1026000" indent="-216000" algn="l" defTabSz="457200" rtl="0" eaLnBrk="1" latinLnBrk="0" hangingPunct="1">
         <a:spcBef>
-          <a:spcPts val="500"/>
+          <a:spcPct val="20000"/>
         </a:spcBef>
-        <a:buFont typeface="Arial" panose="020B0604020202020204" pitchFamily="34" charset="0"/>
-        <a:buChar char="•"/>
-        <a:defRPr sz="2000" kern="1200">
+        <a:spcAft>
+          <a:spcPts val="600"/>
+        </a:spcAft>
+        <a:buClr>
+          <a:schemeClr val="tx2"/>
+        </a:buClr>
+        <a:buSzPct val="70000"/>
+        <a:buFont typeface="Wingdings 2" charset="2"/>
+        <a:buChar char=""/>
+        <a:defRPr sz="1600" kern="1200">
+          <a:ln>
+            <a:solidFill>
+              <a:schemeClr val="bg1">
+                <a:lumMod val="75000"/>
+                <a:lumOff val="25000"/>
+                <a:alpha val="10000"/>
+              </a:schemeClr>
+            </a:solidFill>
+          </a:ln>
           <a:solidFill>
-            <a:schemeClr val="tx1"/>
+            <a:schemeClr val="tx2"/>
           </a:solidFill>
+          <a:effectLst>
+            <a:outerShdw blurRad="9525" dist="25400" dir="14640000" algn="tl" rotWithShape="0">
+              <a:schemeClr val="bg1">
+                <a:alpha val="30000"/>
+              </a:schemeClr>
+            </a:outerShdw>
+          </a:effectLst>
           <a:latin typeface="+mn-lt"/>
           <a:ea typeface="+mn-ea"/>
           <a:cs typeface="+mn-cs"/>
         </a:defRPr>
       </a:lvl3pPr>
-      <a:lvl4pPr marL="1600200" indent="-228600" algn="l" defTabSz="914400" rtl="0" eaLnBrk="1" latinLnBrk="0" hangingPunct="1">
-        <a:lnSpc>
-          <a:spcPct val="90000"/>
-        </a:lnSpc>
+      <a:lvl4pPr marL="1386000" indent="-216000" algn="l" defTabSz="457200" rtl="0" eaLnBrk="1" latinLnBrk="0" hangingPunct="1">
         <a:spcBef>
-          <a:spcPts val="500"/>
+          <a:spcPct val="20000"/>
         </a:spcBef>
-        <a:buFont typeface="Arial" panose="020B0604020202020204" pitchFamily="34" charset="0"/>
-        <a:buChar char="•"/>
-        <a:defRPr sz="1800" kern="1200">
+        <a:spcAft>
+          <a:spcPts val="600"/>
+        </a:spcAft>
+        <a:buClr>
+          <a:schemeClr val="tx2"/>
+        </a:buClr>
+        <a:buSzPct val="70000"/>
+        <a:buFont typeface="Wingdings 2" charset="2"/>
+        <a:buChar char=""/>
+        <a:defRPr sz="1400" kern="1200">
+          <a:ln>
+            <a:solidFill>
+              <a:schemeClr val="bg1">
+                <a:lumMod val="75000"/>
+                <a:lumOff val="25000"/>
+                <a:alpha val="10000"/>
+              </a:schemeClr>
+            </a:solidFill>
+          </a:ln>
           <a:solidFill>
-            <a:schemeClr val="tx1"/>
+            <a:schemeClr val="tx2"/>
           </a:solidFill>
+          <a:effectLst>
+            <a:outerShdw blurRad="9525" dist="25400" dir="14640000" algn="tl" rotWithShape="0">
+              <a:schemeClr val="bg1">
+                <a:alpha val="30000"/>
+              </a:schemeClr>
+            </a:outerShdw>
+          </a:effectLst>
           <a:latin typeface="+mn-lt"/>
           <a:ea typeface="+mn-ea"/>
           <a:cs typeface="+mn-cs"/>
         </a:defRPr>
       </a:lvl4pPr>
-      <a:lvl5pPr marL="2057400" indent="-228600" algn="l" defTabSz="914400" rtl="0" eaLnBrk="1" latinLnBrk="0" hangingPunct="1">
-        <a:lnSpc>
-          <a:spcPct val="90000"/>
-        </a:lnSpc>
+      <a:lvl5pPr marL="1674000" indent="-216000" algn="l" defTabSz="457200" rtl="0" eaLnBrk="1" latinLnBrk="0" hangingPunct="1">
         <a:spcBef>
-          <a:spcPts val="500"/>
+          <a:spcPct val="20000"/>
         </a:spcBef>
-        <a:buFont typeface="Arial" panose="020B0604020202020204" pitchFamily="34" charset="0"/>
-        <a:buChar char="•"/>
-        <a:defRPr sz="1800" kern="1200">
+        <a:spcAft>
+          <a:spcPts val="600"/>
+        </a:spcAft>
+        <a:buClr>
+          <a:schemeClr val="tx2"/>
+        </a:buClr>
+        <a:buSzPct val="70000"/>
+        <a:buFont typeface="Wingdings 2" charset="2"/>
+        <a:buChar char=""/>
+        <a:defRPr sz="1400" kern="1200">
+          <a:ln>
+            <a:solidFill>
+              <a:schemeClr val="bg1">
+                <a:lumMod val="75000"/>
+                <a:lumOff val="25000"/>
+                <a:alpha val="10000"/>
+              </a:schemeClr>
+            </a:solidFill>
+          </a:ln>
           <a:solidFill>
-            <a:schemeClr val="tx1"/>
+            <a:schemeClr val="tx2"/>
           </a:solidFill>
+          <a:effectLst>
+            <a:outerShdw blurRad="9525" dist="25400" dir="14640000" algn="tl" rotWithShape="0">
+              <a:schemeClr val="bg1">
+                <a:alpha val="30000"/>
+              </a:schemeClr>
+            </a:outerShdw>
+          </a:effectLst>
           <a:latin typeface="+mn-lt"/>
           <a:ea typeface="+mn-ea"/>
           <a:cs typeface="+mn-cs"/>
         </a:defRPr>
       </a:lvl5pPr>
-      <a:lvl6pPr marL="2514600" indent="-228600" algn="l" defTabSz="914400" rtl="0" eaLnBrk="1" latinLnBrk="0" hangingPunct="1">
-        <a:lnSpc>
-          <a:spcPct val="90000"/>
-        </a:lnSpc>
+      <a:lvl6pPr marL="2014600" indent="-228600" algn="l" defTabSz="457200" rtl="0" eaLnBrk="1" latinLnBrk="0" hangingPunct="1">
         <a:spcBef>
-          <a:spcPts val="500"/>
+          <a:spcPct val="20000"/>
         </a:spcBef>
-        <a:buFont typeface="Arial" panose="020B0604020202020204" pitchFamily="34" charset="0"/>
-        <a:buChar char="•"/>
-        <a:defRPr sz="1800" kern="1200">
+        <a:spcAft>
+          <a:spcPts val="600"/>
+        </a:spcAft>
+        <a:buClr>
+          <a:schemeClr val="tx2"/>
+        </a:buClr>
+        <a:buSzPct val="70000"/>
+        <a:buFont typeface="Wingdings 2" charset="2"/>
+        <a:buChar char=""/>
+        <a:defRPr sz="1400" kern="1200">
+          <a:ln>
+            <a:solidFill>
+              <a:schemeClr val="bg1">
+                <a:lumMod val="75000"/>
+                <a:lumOff val="25000"/>
+                <a:alpha val="10000"/>
+              </a:schemeClr>
+            </a:solidFill>
+          </a:ln>
           <a:solidFill>
-            <a:schemeClr val="tx1"/>
+            <a:schemeClr val="tx2"/>
           </a:solidFill>
+          <a:effectLst>
+            <a:outerShdw blurRad="9525" dist="25400" dir="14640000" algn="tl" rotWithShape="0">
+              <a:schemeClr val="bg1">
+                <a:alpha val="30000"/>
+              </a:schemeClr>
+            </a:outerShdw>
+          </a:effectLst>
           <a:latin typeface="+mn-lt"/>
           <a:ea typeface="+mn-ea"/>
           <a:cs typeface="+mn-cs"/>
         </a:defRPr>
       </a:lvl6pPr>
-      <a:lvl7pPr marL="2971800" indent="-228600" algn="l" defTabSz="914400" rtl="0" eaLnBrk="1" latinLnBrk="0" hangingPunct="1">
-        <a:lnSpc>
-          <a:spcPct val="90000"/>
-        </a:lnSpc>
+      <a:lvl7pPr marL="2401800" indent="-228600" algn="l" defTabSz="457200" rtl="0" eaLnBrk="1" latinLnBrk="0" hangingPunct="1">
         <a:spcBef>
-          <a:spcPts val="500"/>
+          <a:spcPct val="20000"/>
         </a:spcBef>
-        <a:buFont typeface="Arial" panose="020B0604020202020204" pitchFamily="34" charset="0"/>
-        <a:buChar char="•"/>
-        <a:defRPr sz="1800" kern="1200">
+        <a:spcAft>
+          <a:spcPts val="600"/>
+        </a:spcAft>
+        <a:buClr>
+          <a:schemeClr val="tx2"/>
+        </a:buClr>
+        <a:buSzPct val="70000"/>
+        <a:buFont typeface="Wingdings 2" charset="2"/>
+        <a:buChar char=""/>
+        <a:defRPr sz="1400" kern="1200">
+          <a:ln>
+            <a:solidFill>
+              <a:schemeClr val="bg1">
+                <a:lumMod val="75000"/>
+                <a:lumOff val="25000"/>
+                <a:alpha val="10000"/>
+              </a:schemeClr>
+            </a:solidFill>
+          </a:ln>
           <a:solidFill>
-            <a:schemeClr val="tx1"/>
+            <a:schemeClr val="tx2"/>
           </a:solidFill>
+          <a:effectLst>
+            <a:outerShdw blurRad="9525" dist="25400" dir="14640000" algn="tl" rotWithShape="0">
+              <a:schemeClr val="bg1">
+                <a:alpha val="30000"/>
+              </a:schemeClr>
+            </a:outerShdw>
+          </a:effectLst>
           <a:latin typeface="+mn-lt"/>
           <a:ea typeface="+mn-ea"/>
           <a:cs typeface="+mn-cs"/>
         </a:defRPr>
       </a:lvl7pPr>
-      <a:lvl8pPr marL="3429000" indent="-228600" algn="l" defTabSz="914400" rtl="0" eaLnBrk="1" latinLnBrk="0" hangingPunct="1">
-        <a:lnSpc>
-          <a:spcPct val="90000"/>
-        </a:lnSpc>
+      <a:lvl8pPr marL="2789000" indent="-228600" algn="l" defTabSz="457200" rtl="0" eaLnBrk="1" latinLnBrk="0" hangingPunct="1">
         <a:spcBef>
-          <a:spcPts val="500"/>
+          <a:spcPct val="20000"/>
         </a:spcBef>
-        <a:buFont typeface="Arial" panose="020B0604020202020204" pitchFamily="34" charset="0"/>
-        <a:buChar char="•"/>
-        <a:defRPr sz="1800" kern="1200">
+        <a:spcAft>
+          <a:spcPts val="600"/>
+        </a:spcAft>
+        <a:buClr>
+          <a:schemeClr val="tx2"/>
+        </a:buClr>
+        <a:buSzPct val="70000"/>
+        <a:buFont typeface="Wingdings 2" charset="2"/>
+        <a:buChar char=""/>
+        <a:defRPr sz="1400" kern="1200">
+          <a:ln>
+            <a:solidFill>
+              <a:schemeClr val="bg1">
+                <a:lumMod val="75000"/>
+                <a:lumOff val="25000"/>
+                <a:alpha val="10000"/>
+              </a:schemeClr>
+            </a:solidFill>
+          </a:ln>
           <a:solidFill>
-            <a:schemeClr val="tx1"/>
+            <a:schemeClr val="tx2"/>
           </a:solidFill>
+          <a:effectLst>
+            <a:outerShdw blurRad="9525" dist="25400" dir="14640000" algn="tl" rotWithShape="0">
+              <a:schemeClr val="bg1">
+                <a:alpha val="30000"/>
+              </a:schemeClr>
+            </a:outerShdw>
+          </a:effectLst>
           <a:latin typeface="+mn-lt"/>
           <a:ea typeface="+mn-ea"/>
           <a:cs typeface="+mn-cs"/>
         </a:defRPr>
       </a:lvl8pPr>
-      <a:lvl9pPr marL="3886200" indent="-228600" algn="l" defTabSz="914400" rtl="0" eaLnBrk="1" latinLnBrk="0" hangingPunct="1">
-        <a:lnSpc>
-          <a:spcPct val="90000"/>
-        </a:lnSpc>
+      <a:lvl9pPr marL="3106200" indent="-228600" algn="l" defTabSz="457200" rtl="0" eaLnBrk="1" latinLnBrk="0" hangingPunct="1">
         <a:spcBef>
-          <a:spcPts val="500"/>
+          <a:spcPct val="20000"/>
         </a:spcBef>
-        <a:buFont typeface="Arial" panose="020B0604020202020204" pitchFamily="34" charset="0"/>
-        <a:buChar char="•"/>
-        <a:defRPr sz="1800" kern="1200">
+        <a:spcAft>
+          <a:spcPts val="600"/>
+        </a:spcAft>
+        <a:buClr>
+          <a:schemeClr val="tx2"/>
+        </a:buClr>
+        <a:buSzPct val="70000"/>
+        <a:buFont typeface="Wingdings 2" charset="2"/>
+        <a:buChar char=""/>
+        <a:defRPr sz="1400" kern="1200">
+          <a:ln>
+            <a:solidFill>
+              <a:schemeClr val="bg1">
+                <a:lumMod val="75000"/>
+                <a:lumOff val="25000"/>
+                <a:alpha val="10000"/>
+              </a:schemeClr>
+            </a:solidFill>
+          </a:ln>
           <a:solidFill>
-            <a:schemeClr val="tx1"/>
+            <a:schemeClr val="tx2"/>
           </a:solidFill>
+          <a:effectLst>
+            <a:outerShdw blurRad="9525" dist="25400" dir="14640000" algn="tl" rotWithShape="0">
+              <a:schemeClr val="bg1">
+                <a:alpha val="30000"/>
+              </a:schemeClr>
+            </a:outerShdw>
+          </a:effectLst>
           <a:latin typeface="+mn-lt"/>
           <a:ea typeface="+mn-ea"/>
           <a:cs typeface="+mn-cs"/>
@@ -13033,7 +15712,7 @@
       <a:defPPr>
         <a:defRPr lang="en-US"/>
       </a:defPPr>
-      <a:lvl1pPr marL="0" algn="l" defTabSz="914400" rtl="0" eaLnBrk="1" latinLnBrk="0" hangingPunct="1">
+      <a:lvl1pPr marL="0" algn="l" defTabSz="457200" rtl="0" eaLnBrk="1" latinLnBrk="0" hangingPunct="1">
         <a:defRPr sz="1800" kern="1200">
           <a:solidFill>
             <a:schemeClr val="tx1"/>
@@ -13043,7 +15722,7 @@
           <a:cs typeface="+mn-cs"/>
         </a:defRPr>
       </a:lvl1pPr>
-      <a:lvl2pPr marL="457200" algn="l" defTabSz="914400" rtl="0" eaLnBrk="1" latinLnBrk="0" hangingPunct="1">
+      <a:lvl2pPr marL="457200" algn="l" defTabSz="457200" rtl="0" eaLnBrk="1" latinLnBrk="0" hangingPunct="1">
         <a:defRPr sz="1800" kern="1200">
           <a:solidFill>
             <a:schemeClr val="tx1"/>
@@ -13053,7 +15732,7 @@
           <a:cs typeface="+mn-cs"/>
         </a:defRPr>
       </a:lvl2pPr>
-      <a:lvl3pPr marL="914400" algn="l" defTabSz="914400" rtl="0" eaLnBrk="1" latinLnBrk="0" hangingPunct="1">
+      <a:lvl3pPr marL="914400" algn="l" defTabSz="457200" rtl="0" eaLnBrk="1" latinLnBrk="0" hangingPunct="1">
         <a:defRPr sz="1800" kern="1200">
           <a:solidFill>
             <a:schemeClr val="tx1"/>
@@ -13063,7 +15742,7 @@
           <a:cs typeface="+mn-cs"/>
         </a:defRPr>
       </a:lvl3pPr>
-      <a:lvl4pPr marL="1371600" algn="l" defTabSz="914400" rtl="0" eaLnBrk="1" latinLnBrk="0" hangingPunct="1">
+      <a:lvl4pPr marL="1371600" algn="l" defTabSz="457200" rtl="0" eaLnBrk="1" latinLnBrk="0" hangingPunct="1">
         <a:defRPr sz="1800" kern="1200">
           <a:solidFill>
             <a:schemeClr val="tx1"/>
@@ -13073,7 +15752,7 @@
           <a:cs typeface="+mn-cs"/>
         </a:defRPr>
       </a:lvl4pPr>
-      <a:lvl5pPr marL="1828800" algn="l" defTabSz="914400" rtl="0" eaLnBrk="1" latinLnBrk="0" hangingPunct="1">
+      <a:lvl5pPr marL="1828800" algn="l" defTabSz="457200" rtl="0" eaLnBrk="1" latinLnBrk="0" hangingPunct="1">
         <a:defRPr sz="1800" kern="1200">
           <a:solidFill>
             <a:schemeClr val="tx1"/>
@@ -13083,7 +15762,7 @@
           <a:cs typeface="+mn-cs"/>
         </a:defRPr>
       </a:lvl5pPr>
-      <a:lvl6pPr marL="2286000" algn="l" defTabSz="914400" rtl="0" eaLnBrk="1" latinLnBrk="0" hangingPunct="1">
+      <a:lvl6pPr marL="2286000" algn="l" defTabSz="457200" rtl="0" eaLnBrk="1" latinLnBrk="0" hangingPunct="1">
         <a:defRPr sz="1800" kern="1200">
           <a:solidFill>
             <a:schemeClr val="tx1"/>
@@ -13093,7 +15772,7 @@
           <a:cs typeface="+mn-cs"/>
         </a:defRPr>
       </a:lvl6pPr>
-      <a:lvl7pPr marL="2743200" algn="l" defTabSz="914400" rtl="0" eaLnBrk="1" latinLnBrk="0" hangingPunct="1">
+      <a:lvl7pPr marL="2743200" algn="l" defTabSz="457200" rtl="0" eaLnBrk="1" latinLnBrk="0" hangingPunct="1">
         <a:defRPr sz="1800" kern="1200">
           <a:solidFill>
             <a:schemeClr val="tx1"/>
@@ -13103,7 +15782,7 @@
           <a:cs typeface="+mn-cs"/>
         </a:defRPr>
       </a:lvl7pPr>
-      <a:lvl8pPr marL="3200400" algn="l" defTabSz="914400" rtl="0" eaLnBrk="1" latinLnBrk="0" hangingPunct="1">
+      <a:lvl8pPr marL="3200400" algn="l" defTabSz="457200" rtl="0" eaLnBrk="1" latinLnBrk="0" hangingPunct="1">
         <a:defRPr sz="1800" kern="1200">
           <a:solidFill>
             <a:schemeClr val="tx1"/>
@@ -13113,7 +15792,7 @@
           <a:cs typeface="+mn-cs"/>
         </a:defRPr>
       </a:lvl8pPr>
-      <a:lvl9pPr marL="3657600" algn="l" defTabSz="914400" rtl="0" eaLnBrk="1" latinLnBrk="0" hangingPunct="1">
+      <a:lvl9pPr marL="3657600" algn="l" defTabSz="457200" rtl="0" eaLnBrk="1" latinLnBrk="0" hangingPunct="1">
         <a:defRPr sz="1800" kern="1200">
           <a:solidFill>
             <a:schemeClr val="tx1"/>
@@ -13131,6 +15810,25 @@
 <file path=ppt/slides/slide1.xml><?xml version="1.0" encoding="utf-8"?>
 <p:sld xmlns:a="http://schemas.openxmlformats.org/drawingml/2006/main" xmlns:r="http://schemas.openxmlformats.org/officeDocument/2006/relationships" xmlns:p="http://schemas.openxmlformats.org/presentationml/2006/main">
   <p:cSld>
+    <p:bg>
+      <p:bgPr>
+        <a:blipFill rotWithShape="1">
+          <a:blip r:embed="rId2">
+            <a:duotone>
+              <a:schemeClr val="bg2">
+                <a:shade val="80000"/>
+                <a:lumMod val="80000"/>
+              </a:schemeClr>
+              <a:schemeClr val="bg2">
+                <a:tint val="98000"/>
+              </a:schemeClr>
+            </a:duotone>
+          </a:blip>
+          <a:stretch/>
+        </a:blipFill>
+        <a:effectLst/>
+      </p:bgPr>
+    </p:bg>
     <p:spTree>
       <p:nvGrpSpPr>
         <p:cNvPr id="1" name=""/>
@@ -13147,29 +15845,67 @@
       </p:grpSpPr>
       <p:sp>
         <p:nvSpPr>
-          <p:cNvPr id="2" name="Title 1">
+          <p:cNvPr id="8" name="Rectangle 7">
             <a:extLst>
               <a:ext uri="{FF2B5EF4-FFF2-40B4-BE49-F238E27FC236}">
-                <a16:creationId xmlns:a16="http://schemas.microsoft.com/office/drawing/2014/main" id="{B9A3AD2F-FF7C-4670-9F0D-6A94B3614457}"/>
+                <a16:creationId xmlns:a16="http://schemas.microsoft.com/office/drawing/2014/main" id="{1976BAAA-75A1-48AA-B7DE-B6B8070992D3}"/>
+              </a:ext>
+              <a:ext uri="{C183D7F6-B498-43B3-948B-1728B52AA6E4}">
+                <adec:decorative xmlns:adec="http://schemas.microsoft.com/office/drawing/2017/decorative" val="1"/>
               </a:ext>
             </a:extLst>
           </p:cNvPr>
           <p:cNvSpPr>
-            <a:spLocks noGrp="1"/>
+            <a:spLocks noGrp="1" noRot="1" noChangeAspect="1" noMove="1" noResize="1" noEditPoints="1" noAdjustHandles="1" noChangeArrowheads="1" noChangeShapeType="1" noTextEdit="1"/>
           </p:cNvSpPr>
           <p:nvPr>
-            <p:ph type="ctrTitle"/>
+            <p:extLst>
+              <p:ext uri="{386F3935-93C4-4BCD-93E2-E3B085C9AB24}">
+                <p16:designElem xmlns:p16="http://schemas.microsoft.com/office/powerpoint/2015/main" val="1"/>
+              </p:ext>
+            </p:extLst>
           </p:nvPr>
         </p:nvSpPr>
-        <p:spPr/>
+        <p:spPr>
+          <a:xfrm>
+            <a:off x="0" y="0"/>
+            <a:ext cx="12192000" cy="6858000"/>
+          </a:xfrm>
+          <a:prstGeom prst="rect">
+            <a:avLst/>
+          </a:prstGeom>
+          <a:solidFill>
+            <a:schemeClr val="bg2">
+              <a:lumMod val="75000"/>
+              <a:lumOff val="25000"/>
+            </a:schemeClr>
+          </a:solidFill>
+          <a:ln>
+            <a:noFill/>
+          </a:ln>
+        </p:spPr>
+        <p:style>
+          <a:lnRef idx="2">
+            <a:schemeClr val="accent1">
+              <a:shade val="50000"/>
+            </a:schemeClr>
+          </a:lnRef>
+          <a:fillRef idx="1">
+            <a:schemeClr val="accent1"/>
+          </a:fillRef>
+          <a:effectRef idx="0">
+            <a:schemeClr val="accent1"/>
+          </a:effectRef>
+          <a:fontRef idx="minor">
+            <a:schemeClr val="lt1"/>
+          </a:fontRef>
+        </p:style>
         <p:txBody>
-          <a:bodyPr/>
+          <a:bodyPr rtlCol="0" anchor="ctr"/>
           <a:lstStyle/>
           <a:p>
-            <a:r>
-              <a:rPr lang="en-US" dirty="0"/>
-              <a:t>Student Organization System (SOS)</a:t>
-            </a:r>
+            <a:pPr algn="ctr"/>
+            <a:endParaRPr lang="en-US"/>
           </a:p>
         </p:txBody>
       </p:sp>
@@ -13191,79 +15927,665 @@
         </p:nvSpPr>
         <p:spPr>
           <a:xfrm>
-            <a:off x="1524000" y="3602037"/>
-            <a:ext cx="9753600" cy="2574174"/>
+            <a:off x="8817428" y="1257301"/>
+            <a:ext cx="2450127" cy="4343399"/>
+          </a:xfrm>
+          <a:effectLst/>
+        </p:spPr>
+        <p:txBody>
+          <a:bodyPr anchor="ctr">
+            <a:normAutofit/>
+          </a:bodyPr>
+          <a:lstStyle/>
+          <a:p>
+            <a:pPr algn="l">
+              <a:lnSpc>
+                <a:spcPct val="90000"/>
+              </a:lnSpc>
+            </a:pPr>
+            <a:r>
+              <a:rPr lang="en-US"/>
+              <a:t>Team Members:</a:t>
+            </a:r>
+          </a:p>
+          <a:p>
+            <a:pPr algn="l">
+              <a:lnSpc>
+                <a:spcPct val="90000"/>
+              </a:lnSpc>
+            </a:pPr>
+            <a:r>
+              <a:rPr lang="en-US"/>
+              <a:t>Armando J. Ochoa – Primary Facilitator</a:t>
+            </a:r>
+          </a:p>
+          <a:p>
+            <a:pPr algn="l">
+              <a:lnSpc>
+                <a:spcPct val="90000"/>
+              </a:lnSpc>
+            </a:pPr>
+            <a:r>
+              <a:rPr lang="en-US" err="1"/>
+              <a:t>Yovanni</a:t>
+            </a:r>
+            <a:r>
+              <a:rPr lang="en-US"/>
+              <a:t> Jones - Developer</a:t>
+            </a:r>
+          </a:p>
+          <a:p>
+            <a:pPr algn="l">
+              <a:lnSpc>
+                <a:spcPct val="90000"/>
+              </a:lnSpc>
+            </a:pPr>
+            <a:r>
+              <a:rPr lang="en-US"/>
+              <a:t>Anthony Sanchez-Ayra – Team Leader</a:t>
+            </a:r>
+          </a:p>
+          <a:p>
+            <a:pPr algn="l">
+              <a:lnSpc>
+                <a:spcPct val="90000"/>
+              </a:lnSpc>
+            </a:pPr>
+            <a:r>
+              <a:rPr lang="en-US" err="1"/>
+              <a:t>Teriq</a:t>
+            </a:r>
+            <a:r>
+              <a:rPr lang="en-US"/>
+              <a:t> Douglas – Minute Taker</a:t>
+            </a:r>
+          </a:p>
+          <a:p>
+            <a:pPr algn="l">
+              <a:lnSpc>
+                <a:spcPct val="90000"/>
+              </a:lnSpc>
+            </a:pPr>
+            <a:r>
+              <a:rPr lang="en-US" err="1"/>
+              <a:t>M.Kian</a:t>
+            </a:r>
+            <a:r>
+              <a:rPr lang="en-US"/>
+              <a:t> </a:t>
+            </a:r>
+            <a:r>
+              <a:rPr lang="en-US" err="1"/>
+              <a:t>Maroofi</a:t>
+            </a:r>
+            <a:r>
+              <a:rPr lang="en-US"/>
+              <a:t> – Time Keeper</a:t>
+            </a:r>
+          </a:p>
+          <a:p>
+            <a:pPr algn="l">
+              <a:lnSpc>
+                <a:spcPct val="90000"/>
+              </a:lnSpc>
+            </a:pPr>
+            <a:r>
+              <a:rPr lang="en-US"/>
+              <a:t>Date: 10/01/2019</a:t>
+            </a:r>
+          </a:p>
+          <a:p>
+            <a:pPr algn="l">
+              <a:lnSpc>
+                <a:spcPct val="90000"/>
+              </a:lnSpc>
+            </a:pPr>
+            <a:endParaRPr lang="en-US"/>
+          </a:p>
+        </p:txBody>
+      </p:sp>
+      <p:sp useBgFill="1">
+        <p:nvSpPr>
+          <p:cNvPr id="10" name="Freeform: Shape 9">
+            <a:extLst>
+              <a:ext uri="{FF2B5EF4-FFF2-40B4-BE49-F238E27FC236}">
+                <a16:creationId xmlns:a16="http://schemas.microsoft.com/office/drawing/2014/main" id="{65A5F259-CDF7-4A15-A66C-A9939D23E346}"/>
+              </a:ext>
+              <a:ext uri="{C183D7F6-B498-43B3-948B-1728B52AA6E4}">
+                <adec:decorative xmlns:adec="http://schemas.microsoft.com/office/drawing/2017/decorative" val="1"/>
+              </a:ext>
+            </a:extLst>
+          </p:cNvPr>
+          <p:cNvSpPr>
+            <a:spLocks noGrp="1" noRot="1" noChangeAspect="1" noMove="1" noResize="1" noEditPoints="1" noAdjustHandles="1" noChangeArrowheads="1" noChangeShapeType="1" noTextEdit="1"/>
+          </p:cNvSpPr>
+          <p:nvPr>
+            <p:extLst>
+              <p:ext uri="{386F3935-93C4-4BCD-93E2-E3B085C9AB24}">
+                <p16:designElem xmlns:p16="http://schemas.microsoft.com/office/powerpoint/2015/main" val="1"/>
+              </p:ext>
+            </p:extLst>
+          </p:nvPr>
+        </p:nvSpPr>
+        <p:spPr>
+          <a:xfrm>
+            <a:off x="1" y="-2"/>
+            <a:ext cx="8386486" cy="6858002"/>
+          </a:xfrm>
+          <a:custGeom>
+            <a:avLst/>
+            <a:gdLst>
+              <a:gd name="connsiteX0" fmla="*/ 0 w 6088489"/>
+              <a:gd name="connsiteY0" fmla="*/ 0 h 6858002"/>
+              <a:gd name="connsiteX1" fmla="*/ 3563332 w 6088489"/>
+              <a:gd name="connsiteY1" fmla="*/ 0 h 6858002"/>
+              <a:gd name="connsiteX2" fmla="*/ 3563332 w 6088489"/>
+              <a:gd name="connsiteY2" fmla="*/ 3 h 6858002"/>
+              <a:gd name="connsiteX3" fmla="*/ 5842099 w 6088489"/>
+              <a:gd name="connsiteY3" fmla="*/ 3 h 6858002"/>
+              <a:gd name="connsiteX4" fmla="*/ 5842099 w 6088489"/>
+              <a:gd name="connsiteY4" fmla="*/ 4 h 6858002"/>
+              <a:gd name="connsiteX5" fmla="*/ 5835346 w 6088489"/>
+              <a:gd name="connsiteY5" fmla="*/ 4 h 6858002"/>
+              <a:gd name="connsiteX6" fmla="*/ 5841229 w 6088489"/>
+              <a:gd name="connsiteY6" fmla="*/ 40466 h 6858002"/>
+              <a:gd name="connsiteX7" fmla="*/ 5858543 w 6088489"/>
+              <a:gd name="connsiteY7" fmla="*/ 159110 h 6858002"/>
+              <a:gd name="connsiteX8" fmla="*/ 5870645 w 6088489"/>
+              <a:gd name="connsiteY8" fmla="*/ 245521 h 6858002"/>
+              <a:gd name="connsiteX9" fmla="*/ 5883420 w 6088489"/>
+              <a:gd name="connsiteY9" fmla="*/ 348391 h 6858002"/>
+              <a:gd name="connsiteX10" fmla="*/ 5898716 w 6088489"/>
+              <a:gd name="connsiteY10" fmla="*/ 470463 h 6858002"/>
+              <a:gd name="connsiteX11" fmla="*/ 5914853 w 6088489"/>
+              <a:gd name="connsiteY11" fmla="*/ 605566 h 6858002"/>
+              <a:gd name="connsiteX12" fmla="*/ 5931830 w 6088489"/>
+              <a:gd name="connsiteY12" fmla="*/ 757813 h 6858002"/>
+              <a:gd name="connsiteX13" fmla="*/ 5949815 w 6088489"/>
+              <a:gd name="connsiteY13" fmla="*/ 923777 h 6858002"/>
+              <a:gd name="connsiteX14" fmla="*/ 5967801 w 6088489"/>
+              <a:gd name="connsiteY14" fmla="*/ 1104142 h 6858002"/>
+              <a:gd name="connsiteX15" fmla="*/ 5986122 w 6088489"/>
+              <a:gd name="connsiteY15" fmla="*/ 1296166 h 6858002"/>
+              <a:gd name="connsiteX16" fmla="*/ 6003099 w 6088489"/>
+              <a:gd name="connsiteY16" fmla="*/ 1503278 h 6858002"/>
+              <a:gd name="connsiteX17" fmla="*/ 6019404 w 6088489"/>
+              <a:gd name="connsiteY17" fmla="*/ 1719991 h 6858002"/>
+              <a:gd name="connsiteX18" fmla="*/ 6034196 w 6088489"/>
+              <a:gd name="connsiteY18" fmla="*/ 1949048 h 6858002"/>
+              <a:gd name="connsiteX19" fmla="*/ 6048315 w 6088489"/>
+              <a:gd name="connsiteY19" fmla="*/ 2187706 h 6858002"/>
+              <a:gd name="connsiteX20" fmla="*/ 6061595 w 6088489"/>
+              <a:gd name="connsiteY20" fmla="*/ 2436652 h 6858002"/>
+              <a:gd name="connsiteX21" fmla="*/ 6066301 w 6088489"/>
+              <a:gd name="connsiteY21" fmla="*/ 2564211 h 6858002"/>
+              <a:gd name="connsiteX22" fmla="*/ 6071512 w 6088489"/>
+              <a:gd name="connsiteY22" fmla="*/ 2694512 h 6858002"/>
+              <a:gd name="connsiteX23" fmla="*/ 6076386 w 6088489"/>
+              <a:gd name="connsiteY23" fmla="*/ 2826871 h 6858002"/>
+              <a:gd name="connsiteX24" fmla="*/ 6079580 w 6088489"/>
+              <a:gd name="connsiteY24" fmla="*/ 2959917 h 6858002"/>
+              <a:gd name="connsiteX25" fmla="*/ 6082438 w 6088489"/>
+              <a:gd name="connsiteY25" fmla="*/ 3095705 h 6858002"/>
+              <a:gd name="connsiteX26" fmla="*/ 6085463 w 6088489"/>
+              <a:gd name="connsiteY26" fmla="*/ 3232865 h 6858002"/>
+              <a:gd name="connsiteX27" fmla="*/ 6087480 w 6088489"/>
+              <a:gd name="connsiteY27" fmla="*/ 3372768 h 6858002"/>
+              <a:gd name="connsiteX28" fmla="*/ 6087480 w 6088489"/>
+              <a:gd name="connsiteY28" fmla="*/ 3514043 h 6858002"/>
+              <a:gd name="connsiteX29" fmla="*/ 6088489 w 6088489"/>
+              <a:gd name="connsiteY29" fmla="*/ 3656689 h 6858002"/>
+              <a:gd name="connsiteX30" fmla="*/ 6087480 w 6088489"/>
+              <a:gd name="connsiteY30" fmla="*/ 3800707 h 6858002"/>
+              <a:gd name="connsiteX31" fmla="*/ 6085463 w 6088489"/>
+              <a:gd name="connsiteY31" fmla="*/ 3946783 h 6858002"/>
+              <a:gd name="connsiteX32" fmla="*/ 6083614 w 6088489"/>
+              <a:gd name="connsiteY32" fmla="*/ 4092858 h 6858002"/>
+              <a:gd name="connsiteX33" fmla="*/ 6079580 w 6088489"/>
+              <a:gd name="connsiteY33" fmla="*/ 4240991 h 6858002"/>
+              <a:gd name="connsiteX34" fmla="*/ 6075378 w 6088489"/>
+              <a:gd name="connsiteY34" fmla="*/ 4390495 h 6858002"/>
+              <a:gd name="connsiteX35" fmla="*/ 6070503 w 6088489"/>
+              <a:gd name="connsiteY35" fmla="*/ 4540000 h 6858002"/>
+              <a:gd name="connsiteX36" fmla="*/ 6063612 w 6088489"/>
+              <a:gd name="connsiteY36" fmla="*/ 4690876 h 6858002"/>
+              <a:gd name="connsiteX37" fmla="*/ 6055375 w 6088489"/>
+              <a:gd name="connsiteY37" fmla="*/ 4843123 h 6858002"/>
+              <a:gd name="connsiteX38" fmla="*/ 6047475 w 6088489"/>
+              <a:gd name="connsiteY38" fmla="*/ 4996057 h 6858002"/>
+              <a:gd name="connsiteX39" fmla="*/ 6037390 w 6088489"/>
+              <a:gd name="connsiteY39" fmla="*/ 5148990 h 6858002"/>
+              <a:gd name="connsiteX40" fmla="*/ 6025287 w 6088489"/>
+              <a:gd name="connsiteY40" fmla="*/ 5303981 h 6858002"/>
+              <a:gd name="connsiteX41" fmla="*/ 6013185 w 6088489"/>
+              <a:gd name="connsiteY41" fmla="*/ 5456914 h 6858002"/>
+              <a:gd name="connsiteX42" fmla="*/ 5999233 w 6088489"/>
+              <a:gd name="connsiteY42" fmla="*/ 5612591 h 6858002"/>
+              <a:gd name="connsiteX43" fmla="*/ 5983937 w 6088489"/>
+              <a:gd name="connsiteY43" fmla="*/ 5768953 h 6858002"/>
+              <a:gd name="connsiteX44" fmla="*/ 5967801 w 6088489"/>
+              <a:gd name="connsiteY44" fmla="*/ 5923258 h 6858002"/>
+              <a:gd name="connsiteX45" fmla="*/ 5948975 w 6088489"/>
+              <a:gd name="connsiteY45" fmla="*/ 6079621 h 6858002"/>
+              <a:gd name="connsiteX46" fmla="*/ 5928804 w 6088489"/>
+              <a:gd name="connsiteY46" fmla="*/ 6235297 h 6858002"/>
+              <a:gd name="connsiteX47" fmla="*/ 5908801 w 6088489"/>
+              <a:gd name="connsiteY47" fmla="*/ 6391660 h 6858002"/>
+              <a:gd name="connsiteX48" fmla="*/ 5885437 w 6088489"/>
+              <a:gd name="connsiteY48" fmla="*/ 6547336 h 6858002"/>
+              <a:gd name="connsiteX49" fmla="*/ 5861568 w 6088489"/>
+              <a:gd name="connsiteY49" fmla="*/ 6702327 h 6858002"/>
+              <a:gd name="connsiteX50" fmla="*/ 5836524 w 6088489"/>
+              <a:gd name="connsiteY50" fmla="*/ 6858002 h 6858002"/>
+              <a:gd name="connsiteX51" fmla="*/ 3563332 w 6088489"/>
+              <a:gd name="connsiteY51" fmla="*/ 6858002 h 6858002"/>
+              <a:gd name="connsiteX52" fmla="*/ 1223490 w 6088489"/>
+              <a:gd name="connsiteY52" fmla="*/ 6858002 h 6858002"/>
+              <a:gd name="connsiteX53" fmla="*/ 0 w 6088489"/>
+              <a:gd name="connsiteY53" fmla="*/ 6858002 h 6858002"/>
+            </a:gdLst>
+            <a:ahLst/>
+            <a:cxnLst>
+              <a:cxn ang="0">
+                <a:pos x="connsiteX0" y="connsiteY0"/>
+              </a:cxn>
+              <a:cxn ang="0">
+                <a:pos x="connsiteX1" y="connsiteY1"/>
+              </a:cxn>
+              <a:cxn ang="0">
+                <a:pos x="connsiteX2" y="connsiteY2"/>
+              </a:cxn>
+              <a:cxn ang="0">
+                <a:pos x="connsiteX3" y="connsiteY3"/>
+              </a:cxn>
+              <a:cxn ang="0">
+                <a:pos x="connsiteX4" y="connsiteY4"/>
+              </a:cxn>
+              <a:cxn ang="0">
+                <a:pos x="connsiteX5" y="connsiteY5"/>
+              </a:cxn>
+              <a:cxn ang="0">
+                <a:pos x="connsiteX6" y="connsiteY6"/>
+              </a:cxn>
+              <a:cxn ang="0">
+                <a:pos x="connsiteX7" y="connsiteY7"/>
+              </a:cxn>
+              <a:cxn ang="0">
+                <a:pos x="connsiteX8" y="connsiteY8"/>
+              </a:cxn>
+              <a:cxn ang="0">
+                <a:pos x="connsiteX9" y="connsiteY9"/>
+              </a:cxn>
+              <a:cxn ang="0">
+                <a:pos x="connsiteX10" y="connsiteY10"/>
+              </a:cxn>
+              <a:cxn ang="0">
+                <a:pos x="connsiteX11" y="connsiteY11"/>
+              </a:cxn>
+              <a:cxn ang="0">
+                <a:pos x="connsiteX12" y="connsiteY12"/>
+              </a:cxn>
+              <a:cxn ang="0">
+                <a:pos x="connsiteX13" y="connsiteY13"/>
+              </a:cxn>
+              <a:cxn ang="0">
+                <a:pos x="connsiteX14" y="connsiteY14"/>
+              </a:cxn>
+              <a:cxn ang="0">
+                <a:pos x="connsiteX15" y="connsiteY15"/>
+              </a:cxn>
+              <a:cxn ang="0">
+                <a:pos x="connsiteX16" y="connsiteY16"/>
+              </a:cxn>
+              <a:cxn ang="0">
+                <a:pos x="connsiteX17" y="connsiteY17"/>
+              </a:cxn>
+              <a:cxn ang="0">
+                <a:pos x="connsiteX18" y="connsiteY18"/>
+              </a:cxn>
+              <a:cxn ang="0">
+                <a:pos x="connsiteX19" y="connsiteY19"/>
+              </a:cxn>
+              <a:cxn ang="0">
+                <a:pos x="connsiteX20" y="connsiteY20"/>
+              </a:cxn>
+              <a:cxn ang="0">
+                <a:pos x="connsiteX21" y="connsiteY21"/>
+              </a:cxn>
+              <a:cxn ang="0">
+                <a:pos x="connsiteX22" y="connsiteY22"/>
+              </a:cxn>
+              <a:cxn ang="0">
+                <a:pos x="connsiteX23" y="connsiteY23"/>
+              </a:cxn>
+              <a:cxn ang="0">
+                <a:pos x="connsiteX24" y="connsiteY24"/>
+              </a:cxn>
+              <a:cxn ang="0">
+                <a:pos x="connsiteX25" y="connsiteY25"/>
+              </a:cxn>
+              <a:cxn ang="0">
+                <a:pos x="connsiteX26" y="connsiteY26"/>
+              </a:cxn>
+              <a:cxn ang="0">
+                <a:pos x="connsiteX27" y="connsiteY27"/>
+              </a:cxn>
+              <a:cxn ang="0">
+                <a:pos x="connsiteX28" y="connsiteY28"/>
+              </a:cxn>
+              <a:cxn ang="0">
+                <a:pos x="connsiteX29" y="connsiteY29"/>
+              </a:cxn>
+              <a:cxn ang="0">
+                <a:pos x="connsiteX30" y="connsiteY30"/>
+              </a:cxn>
+              <a:cxn ang="0">
+                <a:pos x="connsiteX31" y="connsiteY31"/>
+              </a:cxn>
+              <a:cxn ang="0">
+                <a:pos x="connsiteX32" y="connsiteY32"/>
+              </a:cxn>
+              <a:cxn ang="0">
+                <a:pos x="connsiteX33" y="connsiteY33"/>
+              </a:cxn>
+              <a:cxn ang="0">
+                <a:pos x="connsiteX34" y="connsiteY34"/>
+              </a:cxn>
+              <a:cxn ang="0">
+                <a:pos x="connsiteX35" y="connsiteY35"/>
+              </a:cxn>
+              <a:cxn ang="0">
+                <a:pos x="connsiteX36" y="connsiteY36"/>
+              </a:cxn>
+              <a:cxn ang="0">
+                <a:pos x="connsiteX37" y="connsiteY37"/>
+              </a:cxn>
+              <a:cxn ang="0">
+                <a:pos x="connsiteX38" y="connsiteY38"/>
+              </a:cxn>
+              <a:cxn ang="0">
+                <a:pos x="connsiteX39" y="connsiteY39"/>
+              </a:cxn>
+              <a:cxn ang="0">
+                <a:pos x="connsiteX40" y="connsiteY40"/>
+              </a:cxn>
+              <a:cxn ang="0">
+                <a:pos x="connsiteX41" y="connsiteY41"/>
+              </a:cxn>
+              <a:cxn ang="0">
+                <a:pos x="connsiteX42" y="connsiteY42"/>
+              </a:cxn>
+              <a:cxn ang="0">
+                <a:pos x="connsiteX43" y="connsiteY43"/>
+              </a:cxn>
+              <a:cxn ang="0">
+                <a:pos x="connsiteX44" y="connsiteY44"/>
+              </a:cxn>
+              <a:cxn ang="0">
+                <a:pos x="connsiteX45" y="connsiteY45"/>
+              </a:cxn>
+              <a:cxn ang="0">
+                <a:pos x="connsiteX46" y="connsiteY46"/>
+              </a:cxn>
+              <a:cxn ang="0">
+                <a:pos x="connsiteX47" y="connsiteY47"/>
+              </a:cxn>
+              <a:cxn ang="0">
+                <a:pos x="connsiteX48" y="connsiteY48"/>
+              </a:cxn>
+              <a:cxn ang="0">
+                <a:pos x="connsiteX49" y="connsiteY49"/>
+              </a:cxn>
+              <a:cxn ang="0">
+                <a:pos x="connsiteX50" y="connsiteY50"/>
+              </a:cxn>
+              <a:cxn ang="0">
+                <a:pos x="connsiteX51" y="connsiteY51"/>
+              </a:cxn>
+              <a:cxn ang="0">
+                <a:pos x="connsiteX52" y="connsiteY52"/>
+              </a:cxn>
+              <a:cxn ang="0">
+                <a:pos x="connsiteX53" y="connsiteY53"/>
+              </a:cxn>
+            </a:cxnLst>
+            <a:rect l="l" t="t" r="r" b="b"/>
+            <a:pathLst>
+              <a:path w="6088489" h="6858002">
+                <a:moveTo>
+                  <a:pt x="0" y="0"/>
+                </a:moveTo>
+                <a:lnTo>
+                  <a:pt x="3563332" y="0"/>
+                </a:lnTo>
+                <a:lnTo>
+                  <a:pt x="3563332" y="3"/>
+                </a:lnTo>
+                <a:lnTo>
+                  <a:pt x="5842099" y="3"/>
+                </a:lnTo>
+                <a:lnTo>
+                  <a:pt x="5842099" y="4"/>
+                </a:lnTo>
+                <a:lnTo>
+                  <a:pt x="5835346" y="4"/>
+                </a:lnTo>
+                <a:lnTo>
+                  <a:pt x="5841229" y="40466"/>
+                </a:lnTo>
+                <a:lnTo>
+                  <a:pt x="5858543" y="159110"/>
+                </a:lnTo>
+                <a:lnTo>
+                  <a:pt x="5870645" y="245521"/>
+                </a:lnTo>
+                <a:lnTo>
+                  <a:pt x="5883420" y="348391"/>
+                </a:lnTo>
+                <a:lnTo>
+                  <a:pt x="5898716" y="470463"/>
+                </a:lnTo>
+                <a:lnTo>
+                  <a:pt x="5914853" y="605566"/>
+                </a:lnTo>
+                <a:lnTo>
+                  <a:pt x="5931830" y="757813"/>
+                </a:lnTo>
+                <a:lnTo>
+                  <a:pt x="5949815" y="923777"/>
+                </a:lnTo>
+                <a:lnTo>
+                  <a:pt x="5967801" y="1104142"/>
+                </a:lnTo>
+                <a:lnTo>
+                  <a:pt x="5986122" y="1296166"/>
+                </a:lnTo>
+                <a:lnTo>
+                  <a:pt x="6003099" y="1503278"/>
+                </a:lnTo>
+                <a:lnTo>
+                  <a:pt x="6019404" y="1719991"/>
+                </a:lnTo>
+                <a:lnTo>
+                  <a:pt x="6034196" y="1949048"/>
+                </a:lnTo>
+                <a:lnTo>
+                  <a:pt x="6048315" y="2187706"/>
+                </a:lnTo>
+                <a:lnTo>
+                  <a:pt x="6061595" y="2436652"/>
+                </a:lnTo>
+                <a:lnTo>
+                  <a:pt x="6066301" y="2564211"/>
+                </a:lnTo>
+                <a:lnTo>
+                  <a:pt x="6071512" y="2694512"/>
+                </a:lnTo>
+                <a:lnTo>
+                  <a:pt x="6076386" y="2826871"/>
+                </a:lnTo>
+                <a:lnTo>
+                  <a:pt x="6079580" y="2959917"/>
+                </a:lnTo>
+                <a:lnTo>
+                  <a:pt x="6082438" y="3095705"/>
+                </a:lnTo>
+                <a:lnTo>
+                  <a:pt x="6085463" y="3232865"/>
+                </a:lnTo>
+                <a:lnTo>
+                  <a:pt x="6087480" y="3372768"/>
+                </a:lnTo>
+                <a:lnTo>
+                  <a:pt x="6087480" y="3514043"/>
+                </a:lnTo>
+                <a:lnTo>
+                  <a:pt x="6088489" y="3656689"/>
+                </a:lnTo>
+                <a:lnTo>
+                  <a:pt x="6087480" y="3800707"/>
+                </a:lnTo>
+                <a:lnTo>
+                  <a:pt x="6085463" y="3946783"/>
+                </a:lnTo>
+                <a:lnTo>
+                  <a:pt x="6083614" y="4092858"/>
+                </a:lnTo>
+                <a:lnTo>
+                  <a:pt x="6079580" y="4240991"/>
+                </a:lnTo>
+                <a:lnTo>
+                  <a:pt x="6075378" y="4390495"/>
+                </a:lnTo>
+                <a:lnTo>
+                  <a:pt x="6070503" y="4540000"/>
+                </a:lnTo>
+                <a:lnTo>
+                  <a:pt x="6063612" y="4690876"/>
+                </a:lnTo>
+                <a:lnTo>
+                  <a:pt x="6055375" y="4843123"/>
+                </a:lnTo>
+                <a:lnTo>
+                  <a:pt x="6047475" y="4996057"/>
+                </a:lnTo>
+                <a:lnTo>
+                  <a:pt x="6037390" y="5148990"/>
+                </a:lnTo>
+                <a:lnTo>
+                  <a:pt x="6025287" y="5303981"/>
+                </a:lnTo>
+                <a:lnTo>
+                  <a:pt x="6013185" y="5456914"/>
+                </a:lnTo>
+                <a:lnTo>
+                  <a:pt x="5999233" y="5612591"/>
+                </a:lnTo>
+                <a:lnTo>
+                  <a:pt x="5983937" y="5768953"/>
+                </a:lnTo>
+                <a:lnTo>
+                  <a:pt x="5967801" y="5923258"/>
+                </a:lnTo>
+                <a:lnTo>
+                  <a:pt x="5948975" y="6079621"/>
+                </a:lnTo>
+                <a:lnTo>
+                  <a:pt x="5928804" y="6235297"/>
+                </a:lnTo>
+                <a:lnTo>
+                  <a:pt x="5908801" y="6391660"/>
+                </a:lnTo>
+                <a:lnTo>
+                  <a:pt x="5885437" y="6547336"/>
+                </a:lnTo>
+                <a:lnTo>
+                  <a:pt x="5861568" y="6702327"/>
+                </a:lnTo>
+                <a:lnTo>
+                  <a:pt x="5836524" y="6858002"/>
+                </a:lnTo>
+                <a:lnTo>
+                  <a:pt x="3563332" y="6858002"/>
+                </a:lnTo>
+                <a:lnTo>
+                  <a:pt x="1223490" y="6858002"/>
+                </a:lnTo>
+                <a:lnTo>
+                  <a:pt x="0" y="6858002"/>
+                </a:lnTo>
+                <a:close/>
+              </a:path>
+            </a:pathLst>
+          </a:custGeom>
+          <a:ln>
+            <a:noFill/>
+          </a:ln>
+          <a:effectLst>
+            <a:outerShdw blurRad="50800" dist="38100" algn="l" rotWithShape="0">
+              <a:prstClr val="black">
+                <a:alpha val="40000"/>
+              </a:prstClr>
+            </a:outerShdw>
+          </a:effectLst>
+        </p:spPr>
+        <p:style>
+          <a:lnRef idx="2">
+            <a:schemeClr val="accent1">
+              <a:shade val="50000"/>
+            </a:schemeClr>
+          </a:lnRef>
+          <a:fillRef idx="1">
+            <a:schemeClr val="accent1"/>
+          </a:fillRef>
+          <a:effectRef idx="0">
+            <a:schemeClr val="accent1"/>
+          </a:effectRef>
+          <a:fontRef idx="minor">
+            <a:schemeClr val="lt1"/>
+          </a:fontRef>
+        </p:style>
+        <p:txBody>
+          <a:bodyPr rtlCol="0" anchor="ctr"/>
+          <a:lstStyle/>
+          <a:p>
+            <a:pPr algn="ctr"/>
+            <a:endParaRPr lang="en-US"/>
+          </a:p>
+        </p:txBody>
+      </p:sp>
+      <p:sp>
+        <p:nvSpPr>
+          <p:cNvPr id="2" name="Title 1">
+            <a:extLst>
+              <a:ext uri="{FF2B5EF4-FFF2-40B4-BE49-F238E27FC236}">
+                <a16:creationId xmlns:a16="http://schemas.microsoft.com/office/drawing/2014/main" id="{B9A3AD2F-FF7C-4670-9F0D-6A94B3614457}"/>
+              </a:ext>
+            </a:extLst>
+          </p:cNvPr>
+          <p:cNvSpPr>
+            <a:spLocks noGrp="1"/>
+          </p:cNvSpPr>
+          <p:nvPr>
+            <p:ph type="ctrTitle"/>
+          </p:nvPr>
+        </p:nvSpPr>
+        <p:spPr>
+          <a:xfrm>
+            <a:off x="913795" y="1257301"/>
+            <a:ext cx="6672865" cy="4343399"/>
           </a:xfrm>
         </p:spPr>
         <p:txBody>
-          <a:bodyPr>
-            <a:normAutofit fontScale="70000" lnSpcReduction="20000"/>
+          <a:bodyPr anchor="ctr">
+            <a:normAutofit/>
           </a:bodyPr>
           <a:lstStyle/>
           <a:p>
             <a:r>
-              <a:rPr lang="en-US" sz="3100" dirty="0"/>
-              <a:t>Team Members:</a:t>
+              <a:rPr lang="en-US" dirty="0"/>
+              <a:t>Student Organization System (SOS)</a:t>
             </a:r>
-          </a:p>
-          <a:p>
-            <a:r>
-              <a:rPr lang="en-US" sz="3100" dirty="0"/>
-              <a:t>Armando J. Ochoa – Primary Facilitator</a:t>
-            </a:r>
-          </a:p>
-          <a:p>
-            <a:r>
-              <a:rPr lang="en-US" sz="3100" dirty="0" err="1"/>
-              <a:t>Yovanni</a:t>
-            </a:r>
-            <a:r>
-              <a:rPr lang="en-US" sz="3100" dirty="0"/>
-              <a:t> Jones - Developer</a:t>
-            </a:r>
-          </a:p>
-          <a:p>
-            <a:r>
-              <a:rPr lang="en-US" sz="3100" dirty="0"/>
-              <a:t>Anthony Sanchez-Ayra – Team Leader</a:t>
-            </a:r>
-          </a:p>
-          <a:p>
-            <a:r>
-              <a:rPr lang="en-US" sz="3100" dirty="0" err="1"/>
-              <a:t>Teriq</a:t>
-            </a:r>
-            <a:r>
-              <a:rPr lang="en-US" sz="3100" dirty="0"/>
-              <a:t> Douglas – Minute Taker</a:t>
-            </a:r>
-          </a:p>
-          <a:p>
-            <a:r>
-              <a:rPr lang="en-US" sz="3100" dirty="0" err="1"/>
-              <a:t>M.Kian</a:t>
-            </a:r>
-            <a:r>
-              <a:rPr lang="en-US" sz="3100" dirty="0"/>
-              <a:t> </a:t>
-            </a:r>
-            <a:r>
-              <a:rPr lang="en-US" sz="3100" dirty="0" err="1"/>
-              <a:t>Maroofi</a:t>
-            </a:r>
-            <a:r>
-              <a:rPr lang="en-US" sz="3100" dirty="0"/>
-              <a:t> – Time Keeper</a:t>
-            </a:r>
-          </a:p>
-          <a:p>
-            <a:r>
-              <a:rPr lang="en-US" sz="3100" dirty="0"/>
-              <a:t>Date: 10/01/2019</a:t>
-            </a:r>
-          </a:p>
-          <a:p>
-            <a:endParaRPr lang="en-US" dirty="0"/>
           </a:p>
         </p:txBody>
       </p:sp>
@@ -14420,75 +17742,6 @@
       </p:grpSpPr>
       <p:sp>
         <p:nvSpPr>
-          <p:cNvPr id="15" name="Rectangle 12">
-            <a:extLst>
-              <a:ext uri="{FF2B5EF4-FFF2-40B4-BE49-F238E27FC236}">
-                <a16:creationId xmlns:a16="http://schemas.microsoft.com/office/drawing/2014/main" id="{E02F3C71-C981-4614-98EA-D6C494F8091E}"/>
-              </a:ext>
-              <a:ext uri="{C183D7F6-B498-43B3-948B-1728B52AA6E4}">
-                <adec:decorative xmlns:adec="http://schemas.microsoft.com/office/drawing/2017/decorative" val="1"/>
-              </a:ext>
-            </a:extLst>
-          </p:cNvPr>
-          <p:cNvSpPr>
-            <a:spLocks noGrp="1" noRot="1" noChangeAspect="1" noMove="1" noResize="1" noEditPoints="1" noAdjustHandles="1" noChangeArrowheads="1" noChangeShapeType="1" noTextEdit="1"/>
-          </p:cNvSpPr>
-          <p:nvPr>
-            <p:extLst>
-              <p:ext uri="{386F3935-93C4-4BCD-93E2-E3B085C9AB24}">
-                <p16:designElem xmlns:p16="http://schemas.microsoft.com/office/powerpoint/2015/main" val="1"/>
-              </p:ext>
-            </p:extLst>
-          </p:nvPr>
-        </p:nvSpPr>
-        <p:spPr bwMode="ltGray">
-          <a:xfrm>
-            <a:off x="336883" y="321176"/>
-            <a:ext cx="7174247" cy="5896743"/>
-          </a:xfrm>
-          <a:prstGeom prst="rect">
-            <a:avLst/>
-          </a:prstGeom>
-          <a:solidFill>
-            <a:schemeClr val="tx1">
-              <a:alpha val="15000"/>
-            </a:schemeClr>
-          </a:solidFill>
-          <a:ln w="127000" cap="sq" cmpd="thinThick">
-            <a:solidFill>
-              <a:schemeClr val="tx1">
-                <a:alpha val="10000"/>
-              </a:schemeClr>
-            </a:solidFill>
-          </a:ln>
-        </p:spPr>
-        <p:style>
-          <a:lnRef idx="2">
-            <a:schemeClr val="accent1">
-              <a:shade val="50000"/>
-            </a:schemeClr>
-          </a:lnRef>
-          <a:fillRef idx="1">
-            <a:schemeClr val="accent1"/>
-          </a:fillRef>
-          <a:effectRef idx="0">
-            <a:schemeClr val="accent1"/>
-          </a:effectRef>
-          <a:fontRef idx="minor">
-            <a:schemeClr val="lt1"/>
-          </a:fontRef>
-        </p:style>
-        <p:txBody>
-          <a:bodyPr rtlCol="0" anchor="ctr"/>
-          <a:lstStyle/>
-          <a:p>
-            <a:pPr algn="ctr"/>
-            <a:endParaRPr lang="en-US"/>
-          </a:p>
-        </p:txBody>
-      </p:sp>
-      <p:sp>
-        <p:nvSpPr>
           <p:cNvPr id="2" name="Title 1">
             <a:extLst>
               <a:ext uri="{FF2B5EF4-FFF2-40B4-BE49-F238E27FC236}">
@@ -14524,36 +17777,6 @@
       </p:sp>
       <p:pic>
         <p:nvPicPr>
-          <p:cNvPr id="10" name="Picture 9">
-            <a:extLst>
-              <a:ext uri="{FF2B5EF4-FFF2-40B4-BE49-F238E27FC236}">
-                <a16:creationId xmlns:a16="http://schemas.microsoft.com/office/drawing/2014/main" id="{E0F06CA0-4488-4D4E-98C6-3ECBAD6B1AD0}"/>
-              </a:ext>
-            </a:extLst>
-          </p:cNvPr>
-          <p:cNvPicPr>
-            <a:picLocks noChangeAspect="1"/>
-          </p:cNvPicPr>
-          <p:nvPr/>
-        </p:nvPicPr>
-        <p:blipFill>
-          <a:blip r:embed="rId2"/>
-          <a:stretch>
-            <a:fillRect/>
-          </a:stretch>
-        </p:blipFill>
-        <p:spPr>
-          <a:xfrm>
-            <a:off x="7704448" y="321177"/>
-            <a:ext cx="4383811" cy="5896742"/>
-          </a:xfrm>
-          <a:prstGeom prst="rect">
-            <a:avLst/>
-          </a:prstGeom>
-        </p:spPr>
-      </p:pic>
-      <p:pic>
-        <p:nvPicPr>
           <p:cNvPr id="14" name="Content Placeholder 13">
             <a:extLst>
               <a:ext uri="{FF2B5EF4-FFF2-40B4-BE49-F238E27FC236}">
@@ -14569,7 +17792,7 @@
           </p:nvPr>
         </p:nvPicPr>
         <p:blipFill>
-          <a:blip r:embed="rId3"/>
+          <a:blip r:embed="rId2"/>
           <a:stretch>
             <a:fillRect/>
           </a:stretch>
@@ -14578,6 +17801,36 @@
           <a:xfrm>
             <a:off x="628198" y="1985238"/>
             <a:ext cx="6398302" cy="3331140"/>
+          </a:xfrm>
+          <a:prstGeom prst="rect">
+            <a:avLst/>
+          </a:prstGeom>
+        </p:spPr>
+      </p:pic>
+      <p:pic>
+        <p:nvPicPr>
+          <p:cNvPr id="10" name="Picture 9">
+            <a:extLst>
+              <a:ext uri="{FF2B5EF4-FFF2-40B4-BE49-F238E27FC236}">
+                <a16:creationId xmlns:a16="http://schemas.microsoft.com/office/drawing/2014/main" id="{E0F06CA0-4488-4D4E-98C6-3ECBAD6B1AD0}"/>
+              </a:ext>
+            </a:extLst>
+          </p:cNvPr>
+          <p:cNvPicPr>
+            <a:picLocks noChangeAspect="1"/>
+          </p:cNvPicPr>
+          <p:nvPr/>
+        </p:nvPicPr>
+        <p:blipFill>
+          <a:blip r:embed="rId3"/>
+          <a:stretch>
+            <a:fillRect/>
+          </a:stretch>
+        </p:blipFill>
+        <p:spPr>
+          <a:xfrm>
+            <a:off x="7439485" y="1948349"/>
+            <a:ext cx="4568873" cy="3404917"/>
           </a:xfrm>
           <a:prstGeom prst="rect">
             <a:avLst/>
@@ -14624,75 +17877,6 @@
       </p:grpSpPr>
       <p:sp>
         <p:nvSpPr>
-          <p:cNvPr id="9" name="Rectangle 8">
-            <a:extLst>
-              <a:ext uri="{FF2B5EF4-FFF2-40B4-BE49-F238E27FC236}">
-                <a16:creationId xmlns:a16="http://schemas.microsoft.com/office/drawing/2014/main" id="{AB45A142-4255-493C-8284-5D566C121B10}"/>
-              </a:ext>
-              <a:ext uri="{C183D7F6-B498-43B3-948B-1728B52AA6E4}">
-                <adec:decorative xmlns:adec="http://schemas.microsoft.com/office/drawing/2017/decorative" val="1"/>
-              </a:ext>
-            </a:extLst>
-          </p:cNvPr>
-          <p:cNvSpPr>
-            <a:spLocks noGrp="1" noRot="1" noChangeAspect="1" noMove="1" noResize="1" noEditPoints="1" noAdjustHandles="1" noChangeArrowheads="1" noChangeShapeType="1" noTextEdit="1"/>
-          </p:cNvSpPr>
-          <p:nvPr>
-            <p:extLst>
-              <p:ext uri="{386F3935-93C4-4BCD-93E2-E3B085C9AB24}">
-                <p16:designElem xmlns:p16="http://schemas.microsoft.com/office/powerpoint/2015/main" val="1"/>
-              </p:ext>
-            </p:extLst>
-          </p:nvPr>
-        </p:nvSpPr>
-        <p:spPr bwMode="ltGray">
-          <a:xfrm>
-            <a:off x="336884" y="321177"/>
-            <a:ext cx="4332307" cy="6179552"/>
-          </a:xfrm>
-          <a:prstGeom prst="rect">
-            <a:avLst/>
-          </a:prstGeom>
-          <a:solidFill>
-            <a:srgbClr val="404040">
-              <a:alpha val="89804"/>
-            </a:srgbClr>
-          </a:solidFill>
-          <a:ln w="127000" cap="sq" cmpd="thinThick">
-            <a:solidFill>
-              <a:srgbClr val="595959">
-                <a:alpha val="80000"/>
-              </a:srgbClr>
-            </a:solidFill>
-          </a:ln>
-        </p:spPr>
-        <p:style>
-          <a:lnRef idx="2">
-            <a:schemeClr val="accent1">
-              <a:shade val="50000"/>
-            </a:schemeClr>
-          </a:lnRef>
-          <a:fillRef idx="1">
-            <a:schemeClr val="accent1"/>
-          </a:fillRef>
-          <a:effectRef idx="0">
-            <a:schemeClr val="accent1"/>
-          </a:effectRef>
-          <a:fontRef idx="minor">
-            <a:schemeClr val="lt1"/>
-          </a:fontRef>
-        </p:style>
-        <p:txBody>
-          <a:bodyPr rtlCol="0" anchor="ctr"/>
-          <a:lstStyle/>
-          <a:p>
-            <a:pPr algn="ctr"/>
-            <a:endParaRPr lang="en-US"/>
-          </a:p>
-        </p:txBody>
-      </p:sp>
-      <p:sp>
-        <p:nvSpPr>
           <p:cNvPr id="2" name="Title 1">
             <a:extLst>
               <a:ext uri="{FF2B5EF4-FFF2-40B4-BE49-F238E27FC236}">
@@ -14734,58 +17918,6 @@
           </a:p>
         </p:txBody>
       </p:sp>
-      <p:cxnSp>
-        <p:nvCxnSpPr>
-          <p:cNvPr id="11" name="Straight Connector 10">
-            <a:extLst>
-              <a:ext uri="{FF2B5EF4-FFF2-40B4-BE49-F238E27FC236}">
-                <a16:creationId xmlns:a16="http://schemas.microsoft.com/office/drawing/2014/main" id="{38FB9660-F42F-4313-BBC4-47C007FE484C}"/>
-              </a:ext>
-              <a:ext uri="{C183D7F6-B498-43B3-948B-1728B52AA6E4}">
-                <adec:decorative xmlns:adec="http://schemas.microsoft.com/office/drawing/2017/decorative" val="1"/>
-              </a:ext>
-            </a:extLst>
-          </p:cNvPr>
-          <p:cNvCxnSpPr>
-            <a:cxnSpLocks noGrp="1" noRot="1" noChangeAspect="1" noMove="1" noResize="1" noEditPoints="1" noAdjustHandles="1" noChangeArrowheads="1" noChangeShapeType="1"/>
-          </p:cNvCxnSpPr>
-          <p:nvPr>
-            <p:extLst>
-              <p:ext uri="{386F3935-93C4-4BCD-93E2-E3B085C9AB24}">
-                <p16:designElem xmlns:p16="http://schemas.microsoft.com/office/powerpoint/2015/main" val="1"/>
-              </p:ext>
-            </p:extLst>
-          </p:nvPr>
-        </p:nvCxnSpPr>
-        <p:spPr>
-          <a:xfrm>
-            <a:off x="1191126" y="3910267"/>
-            <a:ext cx="2586790" cy="0"/>
-          </a:xfrm>
-          <a:prstGeom prst="line">
-            <a:avLst/>
-          </a:prstGeom>
-          <a:ln w="22225">
-            <a:solidFill>
-              <a:srgbClr val="D9D9D9"/>
-            </a:solidFill>
-          </a:ln>
-        </p:spPr>
-        <p:style>
-          <a:lnRef idx="1">
-            <a:schemeClr val="accent1"/>
-          </a:lnRef>
-          <a:fillRef idx="0">
-            <a:schemeClr val="accent1"/>
-          </a:fillRef>
-          <a:effectRef idx="0">
-            <a:schemeClr val="accent1"/>
-          </a:effectRef>
-          <a:fontRef idx="minor">
-            <a:schemeClr val="tx1"/>
-          </a:fontRef>
-        </p:style>
-      </p:cxnSp>
       <p:pic>
         <p:nvPicPr>
           <p:cNvPr id="4" name="Content Placeholder 6" descr="A close up of a map&#10;&#10;Description automatically generated">
@@ -15073,7 +18205,7 @@
         </p:spPr>
         <p:txBody>
           <a:bodyPr>
-            <a:normAutofit lnSpcReduction="10000"/>
+            <a:normAutofit fontScale="92500" lnSpcReduction="10000"/>
           </a:bodyPr>
           <a:lstStyle/>
           <a:p>
@@ -15226,7 +18358,7 @@
         <p:spPr/>
         <p:txBody>
           <a:bodyPr>
-            <a:normAutofit fontScale="92500" lnSpcReduction="20000"/>
+            <a:normAutofit fontScale="92500" lnSpcReduction="10000"/>
           </a:bodyPr>
           <a:lstStyle/>
           <a:p>
@@ -15425,7 +18557,7 @@
         </p:spPr>
         <p:txBody>
           <a:bodyPr>
-            <a:normAutofit lnSpcReduction="10000"/>
+            <a:normAutofit fontScale="92500" lnSpcReduction="10000"/>
           </a:bodyPr>
           <a:lstStyle/>
           <a:p>
@@ -15543,123 +18675,6 @@
           <a:chExt cx="0" cy="0"/>
         </a:xfrm>
       </p:grpSpPr>
-      <p:cxnSp>
-        <p:nvCxnSpPr>
-          <p:cNvPr id="21" name="Straight Connector 20">
-            <a:extLst>
-              <a:ext uri="{FF2B5EF4-FFF2-40B4-BE49-F238E27FC236}">
-                <a16:creationId xmlns:a16="http://schemas.microsoft.com/office/drawing/2014/main" id="{DB146403-F3D6-484B-B2ED-97F9565D0370}"/>
-              </a:ext>
-              <a:ext uri="{C183D7F6-B498-43B3-948B-1728B52AA6E4}">
-                <adec:decorative xmlns:adec="http://schemas.microsoft.com/office/drawing/2017/decorative" val="1"/>
-              </a:ext>
-            </a:extLst>
-          </p:cNvPr>
-          <p:cNvCxnSpPr>
-            <a:cxnSpLocks noGrp="1" noRot="1" noChangeAspect="1" noMove="1" noResize="1" noEditPoints="1" noAdjustHandles="1" noChangeArrowheads="1" noChangeShapeType="1"/>
-          </p:cNvCxnSpPr>
-          <p:nvPr>
-            <p:extLst>
-              <p:ext uri="{386F3935-93C4-4BCD-93E2-E3B085C9AB24}">
-                <p16:designElem xmlns:p16="http://schemas.microsoft.com/office/powerpoint/2015/main" val="1"/>
-              </p:ext>
-            </p:extLst>
-          </p:nvPr>
-        </p:nvCxnSpPr>
-        <p:spPr>
-          <a:xfrm>
-            <a:off x="6096000" y="477749"/>
-            <a:ext cx="0" cy="3657600"/>
-          </a:xfrm>
-          <a:prstGeom prst="line">
-            <a:avLst/>
-          </a:prstGeom>
-          <a:ln w="101600" cmpd="dbl">
-            <a:solidFill>
-              <a:srgbClr val="595959"/>
-            </a:solidFill>
-          </a:ln>
-        </p:spPr>
-        <p:style>
-          <a:lnRef idx="1">
-            <a:schemeClr val="accent1"/>
-          </a:lnRef>
-          <a:fillRef idx="0">
-            <a:schemeClr val="accent1"/>
-          </a:fillRef>
-          <a:effectRef idx="0">
-            <a:schemeClr val="accent1"/>
-          </a:effectRef>
-          <a:fontRef idx="minor">
-            <a:schemeClr val="tx1"/>
-          </a:fontRef>
-        </p:style>
-      </p:cxnSp>
-      <p:sp>
-        <p:nvSpPr>
-          <p:cNvPr id="23" name="Rectangle 22">
-            <a:extLst>
-              <a:ext uri="{FF2B5EF4-FFF2-40B4-BE49-F238E27FC236}">
-                <a16:creationId xmlns:a16="http://schemas.microsoft.com/office/drawing/2014/main" id="{823AC064-BC96-4F32-8AE1-B2FD38754823}"/>
-              </a:ext>
-              <a:ext uri="{C183D7F6-B498-43B3-948B-1728B52AA6E4}">
-                <adec:decorative xmlns:adec="http://schemas.microsoft.com/office/drawing/2017/decorative" val="1"/>
-              </a:ext>
-            </a:extLst>
-          </p:cNvPr>
-          <p:cNvSpPr>
-            <a:spLocks noGrp="1" noRot="1" noChangeAspect="1" noMove="1" noResize="1" noEditPoints="1" noAdjustHandles="1" noChangeArrowheads="1" noChangeShapeType="1" noTextEdit="1"/>
-          </p:cNvSpPr>
-          <p:nvPr>
-            <p:extLst>
-              <p:ext uri="{386F3935-93C4-4BCD-93E2-E3B085C9AB24}">
-                <p16:designElem xmlns:p16="http://schemas.microsoft.com/office/powerpoint/2015/main" val="1"/>
-              </p:ext>
-            </p:extLst>
-          </p:nvPr>
-        </p:nvSpPr>
-        <p:spPr bwMode="ltGray">
-          <a:xfrm>
-            <a:off x="378068" y="4633546"/>
-            <a:ext cx="11438793" cy="1844256"/>
-          </a:xfrm>
-          <a:prstGeom prst="rect">
-            <a:avLst/>
-          </a:prstGeom>
-          <a:solidFill>
-            <a:srgbClr val="404040"/>
-          </a:solidFill>
-          <a:ln w="127000" cap="sq" cmpd="thinThick">
-            <a:solidFill>
-              <a:srgbClr val="404040"/>
-            </a:solidFill>
-          </a:ln>
-        </p:spPr>
-        <p:style>
-          <a:lnRef idx="2">
-            <a:schemeClr val="accent1">
-              <a:shade val="50000"/>
-            </a:schemeClr>
-          </a:lnRef>
-          <a:fillRef idx="1">
-            <a:schemeClr val="accent1"/>
-          </a:fillRef>
-          <a:effectRef idx="0">
-            <a:schemeClr val="accent1"/>
-          </a:effectRef>
-          <a:fontRef idx="minor">
-            <a:schemeClr val="lt1"/>
-          </a:fontRef>
-        </p:style>
-        <p:txBody>
-          <a:bodyPr rtlCol="0" anchor="ctr"/>
-          <a:lstStyle/>
-          <a:p>
-            <a:pPr algn="ctr"/>
-            <a:endParaRPr lang="en-US"/>
-          </a:p>
-        </p:txBody>
-      </p:sp>
       <p:sp>
         <p:nvSpPr>
           <p:cNvPr id="2" name="Title 1">
@@ -15772,58 +18787,6 @@
           </a:prstGeom>
         </p:spPr>
       </p:pic>
-      <p:cxnSp>
-        <p:nvCxnSpPr>
-          <p:cNvPr id="25" name="Straight Connector 24">
-            <a:extLst>
-              <a:ext uri="{FF2B5EF4-FFF2-40B4-BE49-F238E27FC236}">
-                <a16:creationId xmlns:a16="http://schemas.microsoft.com/office/drawing/2014/main" id="{7E7C77BC-7138-40B1-A15B-20F57A494629}"/>
-              </a:ext>
-              <a:ext uri="{C183D7F6-B498-43B3-948B-1728B52AA6E4}">
-                <adec:decorative xmlns:adec="http://schemas.microsoft.com/office/drawing/2017/decorative" val="1"/>
-              </a:ext>
-            </a:extLst>
-          </p:cNvPr>
-          <p:cNvCxnSpPr>
-            <a:cxnSpLocks noGrp="1" noRot="1" noChangeAspect="1" noMove="1" noResize="1" noEditPoints="1" noAdjustHandles="1" noChangeArrowheads="1" noChangeShapeType="1"/>
-          </p:cNvCxnSpPr>
-          <p:nvPr>
-            <p:extLst>
-              <p:ext uri="{386F3935-93C4-4BCD-93E2-E3B085C9AB24}">
-                <p16:designElem xmlns:p16="http://schemas.microsoft.com/office/powerpoint/2015/main" val="1"/>
-              </p:ext>
-            </p:extLst>
-          </p:nvPr>
-        </p:nvCxnSpPr>
-        <p:spPr>
-          <a:xfrm>
-            <a:off x="2209800" y="5738691"/>
-            <a:ext cx="7772400" cy="0"/>
-          </a:xfrm>
-          <a:prstGeom prst="line">
-            <a:avLst/>
-          </a:prstGeom>
-          <a:ln w="22225">
-            <a:solidFill>
-              <a:srgbClr val="D9D9D9"/>
-            </a:solidFill>
-          </a:ln>
-        </p:spPr>
-        <p:style>
-          <a:lnRef idx="1">
-            <a:schemeClr val="accent1"/>
-          </a:lnRef>
-          <a:fillRef idx="0">
-            <a:schemeClr val="accent1"/>
-          </a:fillRef>
-          <a:effectRef idx="0">
-            <a:schemeClr val="accent1"/>
-          </a:effectRef>
-          <a:fontRef idx="minor">
-            <a:schemeClr val="tx1"/>
-          </a:fontRef>
-        </p:style>
-      </p:cxnSp>
     </p:spTree>
     <p:extLst>
       <p:ext uri="{BB962C8B-B14F-4D97-AF65-F5344CB8AC3E}">
@@ -15838,9 +18801,9 @@
 </file>
 
 <file path=ppt/theme/theme1.xml><?xml version="1.0" encoding="utf-8"?>
-<a:theme xmlns:a="http://schemas.openxmlformats.org/drawingml/2006/main" name="Office Theme">
+<a:theme xmlns:a="http://schemas.openxmlformats.org/drawingml/2006/main" name="Slate">
   <a:themeElements>
-    <a:clrScheme name="Office">
+    <a:clrScheme name="Slate">
       <a:dk1>
         <a:sysClr val="windowText" lastClr="000000"/>
       </a:dk1>
@@ -15848,97 +18811,45 @@
         <a:sysClr val="window" lastClr="FFFFFF"/>
       </a:lt1>
       <a:dk2>
-        <a:srgbClr val="44546A"/>
+        <a:srgbClr val="212123"/>
       </a:dk2>
       <a:lt2>
-        <a:srgbClr val="E7E6E6"/>
+        <a:srgbClr val="DADADA"/>
       </a:lt2>
       <a:accent1>
-        <a:srgbClr val="4472C4"/>
+        <a:srgbClr val="BC451B"/>
       </a:accent1>
       <a:accent2>
-        <a:srgbClr val="ED7D31"/>
+        <a:srgbClr val="D3BA68"/>
       </a:accent2>
       <a:accent3>
-        <a:srgbClr val="A5A5A5"/>
+        <a:srgbClr val="BB8640"/>
       </a:accent3>
       <a:accent4>
-        <a:srgbClr val="FFC000"/>
+        <a:srgbClr val="AD9277"/>
       </a:accent4>
       <a:accent5>
-        <a:srgbClr val="5B9BD5"/>
+        <a:srgbClr val="A55A43"/>
       </a:accent5>
       <a:accent6>
-        <a:srgbClr val="70AD47"/>
+        <a:srgbClr val="AD9D7B"/>
       </a:accent6>
       <a:hlink>
-        <a:srgbClr val="0563C1"/>
+        <a:srgbClr val="E98052"/>
       </a:hlink>
       <a:folHlink>
-        <a:srgbClr val="954F72"/>
+        <a:srgbClr val="F4B69B"/>
       </a:folHlink>
     </a:clrScheme>
-    <a:fontScheme name="Office">
+    <a:fontScheme name="Slate">
       <a:majorFont>
-        <a:latin typeface="Calibri Light" panose="020F0302020204030204"/>
+        <a:latin typeface="Calisto MT" panose="02040603050505030304"/>
         <a:ea typeface=""/>
         <a:cs typeface=""/>
-        <a:font script="Jpan" typeface="游ゴシック Light"/>
-        <a:font script="Hang" typeface="맑은 고딕"/>
-        <a:font script="Hans" typeface="等线 Light"/>
-        <a:font script="Hant" typeface="新細明體"/>
-        <a:font script="Arab" typeface="Times New Roman"/>
-        <a:font script="Hebr" typeface="Times New Roman"/>
-        <a:font script="Thai" typeface="Angsana New"/>
-        <a:font script="Ethi" typeface="Nyala"/>
-        <a:font script="Beng" typeface="Vrinda"/>
-        <a:font script="Gujr" typeface="Shruti"/>
-        <a:font script="Khmr" typeface="MoolBoran"/>
-        <a:font script="Knda" typeface="Tunga"/>
-        <a:font script="Guru" typeface="Raavi"/>
-        <a:font script="Cans" typeface="Euphemia"/>
-        <a:font script="Cher" typeface="Plantagenet Cherokee"/>
-        <a:font script="Yiii" typeface="Microsoft Yi Baiti"/>
-        <a:font script="Tibt" typeface="Microsoft Himalaya"/>
-        <a:font script="Thaa" typeface="MV Boli"/>
-        <a:font script="Deva" typeface="Mangal"/>
-        <a:font script="Telu" typeface="Gautami"/>
-        <a:font script="Taml" typeface="Latha"/>
-        <a:font script="Syrc" typeface="Estrangelo Edessa"/>
-        <a:font script="Orya" typeface="Kalinga"/>
-        <a:font script="Mlym" typeface="Kartika"/>
-        <a:font script="Laoo" typeface="DokChampa"/>
-        <a:font script="Sinh" typeface="Iskoola Pota"/>
-        <a:font script="Mong" typeface="Mongolian Baiti"/>
-        <a:font script="Viet" typeface="Times New Roman"/>
-        <a:font script="Uigh" typeface="Microsoft Uighur"/>
-        <a:font script="Geor" typeface="Sylfaen"/>
-        <a:font script="Armn" typeface="Arial"/>
-        <a:font script="Bugi" typeface="Leelawadee UI"/>
-        <a:font script="Bopo" typeface="Microsoft JhengHei"/>
-        <a:font script="Java" typeface="Javanese Text"/>
-        <a:font script="Lisu" typeface="Segoe UI"/>
-        <a:font script="Mymr" typeface="Myanmar Text"/>
-        <a:font script="Nkoo" typeface="Ebrima"/>
-        <a:font script="Olck" typeface="Nirmala UI"/>
-        <a:font script="Osma" typeface="Ebrima"/>
-        <a:font script="Phag" typeface="Phagspa"/>
-        <a:font script="Syrn" typeface="Estrangelo Edessa"/>
-        <a:font script="Syrj" typeface="Estrangelo Edessa"/>
-        <a:font script="Syre" typeface="Estrangelo Edessa"/>
-        <a:font script="Sora" typeface="Nirmala UI"/>
-        <a:font script="Tale" typeface="Microsoft Tai Le"/>
-        <a:font script="Talu" typeface="Microsoft New Tai Lue"/>
-        <a:font script="Tfng" typeface="Ebrima"/>
-      </a:majorFont>
-      <a:minorFont>
-        <a:latin typeface="Calibri" panose="020F0502020204030204"/>
-        <a:ea typeface=""/>
-        <a:cs typeface=""/>
-        <a:font script="Jpan" typeface="游ゴシック"/>
-        <a:font script="Hang" typeface="맑은 고딕"/>
-        <a:font script="Hans" typeface="等线"/>
-        <a:font script="Hant" typeface="新細明體"/>
+        <a:font script="Jpan" typeface="ＭＳ Ｐゴシック"/>
+        <a:font script="Hang" typeface="돋움"/>
+        <a:font script="Hans" typeface="方正舒体"/>
+        <a:font script="Hant" typeface="微軟正黑體"/>
         <a:font script="Arab" typeface="Arial"/>
         <a:font script="Hebr" typeface="Arial"/>
         <a:font script="Thai" typeface="Cordia New"/>
@@ -15965,26 +18876,44 @@
         <a:font script="Viet" typeface="Arial"/>
         <a:font script="Uigh" typeface="Microsoft Uighur"/>
         <a:font script="Geor" typeface="Sylfaen"/>
-        <a:font script="Armn" typeface="Arial"/>
-        <a:font script="Bugi" typeface="Leelawadee UI"/>
-        <a:font script="Bopo" typeface="Microsoft JhengHei"/>
-        <a:font script="Java" typeface="Javanese Text"/>
-        <a:font script="Lisu" typeface="Segoe UI"/>
-        <a:font script="Mymr" typeface="Myanmar Text"/>
-        <a:font script="Nkoo" typeface="Ebrima"/>
-        <a:font script="Olck" typeface="Nirmala UI"/>
-        <a:font script="Osma" typeface="Ebrima"/>
-        <a:font script="Phag" typeface="Phagspa"/>
-        <a:font script="Syrn" typeface="Estrangelo Edessa"/>
-        <a:font script="Syrj" typeface="Estrangelo Edessa"/>
-        <a:font script="Syre" typeface="Estrangelo Edessa"/>
-        <a:font script="Sora" typeface="Nirmala UI"/>
-        <a:font script="Tale" typeface="Microsoft Tai Le"/>
-        <a:font script="Talu" typeface="Microsoft New Tai Lue"/>
-        <a:font script="Tfng" typeface="Ebrima"/>
+      </a:majorFont>
+      <a:minorFont>
+        <a:latin typeface="Calisto MT" panose="02040603050505030304"/>
+        <a:ea typeface=""/>
+        <a:cs typeface=""/>
+        <a:font script="Jpan" typeface="ＭＳ Ｐゴシック"/>
+        <a:font script="Hang" typeface="돋움"/>
+        <a:font script="Hans" typeface="方正舒体"/>
+        <a:font script="Hant" typeface="微軟正黑體"/>
+        <a:font script="Arab" typeface="Arial"/>
+        <a:font script="Hebr" typeface="Arial"/>
+        <a:font script="Thai" typeface="Cordia New"/>
+        <a:font script="Ethi" typeface="Nyala"/>
+        <a:font script="Beng" typeface="Vrinda"/>
+        <a:font script="Gujr" typeface="Shruti"/>
+        <a:font script="Khmr" typeface="DaunPenh"/>
+        <a:font script="Knda" typeface="Tunga"/>
+        <a:font script="Guru" typeface="Raavi"/>
+        <a:font script="Cans" typeface="Euphemia"/>
+        <a:font script="Cher" typeface="Plantagenet Cherokee"/>
+        <a:font script="Yiii" typeface="Microsoft Yi Baiti"/>
+        <a:font script="Tibt" typeface="Microsoft Himalaya"/>
+        <a:font script="Thaa" typeface="MV Boli"/>
+        <a:font script="Deva" typeface="Mangal"/>
+        <a:font script="Telu" typeface="Gautami"/>
+        <a:font script="Taml" typeface="Latha"/>
+        <a:font script="Syrc" typeface="Estrangelo Edessa"/>
+        <a:font script="Orya" typeface="Kalinga"/>
+        <a:font script="Mlym" typeface="Kartika"/>
+        <a:font script="Laoo" typeface="DokChampa"/>
+        <a:font script="Sinh" typeface="Iskoola Pota"/>
+        <a:font script="Mong" typeface="Mongolian Baiti"/>
+        <a:font script="Viet" typeface="Arial"/>
+        <a:font script="Uigh" typeface="Microsoft Uighur"/>
+        <a:font script="Geor" typeface="Sylfaen"/>
       </a:minorFont>
     </a:fontScheme>
-    <a:fmtScheme name="Office">
+    <a:fmtScheme name="Slate">
       <a:fillStyleLst>
         <a:solidFill>
           <a:schemeClr val="phClr"/>
@@ -15993,23 +18922,13 @@
           <a:gsLst>
             <a:gs pos="0">
               <a:schemeClr val="phClr">
+                <a:tint val="60000"/>
                 <a:lumMod val="110000"/>
-                <a:satMod val="105000"/>
-                <a:tint val="67000"/>
-              </a:schemeClr>
-            </a:gs>
-            <a:gs pos="50000">
-              <a:schemeClr val="phClr">
-                <a:lumMod val="105000"/>
-                <a:satMod val="103000"/>
-                <a:tint val="73000"/>
               </a:schemeClr>
             </a:gs>
             <a:gs pos="100000">
               <a:schemeClr val="phClr">
-                <a:lumMod val="105000"/>
-                <a:satMod val="109000"/>
-                <a:tint val="81000"/>
+                <a:tint val="88000"/>
               </a:schemeClr>
             </a:gs>
           </a:gsLst>
@@ -16019,23 +18938,14 @@
           <a:gsLst>
             <a:gs pos="0">
               <a:schemeClr val="phClr">
-                <a:satMod val="103000"/>
-                <a:lumMod val="102000"/>
-                <a:tint val="94000"/>
-              </a:schemeClr>
-            </a:gs>
-            <a:gs pos="50000">
-              <a:schemeClr val="phClr">
-                <a:satMod val="110000"/>
-                <a:lumMod val="100000"/>
-                <a:shade val="100000"/>
+                <a:tint val="96000"/>
+                <a:lumMod val="104000"/>
               </a:schemeClr>
             </a:gs>
             <a:gs pos="100000">
               <a:schemeClr val="phClr">
-                <a:lumMod val="99000"/>
-                <a:satMod val="120000"/>
-                <a:shade val="78000"/>
+                <a:shade val="90000"/>
+                <a:lumMod val="90000"/>
               </a:schemeClr>
             </a:gs>
           </a:gsLst>
@@ -16043,26 +18953,25 @@
         </a:gradFill>
       </a:fillStyleLst>
       <a:lnStyleLst>
-        <a:ln w="6350" cap="flat" cmpd="sng" algn="ctr">
+        <a:ln w="9525" cap="rnd" cmpd="sng" algn="ctr">
+          <a:solidFill>
+            <a:schemeClr val="phClr">
+              <a:shade val="90000"/>
+            </a:schemeClr>
+          </a:solidFill>
+          <a:prstDash val="solid"/>
+        </a:ln>
+        <a:ln w="15875" cap="rnd" cmpd="sng" algn="ctr">
           <a:solidFill>
             <a:schemeClr val="phClr"/>
           </a:solidFill>
           <a:prstDash val="solid"/>
-          <a:miter lim="800000"/>
         </a:ln>
-        <a:ln w="12700" cap="flat" cmpd="sng" algn="ctr">
+        <a:ln w="25400" cap="rnd" cmpd="sng" algn="ctr">
           <a:solidFill>
             <a:schemeClr val="phClr"/>
           </a:solidFill>
           <a:prstDash val="solid"/>
-          <a:miter lim="800000"/>
-        </a:ln>
-        <a:ln w="19050" cap="flat" cmpd="sng" algn="ctr">
-          <a:solidFill>
-            <a:schemeClr val="phClr"/>
-          </a:solidFill>
-          <a:prstDash val="solid"/>
-          <a:miter lim="800000"/>
         </a:ln>
       </a:lnStyleLst>
       <a:effectStyleLst>
@@ -16070,16 +18979,33 @@
           <a:effectLst/>
         </a:effectStyle>
         <a:effectStyle>
-          <a:effectLst/>
+          <a:effectLst>
+            <a:outerShdw blurRad="63500" dist="25400" dir="5400000" rotWithShape="0">
+              <a:srgbClr val="000000">
+                <a:alpha val="60000"/>
+              </a:srgbClr>
+            </a:outerShdw>
+          </a:effectLst>
         </a:effectStyle>
         <a:effectStyle>
           <a:effectLst>
-            <a:outerShdw blurRad="57150" dist="19050" dir="5400000" algn="ctr" rotWithShape="0">
+            <a:outerShdw blurRad="76200" dist="38100" dir="5400000" rotWithShape="0">
               <a:srgbClr val="000000">
-                <a:alpha val="63000"/>
+                <a:alpha val="75000"/>
               </a:srgbClr>
             </a:outerShdw>
           </a:effectLst>
+          <a:scene3d>
+            <a:camera prst="orthographicFront">
+              <a:rot lat="0" lon="0" rev="0"/>
+            </a:camera>
+            <a:lightRig rig="threePt" dir="t">
+              <a:rot lat="0" lon="0" rev="1200000"/>
+            </a:lightRig>
+          </a:scene3d>
+          <a:sp3d>
+            <a:bevelT w="63500" h="25400" prst="hardEdge"/>
+          </a:sp3d>
         </a:effectStyle>
       </a:effectStyleLst>
       <a:bgFillStyleLst>
@@ -16087,38 +19013,22 @@
           <a:schemeClr val="phClr"/>
         </a:solidFill>
         <a:solidFill>
-          <a:schemeClr val="phClr">
-            <a:tint val="95000"/>
-            <a:satMod val="170000"/>
-          </a:schemeClr>
+          <a:schemeClr val="phClr"/>
         </a:solidFill>
-        <a:gradFill rotWithShape="1">
-          <a:gsLst>
-            <a:gs pos="0">
+        <a:blipFill rotWithShape="1">
+          <a:blip xmlns:r="http://schemas.openxmlformats.org/officeDocument/2006/relationships" r:embed="rId1">
+            <a:duotone>
               <a:schemeClr val="phClr">
-                <a:tint val="93000"/>
-                <a:satMod val="150000"/>
-                <a:shade val="98000"/>
-                <a:lumMod val="102000"/>
+                <a:shade val="80000"/>
+                <a:lumMod val="80000"/>
               </a:schemeClr>
-            </a:gs>
-            <a:gs pos="50000">
               <a:schemeClr val="phClr">
                 <a:tint val="98000"/>
-                <a:satMod val="130000"/>
-                <a:shade val="90000"/>
-                <a:lumMod val="103000"/>
               </a:schemeClr>
-            </a:gs>
-            <a:gs pos="100000">
-              <a:schemeClr val="phClr">
-                <a:shade val="63000"/>
-                <a:satMod val="120000"/>
-              </a:schemeClr>
-            </a:gs>
-          </a:gsLst>
-          <a:lin ang="5400000" scaled="0"/>
-        </a:gradFill>
+            </a:duotone>
+          </a:blip>
+          <a:stretch/>
+        </a:blipFill>
       </a:bgFillStyleLst>
     </a:fmtScheme>
   </a:themeElements>
@@ -16126,7 +19036,7 @@
   <a:extraClrSchemeLst/>
   <a:extLst>
     <a:ext uri="{05A4C25C-085E-4340-85A3-A5531E510DB2}">
-      <thm15:themeFamily xmlns:thm15="http://schemas.microsoft.com/office/thememl/2012/main" name="Office Theme" id="{62F939B6-93AF-4DB8-9C6B-D6C7DFDC589F}" vid="{4A3C46E8-61CC-4603-A589-7422A47A8E4A}"/>
+      <thm15:themeFamily xmlns:thm15="http://schemas.microsoft.com/office/thememl/2012/main" name="Slate" id="{C3F70B94-7CE9-428E-ADC1-3269CC2C3385}" vid="{3F2DE9A5-64E6-437C-A389-CC4477E817E8}"/>
     </a:ext>
   </a:extLst>
 </a:theme>

--- a/specifications/deliv1/SOS Deliverable 1 Presentation.pptx
+++ b/specifications/deliv1/SOS Deliverable 1 Presentation.pptx
@@ -5,24 +5,25 @@
     <p:sldMasterId id="2147483660" r:id="rId1"/>
   </p:sldMasterIdLst>
   <p:notesMasterIdLst>
-    <p:notesMasterId r:id="rId17"/>
+    <p:notesMasterId r:id="rId18"/>
   </p:notesMasterIdLst>
   <p:sldIdLst>
     <p:sldId id="256" r:id="rId2"/>
     <p:sldId id="257" r:id="rId3"/>
     <p:sldId id="258" r:id="rId4"/>
-    <p:sldId id="259" r:id="rId5"/>
+    <p:sldId id="272" r:id="rId5"/>
     <p:sldId id="260" r:id="rId6"/>
     <p:sldId id="261" r:id="rId7"/>
     <p:sldId id="262" r:id="rId8"/>
     <p:sldId id="263" r:id="rId9"/>
     <p:sldId id="264" r:id="rId10"/>
-    <p:sldId id="271" r:id="rId11"/>
-    <p:sldId id="266" r:id="rId12"/>
-    <p:sldId id="267" r:id="rId13"/>
-    <p:sldId id="268" r:id="rId14"/>
-    <p:sldId id="269" r:id="rId15"/>
-    <p:sldId id="270" r:id="rId16"/>
+    <p:sldId id="273" r:id="rId11"/>
+    <p:sldId id="271" r:id="rId12"/>
+    <p:sldId id="266" r:id="rId13"/>
+    <p:sldId id="267" r:id="rId14"/>
+    <p:sldId id="268" r:id="rId15"/>
+    <p:sldId id="269" r:id="rId16"/>
+    <p:sldId id="270" r:id="rId17"/>
   </p:sldIdLst>
   <p:sldSz cx="12192000" cy="6858000"/>
   <p:notesSz cx="6858000" cy="9144000"/>
@@ -2989,7 +2990,7 @@
       <dgm:spPr/>
     </dgm:pt>
     <dgm:pt modelId="{F0A54EF7-9E13-4585-802C-5C6459EF7634}" type="pres">
-      <dgm:prSet presAssocID="{0E0DE45F-008C-4069-9F46-30A2575E73C8}" presName="gear1" presStyleLbl="node1" presStyleIdx="0" presStyleCnt="3" custLinFactNeighborX="11252" custLinFactNeighborY="-12703">
+      <dgm:prSet presAssocID="{0E0DE45F-008C-4069-9F46-30A2575E73C8}" presName="gear1" presStyleLbl="node1" presStyleIdx="0" presStyleCnt="3" custLinFactNeighborX="12293" custLinFactNeighborY="-8601">
         <dgm:presLayoutVars>
           <dgm:chMax val="1"/>
           <dgm:bulletEnabled val="1"/>
@@ -3006,7 +3007,7 @@
       <dgm:spPr/>
     </dgm:pt>
     <dgm:pt modelId="{44943374-9279-48F3-B736-2E6700A4C7DD}" type="pres">
-      <dgm:prSet presAssocID="{8E10971F-A4C5-4B68-817F-69790A78FDCE}" presName="gear2" presStyleLbl="node1" presStyleIdx="1" presStyleCnt="3" custLinFactNeighborX="18063" custLinFactNeighborY="-10888">
+      <dgm:prSet presAssocID="{8E10971F-A4C5-4B68-817F-69790A78FDCE}" presName="gear2" presStyleLbl="node1" presStyleIdx="1" presStyleCnt="3" custAng="247488" custLinFactNeighborX="18063" custLinFactNeighborY="-10888">
         <dgm:presLayoutVars>
           <dgm:chMax val="1"/>
           <dgm:bulletEnabled val="1"/>
@@ -3023,7 +3024,7 @@
       <dgm:spPr/>
     </dgm:pt>
     <dgm:pt modelId="{643FEC16-91B6-4699-BCD9-E5E97FFC334D}" type="pres">
-      <dgm:prSet presAssocID="{3AF132C0-ADED-42E3-BB3E-2EAA12EAFAEF}" presName="gear3" presStyleLbl="node1" presStyleIdx="2" presStyleCnt="3" custAng="514448" custLinFactNeighborX="26617" custLinFactNeighborY="-9981"/>
+      <dgm:prSet presAssocID="{3AF132C0-ADED-42E3-BB3E-2EAA12EAFAEF}" presName="gear3" presStyleLbl="node1" presStyleIdx="2" presStyleCnt="3" custAng="900000" custLinFactNeighborX="31834"/>
       <dgm:spPr/>
     </dgm:pt>
     <dgm:pt modelId="{6F9A5E2F-95BB-4328-AAF5-E0AC969778F5}" type="pres">
@@ -3044,15 +3045,15 @@
       <dgm:spPr/>
     </dgm:pt>
     <dgm:pt modelId="{B579FA4B-D41E-47EB-A4BE-0EDB287593FC}" type="pres">
-      <dgm:prSet presAssocID="{A5669C31-66A3-4137-B8F2-3225C7BB7EE1}" presName="connector1" presStyleLbl="sibTrans2D1" presStyleIdx="0" presStyleCnt="3" custLinFactNeighborX="10775" custLinFactNeighborY="-5104"/>
+      <dgm:prSet presAssocID="{A5669C31-66A3-4137-B8F2-3225C7BB7EE1}" presName="connector1" presStyleLbl="sibTrans2D1" presStyleIdx="0" presStyleCnt="3" custAng="1581012" custLinFactNeighborX="12363" custLinFactNeighborY="-4262"/>
       <dgm:spPr/>
     </dgm:pt>
     <dgm:pt modelId="{E9CCD0B0-55B6-4D2D-A8C6-250F01648442}" type="pres">
-      <dgm:prSet presAssocID="{56E473A5-A1AB-4BB8-941E-1361E74DCF28}" presName="connector2" presStyleLbl="sibTrans2D1" presStyleIdx="1" presStyleCnt="3" custLinFactNeighborX="21855" custLinFactNeighborY="-14050"/>
+      <dgm:prSet presAssocID="{56E473A5-A1AB-4BB8-941E-1361E74DCF28}" presName="connector2" presStyleLbl="sibTrans2D1" presStyleIdx="1" presStyleCnt="3" custAng="336825" custLinFactNeighborX="7777" custLinFactNeighborY="1156"/>
       <dgm:spPr/>
     </dgm:pt>
     <dgm:pt modelId="{81C4CC52-8932-474B-9538-154168D893E9}" type="pres">
-      <dgm:prSet presAssocID="{6B1C26FE-7F6C-4CE4-AB7D-543E55E31784}" presName="connector3" presStyleLbl="sibTrans2D1" presStyleIdx="2" presStyleCnt="3" custAng="8912663" custLinFactNeighborX="23389" custLinFactNeighborY="-2975"/>
+      <dgm:prSet presAssocID="{6B1C26FE-7F6C-4CE4-AB7D-543E55E31784}" presName="connector3" presStyleLbl="sibTrans2D1" presStyleIdx="2" presStyleCnt="3" custAng="8912663" custLinFactNeighborX="30135" custLinFactNeighborY="-3521"/>
       <dgm:spPr/>
     </dgm:pt>
   </dgm:ptLst>
@@ -3152,7 +3153,7 @@
       <dgm:spPr/>
     </dgm:pt>
     <dgm:pt modelId="{7E414FC9-1DAF-44AE-ACAF-1B7691496145}" type="pres">
-      <dgm:prSet presAssocID="{D0CD6838-2986-4074-91B5-AD3B799F0922}" presName="gear1" presStyleLbl="node1" presStyleIdx="0" presStyleCnt="1" custLinFactNeighborX="-13367" custLinFactNeighborY="-49204">
+      <dgm:prSet presAssocID="{D0CD6838-2986-4074-91B5-AD3B799F0922}" presName="gear1" presStyleLbl="node1" presStyleIdx="0" presStyleCnt="1" custScaleX="155297" custScaleY="156974" custLinFactNeighborX="-20921" custLinFactNeighborY="-8597">
         <dgm:presLayoutVars>
           <dgm:chMax val="1"/>
           <dgm:bulletEnabled val="1"/>
@@ -3169,7 +3170,7 @@
       <dgm:spPr/>
     </dgm:pt>
     <dgm:pt modelId="{B2436A0A-33F0-4989-9064-5FC9F4CBED17}" type="pres">
-      <dgm:prSet presAssocID="{25F5C10A-6A94-488D-9736-60E841D1CBD7}" presName="connector1" presStyleLbl="sibTrans2D1" presStyleIdx="0" presStyleCnt="1" custAng="11667923" custLinFactNeighborX="-30530" custLinFactNeighborY="-33296"/>
+      <dgm:prSet presAssocID="{25F5C10A-6A94-488D-9736-60E841D1CBD7}" presName="connector1" presStyleLbl="sibTrans2D1" presStyleIdx="0" presStyleCnt="1" custAng="11667923" custScaleX="140868" custScaleY="155411" custLinFactNeighborX="-45175" custLinFactNeighborY="-3207"/>
       <dgm:spPr/>
     </dgm:pt>
   </dgm:ptLst>
@@ -3210,8 +3211,8 @@
       </dsp:nvSpPr>
       <dsp:spPr>
         <a:xfrm>
-          <a:off x="5095752" y="3684693"/>
-          <a:ext cx="2676821" cy="1733973"/>
+          <a:off x="4153889" y="2919382"/>
+          <a:ext cx="2120845" cy="1373826"/>
         </a:xfrm>
         <a:prstGeom prst="roundRect">
           <a:avLst>
@@ -3253,12 +3254,12 @@
         <a:fontRef idx="minor"/>
       </dsp:style>
       <dsp:txBody>
-        <a:bodyPr spcFirstLastPara="0" vert="horz" wrap="square" lIns="80010" tIns="80010" rIns="80010" bIns="80010" numCol="1" spcCol="1270" anchor="t" anchorCtr="0">
+        <a:bodyPr spcFirstLastPara="0" vert="horz" wrap="square" lIns="60960" tIns="60960" rIns="60960" bIns="60960" numCol="1" spcCol="1270" anchor="t" anchorCtr="0">
           <a:noAutofit/>
         </a:bodyPr>
         <a:lstStyle/>
         <a:p>
-          <a:pPr marL="171450" lvl="1" indent="-171450" algn="l" defTabSz="711200">
+          <a:pPr marL="114300" lvl="1" indent="-114300" algn="l" defTabSz="533400">
             <a:lnSpc>
               <a:spcPct val="90000"/>
             </a:lnSpc>
@@ -3271,14 +3272,14 @@
             <a:buChar char="•"/>
           </a:pPr>
           <a:r>
-            <a:rPr lang="en-US" sz="1600" kern="1200" dirty="0"/>
+            <a:rPr lang="en-US" sz="1200" kern="1200" dirty="0"/>
             <a:t>Create Classes and define relationships to solidify system schematics.</a:t>
           </a:r>
         </a:p>
       </dsp:txBody>
       <dsp:txXfrm>
-        <a:off x="5936889" y="4156276"/>
-        <a:ext cx="1797595" cy="1224300"/>
+        <a:off x="4820322" y="3293017"/>
+        <a:ext cx="1424233" cy="970012"/>
       </dsp:txXfrm>
     </dsp:sp>
     <dsp:sp modelId="{6C88AEAF-CEEA-4417-86FA-E0F7A8CC9DDE}">
@@ -3288,8 +3289,8 @@
       </dsp:nvSpPr>
       <dsp:spPr>
         <a:xfrm>
-          <a:off x="541866" y="3684693"/>
-          <a:ext cx="2676821" cy="1733973"/>
+          <a:off x="545846" y="2919382"/>
+          <a:ext cx="2120845" cy="1373826"/>
         </a:xfrm>
         <a:prstGeom prst="roundRect">
           <a:avLst>
@@ -3331,12 +3332,12 @@
         <a:fontRef idx="minor"/>
       </dsp:style>
       <dsp:txBody>
-        <a:bodyPr spcFirstLastPara="0" vert="horz" wrap="square" lIns="80010" tIns="80010" rIns="80010" bIns="80010" numCol="1" spcCol="1270" anchor="t" anchorCtr="0">
+        <a:bodyPr spcFirstLastPara="0" vert="horz" wrap="square" lIns="60960" tIns="60960" rIns="60960" bIns="60960" numCol="1" spcCol="1270" anchor="t" anchorCtr="0">
           <a:noAutofit/>
         </a:bodyPr>
         <a:lstStyle/>
         <a:p>
-          <a:pPr marL="171450" lvl="1" indent="-171450" algn="l" defTabSz="711200">
+          <a:pPr marL="114300" lvl="1" indent="-114300" algn="l" defTabSz="533400">
             <a:lnSpc>
               <a:spcPct val="90000"/>
             </a:lnSpc>
@@ -3349,14 +3350,14 @@
             <a:buChar char="•"/>
           </a:pPr>
           <a:r>
-            <a:rPr lang="en-US" sz="1600" kern="1200" dirty="0"/>
+            <a:rPr lang="en-US" sz="1200" kern="1200" dirty="0"/>
             <a:t>Create functions to realize the functional requirements of SOS16</a:t>
           </a:r>
         </a:p>
       </dsp:txBody>
       <dsp:txXfrm>
-        <a:off x="579956" y="4156276"/>
-        <a:ext cx="1797595" cy="1224300"/>
+        <a:off x="576025" y="3293017"/>
+        <a:ext cx="1424233" cy="970012"/>
       </dsp:txXfrm>
     </dsp:sp>
     <dsp:sp modelId="{4376B098-F82C-453C-8E7B-4604CBDDCFC8}">
@@ -3366,8 +3367,8 @@
       </dsp:nvSpPr>
       <dsp:spPr>
         <a:xfrm>
-          <a:off x="4909312" y="0"/>
-          <a:ext cx="2676821" cy="1733973"/>
+          <a:off x="4006173" y="0"/>
+          <a:ext cx="2120845" cy="1373826"/>
         </a:xfrm>
         <a:prstGeom prst="roundRect">
           <a:avLst>
@@ -3409,12 +3410,12 @@
         <a:fontRef idx="minor"/>
       </dsp:style>
       <dsp:txBody>
-        <a:bodyPr spcFirstLastPara="0" vert="horz" wrap="square" lIns="80010" tIns="80010" rIns="80010" bIns="80010" numCol="1" spcCol="1270" anchor="t" anchorCtr="0">
+        <a:bodyPr spcFirstLastPara="0" vert="horz" wrap="square" lIns="60960" tIns="60960" rIns="60960" bIns="60960" numCol="1" spcCol="1270" anchor="t" anchorCtr="0">
           <a:noAutofit/>
         </a:bodyPr>
         <a:lstStyle/>
         <a:p>
-          <a:pPr marL="171450" lvl="1" indent="-171450" algn="l" defTabSz="711200">
+          <a:pPr marL="114300" lvl="1" indent="-114300" algn="l" defTabSz="533400">
             <a:lnSpc>
               <a:spcPct val="90000"/>
             </a:lnSpc>
@@ -3427,14 +3428,14 @@
             <a:buChar char="•"/>
           </a:pPr>
           <a:r>
-            <a:rPr lang="en-US" sz="1600" kern="1200" dirty="0"/>
+            <a:rPr lang="en-US" sz="1200" kern="1200" dirty="0"/>
             <a:t>Create Scenarios to represent instances of SOS.</a:t>
           </a:r>
         </a:p>
       </dsp:txBody>
       <dsp:txXfrm>
-        <a:off x="5750448" y="38090"/>
-        <a:ext cx="1797595" cy="1224300"/>
+        <a:off x="4672605" y="30179"/>
+        <a:ext cx="1424233" cy="970012"/>
       </dsp:txXfrm>
     </dsp:sp>
     <dsp:sp modelId="{631AAC75-2561-4422-9DBD-8C21B8580470}">
@@ -3444,8 +3445,8 @@
       </dsp:nvSpPr>
       <dsp:spPr>
         <a:xfrm>
-          <a:off x="541866" y="0"/>
-          <a:ext cx="2676821" cy="1733973"/>
+          <a:off x="545846" y="0"/>
+          <a:ext cx="2120845" cy="1373826"/>
         </a:xfrm>
         <a:prstGeom prst="roundRect">
           <a:avLst>
@@ -3487,12 +3488,12 @@
         <a:fontRef idx="minor"/>
       </dsp:style>
       <dsp:txBody>
-        <a:bodyPr spcFirstLastPara="0" vert="horz" wrap="square" lIns="80010" tIns="80010" rIns="80010" bIns="80010" numCol="1" spcCol="1270" anchor="t" anchorCtr="0">
+        <a:bodyPr spcFirstLastPara="0" vert="horz" wrap="square" lIns="60960" tIns="60960" rIns="60960" bIns="60960" numCol="1" spcCol="1270" anchor="t" anchorCtr="0">
           <a:noAutofit/>
         </a:bodyPr>
         <a:lstStyle/>
         <a:p>
-          <a:pPr marL="171450" lvl="1" indent="-171450" algn="l" defTabSz="711200">
+          <a:pPr marL="114300" lvl="1" indent="-114300" algn="l" defTabSz="533400">
             <a:lnSpc>
               <a:spcPct val="90000"/>
             </a:lnSpc>
@@ -3505,14 +3506,14 @@
             <a:buChar char="•"/>
           </a:pPr>
           <a:r>
-            <a:rPr lang="en-US" sz="1600" kern="1200" dirty="0"/>
+            <a:rPr lang="en-US" sz="1200" kern="1200" dirty="0"/>
             <a:t>Identify Analysis Objects.</a:t>
           </a:r>
         </a:p>
       </dsp:txBody>
       <dsp:txXfrm>
-        <a:off x="579956" y="38090"/>
-        <a:ext cx="1797595" cy="1224300"/>
+        <a:off x="576025" y="30179"/>
+        <a:ext cx="1424233" cy="970012"/>
       </dsp:txXfrm>
     </dsp:sp>
     <dsp:sp modelId="{16ADB276-7255-43A6-98BB-07E8054AF462}">
@@ -3522,8 +3523,8 @@
       </dsp:nvSpPr>
       <dsp:spPr>
         <a:xfrm>
-          <a:off x="1663530" y="308864"/>
-          <a:ext cx="2346282" cy="2346282"/>
+          <a:off x="1434540" y="244712"/>
+          <a:ext cx="1858959" cy="1858959"/>
         </a:xfrm>
         <a:prstGeom prst="pieWedge">
           <a:avLst/>
@@ -3564,12 +3565,12 @@
         </a:fontRef>
       </dsp:style>
       <dsp:txBody>
-        <a:bodyPr spcFirstLastPara="0" vert="horz" wrap="square" lIns="177800" tIns="177800" rIns="177800" bIns="177800" numCol="1" spcCol="1270" anchor="ctr" anchorCtr="0">
+        <a:bodyPr spcFirstLastPara="0" vert="horz" wrap="square" lIns="142240" tIns="142240" rIns="142240" bIns="142240" numCol="1" spcCol="1270" anchor="ctr" anchorCtr="0">
           <a:noAutofit/>
         </a:bodyPr>
         <a:lstStyle/>
         <a:p>
-          <a:pPr marL="0" lvl="0" indent="0" algn="ctr" defTabSz="1111250">
+          <a:pPr marL="0" lvl="0" indent="0" algn="ctr" defTabSz="889000">
             <a:lnSpc>
               <a:spcPct val="90000"/>
             </a:lnSpc>
@@ -3582,14 +3583,14 @@
             <a:buNone/>
           </a:pPr>
           <a:r>
-            <a:rPr lang="en-US" sz="2500" kern="1200" dirty="0"/>
+            <a:rPr lang="en-US" sz="2000" kern="1200" dirty="0"/>
             <a:t>SOS16</a:t>
           </a:r>
         </a:p>
       </dsp:txBody>
       <dsp:txXfrm>
-        <a:off x="2350740" y="996074"/>
-        <a:ext cx="1659072" cy="1659072"/>
+        <a:off x="1979016" y="789188"/>
+        <a:ext cx="1314483" cy="1314483"/>
       </dsp:txXfrm>
     </dsp:sp>
     <dsp:sp modelId="{C2E97DDA-6BF1-49EA-8EBC-46EBE81D0294}">
@@ -3599,8 +3600,8 @@
       </dsp:nvSpPr>
       <dsp:spPr>
         <a:xfrm rot="5400000">
-          <a:off x="4118186" y="308864"/>
-          <a:ext cx="2346282" cy="2346282"/>
+          <a:off x="3379364" y="244712"/>
+          <a:ext cx="1858959" cy="1858959"/>
         </a:xfrm>
         <a:prstGeom prst="pieWedge">
           <a:avLst/>
@@ -3641,12 +3642,12 @@
         </a:fontRef>
       </dsp:style>
       <dsp:txBody>
-        <a:bodyPr spcFirstLastPara="0" vert="horz" wrap="square" lIns="177800" tIns="177800" rIns="177800" bIns="177800" numCol="1" spcCol="1270" anchor="ctr" anchorCtr="0">
+        <a:bodyPr spcFirstLastPara="0" vert="horz" wrap="square" lIns="142240" tIns="142240" rIns="142240" bIns="142240" numCol="1" spcCol="1270" anchor="ctr" anchorCtr="0">
           <a:noAutofit/>
         </a:bodyPr>
         <a:lstStyle/>
         <a:p>
-          <a:pPr marL="0" lvl="0" indent="0" algn="ctr" defTabSz="1111250">
+          <a:pPr marL="0" lvl="0" indent="0" algn="ctr" defTabSz="889000">
             <a:lnSpc>
               <a:spcPct val="90000"/>
             </a:lnSpc>
@@ -3659,14 +3660,14 @@
             <a:buNone/>
           </a:pPr>
           <a:r>
-            <a:rPr lang="en-US" sz="2500" kern="1200" dirty="0"/>
+            <a:rPr lang="en-US" sz="2000" kern="1200" dirty="0"/>
             <a:t>Object Diagram</a:t>
           </a:r>
         </a:p>
       </dsp:txBody>
       <dsp:txXfrm rot="-5400000">
-        <a:off x="4118186" y="996074"/>
-        <a:ext cx="1659072" cy="1659072"/>
+        <a:off x="3379364" y="789188"/>
+        <a:ext cx="1314483" cy="1314483"/>
       </dsp:txXfrm>
     </dsp:sp>
     <dsp:sp modelId="{99F49723-A033-4DD5-B745-C8FF71B751FF}">
@@ -3676,8 +3677,8 @@
       </dsp:nvSpPr>
       <dsp:spPr>
         <a:xfrm rot="10800000">
-          <a:off x="4118186" y="2763520"/>
-          <a:ext cx="2346282" cy="2346282"/>
+          <a:off x="3379364" y="2189536"/>
+          <a:ext cx="1858959" cy="1858959"/>
         </a:xfrm>
         <a:prstGeom prst="pieWedge">
           <a:avLst/>
@@ -3718,12 +3719,12 @@
         </a:fontRef>
       </dsp:style>
       <dsp:txBody>
-        <a:bodyPr spcFirstLastPara="0" vert="horz" wrap="square" lIns="177800" tIns="177800" rIns="177800" bIns="177800" numCol="1" spcCol="1270" anchor="ctr" anchorCtr="0">
+        <a:bodyPr spcFirstLastPara="0" vert="horz" wrap="square" lIns="142240" tIns="142240" rIns="142240" bIns="142240" numCol="1" spcCol="1270" anchor="ctr" anchorCtr="0">
           <a:noAutofit/>
         </a:bodyPr>
         <a:lstStyle/>
         <a:p>
-          <a:pPr marL="0" lvl="0" indent="0" algn="ctr" defTabSz="1111250">
+          <a:pPr marL="0" lvl="0" indent="0" algn="ctr" defTabSz="889000">
             <a:lnSpc>
               <a:spcPct val="90000"/>
             </a:lnSpc>
@@ -3736,14 +3737,14 @@
             <a:buNone/>
           </a:pPr>
           <a:r>
-            <a:rPr lang="en-US" sz="2500" kern="1200" dirty="0"/>
+            <a:rPr lang="en-US" sz="2000" kern="1200" dirty="0"/>
             <a:t>Class Diagram</a:t>
           </a:r>
         </a:p>
       </dsp:txBody>
       <dsp:txXfrm rot="10800000">
-        <a:off x="4118186" y="2763520"/>
-        <a:ext cx="1659072" cy="1659072"/>
+        <a:off x="3379364" y="2189536"/>
+        <a:ext cx="1314483" cy="1314483"/>
       </dsp:txXfrm>
     </dsp:sp>
     <dsp:sp modelId="{80B13F54-4243-42C0-9E1B-321BDB0AE7EB}">
@@ -3753,8 +3754,8 @@
       </dsp:nvSpPr>
       <dsp:spPr>
         <a:xfrm rot="16200000">
-          <a:off x="1663530" y="2763520"/>
-          <a:ext cx="2346282" cy="2346282"/>
+          <a:off x="1434540" y="2189536"/>
+          <a:ext cx="1858959" cy="1858959"/>
         </a:xfrm>
         <a:prstGeom prst="pieWedge">
           <a:avLst/>
@@ -3795,12 +3796,12 @@
         </a:fontRef>
       </dsp:style>
       <dsp:txBody>
-        <a:bodyPr spcFirstLastPara="0" vert="horz" wrap="square" lIns="177800" tIns="177800" rIns="177800" bIns="177800" numCol="1" spcCol="1270" anchor="ctr" anchorCtr="0">
+        <a:bodyPr spcFirstLastPara="0" vert="horz" wrap="square" lIns="142240" tIns="142240" rIns="142240" bIns="142240" numCol="1" spcCol="1270" anchor="ctr" anchorCtr="0">
           <a:noAutofit/>
         </a:bodyPr>
         <a:lstStyle/>
         <a:p>
-          <a:pPr marL="0" lvl="0" indent="0" algn="ctr" defTabSz="1111250">
+          <a:pPr marL="0" lvl="0" indent="0" algn="ctr" defTabSz="889000">
             <a:lnSpc>
               <a:spcPct val="90000"/>
             </a:lnSpc>
@@ -3813,14 +3814,14 @@
             <a:buNone/>
           </a:pPr>
           <a:r>
-            <a:rPr lang="en-US" sz="2500" kern="1200" dirty="0"/>
+            <a:rPr lang="en-US" sz="2000" kern="1200" dirty="0"/>
             <a:t>Sequence Diagram</a:t>
           </a:r>
         </a:p>
       </dsp:txBody>
       <dsp:txXfrm rot="5400000">
-        <a:off x="2350740" y="2763520"/>
-        <a:ext cx="1659072" cy="1659072"/>
+        <a:off x="1979016" y="2189536"/>
+        <a:ext cx="1314483" cy="1314483"/>
       </dsp:txXfrm>
     </dsp:sp>
     <dsp:sp modelId="{EF34EDA7-EB7E-4AA9-A6AB-64E89176219F}">
@@ -3830,8 +3831,8 @@
       </dsp:nvSpPr>
       <dsp:spPr>
         <a:xfrm>
-          <a:off x="3658954" y="2221653"/>
-          <a:ext cx="810090" cy="704426"/>
+          <a:off x="3015515" y="1760215"/>
+          <a:ext cx="641834" cy="558117"/>
         </a:xfrm>
         <a:prstGeom prst="circularArrow">
           <a:avLst/>
@@ -3878,8 +3879,8 @@
       </dsp:nvSpPr>
       <dsp:spPr>
         <a:xfrm rot="10800000">
-          <a:off x="3658954" y="2492586"/>
-          <a:ext cx="810090" cy="704426"/>
+          <a:off x="3015515" y="1974876"/>
+          <a:ext cx="641834" cy="558117"/>
         </a:xfrm>
         <a:prstGeom prst="circularArrow">
           <a:avLst/>
@@ -3938,8 +3939,8 @@
       </dsp:nvSpPr>
       <dsp:spPr>
         <a:xfrm>
-          <a:off x="3662124" y="1690506"/>
-          <a:ext cx="2445925" cy="2445925"/>
+          <a:off x="2712274" y="1396418"/>
+          <a:ext cx="1907227" cy="1907227"/>
         </a:xfrm>
         <a:prstGeom prst="gear9">
           <a:avLst/>
@@ -3980,12 +3981,12 @@
         </a:fontRef>
       </dsp:style>
       <dsp:txBody>
-        <a:bodyPr spcFirstLastPara="0" vert="horz" wrap="square" lIns="21590" tIns="21590" rIns="21590" bIns="21590" numCol="1" spcCol="1270" anchor="ctr" anchorCtr="0">
+        <a:bodyPr spcFirstLastPara="0" vert="horz" wrap="square" lIns="17780" tIns="17780" rIns="17780" bIns="17780" numCol="1" spcCol="1270" anchor="ctr" anchorCtr="0">
           <a:noAutofit/>
         </a:bodyPr>
         <a:lstStyle/>
         <a:p>
-          <a:pPr marL="0" lvl="0" indent="0" algn="ctr" defTabSz="755650">
+          <a:pPr marL="0" lvl="0" indent="0" algn="ctr" defTabSz="622300">
             <a:lnSpc>
               <a:spcPct val="90000"/>
             </a:lnSpc>
@@ -3998,14 +3999,14 @@
             <a:buNone/>
           </a:pPr>
           <a:r>
-            <a:rPr lang="en-US" sz="1700" kern="1200" dirty="0"/>
+            <a:rPr lang="en-US" sz="1400" kern="1200" dirty="0"/>
             <a:t>Sequence Diagram</a:t>
           </a:r>
         </a:p>
       </dsp:txBody>
       <dsp:txXfrm>
-        <a:off x="4153864" y="2263452"/>
-        <a:ext cx="1462445" cy="1257256"/>
+        <a:off x="3095711" y="1843177"/>
+        <a:ext cx="1140353" cy="980354"/>
       </dsp:txXfrm>
     </dsp:sp>
     <dsp:sp modelId="{44943374-9279-48F3-B736-2E6700A4C7DD}">
@@ -4014,9 +4015,9 @@
         <dsp:cNvSpPr/>
       </dsp:nvSpPr>
       <dsp:spPr>
-        <a:xfrm>
-          <a:off x="2285139" y="1229402"/>
-          <a:ext cx="1778855" cy="1778855"/>
+        <a:xfrm rot="247488">
+          <a:off x="1618706" y="958635"/>
+          <a:ext cx="1387074" cy="1387074"/>
         </a:xfrm>
         <a:prstGeom prst="gear6">
           <a:avLst/>
@@ -4057,12 +4058,12 @@
         </a:fontRef>
       </dsp:style>
       <dsp:txBody>
-        <a:bodyPr spcFirstLastPara="0" vert="horz" wrap="square" lIns="21590" tIns="21590" rIns="21590" bIns="21590" numCol="1" spcCol="1270" anchor="ctr" anchorCtr="0">
+        <a:bodyPr spcFirstLastPara="0" vert="horz" wrap="square" lIns="17780" tIns="17780" rIns="17780" bIns="17780" numCol="1" spcCol="1270" anchor="ctr" anchorCtr="0">
           <a:noAutofit/>
         </a:bodyPr>
         <a:lstStyle/>
         <a:p>
-          <a:pPr marL="0" lvl="0" indent="0" algn="ctr" defTabSz="755650">
+          <a:pPr marL="0" lvl="0" indent="0" algn="ctr" defTabSz="622300">
             <a:lnSpc>
               <a:spcPct val="90000"/>
             </a:lnSpc>
@@ -4075,14 +4076,14 @@
             <a:buNone/>
           </a:pPr>
           <a:r>
-            <a:rPr lang="en-US" sz="1700" kern="1200" dirty="0"/>
+            <a:rPr lang="en-US" sz="1400" kern="1200" dirty="0"/>
             <a:t>Class Diagram</a:t>
           </a:r>
         </a:p>
       </dsp:txBody>
       <dsp:txXfrm>
-        <a:off x="2732971" y="1679941"/>
-        <a:ext cx="883191" cy="877777"/>
+        <a:off x="1967906" y="1309946"/>
+        <a:ext cx="688674" cy="684452"/>
       </dsp:txXfrm>
     </dsp:sp>
     <dsp:sp modelId="{643FEC16-91B6-4699-BCD9-E5E97FFC334D}">
@@ -4091,9 +4092,9 @@
         <dsp:cNvSpPr/>
       </dsp:nvSpPr>
       <dsp:spPr>
-        <a:xfrm rot="21214448">
-          <a:off x="3528338" y="195855"/>
-          <a:ext cx="1742915" cy="1742915"/>
+        <a:xfrm>
+          <a:off x="2674935" y="152719"/>
+          <a:ext cx="1359050" cy="1359050"/>
         </a:xfrm>
         <a:prstGeom prst="gear6">
           <a:avLst/>
@@ -4134,12 +4135,12 @@
         </a:fontRef>
       </dsp:style>
       <dsp:txBody>
-        <a:bodyPr spcFirstLastPara="0" vert="horz" wrap="square" lIns="21590" tIns="21590" rIns="21590" bIns="21590" numCol="1" spcCol="1270" anchor="ctr" anchorCtr="0">
+        <a:bodyPr spcFirstLastPara="0" vert="horz" wrap="square" lIns="17780" tIns="17780" rIns="17780" bIns="17780" numCol="1" spcCol="1270" anchor="ctr" anchorCtr="0">
           <a:noAutofit/>
         </a:bodyPr>
         <a:lstStyle/>
         <a:p>
-          <a:pPr marL="0" lvl="0" indent="0" algn="ctr" defTabSz="755650">
+          <a:pPr marL="0" lvl="0" indent="0" algn="ctr" defTabSz="622300">
             <a:lnSpc>
               <a:spcPct val="90000"/>
             </a:lnSpc>
@@ -4152,14 +4153,14 @@
             <a:buNone/>
           </a:pPr>
           <a:r>
-            <a:rPr lang="en-US" sz="1700" kern="1200" dirty="0"/>
+            <a:rPr lang="en-US" sz="1400" kern="1200" dirty="0"/>
             <a:t>Object Diagram</a:t>
           </a:r>
         </a:p>
       </dsp:txBody>
-      <dsp:txXfrm rot="-20700000">
-        <a:off x="3910611" y="578127"/>
-        <a:ext cx="978370" cy="978370"/>
+      <dsp:txXfrm rot="900000">
+        <a:off x="2973015" y="450799"/>
+        <a:ext cx="762891" cy="762891"/>
       </dsp:txXfrm>
     </dsp:sp>
     <dsp:sp modelId="{B579FA4B-D41E-47EB-A4BE-0EDB287593FC}">
@@ -4168,16 +4169,16 @@
         <dsp:cNvSpPr/>
       </dsp:nvSpPr>
       <dsp:spPr>
-        <a:xfrm>
-          <a:off x="3538957" y="1470747"/>
-          <a:ext cx="3130785" cy="3130785"/>
+        <a:xfrm rot="1581012">
+          <a:off x="2625163" y="1173032"/>
+          <a:ext cx="2441251" cy="2441251"/>
         </a:xfrm>
         <a:prstGeom prst="circularArrow">
           <a:avLst>
             <a:gd name="adj1" fmla="val 4687"/>
             <a:gd name="adj2" fmla="val 299029"/>
-            <a:gd name="adj3" fmla="val 2521918"/>
-            <a:gd name="adj4" fmla="val 15848940"/>
+            <a:gd name="adj3" fmla="val 2496038"/>
+            <a:gd name="adj4" fmla="val 15905337"/>
             <a:gd name="adj5" fmla="val 5469"/>
           </a:avLst>
         </a:prstGeom>
@@ -4216,9 +4217,9 @@
         <dsp:cNvSpPr/>
       </dsp:nvSpPr>
       <dsp:spPr>
-        <a:xfrm>
-          <a:off x="2145931" y="708808"/>
-          <a:ext cx="2274711" cy="2274711"/>
+        <a:xfrm rot="336825">
+          <a:off x="1260452" y="826375"/>
+          <a:ext cx="1773721" cy="1773721"/>
         </a:xfrm>
         <a:prstGeom prst="leftCircularArrow">
           <a:avLst>
@@ -4265,8 +4266,8 @@
       </dsp:nvSpPr>
       <dsp:spPr>
         <a:xfrm rot="8912663">
-          <a:off x="3130648" y="-259958"/>
-          <a:ext cx="2452596" cy="2452596"/>
+          <a:off x="2407010" y="-209181"/>
+          <a:ext cx="1912429" cy="1912429"/>
         </a:xfrm>
         <a:prstGeom prst="circularArrow">
           <a:avLst>
@@ -4325,8 +4326,8 @@
       </dsp:nvSpPr>
       <dsp:spPr>
         <a:xfrm>
-          <a:off x="2512363" y="0"/>
-          <a:ext cx="3236752" cy="3236752"/>
+          <a:off x="1576091" y="64724"/>
+          <a:ext cx="2627789" cy="2656166"/>
         </a:xfrm>
         <a:prstGeom prst="gear9">
           <a:avLst/>
@@ -4367,12 +4368,12 @@
         </a:fontRef>
       </dsp:style>
       <dsp:txBody>
-        <a:bodyPr spcFirstLastPara="0" vert="horz" wrap="square" lIns="60960" tIns="60960" rIns="60960" bIns="60960" numCol="1" spcCol="1270" anchor="ctr" anchorCtr="0">
+        <a:bodyPr spcFirstLastPara="0" vert="horz" wrap="square" lIns="50800" tIns="50800" rIns="50800" bIns="50800" numCol="1" spcCol="1270" anchor="ctr" anchorCtr="0">
           <a:noAutofit/>
         </a:bodyPr>
         <a:lstStyle/>
         <a:p>
-          <a:pPr marL="0" lvl="0" indent="0" algn="ctr" defTabSz="2133600">
+          <a:pPr marL="0" lvl="0" indent="0" algn="ctr" defTabSz="1778000">
             <a:lnSpc>
               <a:spcPct val="90000"/>
             </a:lnSpc>
@@ -4385,14 +4386,14 @@
             <a:buNone/>
           </a:pPr>
           <a:r>
-            <a:rPr lang="en-US" sz="4800" kern="1200" dirty="0"/>
+            <a:rPr lang="en-US" sz="4000" kern="1200" dirty="0"/>
             <a:t>SOS07</a:t>
           </a:r>
         </a:p>
       </dsp:txBody>
       <dsp:txXfrm>
-        <a:off x="3163094" y="758194"/>
-        <a:ext cx="1935290" cy="1663757"/>
+        <a:off x="2104393" y="685033"/>
+        <a:ext cx="1571185" cy="1368971"/>
       </dsp:txXfrm>
     </dsp:sp>
     <dsp:sp modelId="{B2436A0A-33F0-4989-9064-5FC9F4CBED17}">
@@ -4402,15 +4403,15 @@
       </dsp:nvSpPr>
       <dsp:spPr>
         <a:xfrm rot="11667923">
-          <a:off x="1933487" y="-434548"/>
-          <a:ext cx="3981205" cy="3981205"/>
+          <a:off x="1083061" y="-224479"/>
+          <a:ext cx="2931871" cy="3234553"/>
         </a:xfrm>
         <a:prstGeom prst="circularArrow">
           <a:avLst>
             <a:gd name="adj1" fmla="val 4878"/>
             <a:gd name="adj2" fmla="val 312630"/>
-            <a:gd name="adj3" fmla="val 3250658"/>
-            <a:gd name="adj4" fmla="val 15080402"/>
+            <a:gd name="adj3" fmla="val 3043463"/>
+            <a:gd name="adj4" fmla="val 15362040"/>
             <a:gd name="adj5" fmla="val 5691"/>
           </a:avLst>
         </a:prstGeom>
@@ -9721,7 +9722,7 @@
           <a:p>
             <a:fld id="{EF0E9F11-5378-4ADA-BF65-D7EDB1D950CD}" type="slidenum">
               <a:rPr lang="en-US" smtClean="0"/>
-              <a:t>12</a:t>
+              <a:t>13</a:t>
             </a:fld>
             <a:endParaRPr lang="en-US"/>
           </a:p>
@@ -9811,7 +9812,7 @@
           <a:p>
             <a:fld id="{EF0E9F11-5378-4ADA-BF65-D7EDB1D950CD}" type="slidenum">
               <a:rPr lang="en-US" smtClean="0"/>
-              <a:t>14</a:t>
+              <a:t>15</a:t>
             </a:fld>
             <a:endParaRPr lang="en-US"/>
           </a:p>
@@ -9898,7 +9899,7 @@
           <a:p>
             <a:fld id="{EF0E9F11-5378-4ADA-BF65-D7EDB1D950CD}" type="slidenum">
               <a:rPr lang="en-US" smtClean="0"/>
-              <a:t>15</a:t>
+              <a:t>16</a:t>
             </a:fld>
             <a:endParaRPr lang="en-US"/>
           </a:p>
@@ -10100,7 +10101,7 @@
           <a:bodyPr/>
           <a:lstStyle/>
           <a:p>
-            <a:fld id="{B673521E-B280-4C28-8ED0-E34914655C34}" type="datetimeFigureOut">
+            <a:fld id="{33345273-357A-44F9-B829-B72290E01AB2}" type="datetime1">
               <a:rPr lang="en-US" smtClean="0"/>
               <a:t>10/1/2019</a:t>
             </a:fld>
@@ -10123,7 +10124,10 @@
           <a:bodyPr/>
           <a:lstStyle/>
           <a:p>
-            <a:endParaRPr lang="en-US"/>
+            <a:r>
+              <a:rPr lang="en-US"/>
+              <a:t>Student Organization System - Software Requirements Document</a:t>
+            </a:r>
           </a:p>
         </p:txBody>
       </p:sp>
@@ -10398,7 +10402,7 @@
           <a:bodyPr/>
           <a:lstStyle/>
           <a:p>
-            <a:fld id="{B673521E-B280-4C28-8ED0-E34914655C34}" type="datetimeFigureOut">
+            <a:fld id="{7F0CB7CC-F537-4FCF-8EE3-2660B59E7D7E}" type="datetime1">
               <a:rPr lang="en-US" smtClean="0"/>
               <a:t>10/1/2019</a:t>
             </a:fld>
@@ -10421,7 +10425,10 @@
           <a:bodyPr/>
           <a:lstStyle/>
           <a:p>
-            <a:endParaRPr lang="en-US"/>
+            <a:r>
+              <a:rPr lang="en-US"/>
+              <a:t>Student Organization System - Software Requirements Document</a:t>
+            </a:r>
           </a:p>
         </p:txBody>
       </p:sp>
@@ -10590,7 +10597,7 @@
           <a:bodyPr/>
           <a:lstStyle/>
           <a:p>
-            <a:fld id="{B673521E-B280-4C28-8ED0-E34914655C34}" type="datetimeFigureOut">
+            <a:fld id="{94D2ACA3-977D-484D-828B-64C3DA8A0D1F}" type="datetime1">
               <a:rPr lang="en-US" smtClean="0"/>
               <a:t>10/1/2019</a:t>
             </a:fld>
@@ -10613,7 +10620,10 @@
           <a:bodyPr/>
           <a:lstStyle/>
           <a:p>
-            <a:endParaRPr lang="en-US"/>
+            <a:r>
+              <a:rPr lang="en-US"/>
+              <a:t>Student Organization System - Software Requirements Document</a:t>
+            </a:r>
           </a:p>
         </p:txBody>
       </p:sp>
@@ -10851,7 +10861,7 @@
           <a:bodyPr/>
           <a:lstStyle/>
           <a:p>
-            <a:fld id="{B673521E-B280-4C28-8ED0-E34914655C34}" type="datetimeFigureOut">
+            <a:fld id="{3821FBE7-B412-4AB0-8661-9FC4C96AC7B4}" type="datetime1">
               <a:rPr lang="en-US" smtClean="0"/>
               <a:t>10/1/2019</a:t>
             </a:fld>
@@ -10874,7 +10884,10 @@
           <a:bodyPr/>
           <a:lstStyle/>
           <a:p>
-            <a:endParaRPr lang="en-US"/>
+            <a:r>
+              <a:rPr lang="en-US"/>
+              <a:t>Student Organization System - Software Requirements Document</a:t>
+            </a:r>
           </a:p>
         </p:txBody>
       </p:sp>
@@ -11275,7 +11288,7 @@
           <a:bodyPr/>
           <a:lstStyle/>
           <a:p>
-            <a:fld id="{B673521E-B280-4C28-8ED0-E34914655C34}" type="datetimeFigureOut">
+            <a:fld id="{E8F5201A-42EB-4D41-955A-8EFA9E91AF8B}" type="datetime1">
               <a:rPr lang="en-US" smtClean="0"/>
               <a:t>10/1/2019</a:t>
             </a:fld>
@@ -11298,7 +11311,10 @@
           <a:bodyPr/>
           <a:lstStyle/>
           <a:p>
-            <a:endParaRPr lang="en-US"/>
+            <a:r>
+              <a:rPr lang="en-US"/>
+              <a:t>Student Organization System - Software Requirements Document</a:t>
+            </a:r>
           </a:p>
         </p:txBody>
       </p:sp>
@@ -11812,7 +11828,7 @@
           <a:bodyPr/>
           <a:lstStyle/>
           <a:p>
-            <a:fld id="{B673521E-B280-4C28-8ED0-E34914655C34}" type="datetimeFigureOut">
+            <a:fld id="{72A3D8B7-B83B-4324-865E-70934BC03FCF}" type="datetime1">
               <a:rPr lang="en-US" smtClean="0"/>
               <a:t>10/1/2019</a:t>
             </a:fld>
@@ -11835,7 +11851,10 @@
           <a:bodyPr/>
           <a:lstStyle/>
           <a:p>
-            <a:endParaRPr lang="en-US"/>
+            <a:r>
+              <a:rPr lang="en-US"/>
+              <a:t>Student Organization System - Software Requirements Document</a:t>
+            </a:r>
           </a:p>
         </p:txBody>
       </p:sp>
@@ -12676,7 +12695,7 @@
           <a:bodyPr/>
           <a:lstStyle/>
           <a:p>
-            <a:fld id="{B673521E-B280-4C28-8ED0-E34914655C34}" type="datetimeFigureOut">
+            <a:fld id="{4052AA9B-C75E-4791-8567-4EDE615B769D}" type="datetime1">
               <a:rPr lang="en-US" smtClean="0"/>
               <a:t>10/1/2019</a:t>
             </a:fld>
@@ -12699,7 +12718,10 @@
           <a:bodyPr/>
           <a:lstStyle/>
           <a:p>
-            <a:endParaRPr lang="en-US"/>
+            <a:r>
+              <a:rPr lang="en-US"/>
+              <a:t>Student Organization System - Software Requirements Document</a:t>
+            </a:r>
           </a:p>
         </p:txBody>
       </p:sp>
@@ -12846,7 +12868,7 @@
           <a:bodyPr/>
           <a:lstStyle/>
           <a:p>
-            <a:fld id="{B673521E-B280-4C28-8ED0-E34914655C34}" type="datetimeFigureOut">
+            <a:fld id="{344A012C-49AE-4989-B2FD-51A0AC9516E3}" type="datetime1">
               <a:rPr lang="en-US" smtClean="0"/>
               <a:t>10/1/2019</a:t>
             </a:fld>
@@ -12869,7 +12891,10 @@
           <a:bodyPr/>
           <a:lstStyle/>
           <a:p>
-            <a:endParaRPr lang="en-US"/>
+            <a:r>
+              <a:rPr lang="en-US"/>
+              <a:t>Student Organization System - Software Requirements Document</a:t>
+            </a:r>
           </a:p>
         </p:txBody>
       </p:sp>
@@ -13030,7 +13055,7 @@
           <a:bodyPr/>
           <a:lstStyle/>
           <a:p>
-            <a:fld id="{B673521E-B280-4C28-8ED0-E34914655C34}" type="datetimeFigureOut">
+            <a:fld id="{CBD5F2A9-CE86-4D42-82B1-47CB1757B2B3}" type="datetime1">
               <a:rPr lang="en-US" smtClean="0"/>
               <a:t>10/1/2019</a:t>
             </a:fld>
@@ -13053,7 +13078,10 @@
           <a:bodyPr/>
           <a:lstStyle/>
           <a:p>
-            <a:endParaRPr lang="en-US"/>
+            <a:r>
+              <a:rPr lang="en-US"/>
+              <a:t>Student Organization System - Software Requirements Document</a:t>
+            </a:r>
           </a:p>
         </p:txBody>
       </p:sp>
@@ -13200,7 +13228,7 @@
           <a:bodyPr/>
           <a:lstStyle/>
           <a:p>
-            <a:fld id="{B673521E-B280-4C28-8ED0-E34914655C34}" type="datetimeFigureOut">
+            <a:fld id="{F86D78C3-82B7-4DE0-B1B3-D1939DFFF1F4}" type="datetime1">
               <a:rPr lang="en-US" smtClean="0"/>
               <a:t>10/1/2019</a:t>
             </a:fld>
@@ -13223,7 +13251,10 @@
           <a:bodyPr/>
           <a:lstStyle/>
           <a:p>
-            <a:endParaRPr lang="en-US"/>
+            <a:r>
+              <a:rPr lang="en-US"/>
+              <a:t>Student Organization System - Software Requirements Document</a:t>
+            </a:r>
           </a:p>
         </p:txBody>
       </p:sp>
@@ -13444,7 +13475,7 @@
           <a:bodyPr/>
           <a:lstStyle/>
           <a:p>
-            <a:fld id="{B673521E-B280-4C28-8ED0-E34914655C34}" type="datetimeFigureOut">
+            <a:fld id="{4BE43EF6-EB37-44C6-92F7-AC45C74D32BC}" type="datetime1">
               <a:rPr lang="en-US" smtClean="0"/>
               <a:t>10/1/2019</a:t>
             </a:fld>
@@ -13467,7 +13498,10 @@
           <a:bodyPr/>
           <a:lstStyle/>
           <a:p>
-            <a:endParaRPr lang="en-US"/>
+            <a:r>
+              <a:rPr lang="en-US"/>
+              <a:t>Student Organization System - Software Requirements Document</a:t>
+            </a:r>
           </a:p>
         </p:txBody>
       </p:sp>
@@ -13680,7 +13714,7 @@
           <a:bodyPr/>
           <a:lstStyle/>
           <a:p>
-            <a:fld id="{B673521E-B280-4C28-8ED0-E34914655C34}" type="datetimeFigureOut">
+            <a:fld id="{648C393F-9384-45D4-805C-1CB7173B9356}" type="datetime1">
               <a:rPr lang="en-US" smtClean="0"/>
               <a:t>10/1/2019</a:t>
             </a:fld>
@@ -13703,7 +13737,10 @@
           <a:bodyPr/>
           <a:lstStyle/>
           <a:p>
-            <a:endParaRPr lang="en-US"/>
+            <a:r>
+              <a:rPr lang="en-US"/>
+              <a:t>Student Organization System - Software Requirements Document</a:t>
+            </a:r>
           </a:p>
         </p:txBody>
       </p:sp>
@@ -14146,7 +14183,7 @@
           <a:bodyPr/>
           <a:lstStyle/>
           <a:p>
-            <a:fld id="{B673521E-B280-4C28-8ED0-E34914655C34}" type="datetimeFigureOut">
+            <a:fld id="{DCC6C747-2714-4C59-95F8-D2ADB42E4758}" type="datetime1">
               <a:rPr lang="en-US" smtClean="0"/>
               <a:t>10/1/2019</a:t>
             </a:fld>
@@ -14169,7 +14206,10 @@
           <a:bodyPr/>
           <a:lstStyle/>
           <a:p>
-            <a:endParaRPr lang="en-US"/>
+            <a:r>
+              <a:rPr lang="en-US"/>
+              <a:t>Student Organization System - Software Requirements Document</a:t>
+            </a:r>
           </a:p>
         </p:txBody>
       </p:sp>
@@ -14264,7 +14304,7 @@
           <a:bodyPr/>
           <a:lstStyle/>
           <a:p>
-            <a:fld id="{B673521E-B280-4C28-8ED0-E34914655C34}" type="datetimeFigureOut">
+            <a:fld id="{AB6F47D7-5DC3-4299-85C9-582A2E817B7A}" type="datetime1">
               <a:rPr lang="en-US" smtClean="0"/>
               <a:t>10/1/2019</a:t>
             </a:fld>
@@ -14287,7 +14327,10 @@
           <a:bodyPr/>
           <a:lstStyle/>
           <a:p>
-            <a:endParaRPr lang="en-US"/>
+            <a:r>
+              <a:rPr lang="en-US"/>
+              <a:t>Student Organization System - Software Requirements Document</a:t>
+            </a:r>
           </a:p>
         </p:txBody>
       </p:sp>
@@ -14359,7 +14402,7 @@
           <a:bodyPr/>
           <a:lstStyle/>
           <a:p>
-            <a:fld id="{B673521E-B280-4C28-8ED0-E34914655C34}" type="datetimeFigureOut">
+            <a:fld id="{B3B8CD37-62FF-42A3-A691-171206154C73}" type="datetime1">
               <a:rPr lang="en-US" smtClean="0"/>
               <a:t>10/1/2019</a:t>
             </a:fld>
@@ -14382,7 +14425,10 @@
           <a:bodyPr/>
           <a:lstStyle/>
           <a:p>
-            <a:endParaRPr lang="en-US"/>
+            <a:r>
+              <a:rPr lang="en-US"/>
+              <a:t>Student Organization System - Software Requirements Document</a:t>
+            </a:r>
           </a:p>
         </p:txBody>
       </p:sp>
@@ -14614,7 +14660,7 @@
           <a:bodyPr/>
           <a:lstStyle/>
           <a:p>
-            <a:fld id="{B673521E-B280-4C28-8ED0-E34914655C34}" type="datetimeFigureOut">
+            <a:fld id="{1754C931-F50A-4573-B734-FF52839C32AE}" type="datetime1">
               <a:rPr lang="en-US" smtClean="0"/>
               <a:t>10/1/2019</a:t>
             </a:fld>
@@ -14637,7 +14683,10 @@
           <a:bodyPr/>
           <a:lstStyle/>
           <a:p>
-            <a:endParaRPr lang="en-US"/>
+            <a:r>
+              <a:rPr lang="en-US"/>
+              <a:t>Student Organization System - Software Requirements Document</a:t>
+            </a:r>
           </a:p>
         </p:txBody>
       </p:sp>
@@ -14914,7 +14963,7 @@
           <a:bodyPr/>
           <a:lstStyle/>
           <a:p>
-            <a:fld id="{B673521E-B280-4C28-8ED0-E34914655C34}" type="datetimeFigureOut">
+            <a:fld id="{0352B9FF-F800-40E0-9194-0C193CB23E31}" type="datetime1">
               <a:rPr lang="en-US" smtClean="0"/>
               <a:t>10/1/2019</a:t>
             </a:fld>
@@ -14937,7 +14986,10 @@
           <a:bodyPr/>
           <a:lstStyle/>
           <a:p>
-            <a:endParaRPr lang="en-US"/>
+            <a:r>
+              <a:rPr lang="en-US"/>
+              <a:t>Student Organization System - Software Requirements Document</a:t>
+            </a:r>
           </a:p>
         </p:txBody>
       </p:sp>
@@ -15148,7 +15200,7 @@
             </a:lvl1pPr>
           </a:lstStyle>
           <a:p>
-            <a:fld id="{B673521E-B280-4C28-8ED0-E34914655C34}" type="datetimeFigureOut">
+            <a:fld id="{66A336FE-01EE-4B21-B377-78359BC384C2}" type="datetime1">
               <a:rPr lang="en-US" smtClean="0"/>
               <a:t>10/1/2019</a:t>
             </a:fld>
@@ -15196,7 +15248,10 @@
             </a:lvl1pPr>
           </a:lstStyle>
           <a:p>
-            <a:endParaRPr lang="en-US"/>
+            <a:r>
+              <a:rPr lang="en-US"/>
+              <a:t>Student Organization System - Software Requirements Document</a:t>
+            </a:r>
           </a:p>
         </p:txBody>
       </p:sp>
@@ -15275,6 +15330,7 @@
     <p:sldLayoutId id="2147483676" r:id="rId16"/>
     <p:sldLayoutId id="2147483677" r:id="rId17"/>
   </p:sldLayoutIdLst>
+  <p:hf hdr="0" dt="0"/>
   <p:txStyles>
     <p:titleStyle>
       <a:lvl1pPr algn="ctr" defTabSz="457200" rtl="0" eaLnBrk="1" latinLnBrk="0" hangingPunct="1">
@@ -15845,67 +15901,31 @@
       </p:grpSpPr>
       <p:sp>
         <p:nvSpPr>
-          <p:cNvPr id="8" name="Rectangle 7">
+          <p:cNvPr id="2" name="Title 1">
             <a:extLst>
               <a:ext uri="{FF2B5EF4-FFF2-40B4-BE49-F238E27FC236}">
-                <a16:creationId xmlns:a16="http://schemas.microsoft.com/office/drawing/2014/main" id="{1976BAAA-75A1-48AA-B7DE-B6B8070992D3}"/>
-              </a:ext>
-              <a:ext uri="{C183D7F6-B498-43B3-948B-1728B52AA6E4}">
-                <adec:decorative xmlns:adec="http://schemas.microsoft.com/office/drawing/2017/decorative" val="1"/>
+                <a16:creationId xmlns:a16="http://schemas.microsoft.com/office/drawing/2014/main" id="{B9A3AD2F-FF7C-4670-9F0D-6A94B3614457}"/>
               </a:ext>
             </a:extLst>
           </p:cNvPr>
           <p:cNvSpPr>
-            <a:spLocks noGrp="1" noRot="1" noChangeAspect="1" noMove="1" noResize="1" noEditPoints="1" noAdjustHandles="1" noChangeArrowheads="1" noChangeShapeType="1" noTextEdit="1"/>
+            <a:spLocks noGrp="1"/>
           </p:cNvSpPr>
           <p:nvPr>
-            <p:extLst>
-              <p:ext uri="{386F3935-93C4-4BCD-93E2-E3B085C9AB24}">
-                <p16:designElem xmlns:p16="http://schemas.microsoft.com/office/powerpoint/2015/main" val="1"/>
-              </p:ext>
-            </p:extLst>
+            <p:ph type="ctrTitle"/>
           </p:nvPr>
         </p:nvSpPr>
-        <p:spPr>
-          <a:xfrm>
-            <a:off x="0" y="0"/>
-            <a:ext cx="12192000" cy="6858000"/>
-          </a:xfrm>
-          <a:prstGeom prst="rect">
-            <a:avLst/>
-          </a:prstGeom>
-          <a:solidFill>
-            <a:schemeClr val="bg2">
-              <a:lumMod val="75000"/>
-              <a:lumOff val="25000"/>
-            </a:schemeClr>
-          </a:solidFill>
-          <a:ln>
-            <a:noFill/>
-          </a:ln>
-        </p:spPr>
-        <p:style>
-          <a:lnRef idx="2">
-            <a:schemeClr val="accent1">
-              <a:shade val="50000"/>
-            </a:schemeClr>
-          </a:lnRef>
-          <a:fillRef idx="1">
-            <a:schemeClr val="accent1"/>
-          </a:fillRef>
-          <a:effectRef idx="0">
-            <a:schemeClr val="accent1"/>
-          </a:effectRef>
-          <a:fontRef idx="minor">
-            <a:schemeClr val="lt1"/>
-          </a:fontRef>
-        </p:style>
+        <p:spPr/>
         <p:txBody>
-          <a:bodyPr rtlCol="0" anchor="ctr"/>
+          <a:bodyPr anchor="ctr">
+            <a:normAutofit/>
+          </a:bodyPr>
           <a:lstStyle/>
           <a:p>
-            <a:pPr algn="ctr"/>
-            <a:endParaRPr lang="en-US"/>
+            <a:r>
+              <a:rPr lang="en-US" dirty="0"/>
+              <a:t>Student Organization System (SOS)</a:t>
+            </a:r>
           </a:p>
         </p:txBody>
       </p:sp>
@@ -15927,665 +15947,117 @@
         </p:nvSpPr>
         <p:spPr>
           <a:xfrm>
-            <a:off x="8817428" y="1257301"/>
-            <a:ext cx="2450127" cy="4343399"/>
+            <a:off x="4429917" y="3598341"/>
+            <a:ext cx="3321586" cy="2098435"/>
           </a:xfrm>
           <a:effectLst/>
         </p:spPr>
         <p:txBody>
           <a:bodyPr anchor="ctr">
-            <a:normAutofit/>
+            <a:normAutofit fontScale="32500" lnSpcReduction="20000"/>
           </a:bodyPr>
           <a:lstStyle/>
           <a:p>
-            <a:pPr algn="l">
+            <a:pPr>
               <a:lnSpc>
                 <a:spcPct val="90000"/>
               </a:lnSpc>
             </a:pPr>
             <a:r>
-              <a:rPr lang="en-US"/>
-              <a:t>Team Members:</a:t>
-            </a:r>
-          </a:p>
-          <a:p>
-            <a:pPr algn="l">
+              <a:rPr lang="en-US" sz="4000" dirty="0"/>
+              <a:t>Armando J. Ochoa – Primary Facilitator</a:t>
+            </a:r>
+          </a:p>
+          <a:p>
+            <a:pPr>
               <a:lnSpc>
                 <a:spcPct val="90000"/>
               </a:lnSpc>
             </a:pPr>
             <a:r>
-              <a:rPr lang="en-US"/>
-              <a:t>Armando J. Ochoa – Primary Facilitator</a:t>
-            </a:r>
-          </a:p>
-          <a:p>
-            <a:pPr algn="l">
+              <a:rPr lang="en-US" sz="4000" dirty="0" err="1"/>
+              <a:t>Yovanni</a:t>
+            </a:r>
+            <a:r>
+              <a:rPr lang="en-US" sz="4000" dirty="0"/>
+              <a:t> Jones – Developer</a:t>
+            </a:r>
+          </a:p>
+          <a:p>
+            <a:pPr>
               <a:lnSpc>
                 <a:spcPct val="90000"/>
               </a:lnSpc>
             </a:pPr>
             <a:r>
-              <a:rPr lang="en-US" err="1"/>
-              <a:t>Yovanni</a:t>
-            </a:r>
-            <a:r>
-              <a:rPr lang="en-US"/>
-              <a:t> Jones - Developer</a:t>
-            </a:r>
-          </a:p>
-          <a:p>
-            <a:pPr algn="l">
+              <a:rPr lang="en-US" sz="4000" dirty="0"/>
+              <a:t>Anthony Sanchez-</a:t>
+            </a:r>
+            <a:r>
+              <a:rPr lang="en-US" sz="4000" dirty="0" err="1"/>
+              <a:t>Ayra</a:t>
+            </a:r>
+            <a:r>
+              <a:rPr lang="en-US" sz="4000" dirty="0"/>
+              <a:t> – Team Leader</a:t>
+            </a:r>
+          </a:p>
+          <a:p>
+            <a:pPr>
               <a:lnSpc>
                 <a:spcPct val="90000"/>
               </a:lnSpc>
             </a:pPr>
             <a:r>
-              <a:rPr lang="en-US"/>
-              <a:t>Anthony Sanchez-Ayra – Team Leader</a:t>
-            </a:r>
-          </a:p>
-          <a:p>
-            <a:pPr algn="l">
+              <a:rPr lang="en-US" sz="4000" dirty="0" err="1"/>
+              <a:t>Teriq</a:t>
+            </a:r>
+            <a:r>
+              <a:rPr lang="en-US" sz="4000" dirty="0"/>
+              <a:t> Douglas – Minute Taker</a:t>
+            </a:r>
+          </a:p>
+          <a:p>
+            <a:pPr>
               <a:lnSpc>
                 <a:spcPct val="90000"/>
               </a:lnSpc>
             </a:pPr>
             <a:r>
-              <a:rPr lang="en-US" err="1"/>
-              <a:t>Teriq</a:t>
-            </a:r>
-            <a:r>
-              <a:rPr lang="en-US"/>
-              <a:t> Douglas – Minute Taker</a:t>
-            </a:r>
-          </a:p>
-          <a:p>
-            <a:pPr algn="l">
+              <a:rPr lang="en-US" sz="4000" dirty="0" err="1"/>
+              <a:t>M.Kian</a:t>
+            </a:r>
+            <a:r>
+              <a:rPr lang="en-US" sz="4000" dirty="0"/>
+              <a:t> </a:t>
+            </a:r>
+            <a:r>
+              <a:rPr lang="en-US" sz="4000" dirty="0" err="1"/>
+              <a:t>Maroofi</a:t>
+            </a:r>
+            <a:r>
+              <a:rPr lang="en-US" sz="4000" dirty="0"/>
+              <a:t> – Time Keeper</a:t>
+            </a:r>
+          </a:p>
+          <a:p>
+            <a:pPr>
               <a:lnSpc>
                 <a:spcPct val="90000"/>
               </a:lnSpc>
             </a:pPr>
             <a:r>
-              <a:rPr lang="en-US" err="1"/>
-              <a:t>M.Kian</a:t>
-            </a:r>
-            <a:r>
-              <a:rPr lang="en-US"/>
-              <a:t> </a:t>
-            </a:r>
-            <a:r>
-              <a:rPr lang="en-US" err="1"/>
-              <a:t>Maroofi</a:t>
-            </a:r>
-            <a:r>
-              <a:rPr lang="en-US"/>
-              <a:t> – Time Keeper</a:t>
-            </a:r>
-          </a:p>
-          <a:p>
-            <a:pPr algn="l">
+              <a:rPr lang="en-US" sz="4000" dirty="0"/>
+              <a:t>Date: 10/01/2019</a:t>
+            </a:r>
+          </a:p>
+          <a:p>
+            <a:pPr>
               <a:lnSpc>
                 <a:spcPct val="90000"/>
               </a:lnSpc>
             </a:pPr>
-            <a:r>
-              <a:rPr lang="en-US"/>
-              <a:t>Date: 10/01/2019</a:t>
-            </a:r>
-          </a:p>
-          <a:p>
-            <a:pPr algn="l">
-              <a:lnSpc>
-                <a:spcPct val="90000"/>
-              </a:lnSpc>
-            </a:pPr>
-            <a:endParaRPr lang="en-US"/>
-          </a:p>
-        </p:txBody>
-      </p:sp>
-      <p:sp useBgFill="1">
-        <p:nvSpPr>
-          <p:cNvPr id="10" name="Freeform: Shape 9">
-            <a:extLst>
-              <a:ext uri="{FF2B5EF4-FFF2-40B4-BE49-F238E27FC236}">
-                <a16:creationId xmlns:a16="http://schemas.microsoft.com/office/drawing/2014/main" id="{65A5F259-CDF7-4A15-A66C-A9939D23E346}"/>
-              </a:ext>
-              <a:ext uri="{C183D7F6-B498-43B3-948B-1728B52AA6E4}">
-                <adec:decorative xmlns:adec="http://schemas.microsoft.com/office/drawing/2017/decorative" val="1"/>
-              </a:ext>
-            </a:extLst>
-          </p:cNvPr>
-          <p:cNvSpPr>
-            <a:spLocks noGrp="1" noRot="1" noChangeAspect="1" noMove="1" noResize="1" noEditPoints="1" noAdjustHandles="1" noChangeArrowheads="1" noChangeShapeType="1" noTextEdit="1"/>
-          </p:cNvSpPr>
-          <p:nvPr>
-            <p:extLst>
-              <p:ext uri="{386F3935-93C4-4BCD-93E2-E3B085C9AB24}">
-                <p16:designElem xmlns:p16="http://schemas.microsoft.com/office/powerpoint/2015/main" val="1"/>
-              </p:ext>
-            </p:extLst>
-          </p:nvPr>
-        </p:nvSpPr>
-        <p:spPr>
-          <a:xfrm>
-            <a:off x="1" y="-2"/>
-            <a:ext cx="8386486" cy="6858002"/>
-          </a:xfrm>
-          <a:custGeom>
-            <a:avLst/>
-            <a:gdLst>
-              <a:gd name="connsiteX0" fmla="*/ 0 w 6088489"/>
-              <a:gd name="connsiteY0" fmla="*/ 0 h 6858002"/>
-              <a:gd name="connsiteX1" fmla="*/ 3563332 w 6088489"/>
-              <a:gd name="connsiteY1" fmla="*/ 0 h 6858002"/>
-              <a:gd name="connsiteX2" fmla="*/ 3563332 w 6088489"/>
-              <a:gd name="connsiteY2" fmla="*/ 3 h 6858002"/>
-              <a:gd name="connsiteX3" fmla="*/ 5842099 w 6088489"/>
-              <a:gd name="connsiteY3" fmla="*/ 3 h 6858002"/>
-              <a:gd name="connsiteX4" fmla="*/ 5842099 w 6088489"/>
-              <a:gd name="connsiteY4" fmla="*/ 4 h 6858002"/>
-              <a:gd name="connsiteX5" fmla="*/ 5835346 w 6088489"/>
-              <a:gd name="connsiteY5" fmla="*/ 4 h 6858002"/>
-              <a:gd name="connsiteX6" fmla="*/ 5841229 w 6088489"/>
-              <a:gd name="connsiteY6" fmla="*/ 40466 h 6858002"/>
-              <a:gd name="connsiteX7" fmla="*/ 5858543 w 6088489"/>
-              <a:gd name="connsiteY7" fmla="*/ 159110 h 6858002"/>
-              <a:gd name="connsiteX8" fmla="*/ 5870645 w 6088489"/>
-              <a:gd name="connsiteY8" fmla="*/ 245521 h 6858002"/>
-              <a:gd name="connsiteX9" fmla="*/ 5883420 w 6088489"/>
-              <a:gd name="connsiteY9" fmla="*/ 348391 h 6858002"/>
-              <a:gd name="connsiteX10" fmla="*/ 5898716 w 6088489"/>
-              <a:gd name="connsiteY10" fmla="*/ 470463 h 6858002"/>
-              <a:gd name="connsiteX11" fmla="*/ 5914853 w 6088489"/>
-              <a:gd name="connsiteY11" fmla="*/ 605566 h 6858002"/>
-              <a:gd name="connsiteX12" fmla="*/ 5931830 w 6088489"/>
-              <a:gd name="connsiteY12" fmla="*/ 757813 h 6858002"/>
-              <a:gd name="connsiteX13" fmla="*/ 5949815 w 6088489"/>
-              <a:gd name="connsiteY13" fmla="*/ 923777 h 6858002"/>
-              <a:gd name="connsiteX14" fmla="*/ 5967801 w 6088489"/>
-              <a:gd name="connsiteY14" fmla="*/ 1104142 h 6858002"/>
-              <a:gd name="connsiteX15" fmla="*/ 5986122 w 6088489"/>
-              <a:gd name="connsiteY15" fmla="*/ 1296166 h 6858002"/>
-              <a:gd name="connsiteX16" fmla="*/ 6003099 w 6088489"/>
-              <a:gd name="connsiteY16" fmla="*/ 1503278 h 6858002"/>
-              <a:gd name="connsiteX17" fmla="*/ 6019404 w 6088489"/>
-              <a:gd name="connsiteY17" fmla="*/ 1719991 h 6858002"/>
-              <a:gd name="connsiteX18" fmla="*/ 6034196 w 6088489"/>
-              <a:gd name="connsiteY18" fmla="*/ 1949048 h 6858002"/>
-              <a:gd name="connsiteX19" fmla="*/ 6048315 w 6088489"/>
-              <a:gd name="connsiteY19" fmla="*/ 2187706 h 6858002"/>
-              <a:gd name="connsiteX20" fmla="*/ 6061595 w 6088489"/>
-              <a:gd name="connsiteY20" fmla="*/ 2436652 h 6858002"/>
-              <a:gd name="connsiteX21" fmla="*/ 6066301 w 6088489"/>
-              <a:gd name="connsiteY21" fmla="*/ 2564211 h 6858002"/>
-              <a:gd name="connsiteX22" fmla="*/ 6071512 w 6088489"/>
-              <a:gd name="connsiteY22" fmla="*/ 2694512 h 6858002"/>
-              <a:gd name="connsiteX23" fmla="*/ 6076386 w 6088489"/>
-              <a:gd name="connsiteY23" fmla="*/ 2826871 h 6858002"/>
-              <a:gd name="connsiteX24" fmla="*/ 6079580 w 6088489"/>
-              <a:gd name="connsiteY24" fmla="*/ 2959917 h 6858002"/>
-              <a:gd name="connsiteX25" fmla="*/ 6082438 w 6088489"/>
-              <a:gd name="connsiteY25" fmla="*/ 3095705 h 6858002"/>
-              <a:gd name="connsiteX26" fmla="*/ 6085463 w 6088489"/>
-              <a:gd name="connsiteY26" fmla="*/ 3232865 h 6858002"/>
-              <a:gd name="connsiteX27" fmla="*/ 6087480 w 6088489"/>
-              <a:gd name="connsiteY27" fmla="*/ 3372768 h 6858002"/>
-              <a:gd name="connsiteX28" fmla="*/ 6087480 w 6088489"/>
-              <a:gd name="connsiteY28" fmla="*/ 3514043 h 6858002"/>
-              <a:gd name="connsiteX29" fmla="*/ 6088489 w 6088489"/>
-              <a:gd name="connsiteY29" fmla="*/ 3656689 h 6858002"/>
-              <a:gd name="connsiteX30" fmla="*/ 6087480 w 6088489"/>
-              <a:gd name="connsiteY30" fmla="*/ 3800707 h 6858002"/>
-              <a:gd name="connsiteX31" fmla="*/ 6085463 w 6088489"/>
-              <a:gd name="connsiteY31" fmla="*/ 3946783 h 6858002"/>
-              <a:gd name="connsiteX32" fmla="*/ 6083614 w 6088489"/>
-              <a:gd name="connsiteY32" fmla="*/ 4092858 h 6858002"/>
-              <a:gd name="connsiteX33" fmla="*/ 6079580 w 6088489"/>
-              <a:gd name="connsiteY33" fmla="*/ 4240991 h 6858002"/>
-              <a:gd name="connsiteX34" fmla="*/ 6075378 w 6088489"/>
-              <a:gd name="connsiteY34" fmla="*/ 4390495 h 6858002"/>
-              <a:gd name="connsiteX35" fmla="*/ 6070503 w 6088489"/>
-              <a:gd name="connsiteY35" fmla="*/ 4540000 h 6858002"/>
-              <a:gd name="connsiteX36" fmla="*/ 6063612 w 6088489"/>
-              <a:gd name="connsiteY36" fmla="*/ 4690876 h 6858002"/>
-              <a:gd name="connsiteX37" fmla="*/ 6055375 w 6088489"/>
-              <a:gd name="connsiteY37" fmla="*/ 4843123 h 6858002"/>
-              <a:gd name="connsiteX38" fmla="*/ 6047475 w 6088489"/>
-              <a:gd name="connsiteY38" fmla="*/ 4996057 h 6858002"/>
-              <a:gd name="connsiteX39" fmla="*/ 6037390 w 6088489"/>
-              <a:gd name="connsiteY39" fmla="*/ 5148990 h 6858002"/>
-              <a:gd name="connsiteX40" fmla="*/ 6025287 w 6088489"/>
-              <a:gd name="connsiteY40" fmla="*/ 5303981 h 6858002"/>
-              <a:gd name="connsiteX41" fmla="*/ 6013185 w 6088489"/>
-              <a:gd name="connsiteY41" fmla="*/ 5456914 h 6858002"/>
-              <a:gd name="connsiteX42" fmla="*/ 5999233 w 6088489"/>
-              <a:gd name="connsiteY42" fmla="*/ 5612591 h 6858002"/>
-              <a:gd name="connsiteX43" fmla="*/ 5983937 w 6088489"/>
-              <a:gd name="connsiteY43" fmla="*/ 5768953 h 6858002"/>
-              <a:gd name="connsiteX44" fmla="*/ 5967801 w 6088489"/>
-              <a:gd name="connsiteY44" fmla="*/ 5923258 h 6858002"/>
-              <a:gd name="connsiteX45" fmla="*/ 5948975 w 6088489"/>
-              <a:gd name="connsiteY45" fmla="*/ 6079621 h 6858002"/>
-              <a:gd name="connsiteX46" fmla="*/ 5928804 w 6088489"/>
-              <a:gd name="connsiteY46" fmla="*/ 6235297 h 6858002"/>
-              <a:gd name="connsiteX47" fmla="*/ 5908801 w 6088489"/>
-              <a:gd name="connsiteY47" fmla="*/ 6391660 h 6858002"/>
-              <a:gd name="connsiteX48" fmla="*/ 5885437 w 6088489"/>
-              <a:gd name="connsiteY48" fmla="*/ 6547336 h 6858002"/>
-              <a:gd name="connsiteX49" fmla="*/ 5861568 w 6088489"/>
-              <a:gd name="connsiteY49" fmla="*/ 6702327 h 6858002"/>
-              <a:gd name="connsiteX50" fmla="*/ 5836524 w 6088489"/>
-              <a:gd name="connsiteY50" fmla="*/ 6858002 h 6858002"/>
-              <a:gd name="connsiteX51" fmla="*/ 3563332 w 6088489"/>
-              <a:gd name="connsiteY51" fmla="*/ 6858002 h 6858002"/>
-              <a:gd name="connsiteX52" fmla="*/ 1223490 w 6088489"/>
-              <a:gd name="connsiteY52" fmla="*/ 6858002 h 6858002"/>
-              <a:gd name="connsiteX53" fmla="*/ 0 w 6088489"/>
-              <a:gd name="connsiteY53" fmla="*/ 6858002 h 6858002"/>
-            </a:gdLst>
-            <a:ahLst/>
-            <a:cxnLst>
-              <a:cxn ang="0">
-                <a:pos x="connsiteX0" y="connsiteY0"/>
-              </a:cxn>
-              <a:cxn ang="0">
-                <a:pos x="connsiteX1" y="connsiteY1"/>
-              </a:cxn>
-              <a:cxn ang="0">
-                <a:pos x="connsiteX2" y="connsiteY2"/>
-              </a:cxn>
-              <a:cxn ang="0">
-                <a:pos x="connsiteX3" y="connsiteY3"/>
-              </a:cxn>
-              <a:cxn ang="0">
-                <a:pos x="connsiteX4" y="connsiteY4"/>
-              </a:cxn>
-              <a:cxn ang="0">
-                <a:pos x="connsiteX5" y="connsiteY5"/>
-              </a:cxn>
-              <a:cxn ang="0">
-                <a:pos x="connsiteX6" y="connsiteY6"/>
-              </a:cxn>
-              <a:cxn ang="0">
-                <a:pos x="connsiteX7" y="connsiteY7"/>
-              </a:cxn>
-              <a:cxn ang="0">
-                <a:pos x="connsiteX8" y="connsiteY8"/>
-              </a:cxn>
-              <a:cxn ang="0">
-                <a:pos x="connsiteX9" y="connsiteY9"/>
-              </a:cxn>
-              <a:cxn ang="0">
-                <a:pos x="connsiteX10" y="connsiteY10"/>
-              </a:cxn>
-              <a:cxn ang="0">
-                <a:pos x="connsiteX11" y="connsiteY11"/>
-              </a:cxn>
-              <a:cxn ang="0">
-                <a:pos x="connsiteX12" y="connsiteY12"/>
-              </a:cxn>
-              <a:cxn ang="0">
-                <a:pos x="connsiteX13" y="connsiteY13"/>
-              </a:cxn>
-              <a:cxn ang="0">
-                <a:pos x="connsiteX14" y="connsiteY14"/>
-              </a:cxn>
-              <a:cxn ang="0">
-                <a:pos x="connsiteX15" y="connsiteY15"/>
-              </a:cxn>
-              <a:cxn ang="0">
-                <a:pos x="connsiteX16" y="connsiteY16"/>
-              </a:cxn>
-              <a:cxn ang="0">
-                <a:pos x="connsiteX17" y="connsiteY17"/>
-              </a:cxn>
-              <a:cxn ang="0">
-                <a:pos x="connsiteX18" y="connsiteY18"/>
-              </a:cxn>
-              <a:cxn ang="0">
-                <a:pos x="connsiteX19" y="connsiteY19"/>
-              </a:cxn>
-              <a:cxn ang="0">
-                <a:pos x="connsiteX20" y="connsiteY20"/>
-              </a:cxn>
-              <a:cxn ang="0">
-                <a:pos x="connsiteX21" y="connsiteY21"/>
-              </a:cxn>
-              <a:cxn ang="0">
-                <a:pos x="connsiteX22" y="connsiteY22"/>
-              </a:cxn>
-              <a:cxn ang="0">
-                <a:pos x="connsiteX23" y="connsiteY23"/>
-              </a:cxn>
-              <a:cxn ang="0">
-                <a:pos x="connsiteX24" y="connsiteY24"/>
-              </a:cxn>
-              <a:cxn ang="0">
-                <a:pos x="connsiteX25" y="connsiteY25"/>
-              </a:cxn>
-              <a:cxn ang="0">
-                <a:pos x="connsiteX26" y="connsiteY26"/>
-              </a:cxn>
-              <a:cxn ang="0">
-                <a:pos x="connsiteX27" y="connsiteY27"/>
-              </a:cxn>
-              <a:cxn ang="0">
-                <a:pos x="connsiteX28" y="connsiteY28"/>
-              </a:cxn>
-              <a:cxn ang="0">
-                <a:pos x="connsiteX29" y="connsiteY29"/>
-              </a:cxn>
-              <a:cxn ang="0">
-                <a:pos x="connsiteX30" y="connsiteY30"/>
-              </a:cxn>
-              <a:cxn ang="0">
-                <a:pos x="connsiteX31" y="connsiteY31"/>
-              </a:cxn>
-              <a:cxn ang="0">
-                <a:pos x="connsiteX32" y="connsiteY32"/>
-              </a:cxn>
-              <a:cxn ang="0">
-                <a:pos x="connsiteX33" y="connsiteY33"/>
-              </a:cxn>
-              <a:cxn ang="0">
-                <a:pos x="connsiteX34" y="connsiteY34"/>
-              </a:cxn>
-              <a:cxn ang="0">
-                <a:pos x="connsiteX35" y="connsiteY35"/>
-              </a:cxn>
-              <a:cxn ang="0">
-                <a:pos x="connsiteX36" y="connsiteY36"/>
-              </a:cxn>
-              <a:cxn ang="0">
-                <a:pos x="connsiteX37" y="connsiteY37"/>
-              </a:cxn>
-              <a:cxn ang="0">
-                <a:pos x="connsiteX38" y="connsiteY38"/>
-              </a:cxn>
-              <a:cxn ang="0">
-                <a:pos x="connsiteX39" y="connsiteY39"/>
-              </a:cxn>
-              <a:cxn ang="0">
-                <a:pos x="connsiteX40" y="connsiteY40"/>
-              </a:cxn>
-              <a:cxn ang="0">
-                <a:pos x="connsiteX41" y="connsiteY41"/>
-              </a:cxn>
-              <a:cxn ang="0">
-                <a:pos x="connsiteX42" y="connsiteY42"/>
-              </a:cxn>
-              <a:cxn ang="0">
-                <a:pos x="connsiteX43" y="connsiteY43"/>
-              </a:cxn>
-              <a:cxn ang="0">
-                <a:pos x="connsiteX44" y="connsiteY44"/>
-              </a:cxn>
-              <a:cxn ang="0">
-                <a:pos x="connsiteX45" y="connsiteY45"/>
-              </a:cxn>
-              <a:cxn ang="0">
-                <a:pos x="connsiteX46" y="connsiteY46"/>
-              </a:cxn>
-              <a:cxn ang="0">
-                <a:pos x="connsiteX47" y="connsiteY47"/>
-              </a:cxn>
-              <a:cxn ang="0">
-                <a:pos x="connsiteX48" y="connsiteY48"/>
-              </a:cxn>
-              <a:cxn ang="0">
-                <a:pos x="connsiteX49" y="connsiteY49"/>
-              </a:cxn>
-              <a:cxn ang="0">
-                <a:pos x="connsiteX50" y="connsiteY50"/>
-              </a:cxn>
-              <a:cxn ang="0">
-                <a:pos x="connsiteX51" y="connsiteY51"/>
-              </a:cxn>
-              <a:cxn ang="0">
-                <a:pos x="connsiteX52" y="connsiteY52"/>
-              </a:cxn>
-              <a:cxn ang="0">
-                <a:pos x="connsiteX53" y="connsiteY53"/>
-              </a:cxn>
-            </a:cxnLst>
-            <a:rect l="l" t="t" r="r" b="b"/>
-            <a:pathLst>
-              <a:path w="6088489" h="6858002">
-                <a:moveTo>
-                  <a:pt x="0" y="0"/>
-                </a:moveTo>
-                <a:lnTo>
-                  <a:pt x="3563332" y="0"/>
-                </a:lnTo>
-                <a:lnTo>
-                  <a:pt x="3563332" y="3"/>
-                </a:lnTo>
-                <a:lnTo>
-                  <a:pt x="5842099" y="3"/>
-                </a:lnTo>
-                <a:lnTo>
-                  <a:pt x="5842099" y="4"/>
-                </a:lnTo>
-                <a:lnTo>
-                  <a:pt x="5835346" y="4"/>
-                </a:lnTo>
-                <a:lnTo>
-                  <a:pt x="5841229" y="40466"/>
-                </a:lnTo>
-                <a:lnTo>
-                  <a:pt x="5858543" y="159110"/>
-                </a:lnTo>
-                <a:lnTo>
-                  <a:pt x="5870645" y="245521"/>
-                </a:lnTo>
-                <a:lnTo>
-                  <a:pt x="5883420" y="348391"/>
-                </a:lnTo>
-                <a:lnTo>
-                  <a:pt x="5898716" y="470463"/>
-                </a:lnTo>
-                <a:lnTo>
-                  <a:pt x="5914853" y="605566"/>
-                </a:lnTo>
-                <a:lnTo>
-                  <a:pt x="5931830" y="757813"/>
-                </a:lnTo>
-                <a:lnTo>
-                  <a:pt x="5949815" y="923777"/>
-                </a:lnTo>
-                <a:lnTo>
-                  <a:pt x="5967801" y="1104142"/>
-                </a:lnTo>
-                <a:lnTo>
-                  <a:pt x="5986122" y="1296166"/>
-                </a:lnTo>
-                <a:lnTo>
-                  <a:pt x="6003099" y="1503278"/>
-                </a:lnTo>
-                <a:lnTo>
-                  <a:pt x="6019404" y="1719991"/>
-                </a:lnTo>
-                <a:lnTo>
-                  <a:pt x="6034196" y="1949048"/>
-                </a:lnTo>
-                <a:lnTo>
-                  <a:pt x="6048315" y="2187706"/>
-                </a:lnTo>
-                <a:lnTo>
-                  <a:pt x="6061595" y="2436652"/>
-                </a:lnTo>
-                <a:lnTo>
-                  <a:pt x="6066301" y="2564211"/>
-                </a:lnTo>
-                <a:lnTo>
-                  <a:pt x="6071512" y="2694512"/>
-                </a:lnTo>
-                <a:lnTo>
-                  <a:pt x="6076386" y="2826871"/>
-                </a:lnTo>
-                <a:lnTo>
-                  <a:pt x="6079580" y="2959917"/>
-                </a:lnTo>
-                <a:lnTo>
-                  <a:pt x="6082438" y="3095705"/>
-                </a:lnTo>
-                <a:lnTo>
-                  <a:pt x="6085463" y="3232865"/>
-                </a:lnTo>
-                <a:lnTo>
-                  <a:pt x="6087480" y="3372768"/>
-                </a:lnTo>
-                <a:lnTo>
-                  <a:pt x="6087480" y="3514043"/>
-                </a:lnTo>
-                <a:lnTo>
-                  <a:pt x="6088489" y="3656689"/>
-                </a:lnTo>
-                <a:lnTo>
-                  <a:pt x="6087480" y="3800707"/>
-                </a:lnTo>
-                <a:lnTo>
-                  <a:pt x="6085463" y="3946783"/>
-                </a:lnTo>
-                <a:lnTo>
-                  <a:pt x="6083614" y="4092858"/>
-                </a:lnTo>
-                <a:lnTo>
-                  <a:pt x="6079580" y="4240991"/>
-                </a:lnTo>
-                <a:lnTo>
-                  <a:pt x="6075378" y="4390495"/>
-                </a:lnTo>
-                <a:lnTo>
-                  <a:pt x="6070503" y="4540000"/>
-                </a:lnTo>
-                <a:lnTo>
-                  <a:pt x="6063612" y="4690876"/>
-                </a:lnTo>
-                <a:lnTo>
-                  <a:pt x="6055375" y="4843123"/>
-                </a:lnTo>
-                <a:lnTo>
-                  <a:pt x="6047475" y="4996057"/>
-                </a:lnTo>
-                <a:lnTo>
-                  <a:pt x="6037390" y="5148990"/>
-                </a:lnTo>
-                <a:lnTo>
-                  <a:pt x="6025287" y="5303981"/>
-                </a:lnTo>
-                <a:lnTo>
-                  <a:pt x="6013185" y="5456914"/>
-                </a:lnTo>
-                <a:lnTo>
-                  <a:pt x="5999233" y="5612591"/>
-                </a:lnTo>
-                <a:lnTo>
-                  <a:pt x="5983937" y="5768953"/>
-                </a:lnTo>
-                <a:lnTo>
-                  <a:pt x="5967801" y="5923258"/>
-                </a:lnTo>
-                <a:lnTo>
-                  <a:pt x="5948975" y="6079621"/>
-                </a:lnTo>
-                <a:lnTo>
-                  <a:pt x="5928804" y="6235297"/>
-                </a:lnTo>
-                <a:lnTo>
-                  <a:pt x="5908801" y="6391660"/>
-                </a:lnTo>
-                <a:lnTo>
-                  <a:pt x="5885437" y="6547336"/>
-                </a:lnTo>
-                <a:lnTo>
-                  <a:pt x="5861568" y="6702327"/>
-                </a:lnTo>
-                <a:lnTo>
-                  <a:pt x="5836524" y="6858002"/>
-                </a:lnTo>
-                <a:lnTo>
-                  <a:pt x="3563332" y="6858002"/>
-                </a:lnTo>
-                <a:lnTo>
-                  <a:pt x="1223490" y="6858002"/>
-                </a:lnTo>
-                <a:lnTo>
-                  <a:pt x="0" y="6858002"/>
-                </a:lnTo>
-                <a:close/>
-              </a:path>
-            </a:pathLst>
-          </a:custGeom>
-          <a:ln>
-            <a:noFill/>
-          </a:ln>
-          <a:effectLst>
-            <a:outerShdw blurRad="50800" dist="38100" algn="l" rotWithShape="0">
-              <a:prstClr val="black">
-                <a:alpha val="40000"/>
-              </a:prstClr>
-            </a:outerShdw>
-          </a:effectLst>
-        </p:spPr>
-        <p:style>
-          <a:lnRef idx="2">
-            <a:schemeClr val="accent1">
-              <a:shade val="50000"/>
-            </a:schemeClr>
-          </a:lnRef>
-          <a:fillRef idx="1">
-            <a:schemeClr val="accent1"/>
-          </a:fillRef>
-          <a:effectRef idx="0">
-            <a:schemeClr val="accent1"/>
-          </a:effectRef>
-          <a:fontRef idx="minor">
-            <a:schemeClr val="lt1"/>
-          </a:fontRef>
-        </p:style>
-        <p:txBody>
-          <a:bodyPr rtlCol="0" anchor="ctr"/>
-          <a:lstStyle/>
-          <a:p>
-            <a:pPr algn="ctr"/>
-            <a:endParaRPr lang="en-US"/>
-          </a:p>
-        </p:txBody>
-      </p:sp>
-      <p:sp>
-        <p:nvSpPr>
-          <p:cNvPr id="2" name="Title 1">
-            <a:extLst>
-              <a:ext uri="{FF2B5EF4-FFF2-40B4-BE49-F238E27FC236}">
-                <a16:creationId xmlns:a16="http://schemas.microsoft.com/office/drawing/2014/main" id="{B9A3AD2F-FF7C-4670-9F0D-6A94B3614457}"/>
-              </a:ext>
-            </a:extLst>
-          </p:cNvPr>
-          <p:cNvSpPr>
-            <a:spLocks noGrp="1"/>
-          </p:cNvSpPr>
-          <p:nvPr>
-            <p:ph type="ctrTitle"/>
-          </p:nvPr>
-        </p:nvSpPr>
-        <p:spPr>
-          <a:xfrm>
-            <a:off x="913795" y="1257301"/>
-            <a:ext cx="6672865" cy="4343399"/>
-          </a:xfrm>
-        </p:spPr>
-        <p:txBody>
-          <a:bodyPr anchor="ctr">
-            <a:normAutofit/>
-          </a:bodyPr>
-          <a:lstStyle/>
-          <a:p>
-            <a:r>
-              <a:rPr lang="en-US" dirty="0"/>
-              <a:t>Student Organization System (SOS)</a:t>
-            </a:r>
+            <a:endParaRPr lang="en-US" dirty="0"/>
           </a:p>
         </p:txBody>
       </p:sp>
@@ -16605,6 +16077,14 @@
 <file path=ppt/slides/slide10.xml><?xml version="1.0" encoding="utf-8"?>
 <p:sld xmlns:a="http://schemas.openxmlformats.org/drawingml/2006/main" xmlns:r="http://schemas.openxmlformats.org/officeDocument/2006/relationships" xmlns:p="http://schemas.openxmlformats.org/presentationml/2006/main">
   <p:cSld>
+    <p:bg>
+      <p:bgPr>
+        <a:solidFill>
+          <a:schemeClr val="bg1"/>
+        </a:solidFill>
+        <a:effectLst/>
+      </p:bgPr>
+    </p:bg>
     <p:spTree>
       <p:nvGrpSpPr>
         <p:cNvPr id="1" name=""/>
@@ -16619,12 +16099,89 @@
           <a:chExt cx="0" cy="0"/>
         </a:xfrm>
       </p:grpSpPr>
+      <p:sp>
+        <p:nvSpPr>
+          <p:cNvPr id="2" name="Title 1">
+            <a:extLst>
+              <a:ext uri="{FF2B5EF4-FFF2-40B4-BE49-F238E27FC236}">
+                <a16:creationId xmlns:a16="http://schemas.microsoft.com/office/drawing/2014/main" id="{0666A077-B6FB-4817-9FCE-F0B9734ADCFA}"/>
+              </a:ext>
+            </a:extLst>
+          </p:cNvPr>
+          <p:cNvSpPr>
+            <a:spLocks noGrp="1"/>
+          </p:cNvSpPr>
+          <p:nvPr>
+            <p:ph type="title"/>
+          </p:nvPr>
+        </p:nvSpPr>
+        <p:spPr>
+          <a:xfrm>
+            <a:off x="526073" y="361016"/>
+            <a:ext cx="11139854" cy="930447"/>
+          </a:xfrm>
+        </p:spPr>
+        <p:txBody>
+          <a:bodyPr vert="horz" lIns="91440" tIns="45720" rIns="91440" bIns="45720" rtlCol="0" anchor="b">
+            <a:normAutofit/>
+          </a:bodyPr>
+          <a:lstStyle/>
+          <a:p>
+            <a:pPr algn="ctr"/>
+            <a:r>
+              <a:rPr lang="en-US" dirty="0">
+                <a:solidFill>
+                  <a:srgbClr val="FFFFFF"/>
+                </a:solidFill>
+              </a:rPr>
+              <a:t>User Interface Design SOS16</a:t>
+            </a:r>
+          </a:p>
+        </p:txBody>
+      </p:sp>
       <p:pic>
         <p:nvPicPr>
-          <p:cNvPr id="9" name="Picture 8" descr="A screenshot of a cell phone&#10;&#10;Description automatically generated">
+          <p:cNvPr id="5" name="Content Placeholder 4" descr="A screenshot of a computer&#10;&#10;Description automatically generated">
             <a:extLst>
               <a:ext uri="{FF2B5EF4-FFF2-40B4-BE49-F238E27FC236}">
-                <a16:creationId xmlns:a16="http://schemas.microsoft.com/office/drawing/2014/main" id="{8909339B-310E-475A-B5FA-86D04F372A4F}"/>
+                <a16:creationId xmlns:a16="http://schemas.microsoft.com/office/drawing/2014/main" id="{A906F036-35FF-4D3A-A731-68820BB65DDE}"/>
+              </a:ext>
+            </a:extLst>
+          </p:cNvPr>
+          <p:cNvPicPr>
+            <a:picLocks noGrp="1" noChangeAspect="1"/>
+          </p:cNvPicPr>
+          <p:nvPr>
+            <p:ph idx="1"/>
+          </p:nvPr>
+        </p:nvPicPr>
+        <p:blipFill rotWithShape="1">
+          <a:blip r:embed="rId2">
+            <a:extLst>
+              <a:ext uri="{28A0092B-C50C-407E-A947-70E740481C1C}">
+                <a14:useLocalDpi xmlns:a14="http://schemas.microsoft.com/office/drawing/2010/main" val="0"/>
+              </a:ext>
+            </a:extLst>
+          </a:blip>
+          <a:srcRect l="15990" t="25942" r="16582" b="7559"/>
+          <a:stretch/>
+        </p:blipFill>
+        <p:spPr>
+          <a:xfrm>
+            <a:off x="913795" y="1623358"/>
+            <a:ext cx="6498120" cy="3604846"/>
+          </a:xfrm>
+          <a:prstGeom prst="rect">
+            <a:avLst/>
+          </a:prstGeom>
+        </p:spPr>
+      </p:pic>
+      <p:pic>
+        <p:nvPicPr>
+          <p:cNvPr id="7" name="Picture 6" descr="A screenshot of a social media post&#10;&#10;Description automatically generated">
+            <a:extLst>
+              <a:ext uri="{FF2B5EF4-FFF2-40B4-BE49-F238E27FC236}">
+                <a16:creationId xmlns:a16="http://schemas.microsoft.com/office/drawing/2014/main" id="{946776CE-C8BE-43FC-8407-ADA4DF10BB23}"/>
               </a:ext>
             </a:extLst>
           </p:cNvPr>
@@ -16633,7 +16190,237 @@
           </p:cNvPicPr>
           <p:nvPr/>
         </p:nvPicPr>
-        <p:blipFill>
+        <p:blipFill rotWithShape="1">
+          <a:blip r:embed="rId3">
+            <a:extLst>
+              <a:ext uri="{28A0092B-C50C-407E-A947-70E740481C1C}">
+                <a14:useLocalDpi xmlns:a14="http://schemas.microsoft.com/office/drawing/2010/main" val="0"/>
+              </a:ext>
+            </a:extLst>
+          </a:blip>
+          <a:srcRect l="24292" t="21927" r="49985" b="9317"/>
+          <a:stretch/>
+        </p:blipFill>
+        <p:spPr>
+          <a:xfrm>
+            <a:off x="8191506" y="1291463"/>
+            <a:ext cx="2699277" cy="4058426"/>
+          </a:xfrm>
+          <a:prstGeom prst="rect">
+            <a:avLst/>
+          </a:prstGeom>
+        </p:spPr>
+      </p:pic>
+      <p:sp>
+        <p:nvSpPr>
+          <p:cNvPr id="6" name="Footer Placeholder 5">
+            <a:extLst>
+              <a:ext uri="{FF2B5EF4-FFF2-40B4-BE49-F238E27FC236}">
+                <a16:creationId xmlns:a16="http://schemas.microsoft.com/office/drawing/2014/main" id="{C030A3F1-24D3-419B-81B8-1987ED900FFB}"/>
+              </a:ext>
+            </a:extLst>
+          </p:cNvPr>
+          <p:cNvSpPr>
+            <a:spLocks noGrp="1"/>
+          </p:cNvSpPr>
+          <p:nvPr>
+            <p:ph type="ftr" sz="quarter" idx="11"/>
+          </p:nvPr>
+        </p:nvSpPr>
+        <p:spPr/>
+        <p:txBody>
+          <a:bodyPr/>
+          <a:lstStyle/>
+          <a:p>
+            <a:r>
+              <a:rPr lang="en-US"/>
+              <a:t>Student Organization System - Software Requirements Document</a:t>
+            </a:r>
+          </a:p>
+        </p:txBody>
+      </p:sp>
+      <p:sp>
+        <p:nvSpPr>
+          <p:cNvPr id="8" name="Slide Number Placeholder 7">
+            <a:extLst>
+              <a:ext uri="{FF2B5EF4-FFF2-40B4-BE49-F238E27FC236}">
+                <a16:creationId xmlns:a16="http://schemas.microsoft.com/office/drawing/2014/main" id="{E2EC5D1F-EB62-4030-AFB3-F8EE8D42F46F}"/>
+              </a:ext>
+            </a:extLst>
+          </p:cNvPr>
+          <p:cNvSpPr>
+            <a:spLocks noGrp="1"/>
+          </p:cNvSpPr>
+          <p:nvPr>
+            <p:ph type="sldNum" sz="quarter" idx="12"/>
+          </p:nvPr>
+        </p:nvSpPr>
+        <p:spPr/>
+        <p:txBody>
+          <a:bodyPr/>
+          <a:lstStyle/>
+          <a:p>
+            <a:fld id="{5FB0F42B-CAA9-4D4F-86CF-07230423CC99}" type="slidenum">
+              <a:rPr lang="en-US" smtClean="0"/>
+              <a:t>10</a:t>
+            </a:fld>
+            <a:endParaRPr lang="en-US"/>
+          </a:p>
+        </p:txBody>
+      </p:sp>
+      <p:sp>
+        <p:nvSpPr>
+          <p:cNvPr id="9" name="TextBox 8">
+            <a:extLst>
+              <a:ext uri="{FF2B5EF4-FFF2-40B4-BE49-F238E27FC236}">
+                <a16:creationId xmlns:a16="http://schemas.microsoft.com/office/drawing/2014/main" id="{279EC8C1-3D7B-4800-ADC3-7C5D524F541F}"/>
+              </a:ext>
+            </a:extLst>
+          </p:cNvPr>
+          <p:cNvSpPr txBox="1"/>
+          <p:nvPr/>
+        </p:nvSpPr>
+        <p:spPr>
+          <a:xfrm>
+            <a:off x="1054774" y="5261966"/>
+            <a:ext cx="6216162" cy="369332"/>
+          </a:xfrm>
+          <a:prstGeom prst="rect">
+            <a:avLst/>
+          </a:prstGeom>
+          <a:noFill/>
+        </p:spPr>
+        <p:txBody>
+          <a:bodyPr wrap="square" rtlCol="0">
+            <a:spAutoFit/>
+          </a:bodyPr>
+          <a:lstStyle/>
+          <a:p>
+            <a:r>
+              <a:rPr lang="en-US" i="1" dirty="0"/>
+              <a:t>New Organization Form for SOS16 Scenario</a:t>
+            </a:r>
+          </a:p>
+        </p:txBody>
+      </p:sp>
+      <p:sp>
+        <p:nvSpPr>
+          <p:cNvPr id="10" name="TextBox 9">
+            <a:extLst>
+              <a:ext uri="{FF2B5EF4-FFF2-40B4-BE49-F238E27FC236}">
+                <a16:creationId xmlns:a16="http://schemas.microsoft.com/office/drawing/2014/main" id="{C2271CC5-0F51-4FE5-99E1-B73428DA9C90}"/>
+              </a:ext>
+            </a:extLst>
+          </p:cNvPr>
+          <p:cNvSpPr txBox="1"/>
+          <p:nvPr/>
+        </p:nvSpPr>
+        <p:spPr>
+          <a:xfrm>
+            <a:off x="8191506" y="5374858"/>
+            <a:ext cx="2699277" cy="369332"/>
+          </a:xfrm>
+          <a:prstGeom prst="rect">
+            <a:avLst/>
+          </a:prstGeom>
+          <a:noFill/>
+        </p:spPr>
+        <p:txBody>
+          <a:bodyPr wrap="square" rtlCol="0">
+            <a:spAutoFit/>
+          </a:bodyPr>
+          <a:lstStyle/>
+          <a:p>
+            <a:r>
+              <a:rPr lang="en-US" i="1" dirty="0"/>
+              <a:t>Resulting Organization</a:t>
+            </a:r>
+          </a:p>
+        </p:txBody>
+      </p:sp>
+    </p:spTree>
+    <p:extLst>
+      <p:ext uri="{BB962C8B-B14F-4D97-AF65-F5344CB8AC3E}">
+        <p14:creationId xmlns:p14="http://schemas.microsoft.com/office/powerpoint/2010/main" val="2307572880"/>
+      </p:ext>
+    </p:extLst>
+  </p:cSld>
+  <p:clrMapOvr>
+    <a:masterClrMapping/>
+  </p:clrMapOvr>
+</p:sld>
+</file>
+
+<file path=ppt/slides/slide11.xml><?xml version="1.0" encoding="utf-8"?>
+<p:sld xmlns:a="http://schemas.openxmlformats.org/drawingml/2006/main" xmlns:r="http://schemas.openxmlformats.org/officeDocument/2006/relationships" xmlns:p="http://schemas.openxmlformats.org/presentationml/2006/main">
+  <p:cSld>
+    <p:bg>
+      <p:bgPr>
+        <a:solidFill>
+          <a:schemeClr val="bg1"/>
+        </a:solidFill>
+        <a:effectLst/>
+      </p:bgPr>
+    </p:bg>
+    <p:spTree>
+      <p:nvGrpSpPr>
+        <p:cNvPr id="1" name=""/>
+        <p:cNvGrpSpPr/>
+        <p:nvPr/>
+      </p:nvGrpSpPr>
+      <p:grpSpPr>
+        <a:xfrm>
+          <a:off x="0" y="0"/>
+          <a:ext cx="0" cy="0"/>
+          <a:chOff x="0" y="0"/>
+          <a:chExt cx="0" cy="0"/>
+        </a:xfrm>
+      </p:grpSpPr>
+      <p:sp>
+        <p:nvSpPr>
+          <p:cNvPr id="2" name="Title 1">
+            <a:extLst>
+              <a:ext uri="{FF2B5EF4-FFF2-40B4-BE49-F238E27FC236}">
+                <a16:creationId xmlns:a16="http://schemas.microsoft.com/office/drawing/2014/main" id="{02E6FE26-F133-4E4B-AECF-BBE8599EC259}"/>
+              </a:ext>
+            </a:extLst>
+          </p:cNvPr>
+          <p:cNvSpPr>
+            <a:spLocks noGrp="1"/>
+          </p:cNvSpPr>
+          <p:nvPr>
+            <p:ph type="title"/>
+          </p:nvPr>
+        </p:nvSpPr>
+        <p:spPr/>
+        <p:txBody>
+          <a:bodyPr/>
+          <a:lstStyle/>
+          <a:p>
+            <a:r>
+              <a:rPr lang="en-US" dirty="0"/>
+              <a:t>User Interface Design for SOS7</a:t>
+            </a:r>
+          </a:p>
+        </p:txBody>
+      </p:sp>
+      <p:pic>
+        <p:nvPicPr>
+          <p:cNvPr id="5" name="Content Placeholder 4" descr="A screenshot of a cell phone&#10;&#10;Description automatically generated">
+            <a:extLst>
+              <a:ext uri="{FF2B5EF4-FFF2-40B4-BE49-F238E27FC236}">
+                <a16:creationId xmlns:a16="http://schemas.microsoft.com/office/drawing/2014/main" id="{90AB257D-424E-4C6B-8AEF-CD1CEE6FA9B4}"/>
+              </a:ext>
+            </a:extLst>
+          </p:cNvPr>
+          <p:cNvPicPr>
+            <a:picLocks noGrp="1" noChangeAspect="1"/>
+          </p:cNvPicPr>
+          <p:nvPr>
+            <p:ph idx="1"/>
+          </p:nvPr>
+        </p:nvPicPr>
+        <p:blipFill rotWithShape="1">
           <a:blip r:embed="rId2">
             <a:extLst>
               <a:ext uri="{28A0092B-C50C-407E-A947-70E740481C1C}">
@@ -16641,14 +16428,125 @@
               </a:ext>
             </a:extLst>
           </a:blip>
-          <a:stretch>
-            <a:fillRect/>
-          </a:stretch>
+          <a:srcRect t="1" r="1180" b="1"/>
+          <a:stretch/>
         </p:blipFill>
         <p:spPr>
           <a:xfrm>
-            <a:off x="1523430" y="723899"/>
-            <a:ext cx="9202434" cy="5553839"/>
+            <a:off x="5929776" y="1712058"/>
+            <a:ext cx="5965083" cy="3012342"/>
+          </a:xfrm>
+        </p:spPr>
+      </p:pic>
+      <p:sp>
+        <p:nvSpPr>
+          <p:cNvPr id="6" name="Footer Placeholder 5">
+            <a:extLst>
+              <a:ext uri="{FF2B5EF4-FFF2-40B4-BE49-F238E27FC236}">
+                <a16:creationId xmlns:a16="http://schemas.microsoft.com/office/drawing/2014/main" id="{1C7F5CAC-D369-41D5-BE20-C5FA72B3D3B7}"/>
+              </a:ext>
+            </a:extLst>
+          </p:cNvPr>
+          <p:cNvSpPr>
+            <a:spLocks noGrp="1"/>
+          </p:cNvSpPr>
+          <p:nvPr>
+            <p:ph type="ftr" sz="quarter" idx="11"/>
+          </p:nvPr>
+        </p:nvSpPr>
+        <p:spPr/>
+        <p:txBody>
+          <a:bodyPr/>
+          <a:lstStyle/>
+          <a:p>
+            <a:r>
+              <a:rPr lang="en-US"/>
+              <a:t>Student Organization System - Software Requirements Document</a:t>
+            </a:r>
+          </a:p>
+        </p:txBody>
+      </p:sp>
+      <p:sp>
+        <p:nvSpPr>
+          <p:cNvPr id="8" name="Slide Number Placeholder 7">
+            <a:extLst>
+              <a:ext uri="{FF2B5EF4-FFF2-40B4-BE49-F238E27FC236}">
+                <a16:creationId xmlns:a16="http://schemas.microsoft.com/office/drawing/2014/main" id="{CC6C646A-8AB4-4B10-AEC9-DCF7070D6272}"/>
+              </a:ext>
+            </a:extLst>
+          </p:cNvPr>
+          <p:cNvSpPr>
+            <a:spLocks noGrp="1"/>
+          </p:cNvSpPr>
+          <p:nvPr>
+            <p:ph type="sldNum" sz="quarter" idx="12"/>
+          </p:nvPr>
+        </p:nvSpPr>
+        <p:spPr/>
+        <p:txBody>
+          <a:bodyPr/>
+          <a:lstStyle/>
+          <a:p>
+            <a:fld id="{5FB0F42B-CAA9-4D4F-86CF-07230423CC99}" type="slidenum">
+              <a:rPr lang="en-US" smtClean="0"/>
+              <a:t>11</a:t>
+            </a:fld>
+            <a:endParaRPr lang="en-US"/>
+          </a:p>
+        </p:txBody>
+      </p:sp>
+      <p:pic>
+        <p:nvPicPr>
+          <p:cNvPr id="11" name="Picture 10">
+            <a:extLst>
+              <a:ext uri="{FF2B5EF4-FFF2-40B4-BE49-F238E27FC236}">
+                <a16:creationId xmlns:a16="http://schemas.microsoft.com/office/drawing/2014/main" id="{D54ADC48-94F0-461B-BD50-6E35DC22E388}"/>
+              </a:ext>
+            </a:extLst>
+          </p:cNvPr>
+          <p:cNvPicPr>
+            <a:picLocks noChangeAspect="1"/>
+          </p:cNvPicPr>
+          <p:nvPr/>
+        </p:nvPicPr>
+        <p:blipFill rotWithShape="1">
+          <a:blip r:embed="rId3"/>
+          <a:srcRect l="970"/>
+          <a:stretch/>
+        </p:blipFill>
+        <p:spPr>
+          <a:xfrm>
+            <a:off x="1002811" y="1712058"/>
+            <a:ext cx="4599969" cy="3164742"/>
+          </a:xfrm>
+          <a:prstGeom prst="rect">
+            <a:avLst/>
+          </a:prstGeom>
+        </p:spPr>
+      </p:pic>
+      <p:pic>
+        <p:nvPicPr>
+          <p:cNvPr id="12" name="Picture 11">
+            <a:extLst>
+              <a:ext uri="{FF2B5EF4-FFF2-40B4-BE49-F238E27FC236}">
+                <a16:creationId xmlns:a16="http://schemas.microsoft.com/office/drawing/2014/main" id="{A9D7AFDF-21FA-4036-9E19-D4460B84C294}"/>
+              </a:ext>
+            </a:extLst>
+          </p:cNvPr>
+          <p:cNvPicPr>
+            <a:picLocks noChangeAspect="1"/>
+          </p:cNvPicPr>
+          <p:nvPr/>
+        </p:nvPicPr>
+        <p:blipFill rotWithShape="1">
+          <a:blip r:embed="rId4"/>
+          <a:srcRect b="2263"/>
+          <a:stretch/>
+        </p:blipFill>
+        <p:spPr>
+          <a:xfrm>
+            <a:off x="1002811" y="1712058"/>
+            <a:ext cx="4569007" cy="3164742"/>
           </a:xfrm>
           <a:prstGeom prst="rect">
             <a:avLst/>
@@ -16669,22 +16567,21 @@
           </p:cNvPicPr>
           <p:nvPr/>
         </p:nvPicPr>
-        <p:blipFill>
-          <a:blip r:embed="rId3">
+        <p:blipFill rotWithShape="1">
+          <a:blip r:embed="rId5">
             <a:extLst>
               <a:ext uri="{28A0092B-C50C-407E-A947-70E740481C1C}">
                 <a14:useLocalDpi xmlns:a14="http://schemas.microsoft.com/office/drawing/2010/main" val="0"/>
               </a:ext>
             </a:extLst>
           </a:blip>
-          <a:stretch>
-            <a:fillRect/>
-          </a:stretch>
+          <a:srcRect t="3363"/>
+          <a:stretch/>
         </p:blipFill>
         <p:spPr>
           <a:xfrm>
-            <a:off x="1523430" y="1015236"/>
-            <a:ext cx="9202434" cy="5477639"/>
+            <a:off x="5929776" y="1714721"/>
+            <a:ext cx="5965083" cy="3431221"/>
           </a:xfrm>
           <a:prstGeom prst="rect">
             <a:avLst/>
@@ -16693,64 +16590,74 @@
       </p:pic>
       <p:sp>
         <p:nvSpPr>
-          <p:cNvPr id="2" name="Title 1">
+          <p:cNvPr id="14" name="TextBox 13">
             <a:extLst>
               <a:ext uri="{FF2B5EF4-FFF2-40B4-BE49-F238E27FC236}">
-                <a16:creationId xmlns:a16="http://schemas.microsoft.com/office/drawing/2014/main" id="{02E6FE26-F133-4E4B-AECF-BBE8599EC259}"/>
+                <a16:creationId xmlns:a16="http://schemas.microsoft.com/office/drawing/2014/main" id="{E972D1B5-0452-40EF-97B8-502E1454946D}"/>
               </a:ext>
             </a:extLst>
           </p:cNvPr>
-          <p:cNvSpPr>
-            <a:spLocks noGrp="1"/>
-          </p:cNvSpPr>
-          <p:nvPr>
-            <p:ph type="title"/>
-          </p:nvPr>
+          <p:cNvSpPr txBox="1"/>
+          <p:nvPr/>
         </p:nvSpPr>
-        <p:spPr/>
+        <p:spPr>
+          <a:xfrm>
+            <a:off x="1002811" y="4955458"/>
+            <a:ext cx="4041137" cy="369332"/>
+          </a:xfrm>
+          <a:prstGeom prst="rect">
+            <a:avLst/>
+          </a:prstGeom>
+          <a:noFill/>
+        </p:spPr>
         <p:txBody>
-          <a:bodyPr/>
+          <a:bodyPr wrap="square" rtlCol="0">
+            <a:spAutoFit/>
+          </a:bodyPr>
           <a:lstStyle/>
           <a:p>
-            <a:endParaRPr lang="en-US"/>
+            <a:r>
+              <a:rPr lang="en-US" i="1" dirty="0"/>
+              <a:t>Homepage for User Jane Doe</a:t>
+            </a:r>
           </a:p>
         </p:txBody>
       </p:sp>
-      <p:pic>
-        <p:nvPicPr>
-          <p:cNvPr id="5" name="Content Placeholder 4" descr="A screenshot of a cell phone&#10;&#10;Description automatically generated">
+      <p:sp>
+        <p:nvSpPr>
+          <p:cNvPr id="15" name="TextBox 14">
             <a:extLst>
               <a:ext uri="{FF2B5EF4-FFF2-40B4-BE49-F238E27FC236}">
-                <a16:creationId xmlns:a16="http://schemas.microsoft.com/office/drawing/2014/main" id="{90AB257D-424E-4C6B-8AEF-CD1CEE6FA9B4}"/>
+                <a16:creationId xmlns:a16="http://schemas.microsoft.com/office/drawing/2014/main" id="{5136A896-DDCF-4A60-B405-C393A9223D55}"/>
               </a:ext>
             </a:extLst>
           </p:cNvPr>
-          <p:cNvPicPr>
-            <a:picLocks noGrp="1" noChangeAspect="1"/>
-          </p:cNvPicPr>
-          <p:nvPr>
-            <p:ph idx="1"/>
-          </p:nvPr>
-        </p:nvPicPr>
-        <p:blipFill>
-          <a:blip r:embed="rId4">
-            <a:extLst>
-              <a:ext uri="{28A0092B-C50C-407E-A947-70E740481C1C}">
-                <a14:useLocalDpi xmlns:a14="http://schemas.microsoft.com/office/drawing/2010/main" val="0"/>
-              </a:ext>
-            </a:extLst>
-          </a:blip>
-          <a:stretch>
-            <a:fillRect/>
-          </a:stretch>
-        </p:blipFill>
+          <p:cNvSpPr txBox="1"/>
+          <p:nvPr/>
+        </p:nvSpPr>
         <p:spPr>
           <a:xfrm>
-            <a:off x="1552077" y="1233549"/>
-            <a:ext cx="9145140" cy="5335526"/>
+            <a:off x="5929776" y="5148605"/>
+            <a:ext cx="4041137" cy="369332"/>
           </a:xfrm>
+          <a:prstGeom prst="rect">
+            <a:avLst/>
+          </a:prstGeom>
+          <a:noFill/>
         </p:spPr>
-      </p:pic>
+        <p:txBody>
+          <a:bodyPr wrap="square" rtlCol="0">
+            <a:spAutoFit/>
+          </a:bodyPr>
+          <a:lstStyle/>
+          <a:p>
+            <a:r>
+              <a:rPr lang="en-US" i="1" dirty="0"/>
+              <a:t>Edit Profile Form</a:t>
+            </a:r>
+          </a:p>
+        </p:txBody>
+      </p:sp>
     </p:spTree>
     <p:extLst>
       <p:ext uri="{BB962C8B-B14F-4D97-AF65-F5344CB8AC3E}">
@@ -16807,7 +16714,7 @@
                                     </p:set>
                                     <p:animEffect transition="in" filter="fade">
                                       <p:cBhvr>
-                                        <p:cTn id="7" dur="500"/>
+                                        <p:cTn id="7" dur="250"/>
                                         <p:tgtEl>
                                           <p:spTgt spid="5"/>
                                         </p:tgtEl>
@@ -16860,47 +16767,12 @@
                                     </p:set>
                                     <p:animEffect transition="in" filter="fade">
                                       <p:cBhvr>
-                                        <p:cTn id="12" dur="500"/>
+                                        <p:cTn id="12" dur="250"/>
                                         <p:tgtEl>
                                           <p:spTgt spid="7"/>
                                         </p:tgtEl>
                                       </p:cBhvr>
                                     </p:animEffect>
-                                  </p:childTnLst>
-                                </p:cTn>
-                              </p:par>
-                              <p:par>
-                                <p:cTn id="13" presetID="10" presetClass="exit" presetSubtype="0" fill="hold" nodeType="withEffect">
-                                  <p:stCondLst>
-                                    <p:cond delay="0"/>
-                                  </p:stCondLst>
-                                  <p:childTnLst>
-                                    <p:animEffect transition="out" filter="fade">
-                                      <p:cBhvr>
-                                        <p:cTn id="14" dur="500"/>
-                                        <p:tgtEl>
-                                          <p:spTgt spid="5"/>
-                                        </p:tgtEl>
-                                      </p:cBhvr>
-                                    </p:animEffect>
-                                    <p:set>
-                                      <p:cBhvr>
-                                        <p:cTn id="15" dur="1" fill="hold">
-                                          <p:stCondLst>
-                                            <p:cond delay="499"/>
-                                          </p:stCondLst>
-                                        </p:cTn>
-                                        <p:tgtEl>
-                                          <p:spTgt spid="5"/>
-                                        </p:tgtEl>
-                                        <p:attrNameLst>
-                                          <p:attrName>style.visibility</p:attrName>
-                                        </p:attrNameLst>
-                                      </p:cBhvr>
-                                      <p:to>
-                                        <p:strVal val="hidden"/>
-                                      </p:to>
-                                    </p:set>
                                   </p:childTnLst>
                                 </p:cTn>
                               </p:par>
@@ -16911,59 +16783,32 @@
                     </p:cTn>
                   </p:par>
                   <p:par>
-                    <p:cTn id="16" fill="hold">
+                    <p:cTn id="13" fill="hold">
                       <p:stCondLst>
                         <p:cond delay="indefinite"/>
                       </p:stCondLst>
                       <p:childTnLst>
                         <p:par>
-                          <p:cTn id="17" fill="hold">
+                          <p:cTn id="14" fill="hold">
                             <p:stCondLst>
                               <p:cond delay="0"/>
                             </p:stCondLst>
                             <p:childTnLst>
                               <p:par>
-                                <p:cTn id="18" presetID="1" presetClass="exit" presetSubtype="0" fill="hold" nodeType="clickEffect">
+                                <p:cTn id="15" presetID="10" presetClass="entr" presetSubtype="0" fill="hold" nodeType="clickEffect">
                                   <p:stCondLst>
                                     <p:cond delay="0"/>
                                   </p:stCondLst>
                                   <p:childTnLst>
                                     <p:set>
                                       <p:cBhvr>
-                                        <p:cTn id="19" dur="1" fill="hold">
+                                        <p:cTn id="16" dur="1" fill="hold">
                                           <p:stCondLst>
                                             <p:cond delay="0"/>
                                           </p:stCondLst>
                                         </p:cTn>
                                         <p:tgtEl>
-                                          <p:spTgt spid="7"/>
-                                        </p:tgtEl>
-                                        <p:attrNameLst>
-                                          <p:attrName>style.visibility</p:attrName>
-                                        </p:attrNameLst>
-                                      </p:cBhvr>
-                                      <p:to>
-                                        <p:strVal val="hidden"/>
-                                      </p:to>
-                                    </p:set>
-                                  </p:childTnLst>
-                                </p:cTn>
-                              </p:par>
-                              <p:par>
-                                <p:cTn id="20" presetID="1" presetClass="entr" presetSubtype="0" fill="hold" nodeType="withEffect">
-                                  <p:stCondLst>
-                                    <p:cond delay="0"/>
-                                  </p:stCondLst>
-                                  <p:childTnLst>
-                                    <p:set>
-                                      <p:cBhvr>
-                                        <p:cTn id="21" dur="1" fill="hold">
-                                          <p:stCondLst>
-                                            <p:cond delay="0"/>
-                                          </p:stCondLst>
-                                        </p:cTn>
-                                        <p:tgtEl>
-                                          <p:spTgt spid="9"/>
+                                          <p:spTgt spid="12"/>
                                         </p:tgtEl>
                                         <p:attrNameLst>
                                           <p:attrName>style.visibility</p:attrName>
@@ -16973,6 +16818,14 @@
                                         <p:strVal val="visible"/>
                                       </p:to>
                                     </p:set>
+                                    <p:animEffect transition="in" filter="fade">
+                                      <p:cBhvr>
+                                        <p:cTn id="17" dur="250"/>
+                                        <p:tgtEl>
+                                          <p:spTgt spid="12"/>
+                                        </p:tgtEl>
+                                      </p:cBhvr>
+                                    </p:animEffect>
                                   </p:childTnLst>
                                 </p:cTn>
                               </p:par>
@@ -17007,9 +16860,17 @@
 </p:sld>
 </file>
 
-<file path=ppt/slides/slide11.xml><?xml version="1.0" encoding="utf-8"?>
+<file path=ppt/slides/slide12.xml><?xml version="1.0" encoding="utf-8"?>
 <p:sld xmlns:a="http://schemas.openxmlformats.org/drawingml/2006/main" xmlns:r="http://schemas.openxmlformats.org/officeDocument/2006/relationships" xmlns:p="http://schemas.openxmlformats.org/presentationml/2006/main">
   <p:cSld>
+    <p:bg>
+      <p:bgPr>
+        <a:solidFill>
+          <a:schemeClr val="bg1"/>
+        </a:solidFill>
+        <a:effectLst/>
+      </p:bgPr>
+    </p:bg>
     <p:spTree>
       <p:nvGrpSpPr>
         <p:cNvPr id="1" name=""/>
@@ -17103,14 +16964,14 @@
           <p:nvPr>
             <p:extLst>
               <p:ext uri="{D42A27DB-BD31-4B8C-83A1-F6EECF244321}">
-                <p14:modId xmlns:p14="http://schemas.microsoft.com/office/powerpoint/2010/main" val="107658619"/>
+                <p14:modId xmlns:p14="http://schemas.microsoft.com/office/powerpoint/2010/main" val="3037885532"/>
               </p:ext>
             </p:extLst>
           </p:nvPr>
         </p:nvGraphicFramePr>
         <p:xfrm>
-          <a:off x="1889957" y="1145794"/>
-          <a:ext cx="8128000" cy="5418667"/>
+          <a:off x="2475482" y="1282395"/>
+          <a:ext cx="6672865" cy="4293209"/>
         </p:xfrm>
         <a:graphic>
           <a:graphicData uri="http://schemas.openxmlformats.org/drawingml/2006/diagram">
@@ -17118,6 +16979,63 @@
           </a:graphicData>
         </a:graphic>
       </p:graphicFrame>
+      <p:sp>
+        <p:nvSpPr>
+          <p:cNvPr id="7" name="Footer Placeholder 6">
+            <a:extLst>
+              <a:ext uri="{FF2B5EF4-FFF2-40B4-BE49-F238E27FC236}">
+                <a16:creationId xmlns:a16="http://schemas.microsoft.com/office/drawing/2014/main" id="{0D6E87CD-DD0E-4BA7-B0F4-A5D19BDA48EE}"/>
+              </a:ext>
+            </a:extLst>
+          </p:cNvPr>
+          <p:cNvSpPr>
+            <a:spLocks noGrp="1"/>
+          </p:cNvSpPr>
+          <p:nvPr>
+            <p:ph type="ftr" sz="quarter" idx="11"/>
+          </p:nvPr>
+        </p:nvSpPr>
+        <p:spPr/>
+        <p:txBody>
+          <a:bodyPr/>
+          <a:lstStyle/>
+          <a:p>
+            <a:r>
+              <a:rPr lang="en-US"/>
+              <a:t>Student Organization System - Software Requirements Document</a:t>
+            </a:r>
+          </a:p>
+        </p:txBody>
+      </p:sp>
+      <p:sp>
+        <p:nvSpPr>
+          <p:cNvPr id="8" name="Slide Number Placeholder 7">
+            <a:extLst>
+              <a:ext uri="{FF2B5EF4-FFF2-40B4-BE49-F238E27FC236}">
+                <a16:creationId xmlns:a16="http://schemas.microsoft.com/office/drawing/2014/main" id="{8BB129A2-12B4-4F8C-A89F-36658AAE7696}"/>
+              </a:ext>
+            </a:extLst>
+          </p:cNvPr>
+          <p:cNvSpPr>
+            <a:spLocks noGrp="1"/>
+          </p:cNvSpPr>
+          <p:nvPr>
+            <p:ph type="sldNum" sz="quarter" idx="12"/>
+          </p:nvPr>
+        </p:nvSpPr>
+        <p:spPr/>
+        <p:txBody>
+          <a:bodyPr/>
+          <a:lstStyle/>
+          <a:p>
+            <a:fld id="{5FB0F42B-CAA9-4D4F-86CF-07230423CC99}" type="slidenum">
+              <a:rPr lang="en-US" smtClean="0"/>
+              <a:t>12</a:t>
+            </a:fld>
+            <a:endParaRPr lang="en-US"/>
+          </a:p>
+        </p:txBody>
+      </p:sp>
     </p:spTree>
     <p:extLst>
       <p:ext uri="{BB962C8B-B14F-4D97-AF65-F5344CB8AC3E}">
@@ -17131,9 +17049,17 @@
 </p:sld>
 </file>
 
-<file path=ppt/slides/slide12.xml><?xml version="1.0" encoding="utf-8"?>
+<file path=ppt/slides/slide13.xml><?xml version="1.0" encoding="utf-8"?>
 <p:sld xmlns:a="http://schemas.openxmlformats.org/drawingml/2006/main" xmlns:r="http://schemas.openxmlformats.org/officeDocument/2006/relationships" xmlns:p="http://schemas.openxmlformats.org/presentationml/2006/main">
   <p:cSld>
+    <p:bg>
+      <p:bgPr>
+        <a:solidFill>
+          <a:schemeClr val="bg1"/>
+        </a:solidFill>
+        <a:effectLst/>
+      </p:bgPr>
+    </p:bg>
     <p:spTree>
       <p:nvGrpSpPr>
         <p:cNvPr id="1" name=""/>
@@ -17182,62 +17108,140 @@
           </a:p>
         </p:txBody>
       </p:sp>
-      <p:graphicFrame>
-        <p:nvGraphicFramePr>
-          <p:cNvPr id="6" name="Diagram 5">
+      <p:grpSp>
+        <p:nvGrpSpPr>
+          <p:cNvPr id="9" name="Group 8">
             <a:extLst>
               <a:ext uri="{FF2B5EF4-FFF2-40B4-BE49-F238E27FC236}">
-                <a16:creationId xmlns:a16="http://schemas.microsoft.com/office/drawing/2014/main" id="{F20F2720-682B-49A2-B93B-3CD8950A37CF}"/>
+                <a16:creationId xmlns:a16="http://schemas.microsoft.com/office/drawing/2014/main" id="{ACB3DD74-B981-428E-A535-D376FBA2D635}"/>
               </a:ext>
             </a:extLst>
           </p:cNvPr>
-          <p:cNvGraphicFramePr/>
-          <p:nvPr>
-            <p:extLst>
-              <p:ext uri="{D42A27DB-BD31-4B8C-83A1-F6EECF244321}">
-                <p14:modId xmlns:p14="http://schemas.microsoft.com/office/powerpoint/2010/main" val="2366673891"/>
-              </p:ext>
-            </p:extLst>
-          </p:nvPr>
-        </p:nvGraphicFramePr>
-        <p:xfrm>
-          <a:off x="2032000" y="719667"/>
-          <a:ext cx="7218532" cy="4447138"/>
-        </p:xfrm>
-        <a:graphic>
-          <a:graphicData uri="http://schemas.openxmlformats.org/drawingml/2006/diagram">
-            <dgm:relIds xmlns:dgm="http://schemas.openxmlformats.org/drawingml/2006/diagram" xmlns:r="http://schemas.openxmlformats.org/officeDocument/2006/relationships" r:dm="rId3" r:lo="rId4" r:qs="rId5" r:cs="rId6"/>
-          </a:graphicData>
-        </a:graphic>
-      </p:graphicFrame>
-      <p:graphicFrame>
-        <p:nvGraphicFramePr>
-          <p:cNvPr id="8" name="Diagram 7">
+          <p:cNvGrpSpPr/>
+          <p:nvPr/>
+        </p:nvGrpSpPr>
+        <p:grpSpPr>
+          <a:xfrm>
+            <a:off x="2562352" y="914400"/>
+            <a:ext cx="6487984" cy="5151437"/>
+            <a:chOff x="665825" y="678197"/>
+            <a:chExt cx="8832542" cy="6668070"/>
+          </a:xfrm>
+        </p:grpSpPr>
+        <p:graphicFrame>
+          <p:nvGraphicFramePr>
+            <p:cNvPr id="6" name="Diagram 5">
+              <a:extLst>
+                <a:ext uri="{FF2B5EF4-FFF2-40B4-BE49-F238E27FC236}">
+                  <a16:creationId xmlns:a16="http://schemas.microsoft.com/office/drawing/2014/main" id="{F20F2720-682B-49A2-B93B-3CD8950A37CF}"/>
+                </a:ext>
+              </a:extLst>
+            </p:cNvPr>
+            <p:cNvGraphicFramePr/>
+            <p:nvPr>
+              <p:extLst>
+                <p:ext uri="{D42A27DB-BD31-4B8C-83A1-F6EECF244321}">
+                  <p14:modId xmlns:p14="http://schemas.microsoft.com/office/powerpoint/2010/main" val="1071562027"/>
+                </p:ext>
+              </p:extLst>
+            </p:nvPr>
+          </p:nvGraphicFramePr>
+          <p:xfrm>
+            <a:off x="2032000" y="678197"/>
+            <a:ext cx="7218533" cy="4488608"/>
+          </p:xfrm>
+          <a:graphic>
+            <a:graphicData uri="http://schemas.openxmlformats.org/drawingml/2006/diagram">
+              <dgm:relIds xmlns:dgm="http://schemas.openxmlformats.org/drawingml/2006/diagram" xmlns:r="http://schemas.openxmlformats.org/officeDocument/2006/relationships" r:dm="rId3" r:lo="rId4" r:qs="rId5" r:cs="rId6"/>
+            </a:graphicData>
+          </a:graphic>
+        </p:graphicFrame>
+        <p:graphicFrame>
+          <p:nvGraphicFramePr>
+            <p:cNvPr id="8" name="Diagram 7">
+              <a:extLst>
+                <a:ext uri="{FF2B5EF4-FFF2-40B4-BE49-F238E27FC236}">
+                  <a16:creationId xmlns:a16="http://schemas.microsoft.com/office/drawing/2014/main" id="{8F3D398C-0D50-41BB-807F-C385F63E71D3}"/>
+                </a:ext>
+              </a:extLst>
+            </p:cNvPr>
+            <p:cNvGraphicFramePr/>
+            <p:nvPr>
+              <p:extLst>
+                <p:ext uri="{D42A27DB-BD31-4B8C-83A1-F6EECF244321}">
+                  <p14:modId xmlns:p14="http://schemas.microsoft.com/office/powerpoint/2010/main" val="2739068362"/>
+                </p:ext>
+              </p:extLst>
+            </p:nvPr>
+          </p:nvGraphicFramePr>
+          <p:xfrm>
+            <a:off x="665825" y="3363943"/>
+            <a:ext cx="8832542" cy="3982324"/>
+          </p:xfrm>
+          <a:graphic>
+            <a:graphicData uri="http://schemas.openxmlformats.org/drawingml/2006/diagram">
+              <dgm:relIds xmlns:dgm="http://schemas.openxmlformats.org/drawingml/2006/diagram" xmlns:r="http://schemas.openxmlformats.org/officeDocument/2006/relationships" r:dm="rId8" r:lo="rId9" r:qs="rId10" r:cs="rId11"/>
+            </a:graphicData>
+          </a:graphic>
+        </p:graphicFrame>
+      </p:grpSp>
+      <p:sp>
+        <p:nvSpPr>
+          <p:cNvPr id="5" name="Footer Placeholder 4">
             <a:extLst>
               <a:ext uri="{FF2B5EF4-FFF2-40B4-BE49-F238E27FC236}">
-                <a16:creationId xmlns:a16="http://schemas.microsoft.com/office/drawing/2014/main" id="{8F3D398C-0D50-41BB-807F-C385F63E71D3}"/>
+                <a16:creationId xmlns:a16="http://schemas.microsoft.com/office/drawing/2014/main" id="{92884B3B-1BE4-40E0-BECB-01EA1BA3D10D}"/>
               </a:ext>
             </a:extLst>
           </p:cNvPr>
-          <p:cNvGraphicFramePr/>
+          <p:cNvSpPr>
+            <a:spLocks noGrp="1"/>
+          </p:cNvSpPr>
           <p:nvPr>
-            <p:extLst>
-              <p:ext uri="{D42A27DB-BD31-4B8C-83A1-F6EECF244321}">
-                <p14:modId xmlns:p14="http://schemas.microsoft.com/office/powerpoint/2010/main" val="1484991536"/>
-              </p:ext>
-            </p:extLst>
+            <p:ph type="ftr" sz="quarter" idx="11"/>
           </p:nvPr>
-        </p:nvGraphicFramePr>
-        <p:xfrm>
-          <a:off x="665825" y="3363942"/>
-          <a:ext cx="8832542" cy="5885004"/>
-        </p:xfrm>
-        <a:graphic>
-          <a:graphicData uri="http://schemas.openxmlformats.org/drawingml/2006/diagram">
-            <dgm:relIds xmlns:dgm="http://schemas.openxmlformats.org/drawingml/2006/diagram" xmlns:r="http://schemas.openxmlformats.org/officeDocument/2006/relationships" r:dm="rId8" r:lo="rId9" r:qs="rId10" r:cs="rId11"/>
-          </a:graphicData>
-        </a:graphic>
-      </p:graphicFrame>
+        </p:nvSpPr>
+        <p:spPr/>
+        <p:txBody>
+          <a:bodyPr/>
+          <a:lstStyle/>
+          <a:p>
+            <a:r>
+              <a:rPr lang="en-US"/>
+              <a:t>Student Organization System - Software Requirements Document</a:t>
+            </a:r>
+          </a:p>
+        </p:txBody>
+      </p:sp>
+      <p:sp>
+        <p:nvSpPr>
+          <p:cNvPr id="7" name="Slide Number Placeholder 6">
+            <a:extLst>
+              <a:ext uri="{FF2B5EF4-FFF2-40B4-BE49-F238E27FC236}">
+                <a16:creationId xmlns:a16="http://schemas.microsoft.com/office/drawing/2014/main" id="{B1B63A12-D1B1-4BD0-89E6-A05ADB4D4FD3}"/>
+              </a:ext>
+            </a:extLst>
+          </p:cNvPr>
+          <p:cNvSpPr>
+            <a:spLocks noGrp="1"/>
+          </p:cNvSpPr>
+          <p:nvPr>
+            <p:ph type="sldNum" sz="quarter" idx="12"/>
+          </p:nvPr>
+        </p:nvSpPr>
+        <p:spPr/>
+        <p:txBody>
+          <a:bodyPr/>
+          <a:lstStyle/>
+          <a:p>
+            <a:fld id="{5FB0F42B-CAA9-4D4F-86CF-07230423CC99}" type="slidenum">
+              <a:rPr lang="en-US" smtClean="0"/>
+              <a:t>13</a:t>
+            </a:fld>
+            <a:endParaRPr lang="en-US"/>
+          </a:p>
+        </p:txBody>
+      </p:sp>
     </p:spTree>
     <p:extLst>
       <p:ext uri="{BB962C8B-B14F-4D97-AF65-F5344CB8AC3E}">
@@ -17251,9 +17255,17 @@
 </p:sld>
 </file>
 
-<file path=ppt/slides/slide13.xml><?xml version="1.0" encoding="utf-8"?>
+<file path=ppt/slides/slide14.xml><?xml version="1.0" encoding="utf-8"?>
 <p:sld xmlns:a="http://schemas.openxmlformats.org/drawingml/2006/main" xmlns:r="http://schemas.openxmlformats.org/officeDocument/2006/relationships" xmlns:p="http://schemas.openxmlformats.org/presentationml/2006/main">
   <p:cSld>
+    <p:bg>
+      <p:bgPr>
+        <a:solidFill>
+          <a:schemeClr val="bg1"/>
+        </a:solidFill>
+        <a:effectLst/>
+      </p:bgPr>
+    </p:bg>
     <p:spTree>
       <p:nvGrpSpPr>
         <p:cNvPr id="1" name=""/>
@@ -17297,7 +17309,7 @@
             <a:pPr algn="ctr"/>
             <a:r>
               <a:rPr lang="en-US" dirty="0"/>
-              <a:t>Sequence Diagram SOS07</a:t>
+              <a:t>Sequence Diagram for SOS7</a:t>
             </a:r>
           </a:p>
         </p:txBody>
@@ -17325,14 +17337,71 @@
         </p:blipFill>
         <p:spPr>
           <a:xfrm>
-            <a:off x="470517" y="692458"/>
-            <a:ext cx="11150353" cy="6067201"/>
+            <a:off x="2271718" y="786195"/>
+            <a:ext cx="7648564" cy="5097080"/>
           </a:xfrm>
           <a:prstGeom prst="rect">
             <a:avLst/>
           </a:prstGeom>
         </p:spPr>
       </p:pic>
+      <p:sp>
+        <p:nvSpPr>
+          <p:cNvPr id="6" name="Footer Placeholder 5">
+            <a:extLst>
+              <a:ext uri="{FF2B5EF4-FFF2-40B4-BE49-F238E27FC236}">
+                <a16:creationId xmlns:a16="http://schemas.microsoft.com/office/drawing/2014/main" id="{C29C722A-B56B-42DB-8D41-2B60CEC7321C}"/>
+              </a:ext>
+            </a:extLst>
+          </p:cNvPr>
+          <p:cNvSpPr>
+            <a:spLocks noGrp="1"/>
+          </p:cNvSpPr>
+          <p:nvPr>
+            <p:ph type="ftr" sz="quarter" idx="11"/>
+          </p:nvPr>
+        </p:nvSpPr>
+        <p:spPr/>
+        <p:txBody>
+          <a:bodyPr/>
+          <a:lstStyle/>
+          <a:p>
+            <a:r>
+              <a:rPr lang="en-US"/>
+              <a:t>Student Organization System - Software Requirements Document</a:t>
+            </a:r>
+          </a:p>
+        </p:txBody>
+      </p:sp>
+      <p:sp>
+        <p:nvSpPr>
+          <p:cNvPr id="7" name="Slide Number Placeholder 6">
+            <a:extLst>
+              <a:ext uri="{FF2B5EF4-FFF2-40B4-BE49-F238E27FC236}">
+                <a16:creationId xmlns:a16="http://schemas.microsoft.com/office/drawing/2014/main" id="{D0874340-2D7A-48CC-B203-7ED7D9920ABA}"/>
+              </a:ext>
+            </a:extLst>
+          </p:cNvPr>
+          <p:cNvSpPr>
+            <a:spLocks noGrp="1"/>
+          </p:cNvSpPr>
+          <p:nvPr>
+            <p:ph type="sldNum" sz="quarter" idx="12"/>
+          </p:nvPr>
+        </p:nvSpPr>
+        <p:spPr/>
+        <p:txBody>
+          <a:bodyPr/>
+          <a:lstStyle/>
+          <a:p>
+            <a:fld id="{5FB0F42B-CAA9-4D4F-86CF-07230423CC99}" type="slidenum">
+              <a:rPr lang="en-US" smtClean="0"/>
+              <a:t>14</a:t>
+            </a:fld>
+            <a:endParaRPr lang="en-US"/>
+          </a:p>
+        </p:txBody>
+      </p:sp>
     </p:spTree>
     <p:extLst>
       <p:ext uri="{BB962C8B-B14F-4D97-AF65-F5344CB8AC3E}">
@@ -17346,9 +17415,17 @@
 </p:sld>
 </file>
 
-<file path=ppt/slides/slide14.xml><?xml version="1.0" encoding="utf-8"?>
+<file path=ppt/slides/slide15.xml><?xml version="1.0" encoding="utf-8"?>
 <p:sld xmlns:a="http://schemas.openxmlformats.org/drawingml/2006/main" xmlns:r="http://schemas.openxmlformats.org/officeDocument/2006/relationships" xmlns:p="http://schemas.openxmlformats.org/presentationml/2006/main">
   <p:cSld>
+    <p:bg>
+      <p:bgPr>
+        <a:solidFill>
+          <a:schemeClr val="bg1"/>
+        </a:solidFill>
+        <a:effectLst/>
+      </p:bgPr>
+    </p:bg>
     <p:spTree>
       <p:nvGrpSpPr>
         <p:cNvPr id="1" name=""/>
@@ -17421,14 +17498,71 @@
         </p:blipFill>
         <p:spPr>
           <a:xfrm>
-            <a:off x="3312368" y="1152789"/>
-            <a:ext cx="5607698" cy="5632257"/>
+            <a:off x="3943537" y="1267110"/>
+            <a:ext cx="4304926" cy="4323779"/>
           </a:xfrm>
           <a:prstGeom prst="rect">
             <a:avLst/>
           </a:prstGeom>
         </p:spPr>
       </p:pic>
+      <p:sp>
+        <p:nvSpPr>
+          <p:cNvPr id="5" name="Footer Placeholder 4">
+            <a:extLst>
+              <a:ext uri="{FF2B5EF4-FFF2-40B4-BE49-F238E27FC236}">
+                <a16:creationId xmlns:a16="http://schemas.microsoft.com/office/drawing/2014/main" id="{0C6E4AAC-AF50-421A-8D37-CC72E4FDCFEF}"/>
+              </a:ext>
+            </a:extLst>
+          </p:cNvPr>
+          <p:cNvSpPr>
+            <a:spLocks noGrp="1"/>
+          </p:cNvSpPr>
+          <p:nvPr>
+            <p:ph type="ftr" sz="quarter" idx="11"/>
+          </p:nvPr>
+        </p:nvSpPr>
+        <p:spPr/>
+        <p:txBody>
+          <a:bodyPr/>
+          <a:lstStyle/>
+          <a:p>
+            <a:r>
+              <a:rPr lang="en-US"/>
+              <a:t>Student Organization System - Software Requirements Document</a:t>
+            </a:r>
+          </a:p>
+        </p:txBody>
+      </p:sp>
+      <p:sp>
+        <p:nvSpPr>
+          <p:cNvPr id="6" name="Slide Number Placeholder 5">
+            <a:extLst>
+              <a:ext uri="{FF2B5EF4-FFF2-40B4-BE49-F238E27FC236}">
+                <a16:creationId xmlns:a16="http://schemas.microsoft.com/office/drawing/2014/main" id="{83D7B75E-CD89-4451-AA61-D4A5221E0C74}"/>
+              </a:ext>
+            </a:extLst>
+          </p:cNvPr>
+          <p:cNvSpPr>
+            <a:spLocks noGrp="1"/>
+          </p:cNvSpPr>
+          <p:nvPr>
+            <p:ph type="sldNum" sz="quarter" idx="12"/>
+          </p:nvPr>
+        </p:nvSpPr>
+        <p:spPr/>
+        <p:txBody>
+          <a:bodyPr/>
+          <a:lstStyle/>
+          <a:p>
+            <a:fld id="{5FB0F42B-CAA9-4D4F-86CF-07230423CC99}" type="slidenum">
+              <a:rPr lang="en-US" smtClean="0"/>
+              <a:t>15</a:t>
+            </a:fld>
+            <a:endParaRPr lang="en-US"/>
+          </a:p>
+        </p:txBody>
+      </p:sp>
     </p:spTree>
     <p:extLst>
       <p:ext uri="{BB962C8B-B14F-4D97-AF65-F5344CB8AC3E}">
@@ -17442,7 +17576,7 @@
 </p:sld>
 </file>
 
-<file path=ppt/slides/slide15.xml><?xml version="1.0" encoding="utf-8"?>
+<file path=ppt/slides/slide16.xml><?xml version="1.0" encoding="utf-8"?>
 <p:sld xmlns:a="http://schemas.openxmlformats.org/drawingml/2006/main" xmlns:r="http://schemas.openxmlformats.org/officeDocument/2006/relationships" xmlns:p="http://schemas.openxmlformats.org/presentationml/2006/main">
   <p:cSld>
     <p:spTree>
@@ -17520,16 +17654,14 @@
       </p:sp>
       <p:pic>
         <p:nvPicPr>
-          <p:cNvPr id="5" name="Picture 4">
+          <p:cNvPr id="15" name="Picture 14">
             <a:extLst>
               <a:ext uri="{FF2B5EF4-FFF2-40B4-BE49-F238E27FC236}">
-                <a16:creationId xmlns:a16="http://schemas.microsoft.com/office/drawing/2014/main" id="{8FAB0D3A-CED8-4F1D-9C35-462FD4E037B7}"/>
+                <a16:creationId xmlns:a16="http://schemas.microsoft.com/office/drawing/2014/main" id="{956DB854-06AC-4A78-AB7C-49849C923618}"/>
               </a:ext>
             </a:extLst>
           </p:cNvPr>
-          <p:cNvPicPr>
-            <a:picLocks noChangeAspect="1"/>
-          </p:cNvPicPr>
+          <p:cNvPicPr/>
           <p:nvPr/>
         </p:nvPicPr>
         <p:blipFill>
@@ -17540,8 +17672,8 @@
         </p:blipFill>
         <p:spPr>
           <a:xfrm>
-            <a:off x="0" y="849086"/>
-            <a:ext cx="12192000" cy="6008914"/>
+            <a:off x="0" y="997404"/>
+            <a:ext cx="12192000" cy="5860596"/>
           </a:xfrm>
           <a:prstGeom prst="rect">
             <a:avLst/>
@@ -17564,6 +17696,26 @@
 <file path=ppt/slides/slide2.xml><?xml version="1.0" encoding="utf-8"?>
 <p:sld xmlns:a="http://schemas.openxmlformats.org/drawingml/2006/main" xmlns:r="http://schemas.openxmlformats.org/officeDocument/2006/relationships" xmlns:p="http://schemas.openxmlformats.org/presentationml/2006/main">
   <p:cSld>
+    <p:bg>
+      <p:bgPr>
+        <a:blipFill rotWithShape="1">
+          <a:blip r:embed="rId2">
+            <a:duotone>
+              <a:schemeClr val="bg2">
+                <a:shade val="80000"/>
+                <a:lumMod val="80000"/>
+              </a:schemeClr>
+              <a:schemeClr val="bg2">
+                <a:tint val="98000"/>
+              </a:schemeClr>
+            </a:duotone>
+            <a:extLst/>
+          </a:blip>
+          <a:stretch/>
+        </a:blipFill>
+        <a:effectLst/>
+      </p:bgPr>
+    </p:bg>
     <p:spTree>
       <p:nvGrpSpPr>
         <p:cNvPr id="1" name=""/>
@@ -17578,6 +17730,66 @@
           <a:chExt cx="0" cy="0"/>
         </a:xfrm>
       </p:grpSpPr>
+      <p:sp useBgFill="1">
+        <p:nvSpPr>
+          <p:cNvPr id="12" name="Rectangle 11">
+            <a:extLst>
+              <a:ext uri="{FF2B5EF4-FFF2-40B4-BE49-F238E27FC236}">
+                <a16:creationId xmlns:a16="http://schemas.microsoft.com/office/drawing/2014/main" id="{9A6C2C86-63BF-47D5-AA3F-905111A238E2}"/>
+              </a:ext>
+              <a:ext uri="{C183D7F6-B498-43B3-948B-1728B52AA6E4}">
+                <adec:decorative xmlns:adec="http://schemas.microsoft.com/office/drawing/2017/decorative" val="1"/>
+              </a:ext>
+            </a:extLst>
+          </p:cNvPr>
+          <p:cNvSpPr>
+            <a:spLocks noGrp="1" noRot="1" noChangeAspect="1" noMove="1" noResize="1" noEditPoints="1" noAdjustHandles="1" noChangeArrowheads="1" noChangeShapeType="1" noTextEdit="1"/>
+          </p:cNvSpPr>
+          <p:nvPr>
+            <p:extLst>
+              <p:ext uri="{386F3935-93C4-4BCD-93E2-E3B085C9AB24}">
+                <p16:designElem xmlns:p16="http://schemas.microsoft.com/office/powerpoint/2015/main" val="1"/>
+              </p:ext>
+            </p:extLst>
+          </p:nvPr>
+        </p:nvSpPr>
+        <p:spPr>
+          <a:xfrm>
+            <a:off x="0" y="0"/>
+            <a:ext cx="12192000" cy="6858000"/>
+          </a:xfrm>
+          <a:prstGeom prst="rect">
+            <a:avLst/>
+          </a:prstGeom>
+          <a:ln>
+            <a:noFill/>
+          </a:ln>
+        </p:spPr>
+        <p:style>
+          <a:lnRef idx="2">
+            <a:schemeClr val="accent1">
+              <a:shade val="50000"/>
+            </a:schemeClr>
+          </a:lnRef>
+          <a:fillRef idx="1">
+            <a:schemeClr val="accent1"/>
+          </a:fillRef>
+          <a:effectRef idx="0">
+            <a:schemeClr val="accent1"/>
+          </a:effectRef>
+          <a:fontRef idx="minor">
+            <a:schemeClr val="lt1"/>
+          </a:fontRef>
+        </p:style>
+        <p:txBody>
+          <a:bodyPr rtlCol="0" anchor="ctr"/>
+          <a:lstStyle/>
+          <a:p>
+            <a:pPr algn="ctr"/>
+            <a:endParaRPr lang="en-US"/>
+          </a:p>
+        </p:txBody>
+      </p:sp>
       <p:sp>
         <p:nvSpPr>
           <p:cNvPr id="2" name="Title 1">
@@ -17594,22 +17806,81 @@
             <p:ph type="title"/>
           </p:nvPr>
         </p:nvSpPr>
-        <p:spPr/>
+        <p:spPr>
+          <a:xfrm>
+            <a:off x="834013" y="1115568"/>
+            <a:ext cx="3487616" cy="4626864"/>
+          </a:xfrm>
+        </p:spPr>
         <p:txBody>
-          <a:bodyPr/>
+          <a:bodyPr>
+            <a:normAutofit/>
+          </a:bodyPr>
           <a:lstStyle/>
           <a:p>
-            <a:pPr algn="ctr"/>
-            <a:r>
-              <a:rPr lang="en-US" dirty="0"/>
+            <a:pPr algn="l"/>
+            <a:r>
+              <a:rPr lang="en-US" sz="3600" dirty="0"/>
               <a:t>Purpose and Scope of System</a:t>
             </a:r>
           </a:p>
         </p:txBody>
       </p:sp>
+      <p:cxnSp>
+        <p:nvCxnSpPr>
+          <p:cNvPr id="14" name="Straight Connector 13">
+            <a:extLst>
+              <a:ext uri="{FF2B5EF4-FFF2-40B4-BE49-F238E27FC236}">
+                <a16:creationId xmlns:a16="http://schemas.microsoft.com/office/drawing/2014/main" id="{425A0768-3044-4AA9-A889-D2CAA68C517A}"/>
+              </a:ext>
+              <a:ext uri="{C183D7F6-B498-43B3-948B-1728B52AA6E4}">
+                <adec:decorative xmlns:adec="http://schemas.microsoft.com/office/drawing/2017/decorative" val="1"/>
+              </a:ext>
+            </a:extLst>
+          </p:cNvPr>
+          <p:cNvCxnSpPr>
+            <a:cxnSpLocks noGrp="1" noRot="1" noChangeAspect="1" noMove="1" noResize="1" noEditPoints="1" noAdjustHandles="1" noChangeArrowheads="1" noChangeShapeType="1"/>
+          </p:cNvCxnSpPr>
+          <p:nvPr>
+            <p:extLst>
+              <p:ext uri="{386F3935-93C4-4BCD-93E2-E3B085C9AB24}">
+                <p16:designElem xmlns:p16="http://schemas.microsoft.com/office/powerpoint/2015/main" val="1"/>
+              </p:ext>
+            </p:extLst>
+          </p:nvPr>
+        </p:nvCxnSpPr>
+        <p:spPr>
+          <a:xfrm>
+            <a:off x="4654605" y="2057400"/>
+            <a:ext cx="0" cy="2743200"/>
+          </a:xfrm>
+          <a:prstGeom prst="line">
+            <a:avLst/>
+          </a:prstGeom>
+          <a:ln w="19050">
+            <a:solidFill>
+              <a:schemeClr val="tx2"/>
+            </a:solidFill>
+          </a:ln>
+        </p:spPr>
+        <p:style>
+          <a:lnRef idx="1">
+            <a:schemeClr val="accent1"/>
+          </a:lnRef>
+          <a:fillRef idx="0">
+            <a:schemeClr val="accent1"/>
+          </a:fillRef>
+          <a:effectRef idx="0">
+            <a:schemeClr val="accent1"/>
+          </a:effectRef>
+          <a:fontRef idx="minor">
+            <a:schemeClr val="tx1"/>
+          </a:fontRef>
+        </p:style>
+      </p:cxnSp>
       <p:sp>
         <p:nvSpPr>
-          <p:cNvPr id="3" name="Content Placeholder 2">
+          <p:cNvPr id="19" name="Content Placeholder 2">
             <a:extLst>
               <a:ext uri="{FF2B5EF4-FFF2-40B4-BE49-F238E27FC236}">
                 <a16:creationId xmlns:a16="http://schemas.microsoft.com/office/drawing/2014/main" id="{281FC554-6824-4A5C-8014-D3AA21121D6E}"/>
@@ -17625,8 +17896,197 @@
         </p:nvSpPr>
         <p:spPr>
           <a:xfrm>
-            <a:off x="838200" y="1719597"/>
-            <a:ext cx="10696075" cy="5032375"/>
+            <a:off x="5105398" y="1115568"/>
+            <a:ext cx="6245352" cy="4626864"/>
+          </a:xfrm>
+        </p:spPr>
+        <p:txBody>
+          <a:bodyPr anchor="ctr">
+            <a:noAutofit/>
+          </a:bodyPr>
+          <a:lstStyle/>
+          <a:p>
+            <a:pPr>
+              <a:lnSpc>
+                <a:spcPct val="90000"/>
+              </a:lnSpc>
+              <a:buFont typeface="Arial" panose="020B0604020202020204" pitchFamily="34" charset="0"/>
+              <a:buChar char="•"/>
+            </a:pPr>
+            <a:r>
+              <a:rPr lang="en-US" sz="2200" dirty="0">
+                <a:latin typeface="Times New Roman" panose="02020603050405020304" pitchFamily="18" charset="0"/>
+                <a:cs typeface="Times New Roman" panose="02020603050405020304" pitchFamily="18" charset="0"/>
+              </a:rPr>
+              <a:t>Provide a single point of access to all users to</a:t>
+            </a:r>
+          </a:p>
+          <a:p>
+            <a:pPr lvl="1">
+              <a:lnSpc>
+                <a:spcPct val="90000"/>
+              </a:lnSpc>
+              <a:buFont typeface="Arial" panose="020B0604020202020204" pitchFamily="34" charset="0"/>
+              <a:buChar char="•"/>
+            </a:pPr>
+            <a:r>
+              <a:rPr lang="en-US" sz="2200" dirty="0">
+                <a:latin typeface="Times New Roman" panose="02020603050405020304" pitchFamily="18" charset="0"/>
+                <a:cs typeface="Times New Roman" panose="02020603050405020304" pitchFamily="18" charset="0"/>
+              </a:rPr>
+              <a:t>Check all the organizations they belong to.</a:t>
+            </a:r>
+          </a:p>
+          <a:p>
+            <a:pPr lvl="1">
+              <a:lnSpc>
+                <a:spcPct val="90000"/>
+              </a:lnSpc>
+              <a:buFont typeface="Arial" panose="020B0604020202020204" pitchFamily="34" charset="0"/>
+              <a:buChar char="•"/>
+            </a:pPr>
+            <a:r>
+              <a:rPr lang="en-US" sz="2200" dirty="0">
+                <a:latin typeface="Times New Roman" panose="02020603050405020304" pitchFamily="18" charset="0"/>
+                <a:cs typeface="Times New Roman" panose="02020603050405020304" pitchFamily="18" charset="0"/>
+              </a:rPr>
+              <a:t>Find nearby events hosted by organizations.</a:t>
+            </a:r>
+          </a:p>
+          <a:p>
+            <a:pPr lvl="1">
+              <a:lnSpc>
+                <a:spcPct val="90000"/>
+              </a:lnSpc>
+              <a:buFont typeface="Arial" panose="020B0604020202020204" pitchFamily="34" charset="0"/>
+              <a:buChar char="•"/>
+            </a:pPr>
+            <a:r>
+              <a:rPr lang="en-US" sz="2200" dirty="0">
+                <a:latin typeface="Times New Roman" panose="02020603050405020304" pitchFamily="18" charset="0"/>
+                <a:cs typeface="Times New Roman" panose="02020603050405020304" pitchFamily="18" charset="0"/>
+              </a:rPr>
+              <a:t>Discover new organizations. </a:t>
+            </a:r>
+          </a:p>
+          <a:p>
+            <a:pPr lvl="1">
+              <a:lnSpc>
+                <a:spcPct val="90000"/>
+              </a:lnSpc>
+              <a:buFont typeface="Arial" panose="020B0604020202020204" pitchFamily="34" charset="0"/>
+              <a:buChar char="•"/>
+            </a:pPr>
+            <a:r>
+              <a:rPr lang="en-US" sz="2200" dirty="0">
+                <a:latin typeface="Times New Roman" panose="02020603050405020304" pitchFamily="18" charset="0"/>
+                <a:cs typeface="Times New Roman" panose="02020603050405020304" pitchFamily="18" charset="0"/>
+              </a:rPr>
+              <a:t>Connect with other members.</a:t>
+            </a:r>
+          </a:p>
+          <a:p>
+            <a:pPr>
+              <a:lnSpc>
+                <a:spcPct val="90000"/>
+              </a:lnSpc>
+              <a:buFont typeface="Arial" panose="020B0604020202020204" pitchFamily="34" charset="0"/>
+              <a:buChar char="•"/>
+            </a:pPr>
+            <a:r>
+              <a:rPr lang="en-US" sz="2200" dirty="0">
+                <a:latin typeface="Times New Roman" panose="02020603050405020304" pitchFamily="18" charset="0"/>
+                <a:cs typeface="Times New Roman" panose="02020603050405020304" pitchFamily="18" charset="0"/>
+              </a:rPr>
+              <a:t>Manage organization leaders and their privileges.</a:t>
+            </a:r>
+          </a:p>
+          <a:p>
+            <a:pPr>
+              <a:lnSpc>
+                <a:spcPct val="90000"/>
+              </a:lnSpc>
+              <a:buFont typeface="Arial" panose="020B0604020202020204" pitchFamily="34" charset="0"/>
+              <a:buChar char="•"/>
+            </a:pPr>
+            <a:r>
+              <a:rPr lang="en-US" sz="2200" dirty="0">
+                <a:latin typeface="Times New Roman" panose="02020603050405020304" pitchFamily="18" charset="0"/>
+                <a:cs typeface="Times New Roman" panose="02020603050405020304" pitchFamily="18" charset="0"/>
+              </a:rPr>
+              <a:t>Create and advertise organization-related events.</a:t>
+            </a:r>
+          </a:p>
+          <a:p>
+            <a:pPr>
+              <a:lnSpc>
+                <a:spcPct val="90000"/>
+              </a:lnSpc>
+              <a:buFont typeface="Arial" panose="020B0604020202020204" pitchFamily="34" charset="0"/>
+              <a:buChar char="•"/>
+            </a:pPr>
+            <a:r>
+              <a:rPr lang="en-US" sz="2200" dirty="0">
+                <a:latin typeface="Times New Roman" panose="02020603050405020304" pitchFamily="18" charset="0"/>
+                <a:cs typeface="Times New Roman" panose="02020603050405020304" pitchFamily="18" charset="0"/>
+              </a:rPr>
+              <a:t>Out of Scope:</a:t>
+            </a:r>
+          </a:p>
+          <a:p>
+            <a:pPr lvl="1">
+              <a:lnSpc>
+                <a:spcPct val="90000"/>
+              </a:lnSpc>
+              <a:buFont typeface="Arial" panose="020B0604020202020204" pitchFamily="34" charset="0"/>
+              <a:buChar char="•"/>
+            </a:pPr>
+            <a:r>
+              <a:rPr lang="en-US" sz="2200" dirty="0">
+                <a:latin typeface="Times New Roman" panose="02020603050405020304" pitchFamily="18" charset="0"/>
+                <a:cs typeface="Times New Roman" panose="02020603050405020304" pitchFamily="18" charset="0"/>
+              </a:rPr>
+              <a:t>Social Media Features </a:t>
+            </a:r>
+          </a:p>
+          <a:p>
+            <a:pPr lvl="1">
+              <a:lnSpc>
+                <a:spcPct val="90000"/>
+              </a:lnSpc>
+              <a:buFont typeface="Arial" panose="020B0604020202020204" pitchFamily="34" charset="0"/>
+              <a:buChar char="•"/>
+            </a:pPr>
+            <a:r>
+              <a:rPr lang="en-US" sz="2200" dirty="0">
+                <a:latin typeface="Times New Roman" panose="02020603050405020304" pitchFamily="18" charset="0"/>
+                <a:cs typeface="Times New Roman" panose="02020603050405020304" pitchFamily="18" charset="0"/>
+              </a:rPr>
+              <a:t>Organization finance management.</a:t>
+            </a:r>
+          </a:p>
+        </p:txBody>
+      </p:sp>
+      <p:sp>
+        <p:nvSpPr>
+          <p:cNvPr id="6" name="Footer Placeholder 5">
+            <a:extLst>
+              <a:ext uri="{FF2B5EF4-FFF2-40B4-BE49-F238E27FC236}">
+                <a16:creationId xmlns:a16="http://schemas.microsoft.com/office/drawing/2014/main" id="{1F9F12B3-6A4D-4D92-AA15-0C33C327D884}"/>
+              </a:ext>
+            </a:extLst>
+          </p:cNvPr>
+          <p:cNvSpPr>
+            <a:spLocks noGrp="1"/>
+          </p:cNvSpPr>
+          <p:nvPr>
+            <p:ph type="ftr" sz="quarter" idx="11"/>
+          </p:nvPr>
+        </p:nvSpPr>
+        <p:spPr>
+          <a:xfrm>
+            <a:off x="834013" y="5883275"/>
+            <a:ext cx="6752647" cy="365125"/>
           </a:xfrm>
         </p:spPr>
         <p:txBody>
@@ -17635,70 +18095,61 @@
           </a:bodyPr>
           <a:lstStyle/>
           <a:p>
-            <a:r>
-              <a:rPr lang="en-US" dirty="0"/>
-              <a:t>Provide a single point of access to all users to</a:t>
-            </a:r>
-          </a:p>
-          <a:p>
-            <a:pPr lvl="1"/>
-            <a:r>
-              <a:rPr lang="en-US" dirty="0"/>
-              <a:t>Check all the organizations they belong to.</a:t>
-            </a:r>
-          </a:p>
-          <a:p>
-            <a:pPr lvl="1"/>
-            <a:r>
-              <a:rPr lang="en-US" dirty="0"/>
-              <a:t>Find events that are hosted nearby by organizations.</a:t>
-            </a:r>
-          </a:p>
-          <a:p>
-            <a:pPr lvl="1"/>
-            <a:r>
-              <a:rPr lang="en-US" dirty="0"/>
-              <a:t>Discover new organizations. </a:t>
-            </a:r>
-          </a:p>
-          <a:p>
-            <a:pPr lvl="1"/>
-            <a:r>
-              <a:rPr lang="en-US" dirty="0"/>
-              <a:t>Connect with other members.</a:t>
-            </a:r>
-          </a:p>
-          <a:p>
-            <a:r>
-              <a:rPr lang="en-US" dirty="0"/>
-              <a:t>Provides tools to manage organization leaders and their privileges.</a:t>
-            </a:r>
-          </a:p>
-          <a:p>
-            <a:r>
-              <a:rPr lang="en-US" dirty="0"/>
-              <a:t>Provides means to create and advertise organization-related events.</a:t>
-            </a:r>
-          </a:p>
-          <a:p>
-            <a:r>
-              <a:rPr lang="en-US" dirty="0"/>
-              <a:t>Out of Scope:</a:t>
-            </a:r>
-          </a:p>
-          <a:p>
-            <a:pPr lvl="1"/>
-            <a:r>
-              <a:rPr lang="en-US" dirty="0"/>
-              <a:t>Social Media Features (comments and postings).</a:t>
-            </a:r>
-          </a:p>
-          <a:p>
-            <a:pPr lvl="1"/>
-            <a:r>
-              <a:rPr lang="en-US" dirty="0"/>
-              <a:t>Organization finance management.</a:t>
-            </a:r>
+            <a:pPr>
+              <a:spcAft>
+                <a:spcPts val="600"/>
+              </a:spcAft>
+            </a:pPr>
+            <a:r>
+              <a:rPr lang="en-US"/>
+              <a:t>Student Organization System - Software Requirements Document</a:t>
+            </a:r>
+          </a:p>
+        </p:txBody>
+      </p:sp>
+      <p:sp>
+        <p:nvSpPr>
+          <p:cNvPr id="7" name="Slide Number Placeholder 6">
+            <a:extLst>
+              <a:ext uri="{FF2B5EF4-FFF2-40B4-BE49-F238E27FC236}">
+                <a16:creationId xmlns:a16="http://schemas.microsoft.com/office/drawing/2014/main" id="{88951976-A732-4443-BDE0-C1DD04AF92FE}"/>
+              </a:ext>
+            </a:extLst>
+          </p:cNvPr>
+          <p:cNvSpPr>
+            <a:spLocks noGrp="1"/>
+          </p:cNvSpPr>
+          <p:nvPr>
+            <p:ph type="sldNum" sz="quarter" idx="12"/>
+          </p:nvPr>
+        </p:nvSpPr>
+        <p:spPr>
+          <a:xfrm>
+            <a:off x="10514011" y="5883275"/>
+            <a:ext cx="753545" cy="365125"/>
+          </a:xfrm>
+        </p:spPr>
+        <p:txBody>
+          <a:bodyPr>
+            <a:normAutofit/>
+          </a:bodyPr>
+          <a:lstStyle/>
+          <a:p>
+            <a:pPr>
+              <a:spcAft>
+                <a:spcPts val="600"/>
+              </a:spcAft>
+            </a:pPr>
+            <a:fld id="{5FB0F42B-CAA9-4D4F-86CF-07230423CC99}" type="slidenum">
+              <a:rPr lang="en-US" smtClean="0"/>
+              <a:pPr>
+                <a:spcAft>
+                  <a:spcPts val="600"/>
+                </a:spcAft>
+              </a:pPr>
+              <a:t>2</a:t>
+            </a:fld>
+            <a:endParaRPr lang="en-US"/>
           </a:p>
         </p:txBody>
       </p:sp>
@@ -17758,8 +18209,8 @@
         </p:nvSpPr>
         <p:spPr>
           <a:xfrm>
-            <a:off x="821516" y="640263"/>
-            <a:ext cx="6204984" cy="1344975"/>
+            <a:off x="954448" y="640263"/>
+            <a:ext cx="10313107" cy="1344975"/>
           </a:xfrm>
         </p:spPr>
         <p:txBody>
@@ -17769,7 +18220,7 @@
           <a:lstStyle/>
           <a:p>
             <a:r>
-              <a:rPr lang="en-US" sz="4000"/>
+              <a:rPr lang="en-US" sz="4000" dirty="0"/>
               <a:t>Project Schedule</a:t>
             </a:r>
           </a:p>
@@ -17799,8 +18250,8 @@
         </p:blipFill>
         <p:spPr>
           <a:xfrm>
-            <a:off x="628198" y="1985238"/>
-            <a:ext cx="6398302" cy="3331140"/>
+            <a:off x="954449" y="1985239"/>
+            <a:ext cx="5880480" cy="3061547"/>
           </a:xfrm>
           <a:prstGeom prst="rect">
             <a:avLst/>
@@ -17829,14 +18280,141 @@
         </p:blipFill>
         <p:spPr>
           <a:xfrm>
-            <a:off x="7439485" y="1948349"/>
-            <a:ext cx="4568873" cy="3404917"/>
+            <a:off x="7159433" y="1985238"/>
+            <a:ext cx="4108123" cy="3061547"/>
           </a:xfrm>
           <a:prstGeom prst="rect">
             <a:avLst/>
           </a:prstGeom>
         </p:spPr>
       </p:pic>
+      <p:sp>
+        <p:nvSpPr>
+          <p:cNvPr id="5" name="Footer Placeholder 4">
+            <a:extLst>
+              <a:ext uri="{FF2B5EF4-FFF2-40B4-BE49-F238E27FC236}">
+                <a16:creationId xmlns:a16="http://schemas.microsoft.com/office/drawing/2014/main" id="{9ED2A66E-D452-4765-9F1C-5102A23D5B08}"/>
+              </a:ext>
+            </a:extLst>
+          </p:cNvPr>
+          <p:cNvSpPr>
+            <a:spLocks noGrp="1"/>
+          </p:cNvSpPr>
+          <p:nvPr>
+            <p:ph type="ftr" sz="quarter" idx="11"/>
+          </p:nvPr>
+        </p:nvSpPr>
+        <p:spPr/>
+        <p:txBody>
+          <a:bodyPr/>
+          <a:lstStyle/>
+          <a:p>
+            <a:r>
+              <a:rPr lang="en-US"/>
+              <a:t>Student Organization System - Software Requirements Document</a:t>
+            </a:r>
+          </a:p>
+        </p:txBody>
+      </p:sp>
+      <p:sp>
+        <p:nvSpPr>
+          <p:cNvPr id="6" name="Slide Number Placeholder 5">
+            <a:extLst>
+              <a:ext uri="{FF2B5EF4-FFF2-40B4-BE49-F238E27FC236}">
+                <a16:creationId xmlns:a16="http://schemas.microsoft.com/office/drawing/2014/main" id="{30BF3812-B744-4092-9939-BBDDB546C43E}"/>
+              </a:ext>
+            </a:extLst>
+          </p:cNvPr>
+          <p:cNvSpPr>
+            <a:spLocks noGrp="1"/>
+          </p:cNvSpPr>
+          <p:nvPr>
+            <p:ph type="sldNum" sz="quarter" idx="12"/>
+          </p:nvPr>
+        </p:nvSpPr>
+        <p:spPr/>
+        <p:txBody>
+          <a:bodyPr/>
+          <a:lstStyle/>
+          <a:p>
+            <a:fld id="{5FB0F42B-CAA9-4D4F-86CF-07230423CC99}" type="slidenum">
+              <a:rPr lang="en-US" smtClean="0"/>
+              <a:t>3</a:t>
+            </a:fld>
+            <a:endParaRPr lang="en-US"/>
+          </a:p>
+        </p:txBody>
+      </p:sp>
+      <p:sp>
+        <p:nvSpPr>
+          <p:cNvPr id="7" name="TextBox 6">
+            <a:extLst>
+              <a:ext uri="{FF2B5EF4-FFF2-40B4-BE49-F238E27FC236}">
+                <a16:creationId xmlns:a16="http://schemas.microsoft.com/office/drawing/2014/main" id="{B89BA7A1-1FF1-4E40-92DF-BBD1B01FD1C5}"/>
+              </a:ext>
+            </a:extLst>
+          </p:cNvPr>
+          <p:cNvSpPr txBox="1"/>
+          <p:nvPr/>
+        </p:nvSpPr>
+        <p:spPr>
+          <a:xfrm>
+            <a:off x="954449" y="5046785"/>
+            <a:ext cx="5880480" cy="369332"/>
+          </a:xfrm>
+          <a:prstGeom prst="rect">
+            <a:avLst/>
+          </a:prstGeom>
+          <a:noFill/>
+        </p:spPr>
+        <p:txBody>
+          <a:bodyPr wrap="square" rtlCol="0">
+            <a:spAutoFit/>
+          </a:bodyPr>
+          <a:lstStyle/>
+          <a:p>
+            <a:r>
+              <a:rPr lang="en-US" i="1" dirty="0"/>
+              <a:t>Gantt chart for the first deliverable.</a:t>
+            </a:r>
+          </a:p>
+        </p:txBody>
+      </p:sp>
+      <p:sp>
+        <p:nvSpPr>
+          <p:cNvPr id="11" name="TextBox 10">
+            <a:extLst>
+              <a:ext uri="{FF2B5EF4-FFF2-40B4-BE49-F238E27FC236}">
+                <a16:creationId xmlns:a16="http://schemas.microsoft.com/office/drawing/2014/main" id="{7C974B79-E980-45D6-9F34-D3F35E4ACFC8}"/>
+              </a:ext>
+            </a:extLst>
+          </p:cNvPr>
+          <p:cNvSpPr txBox="1"/>
+          <p:nvPr/>
+        </p:nvSpPr>
+        <p:spPr>
+          <a:xfrm>
+            <a:off x="7076826" y="5046785"/>
+            <a:ext cx="4190730" cy="369332"/>
+          </a:xfrm>
+          <a:prstGeom prst="rect">
+            <a:avLst/>
+          </a:prstGeom>
+          <a:noFill/>
+        </p:spPr>
+        <p:txBody>
+          <a:bodyPr wrap="square" rtlCol="0">
+            <a:spAutoFit/>
+          </a:bodyPr>
+          <a:lstStyle/>
+          <a:p>
+            <a:r>
+              <a:rPr lang="en-US" i="1" dirty="0"/>
+              <a:t>Scheduled tasks up to the first deliverable.</a:t>
+            </a:r>
+          </a:p>
+        </p:txBody>
+      </p:sp>
     </p:spTree>
     <p:extLst>
       <p:ext uri="{BB962C8B-B14F-4D97-AF65-F5344CB8AC3E}">
@@ -17855,9 +18433,21 @@
   <p:cSld>
     <p:bg>
       <p:bgPr>
-        <a:solidFill>
-          <a:schemeClr val="bg1"/>
-        </a:solidFill>
+        <a:blipFill rotWithShape="1">
+          <a:blip r:embed="rId2">
+            <a:duotone>
+              <a:schemeClr val="bg2">
+                <a:shade val="80000"/>
+                <a:lumMod val="80000"/>
+              </a:schemeClr>
+              <a:schemeClr val="bg2">
+                <a:tint val="98000"/>
+              </a:schemeClr>
+            </a:duotone>
+            <a:extLst/>
+          </a:blip>
+          <a:stretch/>
+        </a:blipFill>
         <a:effectLst/>
       </p:bgPr>
     </p:bg>
@@ -17875,12 +18465,72 @@
           <a:chExt cx="0" cy="0"/>
         </a:xfrm>
       </p:grpSpPr>
+      <p:sp useBgFill="1">
+        <p:nvSpPr>
+          <p:cNvPr id="24" name="Rectangle 23">
+            <a:extLst>
+              <a:ext uri="{FF2B5EF4-FFF2-40B4-BE49-F238E27FC236}">
+                <a16:creationId xmlns:a16="http://schemas.microsoft.com/office/drawing/2014/main" id="{9A6C2C86-63BF-47D5-AA3F-905111A238E2}"/>
+              </a:ext>
+              <a:ext uri="{C183D7F6-B498-43B3-948B-1728B52AA6E4}">
+                <adec:decorative xmlns:adec="http://schemas.microsoft.com/office/drawing/2017/decorative" val="1"/>
+              </a:ext>
+            </a:extLst>
+          </p:cNvPr>
+          <p:cNvSpPr>
+            <a:spLocks noGrp="1" noRot="1" noChangeAspect="1" noMove="1" noResize="1" noEditPoints="1" noAdjustHandles="1" noChangeArrowheads="1" noChangeShapeType="1" noTextEdit="1"/>
+          </p:cNvSpPr>
+          <p:nvPr>
+            <p:extLst>
+              <p:ext uri="{386F3935-93C4-4BCD-93E2-E3B085C9AB24}">
+                <p16:designElem xmlns:p16="http://schemas.microsoft.com/office/powerpoint/2015/main" val="1"/>
+              </p:ext>
+            </p:extLst>
+          </p:nvPr>
+        </p:nvSpPr>
+        <p:spPr>
+          <a:xfrm>
+            <a:off x="0" y="0"/>
+            <a:ext cx="12192000" cy="6858000"/>
+          </a:xfrm>
+          <a:prstGeom prst="rect">
+            <a:avLst/>
+          </a:prstGeom>
+          <a:ln>
+            <a:noFill/>
+          </a:ln>
+        </p:spPr>
+        <p:style>
+          <a:lnRef idx="2">
+            <a:schemeClr val="accent1">
+              <a:shade val="50000"/>
+            </a:schemeClr>
+          </a:lnRef>
+          <a:fillRef idx="1">
+            <a:schemeClr val="accent1"/>
+          </a:fillRef>
+          <a:effectRef idx="0">
+            <a:schemeClr val="accent1"/>
+          </a:effectRef>
+          <a:fontRef idx="minor">
+            <a:schemeClr val="lt1"/>
+          </a:fontRef>
+        </p:style>
+        <p:txBody>
+          <a:bodyPr rtlCol="0" anchor="ctr"/>
+          <a:lstStyle/>
+          <a:p>
+            <a:pPr algn="ctr"/>
+            <a:endParaRPr lang="en-US"/>
+          </a:p>
+        </p:txBody>
+      </p:sp>
       <p:sp>
         <p:nvSpPr>
           <p:cNvPr id="2" name="Title 1">
             <a:extLst>
               <a:ext uri="{FF2B5EF4-FFF2-40B4-BE49-F238E27FC236}">
-                <a16:creationId xmlns:a16="http://schemas.microsoft.com/office/drawing/2014/main" id="{89FFF193-09F8-45B0-88F8-09136E4DC5E1}"/>
+                <a16:creationId xmlns:a16="http://schemas.microsoft.com/office/drawing/2014/main" id="{7C188A08-3D15-48AA-9523-CE97DA5B9189}"/>
               </a:ext>
             </a:extLst>
           </p:cNvPr>
@@ -17893,57 +18543,201 @@
         </p:nvSpPr>
         <p:spPr>
           <a:xfrm>
-            <a:off x="674237" y="914400"/>
-            <a:ext cx="3657600" cy="2887579"/>
+            <a:off x="834013" y="1115568"/>
+            <a:ext cx="3487616" cy="4626864"/>
           </a:xfrm>
         </p:spPr>
         <p:txBody>
-          <a:bodyPr vert="horz" lIns="91440" tIns="45720" rIns="91440" bIns="45720" rtlCol="0" anchor="b">
+          <a:bodyPr>
             <a:normAutofit/>
           </a:bodyPr>
           <a:lstStyle/>
           <a:p>
-            <a:pPr algn="ctr"/>
-            <a:r>
-              <a:rPr lang="en-US" sz="4800" kern="1200">
-                <a:solidFill>
-                  <a:srgbClr val="FFFFFF"/>
-                </a:solidFill>
-                <a:latin typeface="+mj-lt"/>
-                <a:ea typeface="+mj-ea"/>
-                <a:cs typeface="+mj-cs"/>
-              </a:rPr>
-              <a:t>UML Diagram</a:t>
-            </a:r>
+            <a:pPr algn="l"/>
+            <a:r>
+              <a:rPr lang="en-US" sz="3600" dirty="0"/>
+              <a:t>UML </a:t>
+            </a:r>
+            <a:br>
+              <a:rPr lang="en-US" sz="3600" dirty="0"/>
+            </a:br>
+            <a:r>
+              <a:rPr lang="en-US" sz="3600" dirty="0"/>
+              <a:t>Use Case Diagram</a:t>
+            </a:r>
+          </a:p>
+        </p:txBody>
+      </p:sp>
+      <p:cxnSp>
+        <p:nvCxnSpPr>
+          <p:cNvPr id="26" name="Straight Connector 25">
+            <a:extLst>
+              <a:ext uri="{FF2B5EF4-FFF2-40B4-BE49-F238E27FC236}">
+                <a16:creationId xmlns:a16="http://schemas.microsoft.com/office/drawing/2014/main" id="{425A0768-3044-4AA9-A889-D2CAA68C517A}"/>
+              </a:ext>
+              <a:ext uri="{C183D7F6-B498-43B3-948B-1728B52AA6E4}">
+                <adec:decorative xmlns:adec="http://schemas.microsoft.com/office/drawing/2017/decorative" val="1"/>
+              </a:ext>
+            </a:extLst>
+          </p:cNvPr>
+          <p:cNvCxnSpPr>
+            <a:cxnSpLocks noGrp="1" noRot="1" noChangeAspect="1" noMove="1" noResize="1" noEditPoints="1" noAdjustHandles="1" noChangeArrowheads="1" noChangeShapeType="1"/>
+          </p:cNvCxnSpPr>
+          <p:nvPr>
+            <p:extLst>
+              <p:ext uri="{386F3935-93C4-4BCD-93E2-E3B085C9AB24}">
+                <p16:designElem xmlns:p16="http://schemas.microsoft.com/office/powerpoint/2015/main" val="1"/>
+              </p:ext>
+            </p:extLst>
+          </p:nvPr>
+        </p:nvCxnSpPr>
+        <p:spPr>
+          <a:xfrm>
+            <a:off x="4654605" y="2057400"/>
+            <a:ext cx="0" cy="2743200"/>
+          </a:xfrm>
+          <a:prstGeom prst="line">
+            <a:avLst/>
+          </a:prstGeom>
+          <a:ln w="19050">
+            <a:solidFill>
+              <a:schemeClr val="tx2"/>
+            </a:solidFill>
+          </a:ln>
+        </p:spPr>
+        <p:style>
+          <a:lnRef idx="1">
+            <a:schemeClr val="accent1"/>
+          </a:lnRef>
+          <a:fillRef idx="0">
+            <a:schemeClr val="accent1"/>
+          </a:fillRef>
+          <a:effectRef idx="0">
+            <a:schemeClr val="accent1"/>
+          </a:effectRef>
+          <a:fontRef idx="minor">
+            <a:schemeClr val="tx1"/>
+          </a:fontRef>
+        </p:style>
+      </p:cxnSp>
+      <p:sp>
+        <p:nvSpPr>
+          <p:cNvPr id="6" name="Footer Placeholder 5">
+            <a:extLst>
+              <a:ext uri="{FF2B5EF4-FFF2-40B4-BE49-F238E27FC236}">
+                <a16:creationId xmlns:a16="http://schemas.microsoft.com/office/drawing/2014/main" id="{1F9F12B3-6A4D-4D92-AA15-0C33C327D884}"/>
+              </a:ext>
+            </a:extLst>
+          </p:cNvPr>
+          <p:cNvSpPr>
+            <a:spLocks noGrp="1"/>
+          </p:cNvSpPr>
+          <p:nvPr>
+            <p:ph type="ftr" sz="quarter" idx="11"/>
+          </p:nvPr>
+        </p:nvSpPr>
+        <p:spPr>
+          <a:xfrm>
+            <a:off x="834013" y="5883275"/>
+            <a:ext cx="6752647" cy="365125"/>
+          </a:xfrm>
+        </p:spPr>
+        <p:txBody>
+          <a:bodyPr>
+            <a:normAutofit/>
+          </a:bodyPr>
+          <a:lstStyle/>
+          <a:p>
+            <a:pPr>
+              <a:spcAft>
+                <a:spcPts val="600"/>
+              </a:spcAft>
+            </a:pPr>
+            <a:r>
+              <a:rPr lang="en-US"/>
+              <a:t>Student Organization System - Software Requirements Document</a:t>
+            </a:r>
+          </a:p>
+        </p:txBody>
+      </p:sp>
+      <p:sp>
+        <p:nvSpPr>
+          <p:cNvPr id="7" name="Slide Number Placeholder 6">
+            <a:extLst>
+              <a:ext uri="{FF2B5EF4-FFF2-40B4-BE49-F238E27FC236}">
+                <a16:creationId xmlns:a16="http://schemas.microsoft.com/office/drawing/2014/main" id="{88951976-A732-4443-BDE0-C1DD04AF92FE}"/>
+              </a:ext>
+            </a:extLst>
+          </p:cNvPr>
+          <p:cNvSpPr>
+            <a:spLocks noGrp="1"/>
+          </p:cNvSpPr>
+          <p:nvPr>
+            <p:ph type="sldNum" sz="quarter" idx="12"/>
+          </p:nvPr>
+        </p:nvSpPr>
+        <p:spPr>
+          <a:xfrm>
+            <a:off x="10514011" y="5883275"/>
+            <a:ext cx="753545" cy="365125"/>
+          </a:xfrm>
+        </p:spPr>
+        <p:txBody>
+          <a:bodyPr>
+            <a:normAutofit/>
+          </a:bodyPr>
+          <a:lstStyle/>
+          <a:p>
+            <a:pPr>
+              <a:spcAft>
+                <a:spcPts val="600"/>
+              </a:spcAft>
+            </a:pPr>
+            <a:fld id="{5FB0F42B-CAA9-4D4F-86CF-07230423CC99}" type="slidenum">
+              <a:rPr lang="en-US" smtClean="0"/>
+              <a:pPr>
+                <a:spcAft>
+                  <a:spcPts val="600"/>
+                </a:spcAft>
+              </a:pPr>
+              <a:t>4</a:t>
+            </a:fld>
+            <a:endParaRPr lang="en-US"/>
           </a:p>
         </p:txBody>
       </p:sp>
       <p:pic>
         <p:nvPicPr>
-          <p:cNvPr id="4" name="Content Placeholder 6" descr="A close up of a map&#10;&#10;Description automatically generated">
+          <p:cNvPr id="17" name="Content Placeholder 16" descr="A close up of a map&#10;&#10;Description automatically generated">
             <a:extLst>
               <a:ext uri="{FF2B5EF4-FFF2-40B4-BE49-F238E27FC236}">
-                <a16:creationId xmlns:a16="http://schemas.microsoft.com/office/drawing/2014/main" id="{21E0E106-ACD6-4DDE-9BE3-23DFB46ABBBE}"/>
+                <a16:creationId xmlns:a16="http://schemas.microsoft.com/office/drawing/2014/main" id="{56CAF5E3-9894-4B93-AA5C-5CDBE77B8253}"/>
               </a:ext>
             </a:extLst>
           </p:cNvPr>
           <p:cNvPicPr>
-            <a:picLocks noGrp="1"/>
+            <a:picLocks noGrp="1" noChangeAspect="1"/>
           </p:cNvPicPr>
           <p:nvPr>
             <p:ph idx="1"/>
           </p:nvPr>
         </p:nvPicPr>
         <p:blipFill>
-          <a:blip r:embed="rId2"/>
+          <a:blip r:embed="rId3">
+            <a:extLst>
+              <a:ext uri="{28A0092B-C50C-407E-A947-70E740481C1C}">
+                <a14:useLocalDpi xmlns:a14="http://schemas.microsoft.com/office/drawing/2010/main" val="0"/>
+              </a:ext>
+            </a:extLst>
+          </a:blip>
           <a:stretch>
             <a:fillRect/>
           </a:stretch>
         </p:blipFill>
         <p:spPr>
           <a:xfrm>
-            <a:off x="5153822" y="811554"/>
-            <a:ext cx="6553545" cy="5242834"/>
+            <a:off x="6240484" y="407543"/>
+            <a:ext cx="4273527" cy="5475732"/>
           </a:xfrm>
           <a:prstGeom prst="rect">
             <a:avLst/>
@@ -17953,7 +18747,7 @@
     </p:spTree>
     <p:extLst>
       <p:ext uri="{BB962C8B-B14F-4D97-AF65-F5344CB8AC3E}">
-        <p14:creationId xmlns:p14="http://schemas.microsoft.com/office/powerpoint/2010/main" val="2101490933"/>
+        <p14:creationId xmlns:p14="http://schemas.microsoft.com/office/powerpoint/2010/main" val="1364555815"/>
       </p:ext>
     </p:extLst>
   </p:cSld>
@@ -17966,6 +18760,26 @@
 <file path=ppt/slides/slide5.xml><?xml version="1.0" encoding="utf-8"?>
 <p:sld xmlns:a="http://schemas.openxmlformats.org/drawingml/2006/main" xmlns:r="http://schemas.openxmlformats.org/officeDocument/2006/relationships" xmlns:p="http://schemas.openxmlformats.org/presentationml/2006/main">
   <p:cSld>
+    <p:bg>
+      <p:bgPr>
+        <a:blipFill rotWithShape="1">
+          <a:blip r:embed="rId2">
+            <a:duotone>
+              <a:schemeClr val="bg2">
+                <a:shade val="80000"/>
+                <a:lumMod val="80000"/>
+              </a:schemeClr>
+              <a:schemeClr val="bg2">
+                <a:tint val="98000"/>
+              </a:schemeClr>
+            </a:duotone>
+            <a:extLst/>
+          </a:blip>
+          <a:stretch/>
+        </a:blipFill>
+        <a:effectLst/>
+      </p:bgPr>
+    </p:bg>
     <p:spTree>
       <p:nvGrpSpPr>
         <p:cNvPr id="1" name=""/>
@@ -17980,6 +18794,66 @@
           <a:chExt cx="0" cy="0"/>
         </a:xfrm>
       </p:grpSpPr>
+      <p:sp useBgFill="1">
+        <p:nvSpPr>
+          <p:cNvPr id="12" name="Rectangle 11">
+            <a:extLst>
+              <a:ext uri="{FF2B5EF4-FFF2-40B4-BE49-F238E27FC236}">
+                <a16:creationId xmlns:a16="http://schemas.microsoft.com/office/drawing/2014/main" id="{9A6C2C86-63BF-47D5-AA3F-905111A238E2}"/>
+              </a:ext>
+              <a:ext uri="{C183D7F6-B498-43B3-948B-1728B52AA6E4}">
+                <adec:decorative xmlns:adec="http://schemas.microsoft.com/office/drawing/2017/decorative" val="1"/>
+              </a:ext>
+            </a:extLst>
+          </p:cNvPr>
+          <p:cNvSpPr>
+            <a:spLocks noGrp="1" noRot="1" noChangeAspect="1" noMove="1" noResize="1" noEditPoints="1" noAdjustHandles="1" noChangeArrowheads="1" noChangeShapeType="1" noTextEdit="1"/>
+          </p:cNvSpPr>
+          <p:nvPr>
+            <p:extLst>
+              <p:ext uri="{386F3935-93C4-4BCD-93E2-E3B085C9AB24}">
+                <p16:designElem xmlns:p16="http://schemas.microsoft.com/office/powerpoint/2015/main" val="1"/>
+              </p:ext>
+            </p:extLst>
+          </p:nvPr>
+        </p:nvSpPr>
+        <p:spPr>
+          <a:xfrm>
+            <a:off x="0" y="0"/>
+            <a:ext cx="12192000" cy="6858000"/>
+          </a:xfrm>
+          <a:prstGeom prst="rect">
+            <a:avLst/>
+          </a:prstGeom>
+          <a:ln>
+            <a:noFill/>
+          </a:ln>
+        </p:spPr>
+        <p:style>
+          <a:lnRef idx="2">
+            <a:schemeClr val="accent1">
+              <a:shade val="50000"/>
+            </a:schemeClr>
+          </a:lnRef>
+          <a:fillRef idx="1">
+            <a:schemeClr val="accent1"/>
+          </a:fillRef>
+          <a:effectRef idx="0">
+            <a:schemeClr val="accent1"/>
+          </a:effectRef>
+          <a:fontRef idx="minor">
+            <a:schemeClr val="lt1"/>
+          </a:fontRef>
+        </p:style>
+        <p:txBody>
+          <a:bodyPr rtlCol="0" anchor="ctr"/>
+          <a:lstStyle/>
+          <a:p>
+            <a:pPr algn="ctr"/>
+            <a:endParaRPr lang="en-US"/>
+          </a:p>
+        </p:txBody>
+      </p:sp>
       <p:sp>
         <p:nvSpPr>
           <p:cNvPr id="2" name="Title 1">
@@ -17998,8 +18872,8 @@
         </p:nvSpPr>
         <p:spPr>
           <a:xfrm>
-            <a:off x="0" y="303379"/>
-            <a:ext cx="12192000" cy="1387309"/>
+            <a:off x="834013" y="1115568"/>
+            <a:ext cx="3487616" cy="4626864"/>
           </a:xfrm>
         </p:spPr>
         <p:txBody>
@@ -18008,14 +18882,71 @@
           </a:bodyPr>
           <a:lstStyle/>
           <a:p>
-            <a:pPr algn="ctr"/>
-            <a:r>
-              <a:rPr lang="en-US" dirty="0"/>
-              <a:t>SOS16 Create Organization Functional Requirements:</a:t>
-            </a:r>
+            <a:pPr algn="l"/>
+            <a:r>
+              <a:rPr lang="en-US" sz="3600" dirty="0"/>
+              <a:t>SOS16 Create Organization </a:t>
+            </a:r>
+            <a:r>
+              <a:rPr lang="en-US" sz="3600" i="1" dirty="0"/>
+              <a:t>Functional Requirements</a:t>
+            </a:r>
+            <a:endParaRPr lang="en-US" sz="3600" dirty="0"/>
           </a:p>
         </p:txBody>
       </p:sp>
+      <p:cxnSp>
+        <p:nvCxnSpPr>
+          <p:cNvPr id="14" name="Straight Connector 13">
+            <a:extLst>
+              <a:ext uri="{FF2B5EF4-FFF2-40B4-BE49-F238E27FC236}">
+                <a16:creationId xmlns:a16="http://schemas.microsoft.com/office/drawing/2014/main" id="{425A0768-3044-4AA9-A889-D2CAA68C517A}"/>
+              </a:ext>
+              <a:ext uri="{C183D7F6-B498-43B3-948B-1728B52AA6E4}">
+                <adec:decorative xmlns:adec="http://schemas.microsoft.com/office/drawing/2017/decorative" val="1"/>
+              </a:ext>
+            </a:extLst>
+          </p:cNvPr>
+          <p:cNvCxnSpPr>
+            <a:cxnSpLocks noGrp="1" noRot="1" noChangeAspect="1" noMove="1" noResize="1" noEditPoints="1" noAdjustHandles="1" noChangeArrowheads="1" noChangeShapeType="1"/>
+          </p:cNvCxnSpPr>
+          <p:nvPr>
+            <p:extLst>
+              <p:ext uri="{386F3935-93C4-4BCD-93E2-E3B085C9AB24}">
+                <p16:designElem xmlns:p16="http://schemas.microsoft.com/office/powerpoint/2015/main" val="1"/>
+              </p:ext>
+            </p:extLst>
+          </p:nvPr>
+        </p:nvCxnSpPr>
+        <p:spPr>
+          <a:xfrm>
+            <a:off x="4654605" y="2057400"/>
+            <a:ext cx="0" cy="2743200"/>
+          </a:xfrm>
+          <a:prstGeom prst="line">
+            <a:avLst/>
+          </a:prstGeom>
+          <a:ln w="19050">
+            <a:solidFill>
+              <a:schemeClr val="tx2"/>
+            </a:solidFill>
+          </a:ln>
+        </p:spPr>
+        <p:style>
+          <a:lnRef idx="1">
+            <a:schemeClr val="accent1"/>
+          </a:lnRef>
+          <a:fillRef idx="0">
+            <a:schemeClr val="accent1"/>
+          </a:fillRef>
+          <a:effectRef idx="0">
+            <a:schemeClr val="accent1"/>
+          </a:effectRef>
+          <a:fontRef idx="minor">
+            <a:schemeClr val="tx1"/>
+          </a:fontRef>
+        </p:style>
+      </p:cxnSp>
       <p:sp>
         <p:nvSpPr>
           <p:cNvPr id="3" name="Content Placeholder 2">
@@ -18034,8 +18965,141 @@
         </p:nvSpPr>
         <p:spPr>
           <a:xfrm>
-            <a:off x="0" y="1690688"/>
-            <a:ext cx="12192000" cy="4863933"/>
+            <a:off x="5105398" y="1115568"/>
+            <a:ext cx="6245352" cy="4626864"/>
+          </a:xfrm>
+        </p:spPr>
+        <p:txBody>
+          <a:bodyPr anchor="ctr">
+            <a:noAutofit/>
+          </a:bodyPr>
+          <a:lstStyle/>
+          <a:p>
+            <a:pPr marL="457200" indent="-457200">
+              <a:buFont typeface="Arial" panose="020B0604020202020204" pitchFamily="34" charset="0"/>
+              <a:buChar char="•"/>
+            </a:pPr>
+            <a:r>
+              <a:rPr lang="en-US" sz="2200" dirty="0">
+                <a:latin typeface="Times New Roman" panose="02020603050405020304" pitchFamily="18" charset="0"/>
+                <a:cs typeface="Times New Roman" panose="02020603050405020304" pitchFamily="18" charset="0"/>
+              </a:rPr>
+              <a:t>Preconditions - user is logged in.</a:t>
+            </a:r>
+          </a:p>
+          <a:p>
+            <a:pPr marL="457200" indent="-457200">
+              <a:buFont typeface="Arial" panose="020B0604020202020204" pitchFamily="34" charset="0"/>
+              <a:buChar char="•"/>
+            </a:pPr>
+            <a:r>
+              <a:rPr lang="en-US" sz="2200" dirty="0">
+                <a:latin typeface="Times New Roman" panose="02020603050405020304" pitchFamily="18" charset="0"/>
+                <a:cs typeface="Times New Roman" panose="02020603050405020304" pitchFamily="18" charset="0"/>
+              </a:rPr>
+              <a:t>Description:</a:t>
+            </a:r>
+          </a:p>
+          <a:p>
+            <a:pPr marL="834300" lvl="1" indent="-457200">
+              <a:buFont typeface="+mj-lt"/>
+              <a:buAutoNum type="arabicPeriod"/>
+            </a:pPr>
+            <a:r>
+              <a:rPr lang="en-US" sz="2200" dirty="0">
+                <a:latin typeface="Times New Roman" panose="02020603050405020304" pitchFamily="18" charset="0"/>
+                <a:cs typeface="Times New Roman" panose="02020603050405020304" pitchFamily="18" charset="0"/>
+              </a:rPr>
+              <a:t>User clicks on “Organization Tab.”</a:t>
+            </a:r>
+          </a:p>
+          <a:p>
+            <a:pPr marL="834300" lvl="1" indent="-457200">
+              <a:buFont typeface="+mj-lt"/>
+              <a:buAutoNum type="arabicPeriod"/>
+            </a:pPr>
+            <a:r>
+              <a:rPr lang="en-US" sz="2200" dirty="0">
+                <a:latin typeface="Times New Roman" panose="02020603050405020304" pitchFamily="18" charset="0"/>
+                <a:cs typeface="Times New Roman" panose="02020603050405020304" pitchFamily="18" charset="0"/>
+              </a:rPr>
+              <a:t>The webpage switches to Organization page.</a:t>
+            </a:r>
+          </a:p>
+          <a:p>
+            <a:pPr marL="834300" lvl="1" indent="-457200">
+              <a:buFont typeface="+mj-lt"/>
+              <a:buAutoNum type="arabicPeriod"/>
+            </a:pPr>
+            <a:r>
+              <a:rPr lang="en-US" sz="2200" dirty="0">
+                <a:latin typeface="Times New Roman" panose="02020603050405020304" pitchFamily="18" charset="0"/>
+                <a:cs typeface="Times New Roman" panose="02020603050405020304" pitchFamily="18" charset="0"/>
+              </a:rPr>
+              <a:t>User click on “Create Organization.”</a:t>
+            </a:r>
+          </a:p>
+          <a:p>
+            <a:pPr marL="834300" lvl="1" indent="-457200">
+              <a:buFont typeface="+mj-lt"/>
+              <a:buAutoNum type="arabicPeriod"/>
+            </a:pPr>
+            <a:r>
+              <a:rPr lang="en-US" sz="2200" dirty="0">
+                <a:latin typeface="Times New Roman" panose="02020603050405020304" pitchFamily="18" charset="0"/>
+                <a:cs typeface="Times New Roman" panose="02020603050405020304" pitchFamily="18" charset="0"/>
+              </a:rPr>
+              <a:t>User then fills out form asking for the Organization details.</a:t>
+            </a:r>
+          </a:p>
+          <a:p>
+            <a:pPr marL="834300" lvl="1" indent="-457200">
+              <a:buFont typeface="+mj-lt"/>
+              <a:buAutoNum type="arabicPeriod"/>
+            </a:pPr>
+            <a:r>
+              <a:rPr lang="en-US" sz="2200" dirty="0">
+                <a:latin typeface="Times New Roman" panose="02020603050405020304" pitchFamily="18" charset="0"/>
+                <a:cs typeface="Times New Roman" panose="02020603050405020304" pitchFamily="18" charset="0"/>
+              </a:rPr>
+              <a:t>User submits form to the Organization page.</a:t>
+            </a:r>
+          </a:p>
+          <a:p>
+            <a:pPr marL="457200" indent="-457200">
+              <a:buFont typeface="Arial" panose="020B0604020202020204" pitchFamily="34" charset="0"/>
+              <a:buChar char="•"/>
+            </a:pPr>
+            <a:r>
+              <a:rPr lang="en-US" sz="2200" dirty="0">
+                <a:latin typeface="Times New Roman" panose="02020603050405020304" pitchFamily="18" charset="0"/>
+                <a:cs typeface="Times New Roman" panose="02020603050405020304" pitchFamily="18" charset="0"/>
+              </a:rPr>
+              <a:t>Postconditions – user becomes Club Organizer for the Organization. </a:t>
+            </a:r>
+          </a:p>
+        </p:txBody>
+      </p:sp>
+      <p:sp>
+        <p:nvSpPr>
+          <p:cNvPr id="6" name="Footer Placeholder 5">
+            <a:extLst>
+              <a:ext uri="{FF2B5EF4-FFF2-40B4-BE49-F238E27FC236}">
+                <a16:creationId xmlns:a16="http://schemas.microsoft.com/office/drawing/2014/main" id="{9C4726E1-6E55-4ADF-8780-E44F723D55D4}"/>
+              </a:ext>
+            </a:extLst>
+          </p:cNvPr>
+          <p:cNvSpPr>
+            <a:spLocks noGrp="1"/>
+          </p:cNvSpPr>
+          <p:nvPr>
+            <p:ph type="ftr" sz="quarter" idx="11"/>
+          </p:nvPr>
+        </p:nvSpPr>
+        <p:spPr>
+          <a:xfrm>
+            <a:off x="834013" y="5883275"/>
+            <a:ext cx="6752647" cy="365125"/>
           </a:xfrm>
         </p:spPr>
         <p:txBody>
@@ -18044,74 +19108,61 @@
           </a:bodyPr>
           <a:lstStyle/>
           <a:p>
-            <a:pPr marL="457200" indent="-457200">
-              <a:buFont typeface="+mj-lt"/>
-              <a:buAutoNum type="arabicPeriod"/>
+            <a:pPr>
+              <a:spcAft>
+                <a:spcPts val="600"/>
+              </a:spcAft>
             </a:pPr>
             <a:r>
-              <a:rPr lang="en-US" dirty="0"/>
-              <a:t>User must have an account in the webpage and logged in.</a:t>
-            </a:r>
-          </a:p>
-          <a:p>
-            <a:pPr marL="457200" indent="-457200">
-              <a:buFont typeface="+mj-lt"/>
-              <a:buAutoNum type="arabicPeriod"/>
+              <a:rPr lang="en-US"/>
+              <a:t>Student Organization System - Software Requirements Document</a:t>
+            </a:r>
+          </a:p>
+        </p:txBody>
+      </p:sp>
+      <p:sp>
+        <p:nvSpPr>
+          <p:cNvPr id="7" name="Slide Number Placeholder 6">
+            <a:extLst>
+              <a:ext uri="{FF2B5EF4-FFF2-40B4-BE49-F238E27FC236}">
+                <a16:creationId xmlns:a16="http://schemas.microsoft.com/office/drawing/2014/main" id="{CE6FB0D3-9F12-45E6-BB77-100C04C159F7}"/>
+              </a:ext>
+            </a:extLst>
+          </p:cNvPr>
+          <p:cNvSpPr>
+            <a:spLocks noGrp="1"/>
+          </p:cNvSpPr>
+          <p:nvPr>
+            <p:ph type="sldNum" sz="quarter" idx="12"/>
+          </p:nvPr>
+        </p:nvSpPr>
+        <p:spPr>
+          <a:xfrm>
+            <a:off x="10514011" y="5883275"/>
+            <a:ext cx="753545" cy="365125"/>
+          </a:xfrm>
+        </p:spPr>
+        <p:txBody>
+          <a:bodyPr>
+            <a:normAutofit/>
+          </a:bodyPr>
+          <a:lstStyle/>
+          <a:p>
+            <a:pPr>
+              <a:spcAft>
+                <a:spcPts val="600"/>
+              </a:spcAft>
             </a:pPr>
-            <a:r>
-              <a:rPr lang="en-US" dirty="0"/>
-              <a:t>User clicks on “Organization Tab.”</a:t>
-            </a:r>
-          </a:p>
-          <a:p>
-            <a:pPr marL="457200" indent="-457200">
-              <a:buFont typeface="+mj-lt"/>
-              <a:buAutoNum type="arabicPeriod"/>
-            </a:pPr>
-            <a:r>
-              <a:rPr lang="en-US" dirty="0"/>
-              <a:t>The webpage switches to organization page.</a:t>
-            </a:r>
-          </a:p>
-          <a:p>
-            <a:pPr marL="457200" indent="-457200">
-              <a:buFont typeface="+mj-lt"/>
-              <a:buAutoNum type="arabicPeriod"/>
-            </a:pPr>
-            <a:r>
-              <a:rPr lang="en-US" dirty="0"/>
-              <a:t>User click on “Create Organization.”</a:t>
-            </a:r>
-          </a:p>
-          <a:p>
-            <a:pPr marL="457200" indent="-457200">
-              <a:buFont typeface="+mj-lt"/>
-              <a:buAutoNum type="arabicPeriod"/>
-            </a:pPr>
-            <a:r>
-              <a:rPr lang="en-US" dirty="0"/>
-              <a:t>User then fills out form asking for the organization details.</a:t>
-            </a:r>
-          </a:p>
-          <a:p>
-            <a:pPr marL="457200" indent="-457200">
-              <a:buFont typeface="+mj-lt"/>
-              <a:buAutoNum type="arabicPeriod"/>
-            </a:pPr>
-            <a:r>
-              <a:rPr lang="en-US" dirty="0"/>
-              <a:t>User submits form to the organization page.</a:t>
-            </a:r>
-          </a:p>
-          <a:p>
-            <a:pPr marL="457200" indent="-457200">
-              <a:buFont typeface="+mj-lt"/>
-              <a:buAutoNum type="arabicPeriod"/>
-            </a:pPr>
-            <a:r>
-              <a:rPr lang="en-US" dirty="0"/>
-              <a:t>User becomes Club Organizer for the organization, and it appears on the page.</a:t>
-            </a:r>
+            <a:fld id="{5FB0F42B-CAA9-4D4F-86CF-07230423CC99}" type="slidenum">
+              <a:rPr lang="en-US" smtClean="0"/>
+              <a:pPr>
+                <a:spcAft>
+                  <a:spcPts val="600"/>
+                </a:spcAft>
+              </a:pPr>
+              <a:t>5</a:t>
+            </a:fld>
+            <a:endParaRPr lang="en-US"/>
           </a:p>
         </p:txBody>
       </p:sp>
@@ -18131,6 +19182,26 @@
 <file path=ppt/slides/slide6.xml><?xml version="1.0" encoding="utf-8"?>
 <p:sld xmlns:a="http://schemas.openxmlformats.org/drawingml/2006/main" xmlns:r="http://schemas.openxmlformats.org/officeDocument/2006/relationships" xmlns:p="http://schemas.openxmlformats.org/presentationml/2006/main">
   <p:cSld>
+    <p:bg>
+      <p:bgPr>
+        <a:blipFill rotWithShape="1">
+          <a:blip r:embed="rId3">
+            <a:duotone>
+              <a:schemeClr val="bg2">
+                <a:shade val="80000"/>
+                <a:lumMod val="80000"/>
+              </a:schemeClr>
+              <a:schemeClr val="bg2">
+                <a:tint val="98000"/>
+              </a:schemeClr>
+            </a:duotone>
+            <a:extLst/>
+          </a:blip>
+          <a:stretch/>
+        </a:blipFill>
+        <a:effectLst/>
+      </p:bgPr>
+    </p:bg>
     <p:spTree>
       <p:nvGrpSpPr>
         <p:cNvPr id="1" name=""/>
@@ -18145,6 +19216,66 @@
           <a:chExt cx="0" cy="0"/>
         </a:xfrm>
       </p:grpSpPr>
+      <p:sp useBgFill="1">
+        <p:nvSpPr>
+          <p:cNvPr id="12" name="Rectangle 11">
+            <a:extLst>
+              <a:ext uri="{FF2B5EF4-FFF2-40B4-BE49-F238E27FC236}">
+                <a16:creationId xmlns:a16="http://schemas.microsoft.com/office/drawing/2014/main" id="{9A6C2C86-63BF-47D5-AA3F-905111A238E2}"/>
+              </a:ext>
+              <a:ext uri="{C183D7F6-B498-43B3-948B-1728B52AA6E4}">
+                <adec:decorative xmlns:adec="http://schemas.microsoft.com/office/drawing/2017/decorative" val="1"/>
+              </a:ext>
+            </a:extLst>
+          </p:cNvPr>
+          <p:cNvSpPr>
+            <a:spLocks noGrp="1" noRot="1" noChangeAspect="1" noMove="1" noResize="1" noEditPoints="1" noAdjustHandles="1" noChangeArrowheads="1" noChangeShapeType="1" noTextEdit="1"/>
+          </p:cNvSpPr>
+          <p:nvPr>
+            <p:extLst>
+              <p:ext uri="{386F3935-93C4-4BCD-93E2-E3B085C9AB24}">
+                <p16:designElem xmlns:p16="http://schemas.microsoft.com/office/powerpoint/2015/main" val="1"/>
+              </p:ext>
+            </p:extLst>
+          </p:nvPr>
+        </p:nvSpPr>
+        <p:spPr>
+          <a:xfrm>
+            <a:off x="0" y="0"/>
+            <a:ext cx="12192000" cy="6858000"/>
+          </a:xfrm>
+          <a:prstGeom prst="rect">
+            <a:avLst/>
+          </a:prstGeom>
+          <a:ln>
+            <a:noFill/>
+          </a:ln>
+        </p:spPr>
+        <p:style>
+          <a:lnRef idx="2">
+            <a:schemeClr val="accent1">
+              <a:shade val="50000"/>
+            </a:schemeClr>
+          </a:lnRef>
+          <a:fillRef idx="1">
+            <a:schemeClr val="accent1"/>
+          </a:fillRef>
+          <a:effectRef idx="0">
+            <a:schemeClr val="accent1"/>
+          </a:effectRef>
+          <a:fontRef idx="minor">
+            <a:schemeClr val="lt1"/>
+          </a:fontRef>
+        </p:style>
+        <p:txBody>
+          <a:bodyPr rtlCol="0" anchor="ctr"/>
+          <a:lstStyle/>
+          <a:p>
+            <a:pPr algn="ctr"/>
+            <a:endParaRPr lang="en-US"/>
+          </a:p>
+        </p:txBody>
+      </p:sp>
       <p:sp>
         <p:nvSpPr>
           <p:cNvPr id="2" name="Title 1">
@@ -18163,8 +19294,8 @@
         </p:nvSpPr>
         <p:spPr>
           <a:xfrm>
-            <a:off x="0" y="365125"/>
-            <a:ext cx="12191999" cy="1325563"/>
+            <a:off x="834013" y="1115568"/>
+            <a:ext cx="3487616" cy="4626864"/>
           </a:xfrm>
         </p:spPr>
         <p:txBody>
@@ -18173,14 +19304,70 @@
           </a:bodyPr>
           <a:lstStyle/>
           <a:p>
-            <a:pPr algn="ctr"/>
-            <a:r>
-              <a:rPr lang="en-US" sz="4000" dirty="0"/>
-              <a:t>SOS16 Create Organization Nonfunctional Requirements:</a:t>
+            <a:pPr algn="l"/>
+            <a:r>
+              <a:rPr lang="en-US" sz="3600" dirty="0"/>
+              <a:t>SOS16 Create Organization </a:t>
+            </a:r>
+            <a:r>
+              <a:rPr lang="en-US" sz="3600" i="1" dirty="0"/>
+              <a:t>Nonfunctional Requirements</a:t>
             </a:r>
           </a:p>
         </p:txBody>
       </p:sp>
+      <p:cxnSp>
+        <p:nvCxnSpPr>
+          <p:cNvPr id="14" name="Straight Connector 13">
+            <a:extLst>
+              <a:ext uri="{FF2B5EF4-FFF2-40B4-BE49-F238E27FC236}">
+                <a16:creationId xmlns:a16="http://schemas.microsoft.com/office/drawing/2014/main" id="{425A0768-3044-4AA9-A889-D2CAA68C517A}"/>
+              </a:ext>
+              <a:ext uri="{C183D7F6-B498-43B3-948B-1728B52AA6E4}">
+                <adec:decorative xmlns:adec="http://schemas.microsoft.com/office/drawing/2017/decorative" val="1"/>
+              </a:ext>
+            </a:extLst>
+          </p:cNvPr>
+          <p:cNvCxnSpPr>
+            <a:cxnSpLocks noGrp="1" noRot="1" noChangeAspect="1" noMove="1" noResize="1" noEditPoints="1" noAdjustHandles="1" noChangeArrowheads="1" noChangeShapeType="1"/>
+          </p:cNvCxnSpPr>
+          <p:nvPr>
+            <p:extLst>
+              <p:ext uri="{386F3935-93C4-4BCD-93E2-E3B085C9AB24}">
+                <p16:designElem xmlns:p16="http://schemas.microsoft.com/office/powerpoint/2015/main" val="1"/>
+              </p:ext>
+            </p:extLst>
+          </p:nvPr>
+        </p:nvCxnSpPr>
+        <p:spPr>
+          <a:xfrm>
+            <a:off x="4654605" y="2057400"/>
+            <a:ext cx="0" cy="2743200"/>
+          </a:xfrm>
+          <a:prstGeom prst="line">
+            <a:avLst/>
+          </a:prstGeom>
+          <a:ln w="19050">
+            <a:solidFill>
+              <a:schemeClr val="tx2"/>
+            </a:solidFill>
+          </a:ln>
+        </p:spPr>
+        <p:style>
+          <a:lnRef idx="1">
+            <a:schemeClr val="accent1"/>
+          </a:lnRef>
+          <a:fillRef idx="0">
+            <a:schemeClr val="accent1"/>
+          </a:fillRef>
+          <a:effectRef idx="0">
+            <a:schemeClr val="accent1"/>
+          </a:effectRef>
+          <a:fontRef idx="minor">
+            <a:schemeClr val="tx1"/>
+          </a:fontRef>
+        </p:style>
+      </p:cxnSp>
       <p:sp>
         <p:nvSpPr>
           <p:cNvPr id="3" name="Content Placeholder 2">
@@ -18199,79 +19386,230 @@
         </p:nvSpPr>
         <p:spPr>
           <a:xfrm>
-            <a:off x="336885" y="1825625"/>
-            <a:ext cx="11438020" cy="4351338"/>
+            <a:off x="5105398" y="1115568"/>
+            <a:ext cx="6245352" cy="4626864"/>
+          </a:xfrm>
+        </p:spPr>
+        <p:txBody>
+          <a:bodyPr anchor="ctr">
+            <a:noAutofit/>
+          </a:bodyPr>
+          <a:lstStyle/>
+          <a:p>
+            <a:pPr>
+              <a:lnSpc>
+                <a:spcPct val="90000"/>
+              </a:lnSpc>
+              <a:buFont typeface="Arial" panose="020B0604020202020204" pitchFamily="34" charset="0"/>
+              <a:buChar char="•"/>
+            </a:pPr>
+            <a:r>
+              <a:rPr lang="en-US" sz="2200" dirty="0"/>
+              <a:t>Usability:</a:t>
+            </a:r>
+          </a:p>
+          <a:p>
+            <a:pPr lvl="1">
+              <a:lnSpc>
+                <a:spcPct val="90000"/>
+              </a:lnSpc>
+              <a:buFont typeface="Arial" panose="020B0604020202020204" pitchFamily="34" charset="0"/>
+              <a:buChar char="•"/>
+            </a:pPr>
+            <a:r>
+              <a:rPr lang="en-US" sz="2200" dirty="0"/>
+              <a:t>2 minutes to complete the request.</a:t>
+            </a:r>
+          </a:p>
+          <a:p>
+            <a:pPr>
+              <a:lnSpc>
+                <a:spcPct val="90000"/>
+              </a:lnSpc>
+              <a:buFont typeface="Arial" panose="020B0604020202020204" pitchFamily="34" charset="0"/>
+              <a:buChar char="•"/>
+            </a:pPr>
+            <a:r>
+              <a:rPr lang="en-US" sz="2200" dirty="0"/>
+              <a:t>Reliability:</a:t>
+            </a:r>
+          </a:p>
+          <a:p>
+            <a:pPr lvl="1">
+              <a:lnSpc>
+                <a:spcPct val="90000"/>
+              </a:lnSpc>
+              <a:buFont typeface="Arial" panose="020B0604020202020204" pitchFamily="34" charset="0"/>
+              <a:buChar char="•"/>
+            </a:pPr>
+            <a:r>
+              <a:rPr lang="en-US" sz="2200" dirty="0"/>
+              <a:t>Mean time to failure – 5% monthly.</a:t>
+            </a:r>
+          </a:p>
+          <a:p>
+            <a:pPr>
+              <a:lnSpc>
+                <a:spcPct val="90000"/>
+              </a:lnSpc>
+              <a:buFont typeface="Arial" panose="020B0604020202020204" pitchFamily="34" charset="0"/>
+              <a:buChar char="•"/>
+            </a:pPr>
+            <a:r>
+              <a:rPr lang="en-US" sz="2200" dirty="0"/>
+              <a:t>Performance: </a:t>
+            </a:r>
+          </a:p>
+          <a:p>
+            <a:pPr lvl="1">
+              <a:lnSpc>
+                <a:spcPct val="90000"/>
+              </a:lnSpc>
+              <a:buFont typeface="Arial" panose="020B0604020202020204" pitchFamily="34" charset="0"/>
+              <a:buChar char="•"/>
+            </a:pPr>
+            <a:r>
+              <a:rPr lang="en-US" sz="2200" dirty="0"/>
+              <a:t>200 requests per min and process each in 6 sec.</a:t>
+            </a:r>
+          </a:p>
+          <a:p>
+            <a:pPr>
+              <a:lnSpc>
+                <a:spcPct val="90000"/>
+              </a:lnSpc>
+              <a:buFont typeface="Arial" panose="020B0604020202020204" pitchFamily="34" charset="0"/>
+              <a:buChar char="•"/>
+            </a:pPr>
+            <a:r>
+              <a:rPr lang="en-US" sz="2200" dirty="0"/>
+              <a:t>Criticality:</a:t>
+            </a:r>
+          </a:p>
+          <a:p>
+            <a:pPr lvl="1">
+              <a:lnSpc>
+                <a:spcPct val="90000"/>
+              </a:lnSpc>
+              <a:buFont typeface="Arial" panose="020B0604020202020204" pitchFamily="34" charset="0"/>
+              <a:buChar char="•"/>
+            </a:pPr>
+            <a:r>
+              <a:rPr lang="en-US" sz="2200" dirty="0"/>
+              <a:t>High. Main purpose of the system.</a:t>
+            </a:r>
+          </a:p>
+          <a:p>
+            <a:pPr>
+              <a:lnSpc>
+                <a:spcPct val="90000"/>
+              </a:lnSpc>
+              <a:buFont typeface="Arial" panose="020B0604020202020204" pitchFamily="34" charset="0"/>
+              <a:buChar char="•"/>
+            </a:pPr>
+            <a:r>
+              <a:rPr lang="en-US" sz="2200" dirty="0"/>
+              <a:t>Frequency:</a:t>
+            </a:r>
+          </a:p>
+          <a:p>
+            <a:pPr lvl="1">
+              <a:lnSpc>
+                <a:spcPct val="90000"/>
+              </a:lnSpc>
+              <a:buFont typeface="Arial" panose="020B0604020202020204" pitchFamily="34" charset="0"/>
+              <a:buChar char="•"/>
+            </a:pPr>
+            <a:r>
+              <a:rPr lang="en-US" sz="2200" dirty="0"/>
+              <a:t>20 organization requests monthly.</a:t>
+            </a:r>
+          </a:p>
+        </p:txBody>
+      </p:sp>
+      <p:sp>
+        <p:nvSpPr>
+          <p:cNvPr id="6" name="Footer Placeholder 5">
+            <a:extLst>
+              <a:ext uri="{FF2B5EF4-FFF2-40B4-BE49-F238E27FC236}">
+                <a16:creationId xmlns:a16="http://schemas.microsoft.com/office/drawing/2014/main" id="{F9681082-EBD0-4FD9-8F2F-4EA1724B55D4}"/>
+              </a:ext>
+            </a:extLst>
+          </p:cNvPr>
+          <p:cNvSpPr>
+            <a:spLocks noGrp="1"/>
+          </p:cNvSpPr>
+          <p:nvPr>
+            <p:ph type="ftr" sz="quarter" idx="11"/>
+          </p:nvPr>
+        </p:nvSpPr>
+        <p:spPr>
+          <a:xfrm>
+            <a:off x="834013" y="5883275"/>
+            <a:ext cx="6752647" cy="365125"/>
           </a:xfrm>
         </p:spPr>
         <p:txBody>
           <a:bodyPr>
-            <a:normAutofit fontScale="92500" lnSpcReduction="10000"/>
+            <a:normAutofit/>
           </a:bodyPr>
           <a:lstStyle/>
           <a:p>
+            <a:pPr>
+              <a:spcAft>
+                <a:spcPts val="600"/>
+              </a:spcAft>
+            </a:pPr>
             <a:r>
               <a:rPr lang="en-US" dirty="0"/>
-              <a:t>Usability</a:t>
-            </a:r>
-          </a:p>
-          <a:p>
-            <a:pPr lvl="2"/>
-            <a:r>
-              <a:rPr lang="en-US" sz="2200" dirty="0"/>
-              <a:t>On average the user should take 2 minutes to complete the request.</a:t>
-            </a:r>
-          </a:p>
-          <a:p>
-            <a:r>
-              <a:rPr lang="en-US" dirty="0"/>
-              <a:t>Reliability</a:t>
-            </a:r>
-          </a:p>
-          <a:p>
-            <a:pPr lvl="2"/>
-            <a:r>
-              <a:rPr lang="en-US" sz="2200" dirty="0"/>
-              <a:t>Mean time to failure – 5% failures for every month of operation is acceptable.</a:t>
-            </a:r>
-          </a:p>
-          <a:p>
-            <a:r>
-              <a:rPr lang="en-US" dirty="0"/>
-              <a:t>Performance </a:t>
-            </a:r>
-          </a:p>
-          <a:p>
-            <a:pPr lvl="2"/>
-            <a:r>
-              <a:rPr lang="en-US" sz="2200" dirty="0"/>
-              <a:t>System should be able to handle 200 requests in 1 minute and process each in 6 sec.</a:t>
-            </a:r>
-          </a:p>
-          <a:p>
-            <a:r>
-              <a:rPr lang="en-US" sz="3000" dirty="0"/>
-              <a:t>Criticality</a:t>
-            </a:r>
-          </a:p>
-          <a:p>
-            <a:pPr lvl="2"/>
-            <a:r>
-              <a:rPr lang="en-US" sz="2200" dirty="0"/>
-              <a:t>High. Allows the user to create an organization which is a main purpose of the system.</a:t>
-            </a:r>
-          </a:p>
-          <a:p>
-            <a:r>
-              <a:rPr lang="en-US" sz="3000" dirty="0"/>
-              <a:t>Frequency:</a:t>
-            </a:r>
-          </a:p>
-          <a:p>
-            <a:pPr lvl="2"/>
-            <a:r>
-              <a:rPr lang="en-US" sz="2200" dirty="0"/>
-              <a:t>20 organization requests are made monthly by Users.</a:t>
-            </a:r>
+              <a:t>Student Organization System - Software Requirements Document</a:t>
+            </a:r>
+          </a:p>
+        </p:txBody>
+      </p:sp>
+      <p:sp>
+        <p:nvSpPr>
+          <p:cNvPr id="7" name="Slide Number Placeholder 6">
+            <a:extLst>
+              <a:ext uri="{FF2B5EF4-FFF2-40B4-BE49-F238E27FC236}">
+                <a16:creationId xmlns:a16="http://schemas.microsoft.com/office/drawing/2014/main" id="{9976F299-2724-4DCF-908F-4865B882324E}"/>
+              </a:ext>
+            </a:extLst>
+          </p:cNvPr>
+          <p:cNvSpPr>
+            <a:spLocks noGrp="1"/>
+          </p:cNvSpPr>
+          <p:nvPr>
+            <p:ph type="sldNum" sz="quarter" idx="12"/>
+          </p:nvPr>
+        </p:nvSpPr>
+        <p:spPr>
+          <a:xfrm>
+            <a:off x="10514011" y="5883275"/>
+            <a:ext cx="753545" cy="365125"/>
+          </a:xfrm>
+        </p:spPr>
+        <p:txBody>
+          <a:bodyPr>
+            <a:normAutofit/>
+          </a:bodyPr>
+          <a:lstStyle/>
+          <a:p>
+            <a:pPr>
+              <a:spcAft>
+                <a:spcPts val="600"/>
+              </a:spcAft>
+            </a:pPr>
+            <a:fld id="{5FB0F42B-CAA9-4D4F-86CF-07230423CC99}" type="slidenum">
+              <a:rPr lang="en-US" smtClean="0"/>
+              <a:pPr>
+                <a:spcAft>
+                  <a:spcPts val="600"/>
+                </a:spcAft>
+              </a:pPr>
+              <a:t>6</a:t>
+            </a:fld>
+            <a:endParaRPr lang="en-US"/>
           </a:p>
         </p:txBody>
       </p:sp>
@@ -18291,6 +19629,26 @@
 <file path=ppt/slides/slide7.xml><?xml version="1.0" encoding="utf-8"?>
 <p:sld xmlns:a="http://schemas.openxmlformats.org/drawingml/2006/main" xmlns:r="http://schemas.openxmlformats.org/officeDocument/2006/relationships" xmlns:p="http://schemas.openxmlformats.org/presentationml/2006/main">
   <p:cSld>
+    <p:bg>
+      <p:bgPr>
+        <a:blipFill rotWithShape="1">
+          <a:blip r:embed="rId2">
+            <a:duotone>
+              <a:schemeClr val="bg2">
+                <a:shade val="80000"/>
+                <a:lumMod val="80000"/>
+              </a:schemeClr>
+              <a:schemeClr val="bg2">
+                <a:tint val="98000"/>
+              </a:schemeClr>
+            </a:duotone>
+            <a:extLst/>
+          </a:blip>
+          <a:stretch/>
+        </a:blipFill>
+        <a:effectLst/>
+      </p:bgPr>
+    </p:bg>
     <p:spTree>
       <p:nvGrpSpPr>
         <p:cNvPr id="1" name=""/>
@@ -18305,6 +19663,66 @@
           <a:chExt cx="0" cy="0"/>
         </a:xfrm>
       </p:grpSpPr>
+      <p:sp useBgFill="1">
+        <p:nvSpPr>
+          <p:cNvPr id="12" name="Rectangle 11">
+            <a:extLst>
+              <a:ext uri="{FF2B5EF4-FFF2-40B4-BE49-F238E27FC236}">
+                <a16:creationId xmlns:a16="http://schemas.microsoft.com/office/drawing/2014/main" id="{9A6C2C86-63BF-47D5-AA3F-905111A238E2}"/>
+              </a:ext>
+              <a:ext uri="{C183D7F6-B498-43B3-948B-1728B52AA6E4}">
+                <adec:decorative xmlns:adec="http://schemas.microsoft.com/office/drawing/2017/decorative" val="1"/>
+              </a:ext>
+            </a:extLst>
+          </p:cNvPr>
+          <p:cNvSpPr>
+            <a:spLocks noGrp="1" noRot="1" noChangeAspect="1" noMove="1" noResize="1" noEditPoints="1" noAdjustHandles="1" noChangeArrowheads="1" noChangeShapeType="1" noTextEdit="1"/>
+          </p:cNvSpPr>
+          <p:nvPr>
+            <p:extLst>
+              <p:ext uri="{386F3935-93C4-4BCD-93E2-E3B085C9AB24}">
+                <p16:designElem xmlns:p16="http://schemas.microsoft.com/office/powerpoint/2015/main" val="1"/>
+              </p:ext>
+            </p:extLst>
+          </p:nvPr>
+        </p:nvSpPr>
+        <p:spPr>
+          <a:xfrm>
+            <a:off x="0" y="0"/>
+            <a:ext cx="12192000" cy="6858000"/>
+          </a:xfrm>
+          <a:prstGeom prst="rect">
+            <a:avLst/>
+          </a:prstGeom>
+          <a:ln>
+            <a:noFill/>
+          </a:ln>
+        </p:spPr>
+        <p:style>
+          <a:lnRef idx="2">
+            <a:schemeClr val="accent1">
+              <a:shade val="50000"/>
+            </a:schemeClr>
+          </a:lnRef>
+          <a:fillRef idx="1">
+            <a:schemeClr val="accent1"/>
+          </a:fillRef>
+          <a:effectRef idx="0">
+            <a:schemeClr val="accent1"/>
+          </a:effectRef>
+          <a:fontRef idx="minor">
+            <a:schemeClr val="lt1"/>
+          </a:fontRef>
+        </p:style>
+        <p:txBody>
+          <a:bodyPr rtlCol="0" anchor="ctr"/>
+          <a:lstStyle/>
+          <a:p>
+            <a:pPr algn="ctr"/>
+            <a:endParaRPr lang="en-US"/>
+          </a:p>
+        </p:txBody>
+      </p:sp>
       <p:sp>
         <p:nvSpPr>
           <p:cNvPr id="2" name="Title 1">
@@ -18323,22 +19741,89 @@
         </p:nvSpPr>
         <p:spPr>
           <a:xfrm>
-            <a:off x="737937" y="365126"/>
-            <a:ext cx="10615863" cy="1303254"/>
+            <a:off x="834013" y="1115568"/>
+            <a:ext cx="3487616" cy="4626864"/>
           </a:xfrm>
         </p:spPr>
         <p:txBody>
-          <a:bodyPr/>
+          <a:bodyPr>
+            <a:normAutofit/>
+          </a:bodyPr>
           <a:lstStyle/>
           <a:p>
-            <a:pPr algn="ctr"/>
-            <a:r>
-              <a:rPr lang="en-US" dirty="0"/>
-              <a:t>SOS07 Edit Profile Functional Requirements:</a:t>
+            <a:pPr algn="l"/>
+            <a:r>
+              <a:rPr lang="en-US" sz="3600" dirty="0"/>
+              <a:t>SOS07</a:t>
+            </a:r>
+            <a:br>
+              <a:rPr lang="en-US" sz="3600" dirty="0"/>
+            </a:br>
+            <a:r>
+              <a:rPr lang="en-US" sz="3600" dirty="0"/>
+              <a:t>Edit Profile </a:t>
+            </a:r>
+            <a:r>
+              <a:rPr lang="en-US" sz="3600" i="1" dirty="0">
+                <a:effectLst/>
+              </a:rPr>
+              <a:t>Functional Requirements</a:t>
             </a:r>
           </a:p>
         </p:txBody>
       </p:sp>
+      <p:cxnSp>
+        <p:nvCxnSpPr>
+          <p:cNvPr id="14" name="Straight Connector 13">
+            <a:extLst>
+              <a:ext uri="{FF2B5EF4-FFF2-40B4-BE49-F238E27FC236}">
+                <a16:creationId xmlns:a16="http://schemas.microsoft.com/office/drawing/2014/main" id="{425A0768-3044-4AA9-A889-D2CAA68C517A}"/>
+              </a:ext>
+              <a:ext uri="{C183D7F6-B498-43B3-948B-1728B52AA6E4}">
+                <adec:decorative xmlns:adec="http://schemas.microsoft.com/office/drawing/2017/decorative" val="1"/>
+              </a:ext>
+            </a:extLst>
+          </p:cNvPr>
+          <p:cNvCxnSpPr>
+            <a:cxnSpLocks noGrp="1" noRot="1" noChangeAspect="1" noMove="1" noResize="1" noEditPoints="1" noAdjustHandles="1" noChangeArrowheads="1" noChangeShapeType="1"/>
+          </p:cNvCxnSpPr>
+          <p:nvPr>
+            <p:extLst>
+              <p:ext uri="{386F3935-93C4-4BCD-93E2-E3B085C9AB24}">
+                <p16:designElem xmlns:p16="http://schemas.microsoft.com/office/powerpoint/2015/main" val="1"/>
+              </p:ext>
+            </p:extLst>
+          </p:nvPr>
+        </p:nvCxnSpPr>
+        <p:spPr>
+          <a:xfrm>
+            <a:off x="4654605" y="2057400"/>
+            <a:ext cx="0" cy="2743200"/>
+          </a:xfrm>
+          <a:prstGeom prst="line">
+            <a:avLst/>
+          </a:prstGeom>
+          <a:ln w="19050">
+            <a:solidFill>
+              <a:schemeClr val="tx2"/>
+            </a:solidFill>
+          </a:ln>
+        </p:spPr>
+        <p:style>
+          <a:lnRef idx="1">
+            <a:schemeClr val="accent1"/>
+          </a:lnRef>
+          <a:fillRef idx="0">
+            <a:schemeClr val="accent1"/>
+          </a:fillRef>
+          <a:effectRef idx="0">
+            <a:schemeClr val="accent1"/>
+          </a:effectRef>
+          <a:fontRef idx="minor">
+            <a:schemeClr val="tx1"/>
+          </a:fontRef>
+        </p:style>
+      </p:cxnSp>
       <p:sp>
         <p:nvSpPr>
           <p:cNvPr id="3" name="Content Placeholder 2">
@@ -18355,115 +19840,232 @@
             <p:ph idx="1"/>
           </p:nvPr>
         </p:nvSpPr>
-        <p:spPr/>
+        <p:spPr>
+          <a:xfrm>
+            <a:off x="5105397" y="1115568"/>
+            <a:ext cx="6315803" cy="4626864"/>
+          </a:xfrm>
+        </p:spPr>
         <p:txBody>
-          <a:bodyPr>
-            <a:normAutofit fontScale="92500" lnSpcReduction="10000"/>
+          <a:bodyPr anchor="ctr">
+            <a:noAutofit/>
           </a:bodyPr>
           <a:lstStyle/>
           <a:p>
             <a:pPr marL="457200" indent="-457200">
+              <a:lnSpc>
+                <a:spcPct val="90000"/>
+              </a:lnSpc>
               <a:buFont typeface="+mj-lt"/>
               <a:buAutoNum type="arabicPeriod"/>
             </a:pPr>
             <a:r>
-              <a:rPr lang="en-US" dirty="0"/>
-              <a:t>User must have an account in the system and be logged in.</a:t>
-            </a:r>
-          </a:p>
-          <a:p>
-            <a:pPr marL="457200" indent="-457200">
+              <a:rPr lang="en-US" sz="2200" dirty="0"/>
+              <a:t>Preconditions:</a:t>
+            </a:r>
+          </a:p>
+          <a:p>
+            <a:pPr marL="834300" lvl="1" indent="-457200">
+              <a:lnSpc>
+                <a:spcPct val="90000"/>
+              </a:lnSpc>
               <a:buFont typeface="+mj-lt"/>
               <a:buAutoNum type="arabicPeriod"/>
             </a:pPr>
             <a:r>
-              <a:rPr lang="en-US" dirty="0"/>
-              <a:t>User is in their profile page and clicks “Edit Profile.”</a:t>
+              <a:rPr lang="en-US" sz="2200" dirty="0"/>
+              <a:t>User  is logged in.</a:t>
             </a:r>
           </a:p>
           <a:p>
             <a:pPr marL="457200" indent="-457200">
+              <a:lnSpc>
+                <a:spcPct val="90000"/>
+              </a:lnSpc>
               <a:buFont typeface="+mj-lt"/>
               <a:buAutoNum type="arabicPeriod"/>
             </a:pPr>
             <a:r>
-              <a:rPr lang="en-US" dirty="0"/>
-              <a:t>User is then shown their current information in an editable form.</a:t>
-            </a:r>
-          </a:p>
-          <a:p>
-            <a:pPr marL="457200" indent="-457200">
+              <a:rPr lang="en-US" sz="2200" dirty="0"/>
+              <a:t>Description:</a:t>
+            </a:r>
+          </a:p>
+          <a:p>
+            <a:pPr marL="834300" lvl="1" indent="-457200">
+              <a:lnSpc>
+                <a:spcPct val="90000"/>
+              </a:lnSpc>
               <a:buFont typeface="+mj-lt"/>
               <a:buAutoNum type="arabicPeriod"/>
             </a:pPr>
             <a:r>
-              <a:rPr lang="en-US" dirty="0"/>
-              <a:t>User inputs the data they would like to change.</a:t>
-            </a:r>
-          </a:p>
-          <a:p>
-            <a:pPr marL="457200" indent="-457200">
+              <a:rPr lang="en-US" sz="2200" dirty="0"/>
+              <a:t>User clicks “Edit Profile.”</a:t>
+            </a:r>
+          </a:p>
+          <a:p>
+            <a:pPr marL="834300" lvl="1" indent="-457200">
+              <a:lnSpc>
+                <a:spcPct val="90000"/>
+              </a:lnSpc>
               <a:buFont typeface="+mj-lt"/>
               <a:buAutoNum type="arabicPeriod"/>
             </a:pPr>
             <a:r>
-              <a:rPr lang="en-US" dirty="0"/>
-              <a:t>User submits the request to change their information.</a:t>
-            </a:r>
-          </a:p>
-          <a:p>
-            <a:pPr marL="457200" indent="-457200">
+              <a:rPr lang="en-US" sz="2200" dirty="0"/>
+              <a:t>User is shown an editable form.</a:t>
+            </a:r>
+          </a:p>
+          <a:p>
+            <a:pPr marL="834300" lvl="1" indent="-457200">
+              <a:lnSpc>
+                <a:spcPct val="90000"/>
+              </a:lnSpc>
               <a:buFont typeface="+mj-lt"/>
               <a:buAutoNum type="arabicPeriod"/>
             </a:pPr>
             <a:r>
-              <a:rPr lang="en-US" dirty="0"/>
-              <a:t>The webpage prompts the user for their password.</a:t>
-            </a:r>
-          </a:p>
-          <a:p>
-            <a:pPr marL="457200" indent="-457200">
+              <a:rPr lang="en-US" sz="2200" dirty="0"/>
+              <a:t>User inputs the data and submits the request. </a:t>
+            </a:r>
+          </a:p>
+          <a:p>
+            <a:pPr marL="834300" lvl="1" indent="-457200">
+              <a:lnSpc>
+                <a:spcPct val="90000"/>
+              </a:lnSpc>
               <a:buFont typeface="+mj-lt"/>
               <a:buAutoNum type="arabicPeriod"/>
             </a:pPr>
             <a:r>
-              <a:rPr lang="en-US" dirty="0"/>
-              <a:t>User inputs password and submits. </a:t>
-            </a:r>
-          </a:p>
-          <a:p>
-            <a:pPr marL="457200" indent="-457200">
+              <a:rPr lang="en-US" sz="2200" dirty="0"/>
+              <a:t>The webpage request the user’s password.</a:t>
+            </a:r>
+          </a:p>
+          <a:p>
+            <a:pPr marL="834300" lvl="1" indent="-457200">
+              <a:lnSpc>
+                <a:spcPct val="90000"/>
+              </a:lnSpc>
               <a:buFont typeface="+mj-lt"/>
               <a:buAutoNum type="arabicPeriod"/>
             </a:pPr>
             <a:r>
-              <a:rPr lang="en-US" dirty="0"/>
+              <a:rPr lang="en-US" sz="2200" dirty="0"/>
               <a:t>System authenticates their request.</a:t>
             </a:r>
           </a:p>
           <a:p>
             <a:pPr marL="457200" indent="-457200">
+              <a:lnSpc>
+                <a:spcPct val="90000"/>
+              </a:lnSpc>
               <a:buFont typeface="+mj-lt"/>
               <a:buAutoNum type="arabicPeriod"/>
             </a:pPr>
             <a:r>
-              <a:rPr lang="en-US" dirty="0"/>
-              <a:t>System then changes user information in the data storage.</a:t>
-            </a:r>
-          </a:p>
-          <a:p>
-            <a:pPr marL="457200" indent="-457200">
+              <a:rPr lang="en-US" sz="2200" dirty="0"/>
+              <a:t>Postconditions:</a:t>
+            </a:r>
+          </a:p>
+          <a:p>
+            <a:pPr marL="834300" lvl="1" indent="-457200">
+              <a:lnSpc>
+                <a:spcPct val="90000"/>
+              </a:lnSpc>
               <a:buFont typeface="+mj-lt"/>
               <a:buAutoNum type="arabicPeriod"/>
             </a:pPr>
             <a:r>
-              <a:rPr lang="en-US" dirty="0"/>
-              <a:t>User receives notification that their profile has been successfully edited.</a:t>
-            </a:r>
-          </a:p>
-          <a:p>
-            <a:pPr lvl="1"/>
-            <a:endParaRPr lang="en-US" dirty="0"/>
+              <a:rPr lang="en-US" sz="2200" dirty="0"/>
+              <a:t>User data has been updated on the data storage.</a:t>
+            </a:r>
+          </a:p>
+        </p:txBody>
+      </p:sp>
+      <p:sp>
+        <p:nvSpPr>
+          <p:cNvPr id="6" name="Footer Placeholder 5">
+            <a:extLst>
+              <a:ext uri="{FF2B5EF4-FFF2-40B4-BE49-F238E27FC236}">
+                <a16:creationId xmlns:a16="http://schemas.microsoft.com/office/drawing/2014/main" id="{9CE2DAB3-6AC7-49EE-964F-D9FC0E1628B5}"/>
+              </a:ext>
+            </a:extLst>
+          </p:cNvPr>
+          <p:cNvSpPr>
+            <a:spLocks noGrp="1"/>
+          </p:cNvSpPr>
+          <p:nvPr>
+            <p:ph type="ftr" sz="quarter" idx="11"/>
+          </p:nvPr>
+        </p:nvSpPr>
+        <p:spPr>
+          <a:xfrm>
+            <a:off x="834013" y="5883275"/>
+            <a:ext cx="6752647" cy="365125"/>
+          </a:xfrm>
+        </p:spPr>
+        <p:txBody>
+          <a:bodyPr>
+            <a:normAutofit/>
+          </a:bodyPr>
+          <a:lstStyle/>
+          <a:p>
+            <a:pPr>
+              <a:spcAft>
+                <a:spcPts val="600"/>
+              </a:spcAft>
+            </a:pPr>
+            <a:r>
+              <a:rPr lang="en-US"/>
+              <a:t>Student Organization System - Software Requirements Document</a:t>
+            </a:r>
+          </a:p>
+        </p:txBody>
+      </p:sp>
+      <p:sp>
+        <p:nvSpPr>
+          <p:cNvPr id="7" name="Slide Number Placeholder 6">
+            <a:extLst>
+              <a:ext uri="{FF2B5EF4-FFF2-40B4-BE49-F238E27FC236}">
+                <a16:creationId xmlns:a16="http://schemas.microsoft.com/office/drawing/2014/main" id="{64AF499B-2F63-4C8B-ABC7-9036F1D539BD}"/>
+              </a:ext>
+            </a:extLst>
+          </p:cNvPr>
+          <p:cNvSpPr>
+            <a:spLocks noGrp="1"/>
+          </p:cNvSpPr>
+          <p:nvPr>
+            <p:ph type="sldNum" sz="quarter" idx="12"/>
+          </p:nvPr>
+        </p:nvSpPr>
+        <p:spPr>
+          <a:xfrm>
+            <a:off x="10514011" y="5883275"/>
+            <a:ext cx="753545" cy="365125"/>
+          </a:xfrm>
+        </p:spPr>
+        <p:txBody>
+          <a:bodyPr>
+            <a:normAutofit/>
+          </a:bodyPr>
+          <a:lstStyle/>
+          <a:p>
+            <a:pPr>
+              <a:spcAft>
+                <a:spcPts val="600"/>
+              </a:spcAft>
+            </a:pPr>
+            <a:fld id="{5FB0F42B-CAA9-4D4F-86CF-07230423CC99}" type="slidenum">
+              <a:rPr lang="en-US" smtClean="0"/>
+              <a:pPr>
+                <a:spcAft>
+                  <a:spcPts val="600"/>
+                </a:spcAft>
+              </a:pPr>
+              <a:t>7</a:t>
+            </a:fld>
+            <a:endParaRPr lang="en-US"/>
           </a:p>
         </p:txBody>
       </p:sp>
@@ -18483,6 +20085,26 @@
 <file path=ppt/slides/slide8.xml><?xml version="1.0" encoding="utf-8"?>
 <p:sld xmlns:a="http://schemas.openxmlformats.org/drawingml/2006/main" xmlns:r="http://schemas.openxmlformats.org/officeDocument/2006/relationships" xmlns:p="http://schemas.openxmlformats.org/presentationml/2006/main">
   <p:cSld>
+    <p:bg>
+      <p:bgPr>
+        <a:blipFill rotWithShape="1">
+          <a:blip r:embed="rId2">
+            <a:duotone>
+              <a:schemeClr val="bg2">
+                <a:shade val="80000"/>
+                <a:lumMod val="80000"/>
+              </a:schemeClr>
+              <a:schemeClr val="bg2">
+                <a:tint val="98000"/>
+              </a:schemeClr>
+            </a:duotone>
+            <a:extLst/>
+          </a:blip>
+          <a:stretch/>
+        </a:blipFill>
+        <a:effectLst/>
+      </p:bgPr>
+    </p:bg>
     <p:spTree>
       <p:nvGrpSpPr>
         <p:cNvPr id="1" name=""/>
@@ -18497,6 +20119,66 @@
           <a:chExt cx="0" cy="0"/>
         </a:xfrm>
       </p:grpSpPr>
+      <p:sp useBgFill="1">
+        <p:nvSpPr>
+          <p:cNvPr id="12" name="Rectangle 11">
+            <a:extLst>
+              <a:ext uri="{FF2B5EF4-FFF2-40B4-BE49-F238E27FC236}">
+                <a16:creationId xmlns:a16="http://schemas.microsoft.com/office/drawing/2014/main" id="{9A6C2C86-63BF-47D5-AA3F-905111A238E2}"/>
+              </a:ext>
+              <a:ext uri="{C183D7F6-B498-43B3-948B-1728B52AA6E4}">
+                <adec:decorative xmlns:adec="http://schemas.microsoft.com/office/drawing/2017/decorative" val="1"/>
+              </a:ext>
+            </a:extLst>
+          </p:cNvPr>
+          <p:cNvSpPr>
+            <a:spLocks noGrp="1" noRot="1" noChangeAspect="1" noMove="1" noResize="1" noEditPoints="1" noAdjustHandles="1" noChangeArrowheads="1" noChangeShapeType="1" noTextEdit="1"/>
+          </p:cNvSpPr>
+          <p:nvPr>
+            <p:extLst>
+              <p:ext uri="{386F3935-93C4-4BCD-93E2-E3B085C9AB24}">
+                <p16:designElem xmlns:p16="http://schemas.microsoft.com/office/powerpoint/2015/main" val="1"/>
+              </p:ext>
+            </p:extLst>
+          </p:nvPr>
+        </p:nvSpPr>
+        <p:spPr>
+          <a:xfrm>
+            <a:off x="0" y="0"/>
+            <a:ext cx="12192000" cy="6858000"/>
+          </a:xfrm>
+          <a:prstGeom prst="rect">
+            <a:avLst/>
+          </a:prstGeom>
+          <a:ln>
+            <a:noFill/>
+          </a:ln>
+        </p:spPr>
+        <p:style>
+          <a:lnRef idx="2">
+            <a:schemeClr val="accent1">
+              <a:shade val="50000"/>
+            </a:schemeClr>
+          </a:lnRef>
+          <a:fillRef idx="1">
+            <a:schemeClr val="accent1"/>
+          </a:fillRef>
+          <a:effectRef idx="0">
+            <a:schemeClr val="accent1"/>
+          </a:effectRef>
+          <a:fontRef idx="minor">
+            <a:schemeClr val="lt1"/>
+          </a:fontRef>
+        </p:style>
+        <p:txBody>
+          <a:bodyPr rtlCol="0" anchor="ctr"/>
+          <a:lstStyle/>
+          <a:p>
+            <a:pPr algn="ctr"/>
+            <a:endParaRPr lang="en-US"/>
+          </a:p>
+        </p:txBody>
+      </p:sp>
       <p:sp>
         <p:nvSpPr>
           <p:cNvPr id="2" name="Title 1">
@@ -18515,8 +20197,8 @@
         </p:nvSpPr>
         <p:spPr>
           <a:xfrm>
-            <a:off x="0" y="365125"/>
-            <a:ext cx="12192000" cy="1325563"/>
+            <a:off x="834013" y="1115568"/>
+            <a:ext cx="3487616" cy="4626864"/>
           </a:xfrm>
         </p:spPr>
         <p:txBody>
@@ -18525,14 +20207,77 @@
           </a:bodyPr>
           <a:lstStyle/>
           <a:p>
-            <a:pPr algn="ctr"/>
-            <a:r>
-              <a:rPr lang="en-US" sz="4000" dirty="0"/>
-              <a:t>Use Case SOS07 Edit Profile Nonfunctional Requirements:</a:t>
+            <a:pPr algn="l"/>
+            <a:r>
+              <a:rPr lang="en-US" sz="3600" dirty="0"/>
+              <a:t>SOS07</a:t>
+            </a:r>
+            <a:br>
+              <a:rPr lang="en-US" sz="3600" dirty="0"/>
+            </a:br>
+            <a:r>
+              <a:rPr lang="en-US" sz="3600" dirty="0"/>
+              <a:t>Edit Profile </a:t>
+            </a:r>
+            <a:r>
+              <a:rPr lang="en-US" sz="3600" i="1" dirty="0"/>
+              <a:t>Nonfunctional Requirements</a:t>
             </a:r>
           </a:p>
         </p:txBody>
       </p:sp>
+      <p:cxnSp>
+        <p:nvCxnSpPr>
+          <p:cNvPr id="14" name="Straight Connector 13">
+            <a:extLst>
+              <a:ext uri="{FF2B5EF4-FFF2-40B4-BE49-F238E27FC236}">
+                <a16:creationId xmlns:a16="http://schemas.microsoft.com/office/drawing/2014/main" id="{425A0768-3044-4AA9-A889-D2CAA68C517A}"/>
+              </a:ext>
+              <a:ext uri="{C183D7F6-B498-43B3-948B-1728B52AA6E4}">
+                <adec:decorative xmlns:adec="http://schemas.microsoft.com/office/drawing/2017/decorative" val="1"/>
+              </a:ext>
+            </a:extLst>
+          </p:cNvPr>
+          <p:cNvCxnSpPr>
+            <a:cxnSpLocks noGrp="1" noRot="1" noChangeAspect="1" noMove="1" noResize="1" noEditPoints="1" noAdjustHandles="1" noChangeArrowheads="1" noChangeShapeType="1"/>
+          </p:cNvCxnSpPr>
+          <p:nvPr>
+            <p:extLst>
+              <p:ext uri="{386F3935-93C4-4BCD-93E2-E3B085C9AB24}">
+                <p16:designElem xmlns:p16="http://schemas.microsoft.com/office/powerpoint/2015/main" val="1"/>
+              </p:ext>
+            </p:extLst>
+          </p:nvPr>
+        </p:nvCxnSpPr>
+        <p:spPr>
+          <a:xfrm>
+            <a:off x="4654605" y="2057400"/>
+            <a:ext cx="0" cy="2743200"/>
+          </a:xfrm>
+          <a:prstGeom prst="line">
+            <a:avLst/>
+          </a:prstGeom>
+          <a:ln w="19050">
+            <a:solidFill>
+              <a:schemeClr val="tx2"/>
+            </a:solidFill>
+          </a:ln>
+        </p:spPr>
+        <p:style>
+          <a:lnRef idx="1">
+            <a:schemeClr val="accent1"/>
+          </a:lnRef>
+          <a:fillRef idx="0">
+            <a:schemeClr val="accent1"/>
+          </a:fillRef>
+          <a:effectRef idx="0">
+            <a:schemeClr val="accent1"/>
+          </a:effectRef>
+          <a:fontRef idx="minor">
+            <a:schemeClr val="tx1"/>
+          </a:fontRef>
+        </p:style>
+      </p:cxnSp>
       <p:sp>
         <p:nvSpPr>
           <p:cNvPr id="3" name="Content Placeholder 2">
@@ -18551,89 +20296,230 @@
         </p:nvSpPr>
         <p:spPr>
           <a:xfrm>
-            <a:off x="240631" y="1825624"/>
-            <a:ext cx="11758863" cy="5032376"/>
+            <a:off x="5105398" y="1115568"/>
+            <a:ext cx="6245352" cy="4626864"/>
+          </a:xfrm>
+        </p:spPr>
+        <p:txBody>
+          <a:bodyPr anchor="ctr">
+            <a:noAutofit/>
+          </a:bodyPr>
+          <a:lstStyle/>
+          <a:p>
+            <a:pPr>
+              <a:lnSpc>
+                <a:spcPct val="90000"/>
+              </a:lnSpc>
+              <a:buFont typeface="Arial" panose="020B0604020202020204" pitchFamily="34" charset="0"/>
+              <a:buChar char="•"/>
+            </a:pPr>
+            <a:r>
+              <a:rPr lang="en-US" sz="2200" dirty="0"/>
+              <a:t>Usability</a:t>
+            </a:r>
+          </a:p>
+          <a:p>
+            <a:pPr lvl="1">
+              <a:lnSpc>
+                <a:spcPct val="90000"/>
+              </a:lnSpc>
+              <a:buFont typeface="Arial" panose="020B0604020202020204" pitchFamily="34" charset="0"/>
+              <a:buChar char="•"/>
+            </a:pPr>
+            <a:r>
+              <a:rPr lang="en-US" sz="2200" dirty="0"/>
+              <a:t>20 sec to find and complete use case.</a:t>
+            </a:r>
+          </a:p>
+          <a:p>
+            <a:pPr>
+              <a:lnSpc>
+                <a:spcPct val="90000"/>
+              </a:lnSpc>
+              <a:buFont typeface="Arial" panose="020B0604020202020204" pitchFamily="34" charset="0"/>
+              <a:buChar char="•"/>
+            </a:pPr>
+            <a:r>
+              <a:rPr lang="en-US" sz="2200" dirty="0"/>
+              <a:t>Reliability</a:t>
+            </a:r>
+          </a:p>
+          <a:p>
+            <a:pPr lvl="1">
+              <a:lnSpc>
+                <a:spcPct val="90000"/>
+              </a:lnSpc>
+              <a:buFont typeface="Arial" panose="020B0604020202020204" pitchFamily="34" charset="0"/>
+              <a:buChar char="•"/>
+            </a:pPr>
+            <a:r>
+              <a:rPr lang="en-US" sz="2200" dirty="0"/>
+              <a:t>Mean Time to Failure – 5% monthly.</a:t>
+            </a:r>
+          </a:p>
+          <a:p>
+            <a:pPr>
+              <a:lnSpc>
+                <a:spcPct val="90000"/>
+              </a:lnSpc>
+              <a:buFont typeface="Arial" panose="020B0604020202020204" pitchFamily="34" charset="0"/>
+              <a:buChar char="•"/>
+            </a:pPr>
+            <a:r>
+              <a:rPr lang="en-US" sz="2200" dirty="0"/>
+              <a:t>Performance</a:t>
+            </a:r>
+          </a:p>
+          <a:p>
+            <a:pPr lvl="1">
+              <a:lnSpc>
+                <a:spcPct val="90000"/>
+              </a:lnSpc>
+              <a:buFont typeface="Arial" panose="020B0604020202020204" pitchFamily="34" charset="0"/>
+              <a:buChar char="•"/>
+            </a:pPr>
+            <a:r>
+              <a:rPr lang="en-US" sz="2200" dirty="0"/>
+              <a:t>20 checks per min and process each ~2 sec.</a:t>
+            </a:r>
+          </a:p>
+          <a:p>
+            <a:pPr>
+              <a:lnSpc>
+                <a:spcPct val="90000"/>
+              </a:lnSpc>
+              <a:buFont typeface="Arial" panose="020B0604020202020204" pitchFamily="34" charset="0"/>
+              <a:buChar char="•"/>
+            </a:pPr>
+            <a:r>
+              <a:rPr lang="en-US" sz="2200" dirty="0"/>
+              <a:t>Criticality</a:t>
+            </a:r>
+          </a:p>
+          <a:p>
+            <a:pPr lvl="1">
+              <a:lnSpc>
+                <a:spcPct val="90000"/>
+              </a:lnSpc>
+              <a:buFont typeface="Arial" panose="020B0604020202020204" pitchFamily="34" charset="0"/>
+              <a:buChar char="•"/>
+            </a:pPr>
+            <a:r>
+              <a:rPr lang="en-US" sz="2200" dirty="0"/>
+              <a:t>Low. Secondary feature of the system.</a:t>
+            </a:r>
+          </a:p>
+          <a:p>
+            <a:pPr>
+              <a:lnSpc>
+                <a:spcPct val="90000"/>
+              </a:lnSpc>
+              <a:buFont typeface="Arial" panose="020B0604020202020204" pitchFamily="34" charset="0"/>
+              <a:buChar char="•"/>
+            </a:pPr>
+            <a:r>
+              <a:rPr lang="en-US" sz="2200" dirty="0"/>
+              <a:t>Frequency:</a:t>
+            </a:r>
+          </a:p>
+          <a:p>
+            <a:pPr lvl="1">
+              <a:lnSpc>
+                <a:spcPct val="90000"/>
+              </a:lnSpc>
+              <a:buFont typeface="Arial" panose="020B0604020202020204" pitchFamily="34" charset="0"/>
+              <a:buChar char="•"/>
+            </a:pPr>
+            <a:r>
+              <a:rPr lang="en-US" sz="2200" dirty="0"/>
+              <a:t>20 profile edits per week.</a:t>
+            </a:r>
+          </a:p>
+        </p:txBody>
+      </p:sp>
+      <p:sp>
+        <p:nvSpPr>
+          <p:cNvPr id="6" name="Footer Placeholder 5">
+            <a:extLst>
+              <a:ext uri="{FF2B5EF4-FFF2-40B4-BE49-F238E27FC236}">
+                <a16:creationId xmlns:a16="http://schemas.microsoft.com/office/drawing/2014/main" id="{970B289B-48C4-4B16-A026-17C88265AB07}"/>
+              </a:ext>
+            </a:extLst>
+          </p:cNvPr>
+          <p:cNvSpPr>
+            <a:spLocks noGrp="1"/>
+          </p:cNvSpPr>
+          <p:nvPr>
+            <p:ph type="ftr" sz="quarter" idx="11"/>
+          </p:nvPr>
+        </p:nvSpPr>
+        <p:spPr>
+          <a:xfrm>
+            <a:off x="834013" y="5883275"/>
+            <a:ext cx="6752647" cy="365125"/>
           </a:xfrm>
         </p:spPr>
         <p:txBody>
           <a:bodyPr>
-            <a:normAutofit fontScale="92500" lnSpcReduction="10000"/>
+            <a:normAutofit/>
           </a:bodyPr>
           <a:lstStyle/>
           <a:p>
-            <a:r>
-              <a:rPr lang="en-US" sz="2400" dirty="0"/>
-              <a:t>Usability</a:t>
-            </a:r>
-          </a:p>
-          <a:p>
-            <a:pPr lvl="2"/>
-            <a:r>
-              <a:rPr lang="en-US" sz="2400" dirty="0"/>
-              <a:t>User must be aware of their privileges and what actions those privileges permit.</a:t>
-            </a:r>
-          </a:p>
-          <a:p>
-            <a:r>
-              <a:rPr lang="en-US" sz="2400" dirty="0"/>
-              <a:t>Reliability</a:t>
-            </a:r>
-          </a:p>
-          <a:p>
-            <a:pPr lvl="2"/>
-            <a:r>
-              <a:rPr lang="en-US" sz="2400" dirty="0"/>
-              <a:t>Mean Time to Failure – 1% failure yearly is acceptable.</a:t>
-            </a:r>
-          </a:p>
-          <a:p>
-            <a:r>
-              <a:rPr lang="en-US" sz="2400" dirty="0"/>
-              <a:t>Performance</a:t>
-            </a:r>
-          </a:p>
-          <a:p>
-            <a:pPr lvl="2"/>
-            <a:r>
-              <a:rPr lang="en-US" sz="2400" dirty="0"/>
-              <a:t>The system should handle 20 privilege checks in 1 minute and process each ~2 seconds.</a:t>
-            </a:r>
-          </a:p>
-          <a:p>
-            <a:r>
-              <a:rPr lang="en-US" sz="2400" dirty="0"/>
-              <a:t>Criticality</a:t>
-            </a:r>
-          </a:p>
-          <a:p>
-            <a:pPr lvl="2"/>
-            <a:r>
-              <a:rPr lang="en-US" sz="2400" dirty="0"/>
-              <a:t>Low. Editing the user’s profile is a secondary feature of the system.</a:t>
-            </a:r>
-          </a:p>
-          <a:p>
-            <a:r>
-              <a:rPr lang="en-US" sz="2400" dirty="0"/>
-              <a:t>Frequency:</a:t>
-            </a:r>
-          </a:p>
-          <a:p>
-            <a:pPr lvl="2"/>
-            <a:r>
-              <a:rPr lang="en-US" sz="2400" dirty="0"/>
-              <a:t>On average 20 users will edit their profile settings on a given month.</a:t>
-            </a:r>
-            <a:br>
-              <a:rPr lang="en-US" dirty="0"/>
-            </a:br>
-            <a:br>
-              <a:rPr lang="en-US" dirty="0"/>
-            </a:br>
-            <a:endParaRPr lang="en-US" dirty="0"/>
-          </a:p>
-          <a:p>
-            <a:endParaRPr lang="en-US" sz="2000" dirty="0"/>
+            <a:pPr>
+              <a:spcAft>
+                <a:spcPts val="600"/>
+              </a:spcAft>
+            </a:pPr>
+            <a:r>
+              <a:rPr lang="en-US"/>
+              <a:t>Student Organization System - Software Requirements Document</a:t>
+            </a:r>
+          </a:p>
+        </p:txBody>
+      </p:sp>
+      <p:sp>
+        <p:nvSpPr>
+          <p:cNvPr id="7" name="Slide Number Placeholder 6">
+            <a:extLst>
+              <a:ext uri="{FF2B5EF4-FFF2-40B4-BE49-F238E27FC236}">
+                <a16:creationId xmlns:a16="http://schemas.microsoft.com/office/drawing/2014/main" id="{2BABC3CB-FEF7-410F-82BC-650FFB64B127}"/>
+              </a:ext>
+            </a:extLst>
+          </p:cNvPr>
+          <p:cNvSpPr>
+            <a:spLocks noGrp="1"/>
+          </p:cNvSpPr>
+          <p:nvPr>
+            <p:ph type="sldNum" sz="quarter" idx="12"/>
+          </p:nvPr>
+        </p:nvSpPr>
+        <p:spPr>
+          <a:xfrm>
+            <a:off x="10514011" y="5883275"/>
+            <a:ext cx="753545" cy="365125"/>
+          </a:xfrm>
+        </p:spPr>
+        <p:txBody>
+          <a:bodyPr>
+            <a:normAutofit/>
+          </a:bodyPr>
+          <a:lstStyle/>
+          <a:p>
+            <a:pPr>
+              <a:spcAft>
+                <a:spcPts val="600"/>
+              </a:spcAft>
+            </a:pPr>
+            <a:fld id="{5FB0F42B-CAA9-4D4F-86CF-07230423CC99}" type="slidenum">
+              <a:rPr lang="en-US" smtClean="0"/>
+              <a:pPr>
+                <a:spcAft>
+                  <a:spcPts val="600"/>
+                </a:spcAft>
+              </a:pPr>
+              <a:t>8</a:t>
+            </a:fld>
+            <a:endParaRPr lang="en-US"/>
           </a:p>
         </p:txBody>
       </p:sp>
@@ -18693,7 +20579,7 @@
         </p:nvSpPr>
         <p:spPr>
           <a:xfrm>
-            <a:off x="527538" y="4756638"/>
+            <a:off x="526073" y="361016"/>
             <a:ext cx="11139854" cy="930447"/>
           </a:xfrm>
         </p:spPr>
@@ -18705,12 +20591,12 @@
           <a:p>
             <a:pPr algn="ctr"/>
             <a:r>
-              <a:rPr lang="en-US" sz="5400">
+              <a:rPr lang="en-US" dirty="0">
                 <a:solidFill>
                   <a:srgbClr val="FFFFFF"/>
                 </a:solidFill>
               </a:rPr>
-              <a:t>User Interface Design SOS16</a:t>
+              <a:t>User Interface Design for SOS16</a:t>
             </a:r>
           </a:p>
         </p:txBody>
@@ -18739,13 +20625,13 @@
               </a:ext>
             </a:extLst>
           </a:blip>
-          <a:srcRect t="17759"/>
+          <a:srcRect l="15990" t="25942" r="16582" b="7559"/>
           <a:stretch/>
         </p:blipFill>
         <p:spPr>
           <a:xfrm>
-            <a:off x="320040" y="1044580"/>
-            <a:ext cx="5455917" cy="2523938"/>
+            <a:off x="913795" y="1623358"/>
+            <a:ext cx="6498120" cy="3604846"/>
           </a:xfrm>
           <a:prstGeom prst="rect">
             <a:avLst/>
@@ -18774,19 +20660,146 @@
               </a:ext>
             </a:extLst>
           </a:blip>
-          <a:srcRect t="17759"/>
+          <a:srcRect l="24292" t="21927" r="49985" b="9317"/>
           <a:stretch/>
         </p:blipFill>
         <p:spPr>
           <a:xfrm>
-            <a:off x="6416043" y="1044580"/>
-            <a:ext cx="5455917" cy="2523938"/>
+            <a:off x="8191506" y="1291463"/>
+            <a:ext cx="2699277" cy="4058426"/>
           </a:xfrm>
           <a:prstGeom prst="rect">
             <a:avLst/>
           </a:prstGeom>
         </p:spPr>
       </p:pic>
+      <p:sp>
+        <p:nvSpPr>
+          <p:cNvPr id="6" name="Footer Placeholder 5">
+            <a:extLst>
+              <a:ext uri="{FF2B5EF4-FFF2-40B4-BE49-F238E27FC236}">
+                <a16:creationId xmlns:a16="http://schemas.microsoft.com/office/drawing/2014/main" id="{C030A3F1-24D3-419B-81B8-1987ED900FFB}"/>
+              </a:ext>
+            </a:extLst>
+          </p:cNvPr>
+          <p:cNvSpPr>
+            <a:spLocks noGrp="1"/>
+          </p:cNvSpPr>
+          <p:nvPr>
+            <p:ph type="ftr" sz="quarter" idx="11"/>
+          </p:nvPr>
+        </p:nvSpPr>
+        <p:spPr/>
+        <p:txBody>
+          <a:bodyPr/>
+          <a:lstStyle/>
+          <a:p>
+            <a:r>
+              <a:rPr lang="en-US"/>
+              <a:t>Student Organization System - Software Requirements Document</a:t>
+            </a:r>
+          </a:p>
+        </p:txBody>
+      </p:sp>
+      <p:sp>
+        <p:nvSpPr>
+          <p:cNvPr id="8" name="Slide Number Placeholder 7">
+            <a:extLst>
+              <a:ext uri="{FF2B5EF4-FFF2-40B4-BE49-F238E27FC236}">
+                <a16:creationId xmlns:a16="http://schemas.microsoft.com/office/drawing/2014/main" id="{E2EC5D1F-EB62-4030-AFB3-F8EE8D42F46F}"/>
+              </a:ext>
+            </a:extLst>
+          </p:cNvPr>
+          <p:cNvSpPr>
+            <a:spLocks noGrp="1"/>
+          </p:cNvSpPr>
+          <p:nvPr>
+            <p:ph type="sldNum" sz="quarter" idx="12"/>
+          </p:nvPr>
+        </p:nvSpPr>
+        <p:spPr/>
+        <p:txBody>
+          <a:bodyPr/>
+          <a:lstStyle/>
+          <a:p>
+            <a:fld id="{5FB0F42B-CAA9-4D4F-86CF-07230423CC99}" type="slidenum">
+              <a:rPr lang="en-US" smtClean="0"/>
+              <a:t>9</a:t>
+            </a:fld>
+            <a:endParaRPr lang="en-US"/>
+          </a:p>
+        </p:txBody>
+      </p:sp>
+      <p:sp>
+        <p:nvSpPr>
+          <p:cNvPr id="9" name="TextBox 8">
+            <a:extLst>
+              <a:ext uri="{FF2B5EF4-FFF2-40B4-BE49-F238E27FC236}">
+                <a16:creationId xmlns:a16="http://schemas.microsoft.com/office/drawing/2014/main" id="{279EC8C1-3D7B-4800-ADC3-7C5D524F541F}"/>
+              </a:ext>
+            </a:extLst>
+          </p:cNvPr>
+          <p:cNvSpPr txBox="1"/>
+          <p:nvPr/>
+        </p:nvSpPr>
+        <p:spPr>
+          <a:xfrm>
+            <a:off x="1054774" y="5261966"/>
+            <a:ext cx="6216162" cy="369332"/>
+          </a:xfrm>
+          <a:prstGeom prst="rect">
+            <a:avLst/>
+          </a:prstGeom>
+          <a:noFill/>
+        </p:spPr>
+        <p:txBody>
+          <a:bodyPr wrap="square" rtlCol="0">
+            <a:spAutoFit/>
+          </a:bodyPr>
+          <a:lstStyle/>
+          <a:p>
+            <a:r>
+              <a:rPr lang="en-US" i="1" dirty="0"/>
+              <a:t>New Organization Form for SOS16 Scenario</a:t>
+            </a:r>
+          </a:p>
+        </p:txBody>
+      </p:sp>
+      <p:sp>
+        <p:nvSpPr>
+          <p:cNvPr id="10" name="TextBox 9">
+            <a:extLst>
+              <a:ext uri="{FF2B5EF4-FFF2-40B4-BE49-F238E27FC236}">
+                <a16:creationId xmlns:a16="http://schemas.microsoft.com/office/drawing/2014/main" id="{C2271CC5-0F51-4FE5-99E1-B73428DA9C90}"/>
+              </a:ext>
+            </a:extLst>
+          </p:cNvPr>
+          <p:cNvSpPr txBox="1"/>
+          <p:nvPr/>
+        </p:nvSpPr>
+        <p:spPr>
+          <a:xfrm>
+            <a:off x="8191506" y="5374858"/>
+            <a:ext cx="2699277" cy="369332"/>
+          </a:xfrm>
+          <a:prstGeom prst="rect">
+            <a:avLst/>
+          </a:prstGeom>
+          <a:noFill/>
+        </p:spPr>
+        <p:txBody>
+          <a:bodyPr wrap="square" rtlCol="0">
+            <a:spAutoFit/>
+          </a:bodyPr>
+          <a:lstStyle/>
+          <a:p>
+            <a:r>
+              <a:rPr lang="en-US" i="1" dirty="0"/>
+              <a:t>Resulting Organization</a:t>
+            </a:r>
+          </a:p>
+        </p:txBody>
+      </p:sp>
     </p:spTree>
     <p:extLst>
       <p:ext uri="{BB962C8B-B14F-4D97-AF65-F5344CB8AC3E}">
@@ -18841,76 +20854,16 @@
         <a:srgbClr val="F4B69B"/>
       </a:folHlink>
     </a:clrScheme>
-    <a:fontScheme name="Slate">
+    <a:fontScheme name="Custom 2">
       <a:majorFont>
-        <a:latin typeface="Calisto MT" panose="02040603050505030304"/>
+        <a:latin typeface="Times New Roman"/>
         <a:ea typeface=""/>
         <a:cs typeface=""/>
-        <a:font script="Jpan" typeface="ＭＳ Ｐゴシック"/>
-        <a:font script="Hang" typeface="돋움"/>
-        <a:font script="Hans" typeface="方正舒体"/>
-        <a:font script="Hant" typeface="微軟正黑體"/>
-        <a:font script="Arab" typeface="Arial"/>
-        <a:font script="Hebr" typeface="Arial"/>
-        <a:font script="Thai" typeface="Cordia New"/>
-        <a:font script="Ethi" typeface="Nyala"/>
-        <a:font script="Beng" typeface="Vrinda"/>
-        <a:font script="Gujr" typeface="Shruti"/>
-        <a:font script="Khmr" typeface="DaunPenh"/>
-        <a:font script="Knda" typeface="Tunga"/>
-        <a:font script="Guru" typeface="Raavi"/>
-        <a:font script="Cans" typeface="Euphemia"/>
-        <a:font script="Cher" typeface="Plantagenet Cherokee"/>
-        <a:font script="Yiii" typeface="Microsoft Yi Baiti"/>
-        <a:font script="Tibt" typeface="Microsoft Himalaya"/>
-        <a:font script="Thaa" typeface="MV Boli"/>
-        <a:font script="Deva" typeface="Mangal"/>
-        <a:font script="Telu" typeface="Gautami"/>
-        <a:font script="Taml" typeface="Latha"/>
-        <a:font script="Syrc" typeface="Estrangelo Edessa"/>
-        <a:font script="Orya" typeface="Kalinga"/>
-        <a:font script="Mlym" typeface="Kartika"/>
-        <a:font script="Laoo" typeface="DokChampa"/>
-        <a:font script="Sinh" typeface="Iskoola Pota"/>
-        <a:font script="Mong" typeface="Mongolian Baiti"/>
-        <a:font script="Viet" typeface="Arial"/>
-        <a:font script="Uigh" typeface="Microsoft Uighur"/>
-        <a:font script="Geor" typeface="Sylfaen"/>
       </a:majorFont>
       <a:minorFont>
-        <a:latin typeface="Calisto MT" panose="02040603050505030304"/>
+        <a:latin typeface="Times New Roman"/>
         <a:ea typeface=""/>
         <a:cs typeface=""/>
-        <a:font script="Jpan" typeface="ＭＳ Ｐゴシック"/>
-        <a:font script="Hang" typeface="돋움"/>
-        <a:font script="Hans" typeface="方正舒体"/>
-        <a:font script="Hant" typeface="微軟正黑體"/>
-        <a:font script="Arab" typeface="Arial"/>
-        <a:font script="Hebr" typeface="Arial"/>
-        <a:font script="Thai" typeface="Cordia New"/>
-        <a:font script="Ethi" typeface="Nyala"/>
-        <a:font script="Beng" typeface="Vrinda"/>
-        <a:font script="Gujr" typeface="Shruti"/>
-        <a:font script="Khmr" typeface="DaunPenh"/>
-        <a:font script="Knda" typeface="Tunga"/>
-        <a:font script="Guru" typeface="Raavi"/>
-        <a:font script="Cans" typeface="Euphemia"/>
-        <a:font script="Cher" typeface="Plantagenet Cherokee"/>
-        <a:font script="Yiii" typeface="Microsoft Yi Baiti"/>
-        <a:font script="Tibt" typeface="Microsoft Himalaya"/>
-        <a:font script="Thaa" typeface="MV Boli"/>
-        <a:font script="Deva" typeface="Mangal"/>
-        <a:font script="Telu" typeface="Gautami"/>
-        <a:font script="Taml" typeface="Latha"/>
-        <a:font script="Syrc" typeface="Estrangelo Edessa"/>
-        <a:font script="Orya" typeface="Kalinga"/>
-        <a:font script="Mlym" typeface="Kartika"/>
-        <a:font script="Laoo" typeface="DokChampa"/>
-        <a:font script="Sinh" typeface="Iskoola Pota"/>
-        <a:font script="Mong" typeface="Mongolian Baiti"/>
-        <a:font script="Viet" typeface="Arial"/>
-        <a:font script="Uigh" typeface="Microsoft Uighur"/>
-        <a:font script="Geor" typeface="Sylfaen"/>
       </a:minorFont>
     </a:fontScheme>
     <a:fmtScheme name="Slate">

--- a/specifications/deliv1/SOS Deliverable 1 Presentation.pptx
+++ b/specifications/deliv1/SOS Deliverable 1 Presentation.pptx
@@ -5,7 +5,7 @@
     <p:sldMasterId id="2147483660" r:id="rId1"/>
   </p:sldMasterIdLst>
   <p:notesMasterIdLst>
-    <p:notesMasterId r:id="rId18"/>
+    <p:notesMasterId r:id="rId17"/>
   </p:notesMasterIdLst>
   <p:sldIdLst>
     <p:sldId id="256" r:id="rId2"/>
@@ -17,13 +17,12 @@
     <p:sldId id="262" r:id="rId8"/>
     <p:sldId id="263" r:id="rId9"/>
     <p:sldId id="264" r:id="rId10"/>
-    <p:sldId id="273" r:id="rId11"/>
-    <p:sldId id="271" r:id="rId12"/>
-    <p:sldId id="266" r:id="rId13"/>
-    <p:sldId id="267" r:id="rId14"/>
-    <p:sldId id="268" r:id="rId15"/>
-    <p:sldId id="269" r:id="rId16"/>
-    <p:sldId id="270" r:id="rId17"/>
+    <p:sldId id="271" r:id="rId11"/>
+    <p:sldId id="266" r:id="rId12"/>
+    <p:sldId id="267" r:id="rId13"/>
+    <p:sldId id="268" r:id="rId14"/>
+    <p:sldId id="269" r:id="rId15"/>
+    <p:sldId id="270" r:id="rId16"/>
   </p:sldIdLst>
   <p:sldSz cx="12192000" cy="6858000"/>
   <p:notesSz cx="6858000" cy="9144000"/>
@@ -9722,7 +9721,7 @@
           <a:p>
             <a:fld id="{EF0E9F11-5378-4ADA-BF65-D7EDB1D950CD}" type="slidenum">
               <a:rPr lang="en-US" smtClean="0"/>
-              <a:t>13</a:t>
+              <a:t>12</a:t>
             </a:fld>
             <a:endParaRPr lang="en-US"/>
           </a:p>
@@ -9812,7 +9811,7 @@
           <a:p>
             <a:fld id="{EF0E9F11-5378-4ADA-BF65-D7EDB1D950CD}" type="slidenum">
               <a:rPr lang="en-US" smtClean="0"/>
-              <a:t>15</a:t>
+              <a:t>14</a:t>
             </a:fld>
             <a:endParaRPr lang="en-US"/>
           </a:p>
@@ -9899,7 +9898,7 @@
           <a:p>
             <a:fld id="{EF0E9F11-5378-4ADA-BF65-D7EDB1D950CD}" type="slidenum">
               <a:rPr lang="en-US" smtClean="0"/>
-              <a:t>16</a:t>
+              <a:t>15</a:t>
             </a:fld>
             <a:endParaRPr lang="en-US"/>
           </a:p>
@@ -16104,283 +16103,6 @@
           <p:cNvPr id="2" name="Title 1">
             <a:extLst>
               <a:ext uri="{FF2B5EF4-FFF2-40B4-BE49-F238E27FC236}">
-                <a16:creationId xmlns:a16="http://schemas.microsoft.com/office/drawing/2014/main" id="{0666A077-B6FB-4817-9FCE-F0B9734ADCFA}"/>
-              </a:ext>
-            </a:extLst>
-          </p:cNvPr>
-          <p:cNvSpPr>
-            <a:spLocks noGrp="1"/>
-          </p:cNvSpPr>
-          <p:nvPr>
-            <p:ph type="title"/>
-          </p:nvPr>
-        </p:nvSpPr>
-        <p:spPr>
-          <a:xfrm>
-            <a:off x="526073" y="361016"/>
-            <a:ext cx="11139854" cy="930447"/>
-          </a:xfrm>
-        </p:spPr>
-        <p:txBody>
-          <a:bodyPr vert="horz" lIns="91440" tIns="45720" rIns="91440" bIns="45720" rtlCol="0" anchor="b">
-            <a:normAutofit/>
-          </a:bodyPr>
-          <a:lstStyle/>
-          <a:p>
-            <a:pPr algn="ctr"/>
-            <a:r>
-              <a:rPr lang="en-US" dirty="0">
-                <a:solidFill>
-                  <a:srgbClr val="FFFFFF"/>
-                </a:solidFill>
-              </a:rPr>
-              <a:t>User Interface Design SOS16</a:t>
-            </a:r>
-          </a:p>
-        </p:txBody>
-      </p:sp>
-      <p:pic>
-        <p:nvPicPr>
-          <p:cNvPr id="5" name="Content Placeholder 4" descr="A screenshot of a computer&#10;&#10;Description automatically generated">
-            <a:extLst>
-              <a:ext uri="{FF2B5EF4-FFF2-40B4-BE49-F238E27FC236}">
-                <a16:creationId xmlns:a16="http://schemas.microsoft.com/office/drawing/2014/main" id="{A906F036-35FF-4D3A-A731-68820BB65DDE}"/>
-              </a:ext>
-            </a:extLst>
-          </p:cNvPr>
-          <p:cNvPicPr>
-            <a:picLocks noGrp="1" noChangeAspect="1"/>
-          </p:cNvPicPr>
-          <p:nvPr>
-            <p:ph idx="1"/>
-          </p:nvPr>
-        </p:nvPicPr>
-        <p:blipFill rotWithShape="1">
-          <a:blip r:embed="rId2">
-            <a:extLst>
-              <a:ext uri="{28A0092B-C50C-407E-A947-70E740481C1C}">
-                <a14:useLocalDpi xmlns:a14="http://schemas.microsoft.com/office/drawing/2010/main" val="0"/>
-              </a:ext>
-            </a:extLst>
-          </a:blip>
-          <a:srcRect l="15990" t="25942" r="16582" b="7559"/>
-          <a:stretch/>
-        </p:blipFill>
-        <p:spPr>
-          <a:xfrm>
-            <a:off x="913795" y="1623358"/>
-            <a:ext cx="6498120" cy="3604846"/>
-          </a:xfrm>
-          <a:prstGeom prst="rect">
-            <a:avLst/>
-          </a:prstGeom>
-        </p:spPr>
-      </p:pic>
-      <p:pic>
-        <p:nvPicPr>
-          <p:cNvPr id="7" name="Picture 6" descr="A screenshot of a social media post&#10;&#10;Description automatically generated">
-            <a:extLst>
-              <a:ext uri="{FF2B5EF4-FFF2-40B4-BE49-F238E27FC236}">
-                <a16:creationId xmlns:a16="http://schemas.microsoft.com/office/drawing/2014/main" id="{946776CE-C8BE-43FC-8407-ADA4DF10BB23}"/>
-              </a:ext>
-            </a:extLst>
-          </p:cNvPr>
-          <p:cNvPicPr>
-            <a:picLocks noChangeAspect="1"/>
-          </p:cNvPicPr>
-          <p:nvPr/>
-        </p:nvPicPr>
-        <p:blipFill rotWithShape="1">
-          <a:blip r:embed="rId3">
-            <a:extLst>
-              <a:ext uri="{28A0092B-C50C-407E-A947-70E740481C1C}">
-                <a14:useLocalDpi xmlns:a14="http://schemas.microsoft.com/office/drawing/2010/main" val="0"/>
-              </a:ext>
-            </a:extLst>
-          </a:blip>
-          <a:srcRect l="24292" t="21927" r="49985" b="9317"/>
-          <a:stretch/>
-        </p:blipFill>
-        <p:spPr>
-          <a:xfrm>
-            <a:off x="8191506" y="1291463"/>
-            <a:ext cx="2699277" cy="4058426"/>
-          </a:xfrm>
-          <a:prstGeom prst="rect">
-            <a:avLst/>
-          </a:prstGeom>
-        </p:spPr>
-      </p:pic>
-      <p:sp>
-        <p:nvSpPr>
-          <p:cNvPr id="6" name="Footer Placeholder 5">
-            <a:extLst>
-              <a:ext uri="{FF2B5EF4-FFF2-40B4-BE49-F238E27FC236}">
-                <a16:creationId xmlns:a16="http://schemas.microsoft.com/office/drawing/2014/main" id="{C030A3F1-24D3-419B-81B8-1987ED900FFB}"/>
-              </a:ext>
-            </a:extLst>
-          </p:cNvPr>
-          <p:cNvSpPr>
-            <a:spLocks noGrp="1"/>
-          </p:cNvSpPr>
-          <p:nvPr>
-            <p:ph type="ftr" sz="quarter" idx="11"/>
-          </p:nvPr>
-        </p:nvSpPr>
-        <p:spPr/>
-        <p:txBody>
-          <a:bodyPr/>
-          <a:lstStyle/>
-          <a:p>
-            <a:r>
-              <a:rPr lang="en-US"/>
-              <a:t>Student Organization System - Software Requirements Document</a:t>
-            </a:r>
-          </a:p>
-        </p:txBody>
-      </p:sp>
-      <p:sp>
-        <p:nvSpPr>
-          <p:cNvPr id="8" name="Slide Number Placeholder 7">
-            <a:extLst>
-              <a:ext uri="{FF2B5EF4-FFF2-40B4-BE49-F238E27FC236}">
-                <a16:creationId xmlns:a16="http://schemas.microsoft.com/office/drawing/2014/main" id="{E2EC5D1F-EB62-4030-AFB3-F8EE8D42F46F}"/>
-              </a:ext>
-            </a:extLst>
-          </p:cNvPr>
-          <p:cNvSpPr>
-            <a:spLocks noGrp="1"/>
-          </p:cNvSpPr>
-          <p:nvPr>
-            <p:ph type="sldNum" sz="quarter" idx="12"/>
-          </p:nvPr>
-        </p:nvSpPr>
-        <p:spPr/>
-        <p:txBody>
-          <a:bodyPr/>
-          <a:lstStyle/>
-          <a:p>
-            <a:fld id="{5FB0F42B-CAA9-4D4F-86CF-07230423CC99}" type="slidenum">
-              <a:rPr lang="en-US" smtClean="0"/>
-              <a:t>10</a:t>
-            </a:fld>
-            <a:endParaRPr lang="en-US"/>
-          </a:p>
-        </p:txBody>
-      </p:sp>
-      <p:sp>
-        <p:nvSpPr>
-          <p:cNvPr id="9" name="TextBox 8">
-            <a:extLst>
-              <a:ext uri="{FF2B5EF4-FFF2-40B4-BE49-F238E27FC236}">
-                <a16:creationId xmlns:a16="http://schemas.microsoft.com/office/drawing/2014/main" id="{279EC8C1-3D7B-4800-ADC3-7C5D524F541F}"/>
-              </a:ext>
-            </a:extLst>
-          </p:cNvPr>
-          <p:cNvSpPr txBox="1"/>
-          <p:nvPr/>
-        </p:nvSpPr>
-        <p:spPr>
-          <a:xfrm>
-            <a:off x="1054774" y="5261966"/>
-            <a:ext cx="6216162" cy="369332"/>
-          </a:xfrm>
-          <a:prstGeom prst="rect">
-            <a:avLst/>
-          </a:prstGeom>
-          <a:noFill/>
-        </p:spPr>
-        <p:txBody>
-          <a:bodyPr wrap="square" rtlCol="0">
-            <a:spAutoFit/>
-          </a:bodyPr>
-          <a:lstStyle/>
-          <a:p>
-            <a:r>
-              <a:rPr lang="en-US" i="1" dirty="0"/>
-              <a:t>New Organization Form for SOS16 Scenario</a:t>
-            </a:r>
-          </a:p>
-        </p:txBody>
-      </p:sp>
-      <p:sp>
-        <p:nvSpPr>
-          <p:cNvPr id="10" name="TextBox 9">
-            <a:extLst>
-              <a:ext uri="{FF2B5EF4-FFF2-40B4-BE49-F238E27FC236}">
-                <a16:creationId xmlns:a16="http://schemas.microsoft.com/office/drawing/2014/main" id="{C2271CC5-0F51-4FE5-99E1-B73428DA9C90}"/>
-              </a:ext>
-            </a:extLst>
-          </p:cNvPr>
-          <p:cNvSpPr txBox="1"/>
-          <p:nvPr/>
-        </p:nvSpPr>
-        <p:spPr>
-          <a:xfrm>
-            <a:off x="8191506" y="5374858"/>
-            <a:ext cx="2699277" cy="369332"/>
-          </a:xfrm>
-          <a:prstGeom prst="rect">
-            <a:avLst/>
-          </a:prstGeom>
-          <a:noFill/>
-        </p:spPr>
-        <p:txBody>
-          <a:bodyPr wrap="square" rtlCol="0">
-            <a:spAutoFit/>
-          </a:bodyPr>
-          <a:lstStyle/>
-          <a:p>
-            <a:r>
-              <a:rPr lang="en-US" i="1" dirty="0"/>
-              <a:t>Resulting Organization</a:t>
-            </a:r>
-          </a:p>
-        </p:txBody>
-      </p:sp>
-    </p:spTree>
-    <p:extLst>
-      <p:ext uri="{BB962C8B-B14F-4D97-AF65-F5344CB8AC3E}">
-        <p14:creationId xmlns:p14="http://schemas.microsoft.com/office/powerpoint/2010/main" val="2307572880"/>
-      </p:ext>
-    </p:extLst>
-  </p:cSld>
-  <p:clrMapOvr>
-    <a:masterClrMapping/>
-  </p:clrMapOvr>
-</p:sld>
-</file>
-
-<file path=ppt/slides/slide11.xml><?xml version="1.0" encoding="utf-8"?>
-<p:sld xmlns:a="http://schemas.openxmlformats.org/drawingml/2006/main" xmlns:r="http://schemas.openxmlformats.org/officeDocument/2006/relationships" xmlns:p="http://schemas.openxmlformats.org/presentationml/2006/main">
-  <p:cSld>
-    <p:bg>
-      <p:bgPr>
-        <a:solidFill>
-          <a:schemeClr val="bg1"/>
-        </a:solidFill>
-        <a:effectLst/>
-      </p:bgPr>
-    </p:bg>
-    <p:spTree>
-      <p:nvGrpSpPr>
-        <p:cNvPr id="1" name=""/>
-        <p:cNvGrpSpPr/>
-        <p:nvPr/>
-      </p:nvGrpSpPr>
-      <p:grpSpPr>
-        <a:xfrm>
-          <a:off x="0" y="0"/>
-          <a:ext cx="0" cy="0"/>
-          <a:chOff x="0" y="0"/>
-          <a:chExt cx="0" cy="0"/>
-        </a:xfrm>
-      </p:grpSpPr>
-      <p:sp>
-        <p:nvSpPr>
-          <p:cNvPr id="2" name="Title 1">
-            <a:extLst>
-              <a:ext uri="{FF2B5EF4-FFF2-40B4-BE49-F238E27FC236}">
                 <a16:creationId xmlns:a16="http://schemas.microsoft.com/office/drawing/2014/main" id="{02E6FE26-F133-4E4B-AECF-BBE8599EC259}"/>
               </a:ext>
             </a:extLst>
@@ -16489,7 +16211,7 @@
           <a:p>
             <a:fld id="{5FB0F42B-CAA9-4D4F-86CF-07230423CC99}" type="slidenum">
               <a:rPr lang="en-US" smtClean="0"/>
-              <a:t>11</a:t>
+              <a:t>10</a:t>
             </a:fld>
             <a:endParaRPr lang="en-US"/>
           </a:p>
@@ -16860,7 +16582,7 @@
 </p:sld>
 </file>
 
-<file path=ppt/slides/slide12.xml><?xml version="1.0" encoding="utf-8"?>
+<file path=ppt/slides/slide11.xml><?xml version="1.0" encoding="utf-8"?>
 <p:sld xmlns:a="http://schemas.openxmlformats.org/drawingml/2006/main" xmlns:r="http://schemas.openxmlformats.org/officeDocument/2006/relationships" xmlns:p="http://schemas.openxmlformats.org/presentationml/2006/main">
   <p:cSld>
     <p:bg>
@@ -17030,7 +16752,7 @@
           <a:p>
             <a:fld id="{5FB0F42B-CAA9-4D4F-86CF-07230423CC99}" type="slidenum">
               <a:rPr lang="en-US" smtClean="0"/>
-              <a:t>12</a:t>
+              <a:t>11</a:t>
             </a:fld>
             <a:endParaRPr lang="en-US"/>
           </a:p>
@@ -17049,7 +16771,7 @@
 </p:sld>
 </file>
 
-<file path=ppt/slides/slide13.xml><?xml version="1.0" encoding="utf-8"?>
+<file path=ppt/slides/slide12.xml><?xml version="1.0" encoding="utf-8"?>
 <p:sld xmlns:a="http://schemas.openxmlformats.org/drawingml/2006/main" xmlns:r="http://schemas.openxmlformats.org/officeDocument/2006/relationships" xmlns:p="http://schemas.openxmlformats.org/presentationml/2006/main">
   <p:cSld>
     <p:bg>
@@ -17236,7 +16958,7 @@
           <a:p>
             <a:fld id="{5FB0F42B-CAA9-4D4F-86CF-07230423CC99}" type="slidenum">
               <a:rPr lang="en-US" smtClean="0"/>
-              <a:t>13</a:t>
+              <a:t>12</a:t>
             </a:fld>
             <a:endParaRPr lang="en-US"/>
           </a:p>
@@ -17255,7 +16977,7 @@
 </p:sld>
 </file>
 
-<file path=ppt/slides/slide14.xml><?xml version="1.0" encoding="utf-8"?>
+<file path=ppt/slides/slide13.xml><?xml version="1.0" encoding="utf-8"?>
 <p:sld xmlns:a="http://schemas.openxmlformats.org/drawingml/2006/main" xmlns:r="http://schemas.openxmlformats.org/officeDocument/2006/relationships" xmlns:p="http://schemas.openxmlformats.org/presentationml/2006/main">
   <p:cSld>
     <p:bg>
@@ -17396,7 +17118,7 @@
           <a:p>
             <a:fld id="{5FB0F42B-CAA9-4D4F-86CF-07230423CC99}" type="slidenum">
               <a:rPr lang="en-US" smtClean="0"/>
-              <a:t>14</a:t>
+              <a:t>13</a:t>
             </a:fld>
             <a:endParaRPr lang="en-US"/>
           </a:p>
@@ -17415,7 +17137,7 @@
 </p:sld>
 </file>
 
-<file path=ppt/slides/slide15.xml><?xml version="1.0" encoding="utf-8"?>
+<file path=ppt/slides/slide14.xml><?xml version="1.0" encoding="utf-8"?>
 <p:sld xmlns:a="http://schemas.openxmlformats.org/drawingml/2006/main" xmlns:r="http://schemas.openxmlformats.org/officeDocument/2006/relationships" xmlns:p="http://schemas.openxmlformats.org/presentationml/2006/main">
   <p:cSld>
     <p:bg>
@@ -17557,7 +17279,7 @@
           <a:p>
             <a:fld id="{5FB0F42B-CAA9-4D4F-86CF-07230423CC99}" type="slidenum">
               <a:rPr lang="en-US" smtClean="0"/>
-              <a:t>15</a:t>
+              <a:t>14</a:t>
             </a:fld>
             <a:endParaRPr lang="en-US"/>
           </a:p>
@@ -17576,7 +17298,7 @@
 </p:sld>
 </file>
 
-<file path=ppt/slides/slide16.xml><?xml version="1.0" encoding="utf-8"?>
+<file path=ppt/slides/slide15.xml><?xml version="1.0" encoding="utf-8"?>
 <p:sld xmlns:a="http://schemas.openxmlformats.org/drawingml/2006/main" xmlns:r="http://schemas.openxmlformats.org/officeDocument/2006/relationships" xmlns:p="http://schemas.openxmlformats.org/presentationml/2006/main">
   <p:cSld>
     <p:spTree>

--- a/specifications/deliv1/SOS Deliverable 1 Presentation.pptx
+++ b/specifications/deliv1/SOS Deliverable 1 Presentation.pptx
@@ -15946,14 +15946,14 @@
         </p:nvSpPr>
         <p:spPr>
           <a:xfrm>
-            <a:off x="4429917" y="3598341"/>
-            <a:ext cx="3321586" cy="2098435"/>
+            <a:off x="3628007" y="3591683"/>
+            <a:ext cx="4935985" cy="2812002"/>
           </a:xfrm>
           <a:effectLst/>
         </p:spPr>
         <p:txBody>
           <a:bodyPr anchor="ctr">
-            <a:normAutofit fontScale="32500" lnSpcReduction="20000"/>
+            <a:normAutofit fontScale="40000" lnSpcReduction="20000"/>
           </a:bodyPr>
           <a:lstStyle/>
           <a:p>
@@ -15963,7 +15963,7 @@
               </a:lnSpc>
             </a:pPr>
             <a:r>
-              <a:rPr lang="en-US" sz="4000" dirty="0"/>
+              <a:rPr lang="en-US" sz="5600" dirty="0"/>
               <a:t>Armando J. Ochoa – Primary Facilitator</a:t>
             </a:r>
           </a:p>
@@ -15974,11 +15974,11 @@
               </a:lnSpc>
             </a:pPr>
             <a:r>
-              <a:rPr lang="en-US" sz="4000" dirty="0" err="1"/>
+              <a:rPr lang="en-US" sz="5600" dirty="0" err="1"/>
               <a:t>Yovanni</a:t>
             </a:r>
             <a:r>
-              <a:rPr lang="en-US" sz="4000" dirty="0"/>
+              <a:rPr lang="en-US" sz="5600" dirty="0"/>
               <a:t> Jones – Developer</a:t>
             </a:r>
           </a:p>
@@ -15989,15 +15989,15 @@
               </a:lnSpc>
             </a:pPr>
             <a:r>
-              <a:rPr lang="en-US" sz="4000" dirty="0"/>
+              <a:rPr lang="en-US" sz="5600" dirty="0"/>
               <a:t>Anthony Sanchez-</a:t>
             </a:r>
             <a:r>
-              <a:rPr lang="en-US" sz="4000" dirty="0" err="1"/>
+              <a:rPr lang="en-US" sz="5600" dirty="0" err="1"/>
               <a:t>Ayra</a:t>
             </a:r>
             <a:r>
-              <a:rPr lang="en-US" sz="4000" dirty="0"/>
+              <a:rPr lang="en-US" sz="5600" dirty="0"/>
               <a:t> – Team Leader</a:t>
             </a:r>
           </a:p>
@@ -16008,11 +16008,11 @@
               </a:lnSpc>
             </a:pPr>
             <a:r>
-              <a:rPr lang="en-US" sz="4000" dirty="0" err="1"/>
+              <a:rPr lang="en-US" sz="5600" dirty="0" err="1"/>
               <a:t>Teriq</a:t>
             </a:r>
             <a:r>
-              <a:rPr lang="en-US" sz="4000" dirty="0"/>
+              <a:rPr lang="en-US" sz="5600" dirty="0"/>
               <a:t> Douglas – Minute Taker</a:t>
             </a:r>
           </a:p>
@@ -16023,19 +16023,19 @@
               </a:lnSpc>
             </a:pPr>
             <a:r>
-              <a:rPr lang="en-US" sz="4000" dirty="0" err="1"/>
+              <a:rPr lang="en-US" sz="5600" dirty="0" err="1"/>
               <a:t>M.Kian</a:t>
             </a:r>
             <a:r>
-              <a:rPr lang="en-US" sz="4000" dirty="0"/>
+              <a:rPr lang="en-US" sz="5600" dirty="0"/>
               <a:t> </a:t>
             </a:r>
             <a:r>
-              <a:rPr lang="en-US" sz="4000" dirty="0" err="1"/>
+              <a:rPr lang="en-US" sz="5600" dirty="0" err="1"/>
               <a:t>Maroofi</a:t>
             </a:r>
             <a:r>
-              <a:rPr lang="en-US" sz="4000" dirty="0"/>
+              <a:rPr lang="en-US" sz="5600" dirty="0"/>
               <a:t> – Time Keeper</a:t>
             </a:r>
           </a:p>
@@ -16046,7 +16046,7 @@
               </a:lnSpc>
             </a:pPr>
             <a:r>
-              <a:rPr lang="en-US" sz="4000" dirty="0"/>
+              <a:rPr lang="en-US" sz="5600" dirty="0"/>
               <a:t>Date: 10/01/2019</a:t>
             </a:r>
           </a:p>
@@ -17431,7 +17431,6 @@
                 <a:tint val="98000"/>
               </a:schemeClr>
             </a:duotone>
-            <a:extLst/>
           </a:blip>
           <a:stretch/>
         </a:blipFill>
@@ -18166,7 +18165,6 @@
                 <a:tint val="98000"/>
               </a:schemeClr>
             </a:duotone>
-            <a:extLst/>
           </a:blip>
           <a:stretch/>
         </a:blipFill>
@@ -18495,7 +18493,6 @@
                 <a:tint val="98000"/>
               </a:schemeClr>
             </a:duotone>
-            <a:extLst/>
           </a:blip>
           <a:stretch/>
         </a:blipFill>
@@ -18917,7 +18914,6 @@
                 <a:tint val="98000"/>
               </a:schemeClr>
             </a:duotone>
-            <a:extLst/>
           </a:blip>
           <a:stretch/>
         </a:blipFill>
@@ -19364,7 +19360,6 @@
                 <a:tint val="98000"/>
               </a:schemeClr>
             </a:duotone>
-            <a:extLst/>
           </a:blip>
           <a:stretch/>
         </a:blipFill>
@@ -19596,7 +19591,7 @@
             </a:pPr>
             <a:r>
               <a:rPr lang="en-US" sz="2200" dirty="0"/>
-              <a:t>User  is logged in.</a:t>
+              <a:t>User is logged in.</a:t>
             </a:r>
           </a:p>
           <a:p>
@@ -19820,7 +19815,6 @@
                 <a:tint val="98000"/>
               </a:schemeClr>
             </a:duotone>
-            <a:extLst/>
           </a:blip>
           <a:stretch/>
         </a:blipFill>
